--- a/Presentation Slides.pptx
+++ b/Presentation Slides.pptx
@@ -13,11 +13,11 @@
     <p:sldId id="261" r:id="rId4"/>
     <p:sldId id="260" r:id="rId5"/>
     <p:sldId id="262" r:id="rId6"/>
-    <p:sldId id="263" r:id="rId7"/>
-    <p:sldId id="265" r:id="rId8"/>
-    <p:sldId id="266" r:id="rId9"/>
-    <p:sldId id="267" r:id="rId10"/>
-    <p:sldId id="268" r:id="rId11"/>
+    <p:sldId id="266" r:id="rId7"/>
+    <p:sldId id="267" r:id="rId8"/>
+    <p:sldId id="268" r:id="rId9"/>
+    <p:sldId id="263" r:id="rId10"/>
+    <p:sldId id="265" r:id="rId11"/>
     <p:sldId id="269" r:id="rId12"/>
     <p:sldId id="270" r:id="rId13"/>
     <p:sldId id="274" r:id="rId14"/>
@@ -1661,753 +1661,6 @@
 </file>
 
 <file path=ppt/diagrams/colors3.xml><?xml version="1.0" encoding="utf-8"?>
-<dgm:colorsDef xmlns:dgm="http://schemas.openxmlformats.org/drawingml/2006/diagram" xmlns:a="http://schemas.openxmlformats.org/drawingml/2006/main" uniqueId="urn:microsoft.com/office/officeart/2005/8/colors/accent1_2">
-  <dgm:title val=""/>
-  <dgm:desc val=""/>
-  <dgm:catLst>
-    <dgm:cat type="accent1" pri="11200"/>
-  </dgm:catLst>
-  <dgm:styleLbl name="node0">
-    <dgm:fillClrLst meth="repeat">
-      <a:schemeClr val="accent1"/>
-    </dgm:fillClrLst>
-    <dgm:linClrLst meth="repeat">
-      <a:schemeClr val="lt1"/>
-    </dgm:linClrLst>
-    <dgm:effectClrLst/>
-    <dgm:txLinClrLst/>
-    <dgm:txFillClrLst/>
-    <dgm:txEffectClrLst/>
-  </dgm:styleLbl>
-  <dgm:styleLbl name="alignNode1">
-    <dgm:fillClrLst meth="repeat">
-      <a:schemeClr val="accent1"/>
-    </dgm:fillClrLst>
-    <dgm:linClrLst meth="repeat">
-      <a:schemeClr val="accent1"/>
-    </dgm:linClrLst>
-    <dgm:effectClrLst/>
-    <dgm:txLinClrLst/>
-    <dgm:txFillClrLst/>
-    <dgm:txEffectClrLst/>
-  </dgm:styleLbl>
-  <dgm:styleLbl name="node1">
-    <dgm:fillClrLst meth="repeat">
-      <a:schemeClr val="accent1"/>
-    </dgm:fillClrLst>
-    <dgm:linClrLst meth="repeat">
-      <a:schemeClr val="lt1"/>
-    </dgm:linClrLst>
-    <dgm:effectClrLst/>
-    <dgm:txLinClrLst/>
-    <dgm:txFillClrLst/>
-    <dgm:txEffectClrLst/>
-  </dgm:styleLbl>
-  <dgm:styleLbl name="lnNode1">
-    <dgm:fillClrLst meth="repeat">
-      <a:schemeClr val="accent1"/>
-    </dgm:fillClrLst>
-    <dgm:linClrLst meth="repeat">
-      <a:schemeClr val="lt1"/>
-    </dgm:linClrLst>
-    <dgm:effectClrLst/>
-    <dgm:txLinClrLst/>
-    <dgm:txFillClrLst/>
-    <dgm:txEffectClrLst/>
-  </dgm:styleLbl>
-  <dgm:styleLbl name="vennNode1">
-    <dgm:fillClrLst meth="repeat">
-      <a:schemeClr val="accent1">
-        <a:alpha val="50000"/>
-      </a:schemeClr>
-    </dgm:fillClrLst>
-    <dgm:linClrLst meth="repeat">
-      <a:schemeClr val="lt1"/>
-    </dgm:linClrLst>
-    <dgm:effectClrLst/>
-    <dgm:txLinClrLst/>
-    <dgm:txFillClrLst/>
-    <dgm:txEffectClrLst/>
-  </dgm:styleLbl>
-  <dgm:styleLbl name="node2">
-    <dgm:fillClrLst meth="repeat">
-      <a:schemeClr val="accent1"/>
-    </dgm:fillClrLst>
-    <dgm:linClrLst meth="repeat">
-      <a:schemeClr val="lt1"/>
-    </dgm:linClrLst>
-    <dgm:effectClrLst/>
-    <dgm:txLinClrLst/>
-    <dgm:txFillClrLst/>
-    <dgm:txEffectClrLst/>
-  </dgm:styleLbl>
-  <dgm:styleLbl name="node3">
-    <dgm:fillClrLst meth="repeat">
-      <a:schemeClr val="accent1"/>
-    </dgm:fillClrLst>
-    <dgm:linClrLst meth="repeat">
-      <a:schemeClr val="lt1"/>
-    </dgm:linClrLst>
-    <dgm:effectClrLst/>
-    <dgm:txLinClrLst/>
-    <dgm:txFillClrLst/>
-    <dgm:txEffectClrLst/>
-  </dgm:styleLbl>
-  <dgm:styleLbl name="node4">
-    <dgm:fillClrLst meth="repeat">
-      <a:schemeClr val="accent1"/>
-    </dgm:fillClrLst>
-    <dgm:linClrLst meth="repeat">
-      <a:schemeClr val="lt1"/>
-    </dgm:linClrLst>
-    <dgm:effectClrLst/>
-    <dgm:txLinClrLst/>
-    <dgm:txFillClrLst/>
-    <dgm:txEffectClrLst/>
-  </dgm:styleLbl>
-  <dgm:styleLbl name="fgImgPlace1">
-    <dgm:fillClrLst meth="repeat">
-      <a:schemeClr val="accent1">
-        <a:tint val="50000"/>
-      </a:schemeClr>
-    </dgm:fillClrLst>
-    <dgm:linClrLst meth="repeat">
-      <a:schemeClr val="lt1"/>
-    </dgm:linClrLst>
-    <dgm:effectClrLst/>
-    <dgm:txLinClrLst/>
-    <dgm:txFillClrLst meth="repeat">
-      <a:schemeClr val="lt1"/>
-    </dgm:txFillClrLst>
-    <dgm:txEffectClrLst/>
-  </dgm:styleLbl>
-  <dgm:styleLbl name="alignImgPlace1">
-    <dgm:fillClrLst meth="repeat">
-      <a:schemeClr val="accent1">
-        <a:tint val="50000"/>
-      </a:schemeClr>
-    </dgm:fillClrLst>
-    <dgm:linClrLst meth="repeat">
-      <a:schemeClr val="lt1"/>
-    </dgm:linClrLst>
-    <dgm:effectClrLst/>
-    <dgm:txLinClrLst/>
-    <dgm:txFillClrLst meth="repeat">
-      <a:schemeClr val="lt1"/>
-    </dgm:txFillClrLst>
-    <dgm:txEffectClrLst/>
-  </dgm:styleLbl>
-  <dgm:styleLbl name="bgImgPlace1">
-    <dgm:fillClrLst meth="repeat">
-      <a:schemeClr val="accent1">
-        <a:tint val="50000"/>
-      </a:schemeClr>
-    </dgm:fillClrLst>
-    <dgm:linClrLst meth="repeat">
-      <a:schemeClr val="lt1"/>
-    </dgm:linClrLst>
-    <dgm:effectClrLst/>
-    <dgm:txLinClrLst/>
-    <dgm:txFillClrLst meth="repeat">
-      <a:schemeClr val="lt1"/>
-    </dgm:txFillClrLst>
-    <dgm:txEffectClrLst/>
-  </dgm:styleLbl>
-  <dgm:styleLbl name="sibTrans2D1">
-    <dgm:fillClrLst meth="repeat">
-      <a:schemeClr val="accent1">
-        <a:tint val="60000"/>
-      </a:schemeClr>
-    </dgm:fillClrLst>
-    <dgm:linClrLst meth="repeat">
-      <a:schemeClr val="accent1">
-        <a:tint val="60000"/>
-      </a:schemeClr>
-    </dgm:linClrLst>
-    <dgm:effectClrLst/>
-    <dgm:txLinClrLst/>
-    <dgm:txFillClrLst/>
-    <dgm:txEffectClrLst/>
-  </dgm:styleLbl>
-  <dgm:styleLbl name="fgSibTrans2D1">
-    <dgm:fillClrLst meth="repeat">
-      <a:schemeClr val="accent1">
-        <a:tint val="60000"/>
-      </a:schemeClr>
-    </dgm:fillClrLst>
-    <dgm:linClrLst meth="repeat">
-      <a:schemeClr val="accent1">
-        <a:tint val="60000"/>
-      </a:schemeClr>
-    </dgm:linClrLst>
-    <dgm:effectClrLst/>
-    <dgm:txLinClrLst/>
-    <dgm:txFillClrLst/>
-    <dgm:txEffectClrLst/>
-  </dgm:styleLbl>
-  <dgm:styleLbl name="bgSibTrans2D1">
-    <dgm:fillClrLst meth="repeat">
-      <a:schemeClr val="accent1">
-        <a:tint val="60000"/>
-      </a:schemeClr>
-    </dgm:fillClrLst>
-    <dgm:linClrLst meth="repeat">
-      <a:schemeClr val="accent1">
-        <a:tint val="60000"/>
-      </a:schemeClr>
-    </dgm:linClrLst>
-    <dgm:effectClrLst/>
-    <dgm:txLinClrLst/>
-    <dgm:txFillClrLst/>
-    <dgm:txEffectClrLst/>
-  </dgm:styleLbl>
-  <dgm:styleLbl name="sibTrans1D1">
-    <dgm:fillClrLst meth="repeat">
-      <a:schemeClr val="accent1"/>
-    </dgm:fillClrLst>
-    <dgm:linClrLst meth="repeat">
-      <a:schemeClr val="accent1"/>
-    </dgm:linClrLst>
-    <dgm:effectClrLst/>
-    <dgm:txLinClrLst/>
-    <dgm:txFillClrLst meth="repeat">
-      <a:schemeClr val="tx1"/>
-    </dgm:txFillClrLst>
-    <dgm:txEffectClrLst/>
-  </dgm:styleLbl>
-  <dgm:styleLbl name="callout">
-    <dgm:fillClrLst meth="repeat">
-      <a:schemeClr val="accent1"/>
-    </dgm:fillClrLst>
-    <dgm:linClrLst meth="repeat">
-      <a:schemeClr val="accent1">
-        <a:tint val="50000"/>
-      </a:schemeClr>
-    </dgm:linClrLst>
-    <dgm:effectClrLst/>
-    <dgm:txLinClrLst/>
-    <dgm:txFillClrLst meth="repeat">
-      <a:schemeClr val="tx1"/>
-    </dgm:txFillClrLst>
-    <dgm:txEffectClrLst/>
-  </dgm:styleLbl>
-  <dgm:styleLbl name="asst0">
-    <dgm:fillClrLst meth="repeat">
-      <a:schemeClr val="accent1"/>
-    </dgm:fillClrLst>
-    <dgm:linClrLst meth="repeat">
-      <a:schemeClr val="lt1"/>
-    </dgm:linClrLst>
-    <dgm:effectClrLst/>
-    <dgm:txLinClrLst/>
-    <dgm:txFillClrLst/>
-    <dgm:txEffectClrLst/>
-  </dgm:styleLbl>
-  <dgm:styleLbl name="asst1">
-    <dgm:fillClrLst meth="repeat">
-      <a:schemeClr val="accent1"/>
-    </dgm:fillClrLst>
-    <dgm:linClrLst meth="repeat">
-      <a:schemeClr val="lt1"/>
-    </dgm:linClrLst>
-    <dgm:effectClrLst/>
-    <dgm:txLinClrLst/>
-    <dgm:txFillClrLst/>
-    <dgm:txEffectClrLst/>
-  </dgm:styleLbl>
-  <dgm:styleLbl name="asst2">
-    <dgm:fillClrLst meth="repeat">
-      <a:schemeClr val="accent1"/>
-    </dgm:fillClrLst>
-    <dgm:linClrLst meth="repeat">
-      <a:schemeClr val="lt1"/>
-    </dgm:linClrLst>
-    <dgm:effectClrLst/>
-    <dgm:txLinClrLst/>
-    <dgm:txFillClrLst/>
-    <dgm:txEffectClrLst/>
-  </dgm:styleLbl>
-  <dgm:styleLbl name="asst3">
-    <dgm:fillClrLst meth="repeat">
-      <a:schemeClr val="accent1"/>
-    </dgm:fillClrLst>
-    <dgm:linClrLst meth="repeat">
-      <a:schemeClr val="lt1"/>
-    </dgm:linClrLst>
-    <dgm:effectClrLst/>
-    <dgm:txLinClrLst/>
-    <dgm:txFillClrLst/>
-    <dgm:txEffectClrLst/>
-  </dgm:styleLbl>
-  <dgm:styleLbl name="asst4">
-    <dgm:fillClrLst meth="repeat">
-      <a:schemeClr val="accent1"/>
-    </dgm:fillClrLst>
-    <dgm:linClrLst meth="repeat">
-      <a:schemeClr val="lt1"/>
-    </dgm:linClrLst>
-    <dgm:effectClrLst/>
-    <dgm:txLinClrLst/>
-    <dgm:txFillClrLst/>
-    <dgm:txEffectClrLst/>
-  </dgm:styleLbl>
-  <dgm:styleLbl name="parChTrans2D1">
-    <dgm:fillClrLst meth="repeat">
-      <a:schemeClr val="accent1">
-        <a:tint val="60000"/>
-      </a:schemeClr>
-    </dgm:fillClrLst>
-    <dgm:linClrLst meth="repeat">
-      <a:schemeClr val="accent1">
-        <a:tint val="60000"/>
-      </a:schemeClr>
-    </dgm:linClrLst>
-    <dgm:effectClrLst/>
-    <dgm:txLinClrLst/>
-    <dgm:txFillClrLst meth="repeat">
-      <a:schemeClr val="lt1"/>
-    </dgm:txFillClrLst>
-    <dgm:txEffectClrLst/>
-  </dgm:styleLbl>
-  <dgm:styleLbl name="parChTrans2D2">
-    <dgm:fillClrLst meth="repeat">
-      <a:schemeClr val="accent1"/>
-    </dgm:fillClrLst>
-    <dgm:linClrLst meth="repeat">
-      <a:schemeClr val="accent1"/>
-    </dgm:linClrLst>
-    <dgm:effectClrLst/>
-    <dgm:txLinClrLst/>
-    <dgm:txFillClrLst meth="repeat">
-      <a:schemeClr val="lt1"/>
-    </dgm:txFillClrLst>
-    <dgm:txEffectClrLst/>
-  </dgm:styleLbl>
-  <dgm:styleLbl name="parChTrans2D3">
-    <dgm:fillClrLst meth="repeat">
-      <a:schemeClr val="accent1"/>
-    </dgm:fillClrLst>
-    <dgm:linClrLst meth="repeat">
-      <a:schemeClr val="accent1"/>
-    </dgm:linClrLst>
-    <dgm:effectClrLst/>
-    <dgm:txLinClrLst/>
-    <dgm:txFillClrLst meth="repeat">
-      <a:schemeClr val="lt1"/>
-    </dgm:txFillClrLst>
-    <dgm:txEffectClrLst/>
-  </dgm:styleLbl>
-  <dgm:styleLbl name="parChTrans2D4">
-    <dgm:fillClrLst meth="repeat">
-      <a:schemeClr val="accent1"/>
-    </dgm:fillClrLst>
-    <dgm:linClrLst meth="repeat">
-      <a:schemeClr val="accent1"/>
-    </dgm:linClrLst>
-    <dgm:effectClrLst/>
-    <dgm:txLinClrLst/>
-    <dgm:txFillClrLst meth="repeat">
-      <a:schemeClr val="lt1"/>
-    </dgm:txFillClrLst>
-    <dgm:txEffectClrLst/>
-  </dgm:styleLbl>
-  <dgm:styleLbl name="parChTrans1D1">
-    <dgm:fillClrLst meth="repeat">
-      <a:schemeClr val="accent1"/>
-    </dgm:fillClrLst>
-    <dgm:linClrLst meth="repeat">
-      <a:schemeClr val="accent1">
-        <a:shade val="60000"/>
-      </a:schemeClr>
-    </dgm:linClrLst>
-    <dgm:effectClrLst/>
-    <dgm:txLinClrLst/>
-    <dgm:txFillClrLst meth="repeat">
-      <a:schemeClr val="tx1"/>
-    </dgm:txFillClrLst>
-    <dgm:txEffectClrLst/>
-  </dgm:styleLbl>
-  <dgm:styleLbl name="parChTrans1D2">
-    <dgm:fillClrLst meth="repeat">
-      <a:schemeClr val="accent1"/>
-    </dgm:fillClrLst>
-    <dgm:linClrLst meth="repeat">
-      <a:schemeClr val="accent1">
-        <a:shade val="60000"/>
-      </a:schemeClr>
-    </dgm:linClrLst>
-    <dgm:effectClrLst/>
-    <dgm:txLinClrLst/>
-    <dgm:txFillClrLst meth="repeat">
-      <a:schemeClr val="tx1"/>
-    </dgm:txFillClrLst>
-    <dgm:txEffectClrLst/>
-  </dgm:styleLbl>
-  <dgm:styleLbl name="parChTrans1D3">
-    <dgm:fillClrLst meth="repeat">
-      <a:schemeClr val="accent1"/>
-    </dgm:fillClrLst>
-    <dgm:linClrLst meth="repeat">
-      <a:schemeClr val="accent1">
-        <a:shade val="80000"/>
-      </a:schemeClr>
-    </dgm:linClrLst>
-    <dgm:effectClrLst/>
-    <dgm:txLinClrLst/>
-    <dgm:txFillClrLst meth="repeat">
-      <a:schemeClr val="tx1"/>
-    </dgm:txFillClrLst>
-    <dgm:txEffectClrLst/>
-  </dgm:styleLbl>
-  <dgm:styleLbl name="parChTrans1D4">
-    <dgm:fillClrLst meth="repeat">
-      <a:schemeClr val="accent1"/>
-    </dgm:fillClrLst>
-    <dgm:linClrLst meth="repeat">
-      <a:schemeClr val="accent1">
-        <a:shade val="80000"/>
-      </a:schemeClr>
-    </dgm:linClrLst>
-    <dgm:effectClrLst/>
-    <dgm:txLinClrLst/>
-    <dgm:txFillClrLst meth="repeat">
-      <a:schemeClr val="tx1"/>
-    </dgm:txFillClrLst>
-    <dgm:txEffectClrLst/>
-  </dgm:styleLbl>
-  <dgm:styleLbl name="fgAcc1">
-    <dgm:fillClrLst meth="repeat">
-      <a:schemeClr val="lt1">
-        <a:alpha val="90000"/>
-      </a:schemeClr>
-    </dgm:fillClrLst>
-    <dgm:linClrLst meth="repeat">
-      <a:schemeClr val="accent1"/>
-    </dgm:linClrLst>
-    <dgm:effectClrLst/>
-    <dgm:txLinClrLst/>
-    <dgm:txFillClrLst meth="repeat">
-      <a:schemeClr val="dk1"/>
-    </dgm:txFillClrLst>
-    <dgm:txEffectClrLst/>
-  </dgm:styleLbl>
-  <dgm:styleLbl name="conFgAcc1">
-    <dgm:fillClrLst meth="repeat">
-      <a:schemeClr val="lt1">
-        <a:alpha val="90000"/>
-      </a:schemeClr>
-    </dgm:fillClrLst>
-    <dgm:linClrLst meth="repeat">
-      <a:schemeClr val="accent1"/>
-    </dgm:linClrLst>
-    <dgm:effectClrLst/>
-    <dgm:txLinClrLst/>
-    <dgm:txFillClrLst meth="repeat">
-      <a:schemeClr val="dk1"/>
-    </dgm:txFillClrLst>
-    <dgm:txEffectClrLst/>
-  </dgm:styleLbl>
-  <dgm:styleLbl name="alignAcc1">
-    <dgm:fillClrLst meth="repeat">
-      <a:schemeClr val="lt1">
-        <a:alpha val="90000"/>
-      </a:schemeClr>
-    </dgm:fillClrLst>
-    <dgm:linClrLst meth="repeat">
-      <a:schemeClr val="accent1"/>
-    </dgm:linClrLst>
-    <dgm:effectClrLst/>
-    <dgm:txLinClrLst/>
-    <dgm:txFillClrLst meth="repeat">
-      <a:schemeClr val="dk1"/>
-    </dgm:txFillClrLst>
-    <dgm:txEffectClrLst/>
-  </dgm:styleLbl>
-  <dgm:styleLbl name="trAlignAcc1">
-    <dgm:fillClrLst meth="repeat">
-      <a:schemeClr val="lt1">
-        <a:alpha val="40000"/>
-      </a:schemeClr>
-    </dgm:fillClrLst>
-    <dgm:linClrLst meth="repeat">
-      <a:schemeClr val="accent1"/>
-    </dgm:linClrLst>
-    <dgm:effectClrLst/>
-    <dgm:txLinClrLst/>
-    <dgm:txFillClrLst meth="repeat">
-      <a:schemeClr val="dk1"/>
-    </dgm:txFillClrLst>
-    <dgm:txEffectClrLst/>
-  </dgm:styleLbl>
-  <dgm:styleLbl name="bgAcc1">
-    <dgm:fillClrLst meth="repeat">
-      <a:schemeClr val="lt1">
-        <a:alpha val="90000"/>
-      </a:schemeClr>
-    </dgm:fillClrLst>
-    <dgm:linClrLst meth="repeat">
-      <a:schemeClr val="accent1"/>
-    </dgm:linClrLst>
-    <dgm:effectClrLst/>
-    <dgm:txLinClrLst/>
-    <dgm:txFillClrLst meth="repeat">
-      <a:schemeClr val="dk1"/>
-    </dgm:txFillClrLst>
-    <dgm:txEffectClrLst/>
-  </dgm:styleLbl>
-  <dgm:styleLbl name="solidFgAcc1">
-    <dgm:fillClrLst meth="repeat">
-      <a:schemeClr val="lt1"/>
-    </dgm:fillClrLst>
-    <dgm:linClrLst meth="repeat">
-      <a:schemeClr val="accent1"/>
-    </dgm:linClrLst>
-    <dgm:effectClrLst/>
-    <dgm:txLinClrLst/>
-    <dgm:txFillClrLst meth="repeat">
-      <a:schemeClr val="dk1"/>
-    </dgm:txFillClrLst>
-    <dgm:txEffectClrLst/>
-  </dgm:styleLbl>
-  <dgm:styleLbl name="solidAlignAcc1">
-    <dgm:fillClrLst meth="repeat">
-      <a:schemeClr val="lt1"/>
-    </dgm:fillClrLst>
-    <dgm:linClrLst meth="repeat">
-      <a:schemeClr val="accent1"/>
-    </dgm:linClrLst>
-    <dgm:effectClrLst/>
-    <dgm:txLinClrLst/>
-    <dgm:txFillClrLst meth="repeat">
-      <a:schemeClr val="dk1"/>
-    </dgm:txFillClrLst>
-    <dgm:txEffectClrLst/>
-  </dgm:styleLbl>
-  <dgm:styleLbl name="solidBgAcc1">
-    <dgm:fillClrLst meth="repeat">
-      <a:schemeClr val="lt1"/>
-    </dgm:fillClrLst>
-    <dgm:linClrLst meth="repeat">
-      <a:schemeClr val="accent1"/>
-    </dgm:linClrLst>
-    <dgm:effectClrLst/>
-    <dgm:txLinClrLst/>
-    <dgm:txFillClrLst meth="repeat">
-      <a:schemeClr val="dk1"/>
-    </dgm:txFillClrLst>
-    <dgm:txEffectClrLst/>
-  </dgm:styleLbl>
-  <dgm:styleLbl name="fgAccFollowNode1">
-    <dgm:fillClrLst meth="repeat">
-      <a:schemeClr val="accent1">
-        <a:alpha val="90000"/>
-        <a:tint val="40000"/>
-      </a:schemeClr>
-    </dgm:fillClrLst>
-    <dgm:linClrLst meth="repeat">
-      <a:schemeClr val="accent1">
-        <a:alpha val="90000"/>
-        <a:tint val="40000"/>
-      </a:schemeClr>
-    </dgm:linClrLst>
-    <dgm:effectClrLst/>
-    <dgm:txLinClrLst/>
-    <dgm:txFillClrLst meth="repeat">
-      <a:schemeClr val="dk1"/>
-    </dgm:txFillClrLst>
-    <dgm:txEffectClrLst/>
-  </dgm:styleLbl>
-  <dgm:styleLbl name="alignAccFollowNode1">
-    <dgm:fillClrLst meth="repeat">
-      <a:schemeClr val="accent1">
-        <a:alpha val="90000"/>
-        <a:tint val="40000"/>
-      </a:schemeClr>
-    </dgm:fillClrLst>
-    <dgm:linClrLst meth="repeat">
-      <a:schemeClr val="accent1">
-        <a:alpha val="90000"/>
-        <a:tint val="40000"/>
-      </a:schemeClr>
-    </dgm:linClrLst>
-    <dgm:effectClrLst/>
-    <dgm:txLinClrLst/>
-    <dgm:txFillClrLst meth="repeat">
-      <a:schemeClr val="dk1"/>
-    </dgm:txFillClrLst>
-    <dgm:txEffectClrLst/>
-  </dgm:styleLbl>
-  <dgm:styleLbl name="bgAccFollowNode1">
-    <dgm:fillClrLst meth="repeat">
-      <a:schemeClr val="accent1">
-        <a:alpha val="90000"/>
-        <a:tint val="40000"/>
-      </a:schemeClr>
-    </dgm:fillClrLst>
-    <dgm:linClrLst meth="repeat">
-      <a:schemeClr val="accent1">
-        <a:alpha val="90000"/>
-        <a:tint val="40000"/>
-      </a:schemeClr>
-    </dgm:linClrLst>
-    <dgm:effectClrLst/>
-    <dgm:txLinClrLst/>
-    <dgm:txFillClrLst meth="repeat">
-      <a:schemeClr val="dk1"/>
-    </dgm:txFillClrLst>
-    <dgm:txEffectClrLst/>
-  </dgm:styleLbl>
-  <dgm:styleLbl name="fgAcc0">
-    <dgm:fillClrLst meth="repeat">
-      <a:schemeClr val="lt1">
-        <a:alpha val="90000"/>
-      </a:schemeClr>
-    </dgm:fillClrLst>
-    <dgm:linClrLst meth="repeat">
-      <a:schemeClr val="accent1"/>
-    </dgm:linClrLst>
-    <dgm:effectClrLst/>
-    <dgm:txLinClrLst/>
-    <dgm:txFillClrLst meth="repeat">
-      <a:schemeClr val="dk1"/>
-    </dgm:txFillClrLst>
-    <dgm:txEffectClrLst/>
-  </dgm:styleLbl>
-  <dgm:styleLbl name="fgAcc2">
-    <dgm:fillClrLst meth="repeat">
-      <a:schemeClr val="lt1">
-        <a:alpha val="90000"/>
-      </a:schemeClr>
-    </dgm:fillClrLst>
-    <dgm:linClrLst meth="repeat">
-      <a:schemeClr val="accent1"/>
-    </dgm:linClrLst>
-    <dgm:effectClrLst/>
-    <dgm:txLinClrLst/>
-    <dgm:txFillClrLst meth="repeat">
-      <a:schemeClr val="dk1"/>
-    </dgm:txFillClrLst>
-    <dgm:txEffectClrLst/>
-  </dgm:styleLbl>
-  <dgm:styleLbl name="fgAcc3">
-    <dgm:fillClrLst meth="repeat">
-      <a:schemeClr val="lt1">
-        <a:alpha val="90000"/>
-      </a:schemeClr>
-    </dgm:fillClrLst>
-    <dgm:linClrLst meth="repeat">
-      <a:schemeClr val="accent1"/>
-    </dgm:linClrLst>
-    <dgm:effectClrLst/>
-    <dgm:txLinClrLst/>
-    <dgm:txFillClrLst meth="repeat">
-      <a:schemeClr val="dk1"/>
-    </dgm:txFillClrLst>
-    <dgm:txEffectClrLst/>
-  </dgm:styleLbl>
-  <dgm:styleLbl name="fgAcc4">
-    <dgm:fillClrLst meth="repeat">
-      <a:schemeClr val="lt1">
-        <a:alpha val="90000"/>
-      </a:schemeClr>
-    </dgm:fillClrLst>
-    <dgm:linClrLst meth="repeat">
-      <a:schemeClr val="accent1"/>
-    </dgm:linClrLst>
-    <dgm:effectClrLst/>
-    <dgm:txLinClrLst/>
-    <dgm:txFillClrLst meth="repeat">
-      <a:schemeClr val="dk1"/>
-    </dgm:txFillClrLst>
-    <dgm:txEffectClrLst/>
-  </dgm:styleLbl>
-  <dgm:styleLbl name="bgShp">
-    <dgm:fillClrLst meth="repeat">
-      <a:schemeClr val="accent1">
-        <a:tint val="40000"/>
-      </a:schemeClr>
-    </dgm:fillClrLst>
-    <dgm:linClrLst meth="repeat">
-      <a:schemeClr val="accent1"/>
-    </dgm:linClrLst>
-    <dgm:effectClrLst/>
-    <dgm:txLinClrLst/>
-    <dgm:txFillClrLst meth="repeat">
-      <a:schemeClr val="dk1"/>
-    </dgm:txFillClrLst>
-    <dgm:txEffectClrLst/>
-  </dgm:styleLbl>
-  <dgm:styleLbl name="dkBgShp">
-    <dgm:fillClrLst meth="repeat">
-      <a:schemeClr val="accent1">
-        <a:shade val="80000"/>
-      </a:schemeClr>
-    </dgm:fillClrLst>
-    <dgm:linClrLst meth="repeat">
-      <a:schemeClr val="accent1"/>
-    </dgm:linClrLst>
-    <dgm:effectClrLst/>
-    <dgm:txLinClrLst/>
-    <dgm:txFillClrLst meth="repeat">
-      <a:schemeClr val="lt1"/>
-    </dgm:txFillClrLst>
-    <dgm:txEffectClrLst/>
-  </dgm:styleLbl>
-  <dgm:styleLbl name="trBgShp">
-    <dgm:fillClrLst meth="repeat">
-      <a:schemeClr val="accent1">
-        <a:tint val="50000"/>
-        <a:alpha val="40000"/>
-      </a:schemeClr>
-    </dgm:fillClrLst>
-    <dgm:linClrLst meth="repeat">
-      <a:schemeClr val="accent1"/>
-    </dgm:linClrLst>
-    <dgm:effectClrLst/>
-    <dgm:txLinClrLst/>
-    <dgm:txFillClrLst meth="repeat">
-      <a:schemeClr val="lt1"/>
-    </dgm:txFillClrLst>
-    <dgm:txEffectClrLst/>
-  </dgm:styleLbl>
-  <dgm:styleLbl name="fgShp">
-    <dgm:fillClrLst meth="repeat">
-      <a:schemeClr val="accent1">
-        <a:tint val="60000"/>
-      </a:schemeClr>
-    </dgm:fillClrLst>
-    <dgm:linClrLst meth="repeat">
-      <a:schemeClr val="lt1"/>
-    </dgm:linClrLst>
-    <dgm:effectClrLst/>
-    <dgm:txLinClrLst/>
-    <dgm:txFillClrLst meth="repeat">
-      <a:schemeClr val="dk1"/>
-    </dgm:txFillClrLst>
-    <dgm:txEffectClrLst/>
-  </dgm:styleLbl>
-  <dgm:styleLbl name="revTx">
-    <dgm:fillClrLst meth="repeat">
-      <a:schemeClr val="lt1">
-        <a:alpha val="0"/>
-      </a:schemeClr>
-    </dgm:fillClrLst>
-    <dgm:linClrLst meth="repeat">
-      <a:schemeClr val="dk1">
-        <a:alpha val="0"/>
-      </a:schemeClr>
-    </dgm:linClrLst>
-    <dgm:effectClrLst/>
-    <dgm:txLinClrLst/>
-    <dgm:txFillClrLst meth="repeat">
-      <a:schemeClr val="tx1"/>
-    </dgm:txFillClrLst>
-    <dgm:txEffectClrLst/>
-  </dgm:styleLbl>
-</dgm:colorsDef>
-</file>
-
-<file path=ppt/diagrams/colors4.xml><?xml version="1.0" encoding="utf-8"?>
 <dgm:colorsDef xmlns:dgm="http://schemas.openxmlformats.org/drawingml/2006/diagram" xmlns:a="http://schemas.openxmlformats.org/drawingml/2006/main" uniqueId="urn:microsoft.com/office/officeart/2018/5/colors/Iconchunking_neutralbg_colorful2">
   <dgm:title val=""/>
   <dgm:desc val=""/>
@@ -3158,6 +2411,753 @@
     <dgm:fillClrLst meth="repeat">
       <a:schemeClr val="accent2">
         <a:tint val="40000"/>
+      </a:schemeClr>
+    </dgm:fillClrLst>
+    <dgm:linClrLst meth="repeat">
+      <a:schemeClr val="lt1"/>
+    </dgm:linClrLst>
+    <dgm:effectClrLst/>
+    <dgm:txLinClrLst/>
+    <dgm:txFillClrLst meth="repeat">
+      <a:schemeClr val="dk1"/>
+    </dgm:txFillClrLst>
+    <dgm:txEffectClrLst/>
+  </dgm:styleLbl>
+  <dgm:styleLbl name="revTx">
+    <dgm:fillClrLst meth="repeat">
+      <a:schemeClr val="lt1">
+        <a:alpha val="0"/>
+      </a:schemeClr>
+    </dgm:fillClrLst>
+    <dgm:linClrLst meth="repeat">
+      <a:schemeClr val="dk1">
+        <a:alpha val="0"/>
+      </a:schemeClr>
+    </dgm:linClrLst>
+    <dgm:effectClrLst/>
+    <dgm:txLinClrLst/>
+    <dgm:txFillClrLst meth="repeat">
+      <a:schemeClr val="tx1"/>
+    </dgm:txFillClrLst>
+    <dgm:txEffectClrLst/>
+  </dgm:styleLbl>
+</dgm:colorsDef>
+</file>
+
+<file path=ppt/diagrams/colors4.xml><?xml version="1.0" encoding="utf-8"?>
+<dgm:colorsDef xmlns:dgm="http://schemas.openxmlformats.org/drawingml/2006/diagram" xmlns:a="http://schemas.openxmlformats.org/drawingml/2006/main" uniqueId="urn:microsoft.com/office/officeart/2005/8/colors/accent1_2">
+  <dgm:title val=""/>
+  <dgm:desc val=""/>
+  <dgm:catLst>
+    <dgm:cat type="accent1" pri="11200"/>
+  </dgm:catLst>
+  <dgm:styleLbl name="node0">
+    <dgm:fillClrLst meth="repeat">
+      <a:schemeClr val="accent1"/>
+    </dgm:fillClrLst>
+    <dgm:linClrLst meth="repeat">
+      <a:schemeClr val="lt1"/>
+    </dgm:linClrLst>
+    <dgm:effectClrLst/>
+    <dgm:txLinClrLst/>
+    <dgm:txFillClrLst/>
+    <dgm:txEffectClrLst/>
+  </dgm:styleLbl>
+  <dgm:styleLbl name="alignNode1">
+    <dgm:fillClrLst meth="repeat">
+      <a:schemeClr val="accent1"/>
+    </dgm:fillClrLst>
+    <dgm:linClrLst meth="repeat">
+      <a:schemeClr val="accent1"/>
+    </dgm:linClrLst>
+    <dgm:effectClrLst/>
+    <dgm:txLinClrLst/>
+    <dgm:txFillClrLst/>
+    <dgm:txEffectClrLst/>
+  </dgm:styleLbl>
+  <dgm:styleLbl name="node1">
+    <dgm:fillClrLst meth="repeat">
+      <a:schemeClr val="accent1"/>
+    </dgm:fillClrLst>
+    <dgm:linClrLst meth="repeat">
+      <a:schemeClr val="lt1"/>
+    </dgm:linClrLst>
+    <dgm:effectClrLst/>
+    <dgm:txLinClrLst/>
+    <dgm:txFillClrLst/>
+    <dgm:txEffectClrLst/>
+  </dgm:styleLbl>
+  <dgm:styleLbl name="lnNode1">
+    <dgm:fillClrLst meth="repeat">
+      <a:schemeClr val="accent1"/>
+    </dgm:fillClrLst>
+    <dgm:linClrLst meth="repeat">
+      <a:schemeClr val="lt1"/>
+    </dgm:linClrLst>
+    <dgm:effectClrLst/>
+    <dgm:txLinClrLst/>
+    <dgm:txFillClrLst/>
+    <dgm:txEffectClrLst/>
+  </dgm:styleLbl>
+  <dgm:styleLbl name="vennNode1">
+    <dgm:fillClrLst meth="repeat">
+      <a:schemeClr val="accent1">
+        <a:alpha val="50000"/>
+      </a:schemeClr>
+    </dgm:fillClrLst>
+    <dgm:linClrLst meth="repeat">
+      <a:schemeClr val="lt1"/>
+    </dgm:linClrLst>
+    <dgm:effectClrLst/>
+    <dgm:txLinClrLst/>
+    <dgm:txFillClrLst/>
+    <dgm:txEffectClrLst/>
+  </dgm:styleLbl>
+  <dgm:styleLbl name="node2">
+    <dgm:fillClrLst meth="repeat">
+      <a:schemeClr val="accent1"/>
+    </dgm:fillClrLst>
+    <dgm:linClrLst meth="repeat">
+      <a:schemeClr val="lt1"/>
+    </dgm:linClrLst>
+    <dgm:effectClrLst/>
+    <dgm:txLinClrLst/>
+    <dgm:txFillClrLst/>
+    <dgm:txEffectClrLst/>
+  </dgm:styleLbl>
+  <dgm:styleLbl name="node3">
+    <dgm:fillClrLst meth="repeat">
+      <a:schemeClr val="accent1"/>
+    </dgm:fillClrLst>
+    <dgm:linClrLst meth="repeat">
+      <a:schemeClr val="lt1"/>
+    </dgm:linClrLst>
+    <dgm:effectClrLst/>
+    <dgm:txLinClrLst/>
+    <dgm:txFillClrLst/>
+    <dgm:txEffectClrLst/>
+  </dgm:styleLbl>
+  <dgm:styleLbl name="node4">
+    <dgm:fillClrLst meth="repeat">
+      <a:schemeClr val="accent1"/>
+    </dgm:fillClrLst>
+    <dgm:linClrLst meth="repeat">
+      <a:schemeClr val="lt1"/>
+    </dgm:linClrLst>
+    <dgm:effectClrLst/>
+    <dgm:txLinClrLst/>
+    <dgm:txFillClrLst/>
+    <dgm:txEffectClrLst/>
+  </dgm:styleLbl>
+  <dgm:styleLbl name="fgImgPlace1">
+    <dgm:fillClrLst meth="repeat">
+      <a:schemeClr val="accent1">
+        <a:tint val="50000"/>
+      </a:schemeClr>
+    </dgm:fillClrLst>
+    <dgm:linClrLst meth="repeat">
+      <a:schemeClr val="lt1"/>
+    </dgm:linClrLst>
+    <dgm:effectClrLst/>
+    <dgm:txLinClrLst/>
+    <dgm:txFillClrLst meth="repeat">
+      <a:schemeClr val="lt1"/>
+    </dgm:txFillClrLst>
+    <dgm:txEffectClrLst/>
+  </dgm:styleLbl>
+  <dgm:styleLbl name="alignImgPlace1">
+    <dgm:fillClrLst meth="repeat">
+      <a:schemeClr val="accent1">
+        <a:tint val="50000"/>
+      </a:schemeClr>
+    </dgm:fillClrLst>
+    <dgm:linClrLst meth="repeat">
+      <a:schemeClr val="lt1"/>
+    </dgm:linClrLst>
+    <dgm:effectClrLst/>
+    <dgm:txLinClrLst/>
+    <dgm:txFillClrLst meth="repeat">
+      <a:schemeClr val="lt1"/>
+    </dgm:txFillClrLst>
+    <dgm:txEffectClrLst/>
+  </dgm:styleLbl>
+  <dgm:styleLbl name="bgImgPlace1">
+    <dgm:fillClrLst meth="repeat">
+      <a:schemeClr val="accent1">
+        <a:tint val="50000"/>
+      </a:schemeClr>
+    </dgm:fillClrLst>
+    <dgm:linClrLst meth="repeat">
+      <a:schemeClr val="lt1"/>
+    </dgm:linClrLst>
+    <dgm:effectClrLst/>
+    <dgm:txLinClrLst/>
+    <dgm:txFillClrLst meth="repeat">
+      <a:schemeClr val="lt1"/>
+    </dgm:txFillClrLst>
+    <dgm:txEffectClrLst/>
+  </dgm:styleLbl>
+  <dgm:styleLbl name="sibTrans2D1">
+    <dgm:fillClrLst meth="repeat">
+      <a:schemeClr val="accent1">
+        <a:tint val="60000"/>
+      </a:schemeClr>
+    </dgm:fillClrLst>
+    <dgm:linClrLst meth="repeat">
+      <a:schemeClr val="accent1">
+        <a:tint val="60000"/>
+      </a:schemeClr>
+    </dgm:linClrLst>
+    <dgm:effectClrLst/>
+    <dgm:txLinClrLst/>
+    <dgm:txFillClrLst/>
+    <dgm:txEffectClrLst/>
+  </dgm:styleLbl>
+  <dgm:styleLbl name="fgSibTrans2D1">
+    <dgm:fillClrLst meth="repeat">
+      <a:schemeClr val="accent1">
+        <a:tint val="60000"/>
+      </a:schemeClr>
+    </dgm:fillClrLst>
+    <dgm:linClrLst meth="repeat">
+      <a:schemeClr val="accent1">
+        <a:tint val="60000"/>
+      </a:schemeClr>
+    </dgm:linClrLst>
+    <dgm:effectClrLst/>
+    <dgm:txLinClrLst/>
+    <dgm:txFillClrLst/>
+    <dgm:txEffectClrLst/>
+  </dgm:styleLbl>
+  <dgm:styleLbl name="bgSibTrans2D1">
+    <dgm:fillClrLst meth="repeat">
+      <a:schemeClr val="accent1">
+        <a:tint val="60000"/>
+      </a:schemeClr>
+    </dgm:fillClrLst>
+    <dgm:linClrLst meth="repeat">
+      <a:schemeClr val="accent1">
+        <a:tint val="60000"/>
+      </a:schemeClr>
+    </dgm:linClrLst>
+    <dgm:effectClrLst/>
+    <dgm:txLinClrLst/>
+    <dgm:txFillClrLst/>
+    <dgm:txEffectClrLst/>
+  </dgm:styleLbl>
+  <dgm:styleLbl name="sibTrans1D1">
+    <dgm:fillClrLst meth="repeat">
+      <a:schemeClr val="accent1"/>
+    </dgm:fillClrLst>
+    <dgm:linClrLst meth="repeat">
+      <a:schemeClr val="accent1"/>
+    </dgm:linClrLst>
+    <dgm:effectClrLst/>
+    <dgm:txLinClrLst/>
+    <dgm:txFillClrLst meth="repeat">
+      <a:schemeClr val="tx1"/>
+    </dgm:txFillClrLst>
+    <dgm:txEffectClrLst/>
+  </dgm:styleLbl>
+  <dgm:styleLbl name="callout">
+    <dgm:fillClrLst meth="repeat">
+      <a:schemeClr val="accent1"/>
+    </dgm:fillClrLst>
+    <dgm:linClrLst meth="repeat">
+      <a:schemeClr val="accent1">
+        <a:tint val="50000"/>
+      </a:schemeClr>
+    </dgm:linClrLst>
+    <dgm:effectClrLst/>
+    <dgm:txLinClrLst/>
+    <dgm:txFillClrLst meth="repeat">
+      <a:schemeClr val="tx1"/>
+    </dgm:txFillClrLst>
+    <dgm:txEffectClrLst/>
+  </dgm:styleLbl>
+  <dgm:styleLbl name="asst0">
+    <dgm:fillClrLst meth="repeat">
+      <a:schemeClr val="accent1"/>
+    </dgm:fillClrLst>
+    <dgm:linClrLst meth="repeat">
+      <a:schemeClr val="lt1"/>
+    </dgm:linClrLst>
+    <dgm:effectClrLst/>
+    <dgm:txLinClrLst/>
+    <dgm:txFillClrLst/>
+    <dgm:txEffectClrLst/>
+  </dgm:styleLbl>
+  <dgm:styleLbl name="asst1">
+    <dgm:fillClrLst meth="repeat">
+      <a:schemeClr val="accent1"/>
+    </dgm:fillClrLst>
+    <dgm:linClrLst meth="repeat">
+      <a:schemeClr val="lt1"/>
+    </dgm:linClrLst>
+    <dgm:effectClrLst/>
+    <dgm:txLinClrLst/>
+    <dgm:txFillClrLst/>
+    <dgm:txEffectClrLst/>
+  </dgm:styleLbl>
+  <dgm:styleLbl name="asst2">
+    <dgm:fillClrLst meth="repeat">
+      <a:schemeClr val="accent1"/>
+    </dgm:fillClrLst>
+    <dgm:linClrLst meth="repeat">
+      <a:schemeClr val="lt1"/>
+    </dgm:linClrLst>
+    <dgm:effectClrLst/>
+    <dgm:txLinClrLst/>
+    <dgm:txFillClrLst/>
+    <dgm:txEffectClrLst/>
+  </dgm:styleLbl>
+  <dgm:styleLbl name="asst3">
+    <dgm:fillClrLst meth="repeat">
+      <a:schemeClr val="accent1"/>
+    </dgm:fillClrLst>
+    <dgm:linClrLst meth="repeat">
+      <a:schemeClr val="lt1"/>
+    </dgm:linClrLst>
+    <dgm:effectClrLst/>
+    <dgm:txLinClrLst/>
+    <dgm:txFillClrLst/>
+    <dgm:txEffectClrLst/>
+  </dgm:styleLbl>
+  <dgm:styleLbl name="asst4">
+    <dgm:fillClrLst meth="repeat">
+      <a:schemeClr val="accent1"/>
+    </dgm:fillClrLst>
+    <dgm:linClrLst meth="repeat">
+      <a:schemeClr val="lt1"/>
+    </dgm:linClrLst>
+    <dgm:effectClrLst/>
+    <dgm:txLinClrLst/>
+    <dgm:txFillClrLst/>
+    <dgm:txEffectClrLst/>
+  </dgm:styleLbl>
+  <dgm:styleLbl name="parChTrans2D1">
+    <dgm:fillClrLst meth="repeat">
+      <a:schemeClr val="accent1">
+        <a:tint val="60000"/>
+      </a:schemeClr>
+    </dgm:fillClrLst>
+    <dgm:linClrLst meth="repeat">
+      <a:schemeClr val="accent1">
+        <a:tint val="60000"/>
+      </a:schemeClr>
+    </dgm:linClrLst>
+    <dgm:effectClrLst/>
+    <dgm:txLinClrLst/>
+    <dgm:txFillClrLst meth="repeat">
+      <a:schemeClr val="lt1"/>
+    </dgm:txFillClrLst>
+    <dgm:txEffectClrLst/>
+  </dgm:styleLbl>
+  <dgm:styleLbl name="parChTrans2D2">
+    <dgm:fillClrLst meth="repeat">
+      <a:schemeClr val="accent1"/>
+    </dgm:fillClrLst>
+    <dgm:linClrLst meth="repeat">
+      <a:schemeClr val="accent1"/>
+    </dgm:linClrLst>
+    <dgm:effectClrLst/>
+    <dgm:txLinClrLst/>
+    <dgm:txFillClrLst meth="repeat">
+      <a:schemeClr val="lt1"/>
+    </dgm:txFillClrLst>
+    <dgm:txEffectClrLst/>
+  </dgm:styleLbl>
+  <dgm:styleLbl name="parChTrans2D3">
+    <dgm:fillClrLst meth="repeat">
+      <a:schemeClr val="accent1"/>
+    </dgm:fillClrLst>
+    <dgm:linClrLst meth="repeat">
+      <a:schemeClr val="accent1"/>
+    </dgm:linClrLst>
+    <dgm:effectClrLst/>
+    <dgm:txLinClrLst/>
+    <dgm:txFillClrLst meth="repeat">
+      <a:schemeClr val="lt1"/>
+    </dgm:txFillClrLst>
+    <dgm:txEffectClrLst/>
+  </dgm:styleLbl>
+  <dgm:styleLbl name="parChTrans2D4">
+    <dgm:fillClrLst meth="repeat">
+      <a:schemeClr val="accent1"/>
+    </dgm:fillClrLst>
+    <dgm:linClrLst meth="repeat">
+      <a:schemeClr val="accent1"/>
+    </dgm:linClrLst>
+    <dgm:effectClrLst/>
+    <dgm:txLinClrLst/>
+    <dgm:txFillClrLst meth="repeat">
+      <a:schemeClr val="lt1"/>
+    </dgm:txFillClrLst>
+    <dgm:txEffectClrLst/>
+  </dgm:styleLbl>
+  <dgm:styleLbl name="parChTrans1D1">
+    <dgm:fillClrLst meth="repeat">
+      <a:schemeClr val="accent1"/>
+    </dgm:fillClrLst>
+    <dgm:linClrLst meth="repeat">
+      <a:schemeClr val="accent1">
+        <a:shade val="60000"/>
+      </a:schemeClr>
+    </dgm:linClrLst>
+    <dgm:effectClrLst/>
+    <dgm:txLinClrLst/>
+    <dgm:txFillClrLst meth="repeat">
+      <a:schemeClr val="tx1"/>
+    </dgm:txFillClrLst>
+    <dgm:txEffectClrLst/>
+  </dgm:styleLbl>
+  <dgm:styleLbl name="parChTrans1D2">
+    <dgm:fillClrLst meth="repeat">
+      <a:schemeClr val="accent1"/>
+    </dgm:fillClrLst>
+    <dgm:linClrLst meth="repeat">
+      <a:schemeClr val="accent1">
+        <a:shade val="60000"/>
+      </a:schemeClr>
+    </dgm:linClrLst>
+    <dgm:effectClrLst/>
+    <dgm:txLinClrLst/>
+    <dgm:txFillClrLst meth="repeat">
+      <a:schemeClr val="tx1"/>
+    </dgm:txFillClrLst>
+    <dgm:txEffectClrLst/>
+  </dgm:styleLbl>
+  <dgm:styleLbl name="parChTrans1D3">
+    <dgm:fillClrLst meth="repeat">
+      <a:schemeClr val="accent1"/>
+    </dgm:fillClrLst>
+    <dgm:linClrLst meth="repeat">
+      <a:schemeClr val="accent1">
+        <a:shade val="80000"/>
+      </a:schemeClr>
+    </dgm:linClrLst>
+    <dgm:effectClrLst/>
+    <dgm:txLinClrLst/>
+    <dgm:txFillClrLst meth="repeat">
+      <a:schemeClr val="tx1"/>
+    </dgm:txFillClrLst>
+    <dgm:txEffectClrLst/>
+  </dgm:styleLbl>
+  <dgm:styleLbl name="parChTrans1D4">
+    <dgm:fillClrLst meth="repeat">
+      <a:schemeClr val="accent1"/>
+    </dgm:fillClrLst>
+    <dgm:linClrLst meth="repeat">
+      <a:schemeClr val="accent1">
+        <a:shade val="80000"/>
+      </a:schemeClr>
+    </dgm:linClrLst>
+    <dgm:effectClrLst/>
+    <dgm:txLinClrLst/>
+    <dgm:txFillClrLst meth="repeat">
+      <a:schemeClr val="tx1"/>
+    </dgm:txFillClrLst>
+    <dgm:txEffectClrLst/>
+  </dgm:styleLbl>
+  <dgm:styleLbl name="fgAcc1">
+    <dgm:fillClrLst meth="repeat">
+      <a:schemeClr val="lt1">
+        <a:alpha val="90000"/>
+      </a:schemeClr>
+    </dgm:fillClrLst>
+    <dgm:linClrLst meth="repeat">
+      <a:schemeClr val="accent1"/>
+    </dgm:linClrLst>
+    <dgm:effectClrLst/>
+    <dgm:txLinClrLst/>
+    <dgm:txFillClrLst meth="repeat">
+      <a:schemeClr val="dk1"/>
+    </dgm:txFillClrLst>
+    <dgm:txEffectClrLst/>
+  </dgm:styleLbl>
+  <dgm:styleLbl name="conFgAcc1">
+    <dgm:fillClrLst meth="repeat">
+      <a:schemeClr val="lt1">
+        <a:alpha val="90000"/>
+      </a:schemeClr>
+    </dgm:fillClrLst>
+    <dgm:linClrLst meth="repeat">
+      <a:schemeClr val="accent1"/>
+    </dgm:linClrLst>
+    <dgm:effectClrLst/>
+    <dgm:txLinClrLst/>
+    <dgm:txFillClrLst meth="repeat">
+      <a:schemeClr val="dk1"/>
+    </dgm:txFillClrLst>
+    <dgm:txEffectClrLst/>
+  </dgm:styleLbl>
+  <dgm:styleLbl name="alignAcc1">
+    <dgm:fillClrLst meth="repeat">
+      <a:schemeClr val="lt1">
+        <a:alpha val="90000"/>
+      </a:schemeClr>
+    </dgm:fillClrLst>
+    <dgm:linClrLst meth="repeat">
+      <a:schemeClr val="accent1"/>
+    </dgm:linClrLst>
+    <dgm:effectClrLst/>
+    <dgm:txLinClrLst/>
+    <dgm:txFillClrLst meth="repeat">
+      <a:schemeClr val="dk1"/>
+    </dgm:txFillClrLst>
+    <dgm:txEffectClrLst/>
+  </dgm:styleLbl>
+  <dgm:styleLbl name="trAlignAcc1">
+    <dgm:fillClrLst meth="repeat">
+      <a:schemeClr val="lt1">
+        <a:alpha val="40000"/>
+      </a:schemeClr>
+    </dgm:fillClrLst>
+    <dgm:linClrLst meth="repeat">
+      <a:schemeClr val="accent1"/>
+    </dgm:linClrLst>
+    <dgm:effectClrLst/>
+    <dgm:txLinClrLst/>
+    <dgm:txFillClrLst meth="repeat">
+      <a:schemeClr val="dk1"/>
+    </dgm:txFillClrLst>
+    <dgm:txEffectClrLst/>
+  </dgm:styleLbl>
+  <dgm:styleLbl name="bgAcc1">
+    <dgm:fillClrLst meth="repeat">
+      <a:schemeClr val="lt1">
+        <a:alpha val="90000"/>
+      </a:schemeClr>
+    </dgm:fillClrLst>
+    <dgm:linClrLst meth="repeat">
+      <a:schemeClr val="accent1"/>
+    </dgm:linClrLst>
+    <dgm:effectClrLst/>
+    <dgm:txLinClrLst/>
+    <dgm:txFillClrLst meth="repeat">
+      <a:schemeClr val="dk1"/>
+    </dgm:txFillClrLst>
+    <dgm:txEffectClrLst/>
+  </dgm:styleLbl>
+  <dgm:styleLbl name="solidFgAcc1">
+    <dgm:fillClrLst meth="repeat">
+      <a:schemeClr val="lt1"/>
+    </dgm:fillClrLst>
+    <dgm:linClrLst meth="repeat">
+      <a:schemeClr val="accent1"/>
+    </dgm:linClrLst>
+    <dgm:effectClrLst/>
+    <dgm:txLinClrLst/>
+    <dgm:txFillClrLst meth="repeat">
+      <a:schemeClr val="dk1"/>
+    </dgm:txFillClrLst>
+    <dgm:txEffectClrLst/>
+  </dgm:styleLbl>
+  <dgm:styleLbl name="solidAlignAcc1">
+    <dgm:fillClrLst meth="repeat">
+      <a:schemeClr val="lt1"/>
+    </dgm:fillClrLst>
+    <dgm:linClrLst meth="repeat">
+      <a:schemeClr val="accent1"/>
+    </dgm:linClrLst>
+    <dgm:effectClrLst/>
+    <dgm:txLinClrLst/>
+    <dgm:txFillClrLst meth="repeat">
+      <a:schemeClr val="dk1"/>
+    </dgm:txFillClrLst>
+    <dgm:txEffectClrLst/>
+  </dgm:styleLbl>
+  <dgm:styleLbl name="solidBgAcc1">
+    <dgm:fillClrLst meth="repeat">
+      <a:schemeClr val="lt1"/>
+    </dgm:fillClrLst>
+    <dgm:linClrLst meth="repeat">
+      <a:schemeClr val="accent1"/>
+    </dgm:linClrLst>
+    <dgm:effectClrLst/>
+    <dgm:txLinClrLst/>
+    <dgm:txFillClrLst meth="repeat">
+      <a:schemeClr val="dk1"/>
+    </dgm:txFillClrLst>
+    <dgm:txEffectClrLst/>
+  </dgm:styleLbl>
+  <dgm:styleLbl name="fgAccFollowNode1">
+    <dgm:fillClrLst meth="repeat">
+      <a:schemeClr val="accent1">
+        <a:alpha val="90000"/>
+        <a:tint val="40000"/>
+      </a:schemeClr>
+    </dgm:fillClrLst>
+    <dgm:linClrLst meth="repeat">
+      <a:schemeClr val="accent1">
+        <a:alpha val="90000"/>
+        <a:tint val="40000"/>
+      </a:schemeClr>
+    </dgm:linClrLst>
+    <dgm:effectClrLst/>
+    <dgm:txLinClrLst/>
+    <dgm:txFillClrLst meth="repeat">
+      <a:schemeClr val="dk1"/>
+    </dgm:txFillClrLst>
+    <dgm:txEffectClrLst/>
+  </dgm:styleLbl>
+  <dgm:styleLbl name="alignAccFollowNode1">
+    <dgm:fillClrLst meth="repeat">
+      <a:schemeClr val="accent1">
+        <a:alpha val="90000"/>
+        <a:tint val="40000"/>
+      </a:schemeClr>
+    </dgm:fillClrLst>
+    <dgm:linClrLst meth="repeat">
+      <a:schemeClr val="accent1">
+        <a:alpha val="90000"/>
+        <a:tint val="40000"/>
+      </a:schemeClr>
+    </dgm:linClrLst>
+    <dgm:effectClrLst/>
+    <dgm:txLinClrLst/>
+    <dgm:txFillClrLst meth="repeat">
+      <a:schemeClr val="dk1"/>
+    </dgm:txFillClrLst>
+    <dgm:txEffectClrLst/>
+  </dgm:styleLbl>
+  <dgm:styleLbl name="bgAccFollowNode1">
+    <dgm:fillClrLst meth="repeat">
+      <a:schemeClr val="accent1">
+        <a:alpha val="90000"/>
+        <a:tint val="40000"/>
+      </a:schemeClr>
+    </dgm:fillClrLst>
+    <dgm:linClrLst meth="repeat">
+      <a:schemeClr val="accent1">
+        <a:alpha val="90000"/>
+        <a:tint val="40000"/>
+      </a:schemeClr>
+    </dgm:linClrLst>
+    <dgm:effectClrLst/>
+    <dgm:txLinClrLst/>
+    <dgm:txFillClrLst meth="repeat">
+      <a:schemeClr val="dk1"/>
+    </dgm:txFillClrLst>
+    <dgm:txEffectClrLst/>
+  </dgm:styleLbl>
+  <dgm:styleLbl name="fgAcc0">
+    <dgm:fillClrLst meth="repeat">
+      <a:schemeClr val="lt1">
+        <a:alpha val="90000"/>
+      </a:schemeClr>
+    </dgm:fillClrLst>
+    <dgm:linClrLst meth="repeat">
+      <a:schemeClr val="accent1"/>
+    </dgm:linClrLst>
+    <dgm:effectClrLst/>
+    <dgm:txLinClrLst/>
+    <dgm:txFillClrLst meth="repeat">
+      <a:schemeClr val="dk1"/>
+    </dgm:txFillClrLst>
+    <dgm:txEffectClrLst/>
+  </dgm:styleLbl>
+  <dgm:styleLbl name="fgAcc2">
+    <dgm:fillClrLst meth="repeat">
+      <a:schemeClr val="lt1">
+        <a:alpha val="90000"/>
+      </a:schemeClr>
+    </dgm:fillClrLst>
+    <dgm:linClrLst meth="repeat">
+      <a:schemeClr val="accent1"/>
+    </dgm:linClrLst>
+    <dgm:effectClrLst/>
+    <dgm:txLinClrLst/>
+    <dgm:txFillClrLst meth="repeat">
+      <a:schemeClr val="dk1"/>
+    </dgm:txFillClrLst>
+    <dgm:txEffectClrLst/>
+  </dgm:styleLbl>
+  <dgm:styleLbl name="fgAcc3">
+    <dgm:fillClrLst meth="repeat">
+      <a:schemeClr val="lt1">
+        <a:alpha val="90000"/>
+      </a:schemeClr>
+    </dgm:fillClrLst>
+    <dgm:linClrLst meth="repeat">
+      <a:schemeClr val="accent1"/>
+    </dgm:linClrLst>
+    <dgm:effectClrLst/>
+    <dgm:txLinClrLst/>
+    <dgm:txFillClrLst meth="repeat">
+      <a:schemeClr val="dk1"/>
+    </dgm:txFillClrLst>
+    <dgm:txEffectClrLst/>
+  </dgm:styleLbl>
+  <dgm:styleLbl name="fgAcc4">
+    <dgm:fillClrLst meth="repeat">
+      <a:schemeClr val="lt1">
+        <a:alpha val="90000"/>
+      </a:schemeClr>
+    </dgm:fillClrLst>
+    <dgm:linClrLst meth="repeat">
+      <a:schemeClr val="accent1"/>
+    </dgm:linClrLst>
+    <dgm:effectClrLst/>
+    <dgm:txLinClrLst/>
+    <dgm:txFillClrLst meth="repeat">
+      <a:schemeClr val="dk1"/>
+    </dgm:txFillClrLst>
+    <dgm:txEffectClrLst/>
+  </dgm:styleLbl>
+  <dgm:styleLbl name="bgShp">
+    <dgm:fillClrLst meth="repeat">
+      <a:schemeClr val="accent1">
+        <a:tint val="40000"/>
+      </a:schemeClr>
+    </dgm:fillClrLst>
+    <dgm:linClrLst meth="repeat">
+      <a:schemeClr val="accent1"/>
+    </dgm:linClrLst>
+    <dgm:effectClrLst/>
+    <dgm:txLinClrLst/>
+    <dgm:txFillClrLst meth="repeat">
+      <a:schemeClr val="dk1"/>
+    </dgm:txFillClrLst>
+    <dgm:txEffectClrLst/>
+  </dgm:styleLbl>
+  <dgm:styleLbl name="dkBgShp">
+    <dgm:fillClrLst meth="repeat">
+      <a:schemeClr val="accent1">
+        <a:shade val="80000"/>
+      </a:schemeClr>
+    </dgm:fillClrLst>
+    <dgm:linClrLst meth="repeat">
+      <a:schemeClr val="accent1"/>
+    </dgm:linClrLst>
+    <dgm:effectClrLst/>
+    <dgm:txLinClrLst/>
+    <dgm:txFillClrLst meth="repeat">
+      <a:schemeClr val="lt1"/>
+    </dgm:txFillClrLst>
+    <dgm:txEffectClrLst/>
+  </dgm:styleLbl>
+  <dgm:styleLbl name="trBgShp">
+    <dgm:fillClrLst meth="repeat">
+      <a:schemeClr val="accent1">
+        <a:tint val="50000"/>
+        <a:alpha val="40000"/>
+      </a:schemeClr>
+    </dgm:fillClrLst>
+    <dgm:linClrLst meth="repeat">
+      <a:schemeClr val="accent1"/>
+    </dgm:linClrLst>
+    <dgm:effectClrLst/>
+    <dgm:txLinClrLst/>
+    <dgm:txFillClrLst meth="repeat">
+      <a:schemeClr val="lt1"/>
+    </dgm:txFillClrLst>
+    <dgm:txEffectClrLst/>
+  </dgm:styleLbl>
+  <dgm:styleLbl name="fgShp">
+    <dgm:fillClrLst meth="repeat">
+      <a:schemeClr val="accent1">
+        <a:tint val="60000"/>
       </a:schemeClr>
     </dgm:fillClrLst>
     <dgm:linClrLst meth="repeat">
@@ -4631,6 +4631,224 @@
 <file path=ppt/diagrams/data3.xml><?xml version="1.0" encoding="utf-8"?>
 <dgm:dataModel xmlns:dgm="http://schemas.openxmlformats.org/drawingml/2006/diagram" xmlns:a="http://schemas.openxmlformats.org/drawingml/2006/main">
   <dgm:ptLst>
+    <dgm:pt modelId="{638513A3-1DAC-4DD7-8142-0675021C553A}" type="doc">
+      <dgm:prSet loTypeId="urn:microsoft.com/office/officeart/2018/2/layout/IconLabelList" loCatId="icon" qsTypeId="urn:microsoft.com/office/officeart/2005/8/quickstyle/simple1" qsCatId="simple" csTypeId="urn:microsoft.com/office/officeart/2018/5/colors/Iconchunking_neutralbg_colorful2" csCatId="colorful" phldr="1"/>
+      <dgm:spPr/>
+      <dgm:t>
+        <a:bodyPr/>
+        <a:lstStyle/>
+        <a:p>
+          <a:endParaRPr lang="en-US"/>
+        </a:p>
+      </dgm:t>
+    </dgm:pt>
+    <dgm:pt modelId="{D1188412-5980-484E-8C28-2825B8FE752F}">
+      <dgm:prSet/>
+      <dgm:spPr/>
+      <dgm:t>
+        <a:bodyPr/>
+        <a:lstStyle/>
+        <a:p>
+          <a:r>
+            <a:rPr lang="en-US" baseline="0"/>
+            <a:t>Create CSV file includes all the 2750 images for all classes.</a:t>
+          </a:r>
+          <a:endParaRPr lang="en-US"/>
+        </a:p>
+      </dgm:t>
+    </dgm:pt>
+    <dgm:pt modelId="{8467160B-E456-4679-84B5-16506EB15C44}" type="parTrans" cxnId="{2B8ABB48-84CA-47BA-98EF-3712A90D490B}">
+      <dgm:prSet/>
+      <dgm:spPr/>
+      <dgm:t>
+        <a:bodyPr/>
+        <a:lstStyle/>
+        <a:p>
+          <a:endParaRPr lang="en-US"/>
+        </a:p>
+      </dgm:t>
+    </dgm:pt>
+    <dgm:pt modelId="{45585B2B-BD81-4818-99C0-7AEE1164C1A2}" type="sibTrans" cxnId="{2B8ABB48-84CA-47BA-98EF-3712A90D490B}">
+      <dgm:prSet/>
+      <dgm:spPr/>
+      <dgm:t>
+        <a:bodyPr/>
+        <a:lstStyle/>
+        <a:p>
+          <a:endParaRPr lang="en-US"/>
+        </a:p>
+      </dgm:t>
+    </dgm:pt>
+    <dgm:pt modelId="{890E6E1C-EE12-4E4F-9FEA-BF56E685EB84}">
+      <dgm:prSet/>
+      <dgm:spPr/>
+      <dgm:t>
+        <a:bodyPr/>
+        <a:lstStyle/>
+        <a:p>
+          <a:r>
+            <a:rPr lang="en-US" baseline="0"/>
+            <a:t>Give specific label for each image corresponds to what class it belongs.</a:t>
+          </a:r>
+          <a:endParaRPr lang="en-US"/>
+        </a:p>
+      </dgm:t>
+    </dgm:pt>
+    <dgm:pt modelId="{1AEF7D40-DF5E-4331-A5D4-DF1DB6D2B2CF}" type="parTrans" cxnId="{EA01454F-7AC3-4870-9700-C5B1609F2DF1}">
+      <dgm:prSet/>
+      <dgm:spPr/>
+      <dgm:t>
+        <a:bodyPr/>
+        <a:lstStyle/>
+        <a:p>
+          <a:endParaRPr lang="en-US"/>
+        </a:p>
+      </dgm:t>
+    </dgm:pt>
+    <dgm:pt modelId="{FE0DBE4B-B6DA-4488-AFB0-B2AED6EE5D69}" type="sibTrans" cxnId="{EA01454F-7AC3-4870-9700-C5B1609F2DF1}">
+      <dgm:prSet/>
+      <dgm:spPr/>
+      <dgm:t>
+        <a:bodyPr/>
+        <a:lstStyle/>
+        <a:p>
+          <a:endParaRPr lang="en-US"/>
+        </a:p>
+      </dgm:t>
+    </dgm:pt>
+    <dgm:pt modelId="{9E7CCE0C-C81F-47AF-8B4D-2B1F2A6393B5}" type="pres">
+      <dgm:prSet presAssocID="{638513A3-1DAC-4DD7-8142-0675021C553A}" presName="root" presStyleCnt="0">
+        <dgm:presLayoutVars>
+          <dgm:dir/>
+          <dgm:resizeHandles val="exact"/>
+        </dgm:presLayoutVars>
+      </dgm:prSet>
+      <dgm:spPr/>
+    </dgm:pt>
+    <dgm:pt modelId="{4DC28325-78A2-47A7-A97B-11F64D75E623}" type="pres">
+      <dgm:prSet presAssocID="{D1188412-5980-484E-8C28-2825B8FE752F}" presName="compNode" presStyleCnt="0"/>
+      <dgm:spPr/>
+    </dgm:pt>
+    <dgm:pt modelId="{2CC2F143-0677-4136-9D48-9895F31FCD27}" type="pres">
+      <dgm:prSet presAssocID="{D1188412-5980-484E-8C28-2825B8FE752F}" presName="iconRect" presStyleLbl="node1" presStyleIdx="0" presStyleCnt="2"/>
+      <dgm:spPr>
+        <a:blipFill>
+          <a:blip xmlns:r="http://schemas.openxmlformats.org/officeDocument/2006/relationships" r:embed="rId1">
+            <a:extLst>
+              <a:ext uri="{28A0092B-C50C-407E-A947-70E740481C1C}">
+                <a14:useLocalDpi xmlns:a14="http://schemas.microsoft.com/office/drawing/2010/main" val="0"/>
+              </a:ext>
+              <a:ext uri="{96DAC541-7B7A-43D3-8B79-37D633B846F1}">
+                <asvg:svgBlip xmlns:asvg="http://schemas.microsoft.com/office/drawing/2016/SVG/main" r:embed="rId2"/>
+              </a:ext>
+            </a:extLst>
+          </a:blip>
+          <a:stretch>
+            <a:fillRect/>
+          </a:stretch>
+        </a:blipFill>
+        <a:ln>
+          <a:noFill/>
+        </a:ln>
+      </dgm:spPr>
+      <dgm:extLst>
+        <a:ext uri="{E40237B7-FDA0-4F09-8148-C483321AD2D9}">
+          <dgm14:cNvPr xmlns:dgm14="http://schemas.microsoft.com/office/drawing/2010/diagram" id="0" name="" descr="Open Folder"/>
+        </a:ext>
+      </dgm:extLst>
+    </dgm:pt>
+    <dgm:pt modelId="{CF7839D5-ADD4-4759-9D41-E5CBC01B66A1}" type="pres">
+      <dgm:prSet presAssocID="{D1188412-5980-484E-8C28-2825B8FE752F}" presName="spaceRect" presStyleCnt="0"/>
+      <dgm:spPr/>
+    </dgm:pt>
+    <dgm:pt modelId="{9AD0C4EF-2EAC-41BA-9EF8-840F5A3ECDFF}" type="pres">
+      <dgm:prSet presAssocID="{D1188412-5980-484E-8C28-2825B8FE752F}" presName="textRect" presStyleLbl="revTx" presStyleIdx="0" presStyleCnt="2">
+        <dgm:presLayoutVars>
+          <dgm:chMax val="1"/>
+          <dgm:chPref val="1"/>
+        </dgm:presLayoutVars>
+      </dgm:prSet>
+      <dgm:spPr/>
+    </dgm:pt>
+    <dgm:pt modelId="{0E5B744C-34BE-421B-93E0-9E667A9E91D4}" type="pres">
+      <dgm:prSet presAssocID="{45585B2B-BD81-4818-99C0-7AEE1164C1A2}" presName="sibTrans" presStyleCnt="0"/>
+      <dgm:spPr/>
+    </dgm:pt>
+    <dgm:pt modelId="{7267604F-EFAF-4C72-872E-1B1046341D0B}" type="pres">
+      <dgm:prSet presAssocID="{890E6E1C-EE12-4E4F-9FEA-BF56E685EB84}" presName="compNode" presStyleCnt="0"/>
+      <dgm:spPr/>
+    </dgm:pt>
+    <dgm:pt modelId="{1790BE28-B6F4-4330-B350-652B95E50B15}" type="pres">
+      <dgm:prSet presAssocID="{890E6E1C-EE12-4E4F-9FEA-BF56E685EB84}" presName="iconRect" presStyleLbl="node1" presStyleIdx="1" presStyleCnt="2"/>
+      <dgm:spPr>
+        <a:blipFill>
+          <a:blip xmlns:r="http://schemas.openxmlformats.org/officeDocument/2006/relationships" r:embed="rId3">
+            <a:extLst>
+              <a:ext uri="{28A0092B-C50C-407E-A947-70E740481C1C}">
+                <a14:useLocalDpi xmlns:a14="http://schemas.microsoft.com/office/drawing/2010/main" val="0"/>
+              </a:ext>
+              <a:ext uri="{96DAC541-7B7A-43D3-8B79-37D633B846F1}">
+                <asvg:svgBlip xmlns:asvg="http://schemas.microsoft.com/office/drawing/2016/SVG/main" r:embed="rId4"/>
+              </a:ext>
+            </a:extLst>
+          </a:blip>
+          <a:stretch>
+            <a:fillRect/>
+          </a:stretch>
+        </a:blipFill>
+        <a:ln>
+          <a:noFill/>
+        </a:ln>
+      </dgm:spPr>
+      <dgm:extLst>
+        <a:ext uri="{E40237B7-FDA0-4F09-8148-C483321AD2D9}">
+          <dgm14:cNvPr xmlns:dgm14="http://schemas.microsoft.com/office/drawing/2010/diagram" id="0" name="" descr="Theatre"/>
+        </a:ext>
+      </dgm:extLst>
+    </dgm:pt>
+    <dgm:pt modelId="{2558861C-DE4C-4B25-9303-59AC35F25256}" type="pres">
+      <dgm:prSet presAssocID="{890E6E1C-EE12-4E4F-9FEA-BF56E685EB84}" presName="spaceRect" presStyleCnt="0"/>
+      <dgm:spPr/>
+    </dgm:pt>
+    <dgm:pt modelId="{2E7BDE42-DE53-4802-8433-A272982038A5}" type="pres">
+      <dgm:prSet presAssocID="{890E6E1C-EE12-4E4F-9FEA-BF56E685EB84}" presName="textRect" presStyleLbl="revTx" presStyleIdx="1" presStyleCnt="2">
+        <dgm:presLayoutVars>
+          <dgm:chMax val="1"/>
+          <dgm:chPref val="1"/>
+        </dgm:presLayoutVars>
+      </dgm:prSet>
+      <dgm:spPr/>
+    </dgm:pt>
+  </dgm:ptLst>
+  <dgm:cxnLst>
+    <dgm:cxn modelId="{A3BAB342-8F5C-4B37-B3BD-32E59F90A261}" type="presOf" srcId="{D1188412-5980-484E-8C28-2825B8FE752F}" destId="{9AD0C4EF-2EAC-41BA-9EF8-840F5A3ECDFF}" srcOrd="0" destOrd="0" presId="urn:microsoft.com/office/officeart/2018/2/layout/IconLabelList"/>
+    <dgm:cxn modelId="{2B8ABB48-84CA-47BA-98EF-3712A90D490B}" srcId="{638513A3-1DAC-4DD7-8142-0675021C553A}" destId="{D1188412-5980-484E-8C28-2825B8FE752F}" srcOrd="0" destOrd="0" parTransId="{8467160B-E456-4679-84B5-16506EB15C44}" sibTransId="{45585B2B-BD81-4818-99C0-7AEE1164C1A2}"/>
+    <dgm:cxn modelId="{1D90166B-0F0A-4838-8B1C-F6BCA97004C5}" type="presOf" srcId="{890E6E1C-EE12-4E4F-9FEA-BF56E685EB84}" destId="{2E7BDE42-DE53-4802-8433-A272982038A5}" srcOrd="0" destOrd="0" presId="urn:microsoft.com/office/officeart/2018/2/layout/IconLabelList"/>
+    <dgm:cxn modelId="{EA01454F-7AC3-4870-9700-C5B1609F2DF1}" srcId="{638513A3-1DAC-4DD7-8142-0675021C553A}" destId="{890E6E1C-EE12-4E4F-9FEA-BF56E685EB84}" srcOrd="1" destOrd="0" parTransId="{1AEF7D40-DF5E-4331-A5D4-DF1DB6D2B2CF}" sibTransId="{FE0DBE4B-B6DA-4488-AFB0-B2AED6EE5D69}"/>
+    <dgm:cxn modelId="{B444E0A3-18CE-4024-AE91-14E764635D52}" type="presOf" srcId="{638513A3-1DAC-4DD7-8142-0675021C553A}" destId="{9E7CCE0C-C81F-47AF-8B4D-2B1F2A6393B5}" srcOrd="0" destOrd="0" presId="urn:microsoft.com/office/officeart/2018/2/layout/IconLabelList"/>
+    <dgm:cxn modelId="{B582B43E-9AAF-4EBA-A76C-BF2956CD66FD}" type="presParOf" srcId="{9E7CCE0C-C81F-47AF-8B4D-2B1F2A6393B5}" destId="{4DC28325-78A2-47A7-A97B-11F64D75E623}" srcOrd="0" destOrd="0" presId="urn:microsoft.com/office/officeart/2018/2/layout/IconLabelList"/>
+    <dgm:cxn modelId="{89378FBB-8838-45BF-83EC-3EF6AF196AA4}" type="presParOf" srcId="{4DC28325-78A2-47A7-A97B-11F64D75E623}" destId="{2CC2F143-0677-4136-9D48-9895F31FCD27}" srcOrd="0" destOrd="0" presId="urn:microsoft.com/office/officeart/2018/2/layout/IconLabelList"/>
+    <dgm:cxn modelId="{016F7641-B9CC-459E-97C5-21E9B8A4314F}" type="presParOf" srcId="{4DC28325-78A2-47A7-A97B-11F64D75E623}" destId="{CF7839D5-ADD4-4759-9D41-E5CBC01B66A1}" srcOrd="1" destOrd="0" presId="urn:microsoft.com/office/officeart/2018/2/layout/IconLabelList"/>
+    <dgm:cxn modelId="{350CA266-C799-4CCE-B22E-D1116AF66B34}" type="presParOf" srcId="{4DC28325-78A2-47A7-A97B-11F64D75E623}" destId="{9AD0C4EF-2EAC-41BA-9EF8-840F5A3ECDFF}" srcOrd="2" destOrd="0" presId="urn:microsoft.com/office/officeart/2018/2/layout/IconLabelList"/>
+    <dgm:cxn modelId="{1219E999-D128-4C03-A20F-828C2A95F27C}" type="presParOf" srcId="{9E7CCE0C-C81F-47AF-8B4D-2B1F2A6393B5}" destId="{0E5B744C-34BE-421B-93E0-9E667A9E91D4}" srcOrd="1" destOrd="0" presId="urn:microsoft.com/office/officeart/2018/2/layout/IconLabelList"/>
+    <dgm:cxn modelId="{D8CD031B-EC84-4E71-A02E-5C349BCB969B}" type="presParOf" srcId="{9E7CCE0C-C81F-47AF-8B4D-2B1F2A6393B5}" destId="{7267604F-EFAF-4C72-872E-1B1046341D0B}" srcOrd="2" destOrd="0" presId="urn:microsoft.com/office/officeart/2018/2/layout/IconLabelList"/>
+    <dgm:cxn modelId="{9F55C5D8-6EB8-4C8D-B647-DF11088F3D24}" type="presParOf" srcId="{7267604F-EFAF-4C72-872E-1B1046341D0B}" destId="{1790BE28-B6F4-4330-B350-652B95E50B15}" srcOrd="0" destOrd="0" presId="urn:microsoft.com/office/officeart/2018/2/layout/IconLabelList"/>
+    <dgm:cxn modelId="{30E02BCD-BE98-43F0-8007-377629F4BD5A}" type="presParOf" srcId="{7267604F-EFAF-4C72-872E-1B1046341D0B}" destId="{2558861C-DE4C-4B25-9303-59AC35F25256}" srcOrd="1" destOrd="0" presId="urn:microsoft.com/office/officeart/2018/2/layout/IconLabelList"/>
+    <dgm:cxn modelId="{8D87F189-EA2A-4C11-A66B-7006BB0F8D95}" type="presParOf" srcId="{7267604F-EFAF-4C72-872E-1B1046341D0B}" destId="{2E7BDE42-DE53-4802-8433-A272982038A5}" srcOrd="2" destOrd="0" presId="urn:microsoft.com/office/officeart/2018/2/layout/IconLabelList"/>
+  </dgm:cxnLst>
+  <dgm:bg/>
+  <dgm:whole/>
+  <dgm:extLst>
+    <a:ext uri="http://schemas.microsoft.com/office/drawing/2008/diagram">
+      <dsp:dataModelExt xmlns:dsp="http://schemas.microsoft.com/office/drawing/2008/diagram" relId="rId6" minVer="http://schemas.openxmlformats.org/drawingml/2006/diagram"/>
+    </a:ext>
+  </dgm:extLst>
+</dgm:dataModel>
+</file>
+
+<file path=ppt/diagrams/data4.xml><?xml version="1.0" encoding="utf-8"?>
+<dgm:dataModel xmlns:dgm="http://schemas.openxmlformats.org/drawingml/2006/diagram" xmlns:a="http://schemas.openxmlformats.org/drawingml/2006/main">
+  <dgm:ptLst>
     <dgm:pt modelId="{3925B9E7-5838-4AD4-889E-8FF093777AF4}" type="doc">
       <dgm:prSet loTypeId="urn:microsoft.com/office/officeart/2005/8/layout/cycle3" loCatId="cycle" qsTypeId="urn:microsoft.com/office/officeart/2005/8/quickstyle/simple1" qsCatId="simple" csTypeId="urn:microsoft.com/office/officeart/2005/8/colors/accent1_2" csCatId="accent1"/>
       <dgm:spPr/>
@@ -5192,224 +5410,6 @@
     <dgm:cxn modelId="{FE73D38C-94B0-46B1-9401-45CBAD82F6C8}" type="presParOf" srcId="{99D494D2-D7B8-41E2-B7C5-1FD8D6F3A629}" destId="{DC28BE24-604E-488A-932C-92A8AAC1FD57}" srcOrd="9" destOrd="0" presId="urn:microsoft.com/office/officeart/2005/8/layout/cycle3"/>
     <dgm:cxn modelId="{057A3CCD-3B3E-4AA6-888A-AE234137EF1C}" type="presParOf" srcId="{99D494D2-D7B8-41E2-B7C5-1FD8D6F3A629}" destId="{41B76194-D484-44E8-8898-ABE40BF094CB}" srcOrd="10" destOrd="0" presId="urn:microsoft.com/office/officeart/2005/8/layout/cycle3"/>
     <dgm:cxn modelId="{6A20D961-076E-4B7C-9694-33107A2EFD23}" type="presParOf" srcId="{99D494D2-D7B8-41E2-B7C5-1FD8D6F3A629}" destId="{07A3E269-119C-4E28-867A-99B98A3034E4}" srcOrd="11" destOrd="0" presId="urn:microsoft.com/office/officeart/2005/8/layout/cycle3"/>
-  </dgm:cxnLst>
-  <dgm:bg/>
-  <dgm:whole/>
-  <dgm:extLst>
-    <a:ext uri="http://schemas.microsoft.com/office/drawing/2008/diagram">
-      <dsp:dataModelExt xmlns:dsp="http://schemas.microsoft.com/office/drawing/2008/diagram" relId="rId6" minVer="http://schemas.openxmlformats.org/drawingml/2006/diagram"/>
-    </a:ext>
-  </dgm:extLst>
-</dgm:dataModel>
-</file>
-
-<file path=ppt/diagrams/data4.xml><?xml version="1.0" encoding="utf-8"?>
-<dgm:dataModel xmlns:dgm="http://schemas.openxmlformats.org/drawingml/2006/diagram" xmlns:a="http://schemas.openxmlformats.org/drawingml/2006/main">
-  <dgm:ptLst>
-    <dgm:pt modelId="{638513A3-1DAC-4DD7-8142-0675021C553A}" type="doc">
-      <dgm:prSet loTypeId="urn:microsoft.com/office/officeart/2018/2/layout/IconLabelList" loCatId="icon" qsTypeId="urn:microsoft.com/office/officeart/2005/8/quickstyle/simple1" qsCatId="simple" csTypeId="urn:microsoft.com/office/officeart/2018/5/colors/Iconchunking_neutralbg_colorful2" csCatId="colorful" phldr="1"/>
-      <dgm:spPr/>
-      <dgm:t>
-        <a:bodyPr/>
-        <a:lstStyle/>
-        <a:p>
-          <a:endParaRPr lang="en-US"/>
-        </a:p>
-      </dgm:t>
-    </dgm:pt>
-    <dgm:pt modelId="{D1188412-5980-484E-8C28-2825B8FE752F}">
-      <dgm:prSet/>
-      <dgm:spPr/>
-      <dgm:t>
-        <a:bodyPr/>
-        <a:lstStyle/>
-        <a:p>
-          <a:r>
-            <a:rPr lang="en-US" baseline="0"/>
-            <a:t>Create CSV file includes all the 2750 images for all classes.</a:t>
-          </a:r>
-          <a:endParaRPr lang="en-US"/>
-        </a:p>
-      </dgm:t>
-    </dgm:pt>
-    <dgm:pt modelId="{8467160B-E456-4679-84B5-16506EB15C44}" type="parTrans" cxnId="{2B8ABB48-84CA-47BA-98EF-3712A90D490B}">
-      <dgm:prSet/>
-      <dgm:spPr/>
-      <dgm:t>
-        <a:bodyPr/>
-        <a:lstStyle/>
-        <a:p>
-          <a:endParaRPr lang="en-US"/>
-        </a:p>
-      </dgm:t>
-    </dgm:pt>
-    <dgm:pt modelId="{45585B2B-BD81-4818-99C0-7AEE1164C1A2}" type="sibTrans" cxnId="{2B8ABB48-84CA-47BA-98EF-3712A90D490B}">
-      <dgm:prSet/>
-      <dgm:spPr/>
-      <dgm:t>
-        <a:bodyPr/>
-        <a:lstStyle/>
-        <a:p>
-          <a:endParaRPr lang="en-US"/>
-        </a:p>
-      </dgm:t>
-    </dgm:pt>
-    <dgm:pt modelId="{890E6E1C-EE12-4E4F-9FEA-BF56E685EB84}">
-      <dgm:prSet/>
-      <dgm:spPr/>
-      <dgm:t>
-        <a:bodyPr/>
-        <a:lstStyle/>
-        <a:p>
-          <a:r>
-            <a:rPr lang="en-US" baseline="0"/>
-            <a:t>Give specific label for each image corresponds to what class it belongs.</a:t>
-          </a:r>
-          <a:endParaRPr lang="en-US"/>
-        </a:p>
-      </dgm:t>
-    </dgm:pt>
-    <dgm:pt modelId="{1AEF7D40-DF5E-4331-A5D4-DF1DB6D2B2CF}" type="parTrans" cxnId="{EA01454F-7AC3-4870-9700-C5B1609F2DF1}">
-      <dgm:prSet/>
-      <dgm:spPr/>
-      <dgm:t>
-        <a:bodyPr/>
-        <a:lstStyle/>
-        <a:p>
-          <a:endParaRPr lang="en-US"/>
-        </a:p>
-      </dgm:t>
-    </dgm:pt>
-    <dgm:pt modelId="{FE0DBE4B-B6DA-4488-AFB0-B2AED6EE5D69}" type="sibTrans" cxnId="{EA01454F-7AC3-4870-9700-C5B1609F2DF1}">
-      <dgm:prSet/>
-      <dgm:spPr/>
-      <dgm:t>
-        <a:bodyPr/>
-        <a:lstStyle/>
-        <a:p>
-          <a:endParaRPr lang="en-US"/>
-        </a:p>
-      </dgm:t>
-    </dgm:pt>
-    <dgm:pt modelId="{9E7CCE0C-C81F-47AF-8B4D-2B1F2A6393B5}" type="pres">
-      <dgm:prSet presAssocID="{638513A3-1DAC-4DD7-8142-0675021C553A}" presName="root" presStyleCnt="0">
-        <dgm:presLayoutVars>
-          <dgm:dir/>
-          <dgm:resizeHandles val="exact"/>
-        </dgm:presLayoutVars>
-      </dgm:prSet>
-      <dgm:spPr/>
-    </dgm:pt>
-    <dgm:pt modelId="{4DC28325-78A2-47A7-A97B-11F64D75E623}" type="pres">
-      <dgm:prSet presAssocID="{D1188412-5980-484E-8C28-2825B8FE752F}" presName="compNode" presStyleCnt="0"/>
-      <dgm:spPr/>
-    </dgm:pt>
-    <dgm:pt modelId="{2CC2F143-0677-4136-9D48-9895F31FCD27}" type="pres">
-      <dgm:prSet presAssocID="{D1188412-5980-484E-8C28-2825B8FE752F}" presName="iconRect" presStyleLbl="node1" presStyleIdx="0" presStyleCnt="2"/>
-      <dgm:spPr>
-        <a:blipFill>
-          <a:blip xmlns:r="http://schemas.openxmlformats.org/officeDocument/2006/relationships" r:embed="rId1">
-            <a:extLst>
-              <a:ext uri="{28A0092B-C50C-407E-A947-70E740481C1C}">
-                <a14:useLocalDpi xmlns:a14="http://schemas.microsoft.com/office/drawing/2010/main" val="0"/>
-              </a:ext>
-              <a:ext uri="{96DAC541-7B7A-43D3-8B79-37D633B846F1}">
-                <asvg:svgBlip xmlns:asvg="http://schemas.microsoft.com/office/drawing/2016/SVG/main" r:embed="rId2"/>
-              </a:ext>
-            </a:extLst>
-          </a:blip>
-          <a:stretch>
-            <a:fillRect/>
-          </a:stretch>
-        </a:blipFill>
-        <a:ln>
-          <a:noFill/>
-        </a:ln>
-      </dgm:spPr>
-      <dgm:extLst>
-        <a:ext uri="{E40237B7-FDA0-4F09-8148-C483321AD2D9}">
-          <dgm14:cNvPr xmlns:dgm14="http://schemas.microsoft.com/office/drawing/2010/diagram" id="0" name="" descr="Open Folder"/>
-        </a:ext>
-      </dgm:extLst>
-    </dgm:pt>
-    <dgm:pt modelId="{CF7839D5-ADD4-4759-9D41-E5CBC01B66A1}" type="pres">
-      <dgm:prSet presAssocID="{D1188412-5980-484E-8C28-2825B8FE752F}" presName="spaceRect" presStyleCnt="0"/>
-      <dgm:spPr/>
-    </dgm:pt>
-    <dgm:pt modelId="{9AD0C4EF-2EAC-41BA-9EF8-840F5A3ECDFF}" type="pres">
-      <dgm:prSet presAssocID="{D1188412-5980-484E-8C28-2825B8FE752F}" presName="textRect" presStyleLbl="revTx" presStyleIdx="0" presStyleCnt="2">
-        <dgm:presLayoutVars>
-          <dgm:chMax val="1"/>
-          <dgm:chPref val="1"/>
-        </dgm:presLayoutVars>
-      </dgm:prSet>
-      <dgm:spPr/>
-    </dgm:pt>
-    <dgm:pt modelId="{0E5B744C-34BE-421B-93E0-9E667A9E91D4}" type="pres">
-      <dgm:prSet presAssocID="{45585B2B-BD81-4818-99C0-7AEE1164C1A2}" presName="sibTrans" presStyleCnt="0"/>
-      <dgm:spPr/>
-    </dgm:pt>
-    <dgm:pt modelId="{7267604F-EFAF-4C72-872E-1B1046341D0B}" type="pres">
-      <dgm:prSet presAssocID="{890E6E1C-EE12-4E4F-9FEA-BF56E685EB84}" presName="compNode" presStyleCnt="0"/>
-      <dgm:spPr/>
-    </dgm:pt>
-    <dgm:pt modelId="{1790BE28-B6F4-4330-B350-652B95E50B15}" type="pres">
-      <dgm:prSet presAssocID="{890E6E1C-EE12-4E4F-9FEA-BF56E685EB84}" presName="iconRect" presStyleLbl="node1" presStyleIdx="1" presStyleCnt="2"/>
-      <dgm:spPr>
-        <a:blipFill>
-          <a:blip xmlns:r="http://schemas.openxmlformats.org/officeDocument/2006/relationships" r:embed="rId3">
-            <a:extLst>
-              <a:ext uri="{28A0092B-C50C-407E-A947-70E740481C1C}">
-                <a14:useLocalDpi xmlns:a14="http://schemas.microsoft.com/office/drawing/2010/main" val="0"/>
-              </a:ext>
-              <a:ext uri="{96DAC541-7B7A-43D3-8B79-37D633B846F1}">
-                <asvg:svgBlip xmlns:asvg="http://schemas.microsoft.com/office/drawing/2016/SVG/main" r:embed="rId4"/>
-              </a:ext>
-            </a:extLst>
-          </a:blip>
-          <a:stretch>
-            <a:fillRect/>
-          </a:stretch>
-        </a:blipFill>
-        <a:ln>
-          <a:noFill/>
-        </a:ln>
-      </dgm:spPr>
-      <dgm:extLst>
-        <a:ext uri="{E40237B7-FDA0-4F09-8148-C483321AD2D9}">
-          <dgm14:cNvPr xmlns:dgm14="http://schemas.microsoft.com/office/drawing/2010/diagram" id="0" name="" descr="Theatre"/>
-        </a:ext>
-      </dgm:extLst>
-    </dgm:pt>
-    <dgm:pt modelId="{2558861C-DE4C-4B25-9303-59AC35F25256}" type="pres">
-      <dgm:prSet presAssocID="{890E6E1C-EE12-4E4F-9FEA-BF56E685EB84}" presName="spaceRect" presStyleCnt="0"/>
-      <dgm:spPr/>
-    </dgm:pt>
-    <dgm:pt modelId="{2E7BDE42-DE53-4802-8433-A272982038A5}" type="pres">
-      <dgm:prSet presAssocID="{890E6E1C-EE12-4E4F-9FEA-BF56E685EB84}" presName="textRect" presStyleLbl="revTx" presStyleIdx="1" presStyleCnt="2">
-        <dgm:presLayoutVars>
-          <dgm:chMax val="1"/>
-          <dgm:chPref val="1"/>
-        </dgm:presLayoutVars>
-      </dgm:prSet>
-      <dgm:spPr/>
-    </dgm:pt>
-  </dgm:ptLst>
-  <dgm:cxnLst>
-    <dgm:cxn modelId="{A3BAB342-8F5C-4B37-B3BD-32E59F90A261}" type="presOf" srcId="{D1188412-5980-484E-8C28-2825B8FE752F}" destId="{9AD0C4EF-2EAC-41BA-9EF8-840F5A3ECDFF}" srcOrd="0" destOrd="0" presId="urn:microsoft.com/office/officeart/2018/2/layout/IconLabelList"/>
-    <dgm:cxn modelId="{2B8ABB48-84CA-47BA-98EF-3712A90D490B}" srcId="{638513A3-1DAC-4DD7-8142-0675021C553A}" destId="{D1188412-5980-484E-8C28-2825B8FE752F}" srcOrd="0" destOrd="0" parTransId="{8467160B-E456-4679-84B5-16506EB15C44}" sibTransId="{45585B2B-BD81-4818-99C0-7AEE1164C1A2}"/>
-    <dgm:cxn modelId="{1D90166B-0F0A-4838-8B1C-F6BCA97004C5}" type="presOf" srcId="{890E6E1C-EE12-4E4F-9FEA-BF56E685EB84}" destId="{2E7BDE42-DE53-4802-8433-A272982038A5}" srcOrd="0" destOrd="0" presId="urn:microsoft.com/office/officeart/2018/2/layout/IconLabelList"/>
-    <dgm:cxn modelId="{EA01454F-7AC3-4870-9700-C5B1609F2DF1}" srcId="{638513A3-1DAC-4DD7-8142-0675021C553A}" destId="{890E6E1C-EE12-4E4F-9FEA-BF56E685EB84}" srcOrd="1" destOrd="0" parTransId="{1AEF7D40-DF5E-4331-A5D4-DF1DB6D2B2CF}" sibTransId="{FE0DBE4B-B6DA-4488-AFB0-B2AED6EE5D69}"/>
-    <dgm:cxn modelId="{B444E0A3-18CE-4024-AE91-14E764635D52}" type="presOf" srcId="{638513A3-1DAC-4DD7-8142-0675021C553A}" destId="{9E7CCE0C-C81F-47AF-8B4D-2B1F2A6393B5}" srcOrd="0" destOrd="0" presId="urn:microsoft.com/office/officeart/2018/2/layout/IconLabelList"/>
-    <dgm:cxn modelId="{B582B43E-9AAF-4EBA-A76C-BF2956CD66FD}" type="presParOf" srcId="{9E7CCE0C-C81F-47AF-8B4D-2B1F2A6393B5}" destId="{4DC28325-78A2-47A7-A97B-11F64D75E623}" srcOrd="0" destOrd="0" presId="urn:microsoft.com/office/officeart/2018/2/layout/IconLabelList"/>
-    <dgm:cxn modelId="{89378FBB-8838-45BF-83EC-3EF6AF196AA4}" type="presParOf" srcId="{4DC28325-78A2-47A7-A97B-11F64D75E623}" destId="{2CC2F143-0677-4136-9D48-9895F31FCD27}" srcOrd="0" destOrd="0" presId="urn:microsoft.com/office/officeart/2018/2/layout/IconLabelList"/>
-    <dgm:cxn modelId="{016F7641-B9CC-459E-97C5-21E9B8A4314F}" type="presParOf" srcId="{4DC28325-78A2-47A7-A97B-11F64D75E623}" destId="{CF7839D5-ADD4-4759-9D41-E5CBC01B66A1}" srcOrd="1" destOrd="0" presId="urn:microsoft.com/office/officeart/2018/2/layout/IconLabelList"/>
-    <dgm:cxn modelId="{350CA266-C799-4CCE-B22E-D1116AF66B34}" type="presParOf" srcId="{4DC28325-78A2-47A7-A97B-11F64D75E623}" destId="{9AD0C4EF-2EAC-41BA-9EF8-840F5A3ECDFF}" srcOrd="2" destOrd="0" presId="urn:microsoft.com/office/officeart/2018/2/layout/IconLabelList"/>
-    <dgm:cxn modelId="{1219E999-D128-4C03-A20F-828C2A95F27C}" type="presParOf" srcId="{9E7CCE0C-C81F-47AF-8B4D-2B1F2A6393B5}" destId="{0E5B744C-34BE-421B-93E0-9E667A9E91D4}" srcOrd="1" destOrd="0" presId="urn:microsoft.com/office/officeart/2018/2/layout/IconLabelList"/>
-    <dgm:cxn modelId="{D8CD031B-EC84-4E71-A02E-5C349BCB969B}" type="presParOf" srcId="{9E7CCE0C-C81F-47AF-8B4D-2B1F2A6393B5}" destId="{7267604F-EFAF-4C72-872E-1B1046341D0B}" srcOrd="2" destOrd="0" presId="urn:microsoft.com/office/officeart/2018/2/layout/IconLabelList"/>
-    <dgm:cxn modelId="{9F55C5D8-6EB8-4C8D-B647-DF11088F3D24}" type="presParOf" srcId="{7267604F-EFAF-4C72-872E-1B1046341D0B}" destId="{1790BE28-B6F4-4330-B350-652B95E50B15}" srcOrd="0" destOrd="0" presId="urn:microsoft.com/office/officeart/2018/2/layout/IconLabelList"/>
-    <dgm:cxn modelId="{30E02BCD-BE98-43F0-8007-377629F4BD5A}" type="presParOf" srcId="{7267604F-EFAF-4C72-872E-1B1046341D0B}" destId="{2558861C-DE4C-4B25-9303-59AC35F25256}" srcOrd="1" destOrd="0" presId="urn:microsoft.com/office/officeart/2018/2/layout/IconLabelList"/>
-    <dgm:cxn modelId="{8D87F189-EA2A-4C11-A66B-7006BB0F8D95}" type="presParOf" srcId="{7267604F-EFAF-4C72-872E-1B1046341D0B}" destId="{2E7BDE42-DE53-4802-8433-A272982038A5}" srcOrd="2" destOrd="0" presId="urn:microsoft.com/office/officeart/2018/2/layout/IconLabelList"/>
   </dgm:cxnLst>
   <dgm:bg/>
   <dgm:whole/>
@@ -6816,6 +6816,238 @@
       <dsp:cNvGrpSpPr/>
     </dsp:nvGrpSpPr>
     <dsp:grpSpPr/>
+    <dsp:sp modelId="{2CC2F143-0677-4136-9D48-9895F31FCD27}">
+      <dsp:nvSpPr>
+        <dsp:cNvPr id="0" name=""/>
+        <dsp:cNvSpPr/>
+      </dsp:nvSpPr>
+      <dsp:spPr>
+        <a:xfrm>
+          <a:off x="1949907" y="30797"/>
+          <a:ext cx="1766812" cy="1766812"/>
+        </a:xfrm>
+        <a:prstGeom prst="rect">
+          <a:avLst/>
+        </a:prstGeom>
+        <a:blipFill>
+          <a:blip xmlns:r="http://schemas.openxmlformats.org/officeDocument/2006/relationships" r:embed="rId1">
+            <a:extLst>
+              <a:ext uri="{28A0092B-C50C-407E-A947-70E740481C1C}">
+                <a14:useLocalDpi xmlns:a14="http://schemas.microsoft.com/office/drawing/2010/main" val="0"/>
+              </a:ext>
+              <a:ext uri="{96DAC541-7B7A-43D3-8B79-37D633B846F1}">
+                <asvg:svgBlip xmlns:asvg="http://schemas.microsoft.com/office/drawing/2016/SVG/main" r:embed="rId2"/>
+              </a:ext>
+            </a:extLst>
+          </a:blip>
+          <a:stretch>
+            <a:fillRect/>
+          </a:stretch>
+        </a:blipFill>
+        <a:ln w="12700" cap="flat" cmpd="sng" algn="in">
+          <a:noFill/>
+          <a:prstDash val="solid"/>
+        </a:ln>
+        <a:effectLst/>
+      </dsp:spPr>
+      <dsp:style>
+        <a:lnRef idx="2">
+          <a:scrgbClr r="0" g="0" b="0"/>
+        </a:lnRef>
+        <a:fillRef idx="1">
+          <a:scrgbClr r="0" g="0" b="0"/>
+        </a:fillRef>
+        <a:effectRef idx="0">
+          <a:scrgbClr r="0" g="0" b="0"/>
+        </a:effectRef>
+        <a:fontRef idx="minor">
+          <a:schemeClr val="lt1"/>
+        </a:fontRef>
+      </dsp:style>
+    </dsp:sp>
+    <dsp:sp modelId="{9AD0C4EF-2EAC-41BA-9EF8-840F5A3ECDFF}">
+      <dsp:nvSpPr>
+        <dsp:cNvPr id="0" name=""/>
+        <dsp:cNvSpPr/>
+      </dsp:nvSpPr>
+      <dsp:spPr>
+        <a:xfrm>
+          <a:off x="870188" y="2236620"/>
+          <a:ext cx="3926250" cy="720000"/>
+        </a:xfrm>
+        <a:prstGeom prst="rect">
+          <a:avLst/>
+        </a:prstGeom>
+        <a:noFill/>
+        <a:ln>
+          <a:noFill/>
+        </a:ln>
+        <a:effectLst/>
+      </dsp:spPr>
+      <dsp:style>
+        <a:lnRef idx="0">
+          <a:scrgbClr r="0" g="0" b="0"/>
+        </a:lnRef>
+        <a:fillRef idx="0">
+          <a:scrgbClr r="0" g="0" b="0"/>
+        </a:fillRef>
+        <a:effectRef idx="0">
+          <a:scrgbClr r="0" g="0" b="0"/>
+        </a:effectRef>
+        <a:fontRef idx="minor"/>
+      </dsp:style>
+      <dsp:txBody>
+        <a:bodyPr spcFirstLastPara="0" vert="horz" wrap="square" lIns="0" tIns="0" rIns="0" bIns="0" numCol="1" spcCol="1270" anchor="t" anchorCtr="0">
+          <a:noAutofit/>
+        </a:bodyPr>
+        <a:lstStyle/>
+        <a:p>
+          <a:pPr marL="0" lvl="0" indent="0" algn="ctr" defTabSz="889000">
+            <a:lnSpc>
+              <a:spcPct val="90000"/>
+            </a:lnSpc>
+            <a:spcBef>
+              <a:spcPct val="0"/>
+            </a:spcBef>
+            <a:spcAft>
+              <a:spcPct val="35000"/>
+            </a:spcAft>
+            <a:buNone/>
+          </a:pPr>
+          <a:r>
+            <a:rPr lang="en-US" sz="2000" kern="1200" baseline="0"/>
+            <a:t>Create CSV file includes all the 2750 images for all classes.</a:t>
+          </a:r>
+          <a:endParaRPr lang="en-US" sz="2000" kern="1200"/>
+        </a:p>
+      </dsp:txBody>
+      <dsp:txXfrm>
+        <a:off x="870188" y="2236620"/>
+        <a:ext cx="3926250" cy="720000"/>
+      </dsp:txXfrm>
+    </dsp:sp>
+    <dsp:sp modelId="{1790BE28-B6F4-4330-B350-652B95E50B15}">
+      <dsp:nvSpPr>
+        <dsp:cNvPr id="0" name=""/>
+        <dsp:cNvSpPr/>
+      </dsp:nvSpPr>
+      <dsp:spPr>
+        <a:xfrm>
+          <a:off x="6563251" y="30797"/>
+          <a:ext cx="1766812" cy="1766812"/>
+        </a:xfrm>
+        <a:prstGeom prst="rect">
+          <a:avLst/>
+        </a:prstGeom>
+        <a:blipFill>
+          <a:blip xmlns:r="http://schemas.openxmlformats.org/officeDocument/2006/relationships" r:embed="rId3">
+            <a:extLst>
+              <a:ext uri="{28A0092B-C50C-407E-A947-70E740481C1C}">
+                <a14:useLocalDpi xmlns:a14="http://schemas.microsoft.com/office/drawing/2010/main" val="0"/>
+              </a:ext>
+              <a:ext uri="{96DAC541-7B7A-43D3-8B79-37D633B846F1}">
+                <asvg:svgBlip xmlns:asvg="http://schemas.microsoft.com/office/drawing/2016/SVG/main" r:embed="rId4"/>
+              </a:ext>
+            </a:extLst>
+          </a:blip>
+          <a:stretch>
+            <a:fillRect/>
+          </a:stretch>
+        </a:blipFill>
+        <a:ln w="12700" cap="flat" cmpd="sng" algn="in">
+          <a:noFill/>
+          <a:prstDash val="solid"/>
+        </a:ln>
+        <a:effectLst/>
+      </dsp:spPr>
+      <dsp:style>
+        <a:lnRef idx="2">
+          <a:scrgbClr r="0" g="0" b="0"/>
+        </a:lnRef>
+        <a:fillRef idx="1">
+          <a:scrgbClr r="0" g="0" b="0"/>
+        </a:fillRef>
+        <a:effectRef idx="0">
+          <a:scrgbClr r="0" g="0" b="0"/>
+        </a:effectRef>
+        <a:fontRef idx="minor">
+          <a:schemeClr val="lt1"/>
+        </a:fontRef>
+      </dsp:style>
+    </dsp:sp>
+    <dsp:sp modelId="{2E7BDE42-DE53-4802-8433-A272982038A5}">
+      <dsp:nvSpPr>
+        <dsp:cNvPr id="0" name=""/>
+        <dsp:cNvSpPr/>
+      </dsp:nvSpPr>
+      <dsp:spPr>
+        <a:xfrm>
+          <a:off x="5483532" y="2236620"/>
+          <a:ext cx="3926250" cy="720000"/>
+        </a:xfrm>
+        <a:prstGeom prst="rect">
+          <a:avLst/>
+        </a:prstGeom>
+        <a:noFill/>
+        <a:ln>
+          <a:noFill/>
+        </a:ln>
+        <a:effectLst/>
+      </dsp:spPr>
+      <dsp:style>
+        <a:lnRef idx="0">
+          <a:scrgbClr r="0" g="0" b="0"/>
+        </a:lnRef>
+        <a:fillRef idx="0">
+          <a:scrgbClr r="0" g="0" b="0"/>
+        </a:fillRef>
+        <a:effectRef idx="0">
+          <a:scrgbClr r="0" g="0" b="0"/>
+        </a:effectRef>
+        <a:fontRef idx="minor"/>
+      </dsp:style>
+      <dsp:txBody>
+        <a:bodyPr spcFirstLastPara="0" vert="horz" wrap="square" lIns="0" tIns="0" rIns="0" bIns="0" numCol="1" spcCol="1270" anchor="t" anchorCtr="0">
+          <a:noAutofit/>
+        </a:bodyPr>
+        <a:lstStyle/>
+        <a:p>
+          <a:pPr marL="0" lvl="0" indent="0" algn="ctr" defTabSz="889000">
+            <a:lnSpc>
+              <a:spcPct val="90000"/>
+            </a:lnSpc>
+            <a:spcBef>
+              <a:spcPct val="0"/>
+            </a:spcBef>
+            <a:spcAft>
+              <a:spcPct val="35000"/>
+            </a:spcAft>
+            <a:buNone/>
+          </a:pPr>
+          <a:r>
+            <a:rPr lang="en-US" sz="2000" kern="1200" baseline="0"/>
+            <a:t>Give specific label for each image corresponds to what class it belongs.</a:t>
+          </a:r>
+          <a:endParaRPr lang="en-US" sz="2000" kern="1200"/>
+        </a:p>
+      </dsp:txBody>
+      <dsp:txXfrm>
+        <a:off x="5483532" y="2236620"/>
+        <a:ext cx="3926250" cy="720000"/>
+      </dsp:txXfrm>
+    </dsp:sp>
+  </dsp:spTree>
+</dsp:drawing>
+</file>
+
+<file path=ppt/diagrams/drawing4.xml><?xml version="1.0" encoding="utf-8"?>
+<dsp:drawing xmlns:dgm="http://schemas.openxmlformats.org/drawingml/2006/diagram" xmlns:dsp="http://schemas.microsoft.com/office/drawing/2008/diagram" xmlns:a="http://schemas.openxmlformats.org/drawingml/2006/main">
+  <dsp:spTree>
+    <dsp:nvGrpSpPr>
+      <dsp:cNvPr id="0" name=""/>
+      <dsp:cNvGrpSpPr/>
+    </dsp:nvGrpSpPr>
+    <dsp:grpSpPr/>
     <dsp:sp modelId="{B0DC09FE-F66F-4327-BCC1-9068372D6F39}">
       <dsp:nvSpPr>
         <dsp:cNvPr id="0" name=""/>
@@ -7717,238 +7949,6 @@
       <dsp:txXfrm>
         <a:off x="1501142" y="473544"/>
         <a:ext cx="1324109" cy="628077"/>
-      </dsp:txXfrm>
-    </dsp:sp>
-  </dsp:spTree>
-</dsp:drawing>
-</file>
-
-<file path=ppt/diagrams/drawing4.xml><?xml version="1.0" encoding="utf-8"?>
-<dsp:drawing xmlns:dgm="http://schemas.openxmlformats.org/drawingml/2006/diagram" xmlns:dsp="http://schemas.microsoft.com/office/drawing/2008/diagram" xmlns:a="http://schemas.openxmlformats.org/drawingml/2006/main">
-  <dsp:spTree>
-    <dsp:nvGrpSpPr>
-      <dsp:cNvPr id="0" name=""/>
-      <dsp:cNvGrpSpPr/>
-    </dsp:nvGrpSpPr>
-    <dsp:grpSpPr/>
-    <dsp:sp modelId="{2CC2F143-0677-4136-9D48-9895F31FCD27}">
-      <dsp:nvSpPr>
-        <dsp:cNvPr id="0" name=""/>
-        <dsp:cNvSpPr/>
-      </dsp:nvSpPr>
-      <dsp:spPr>
-        <a:xfrm>
-          <a:off x="1949907" y="30797"/>
-          <a:ext cx="1766812" cy="1766812"/>
-        </a:xfrm>
-        <a:prstGeom prst="rect">
-          <a:avLst/>
-        </a:prstGeom>
-        <a:blipFill>
-          <a:blip xmlns:r="http://schemas.openxmlformats.org/officeDocument/2006/relationships" r:embed="rId1">
-            <a:extLst>
-              <a:ext uri="{28A0092B-C50C-407E-A947-70E740481C1C}">
-                <a14:useLocalDpi xmlns:a14="http://schemas.microsoft.com/office/drawing/2010/main" val="0"/>
-              </a:ext>
-              <a:ext uri="{96DAC541-7B7A-43D3-8B79-37D633B846F1}">
-                <asvg:svgBlip xmlns:asvg="http://schemas.microsoft.com/office/drawing/2016/SVG/main" r:embed="rId2"/>
-              </a:ext>
-            </a:extLst>
-          </a:blip>
-          <a:stretch>
-            <a:fillRect/>
-          </a:stretch>
-        </a:blipFill>
-        <a:ln w="12700" cap="flat" cmpd="sng" algn="in">
-          <a:noFill/>
-          <a:prstDash val="solid"/>
-        </a:ln>
-        <a:effectLst/>
-      </dsp:spPr>
-      <dsp:style>
-        <a:lnRef idx="2">
-          <a:scrgbClr r="0" g="0" b="0"/>
-        </a:lnRef>
-        <a:fillRef idx="1">
-          <a:scrgbClr r="0" g="0" b="0"/>
-        </a:fillRef>
-        <a:effectRef idx="0">
-          <a:scrgbClr r="0" g="0" b="0"/>
-        </a:effectRef>
-        <a:fontRef idx="minor">
-          <a:schemeClr val="lt1"/>
-        </a:fontRef>
-      </dsp:style>
-    </dsp:sp>
-    <dsp:sp modelId="{9AD0C4EF-2EAC-41BA-9EF8-840F5A3ECDFF}">
-      <dsp:nvSpPr>
-        <dsp:cNvPr id="0" name=""/>
-        <dsp:cNvSpPr/>
-      </dsp:nvSpPr>
-      <dsp:spPr>
-        <a:xfrm>
-          <a:off x="870188" y="2236620"/>
-          <a:ext cx="3926250" cy="720000"/>
-        </a:xfrm>
-        <a:prstGeom prst="rect">
-          <a:avLst/>
-        </a:prstGeom>
-        <a:noFill/>
-        <a:ln>
-          <a:noFill/>
-        </a:ln>
-        <a:effectLst/>
-      </dsp:spPr>
-      <dsp:style>
-        <a:lnRef idx="0">
-          <a:scrgbClr r="0" g="0" b="0"/>
-        </a:lnRef>
-        <a:fillRef idx="0">
-          <a:scrgbClr r="0" g="0" b="0"/>
-        </a:fillRef>
-        <a:effectRef idx="0">
-          <a:scrgbClr r="0" g="0" b="0"/>
-        </a:effectRef>
-        <a:fontRef idx="minor"/>
-      </dsp:style>
-      <dsp:txBody>
-        <a:bodyPr spcFirstLastPara="0" vert="horz" wrap="square" lIns="0" tIns="0" rIns="0" bIns="0" numCol="1" spcCol="1270" anchor="t" anchorCtr="0">
-          <a:noAutofit/>
-        </a:bodyPr>
-        <a:lstStyle/>
-        <a:p>
-          <a:pPr marL="0" lvl="0" indent="0" algn="ctr" defTabSz="889000">
-            <a:lnSpc>
-              <a:spcPct val="90000"/>
-            </a:lnSpc>
-            <a:spcBef>
-              <a:spcPct val="0"/>
-            </a:spcBef>
-            <a:spcAft>
-              <a:spcPct val="35000"/>
-            </a:spcAft>
-            <a:buNone/>
-          </a:pPr>
-          <a:r>
-            <a:rPr lang="en-US" sz="2000" kern="1200" baseline="0"/>
-            <a:t>Create CSV file includes all the 2750 images for all classes.</a:t>
-          </a:r>
-          <a:endParaRPr lang="en-US" sz="2000" kern="1200"/>
-        </a:p>
-      </dsp:txBody>
-      <dsp:txXfrm>
-        <a:off x="870188" y="2236620"/>
-        <a:ext cx="3926250" cy="720000"/>
-      </dsp:txXfrm>
-    </dsp:sp>
-    <dsp:sp modelId="{1790BE28-B6F4-4330-B350-652B95E50B15}">
-      <dsp:nvSpPr>
-        <dsp:cNvPr id="0" name=""/>
-        <dsp:cNvSpPr/>
-      </dsp:nvSpPr>
-      <dsp:spPr>
-        <a:xfrm>
-          <a:off x="6563251" y="30797"/>
-          <a:ext cx="1766812" cy="1766812"/>
-        </a:xfrm>
-        <a:prstGeom prst="rect">
-          <a:avLst/>
-        </a:prstGeom>
-        <a:blipFill>
-          <a:blip xmlns:r="http://schemas.openxmlformats.org/officeDocument/2006/relationships" r:embed="rId3">
-            <a:extLst>
-              <a:ext uri="{28A0092B-C50C-407E-A947-70E740481C1C}">
-                <a14:useLocalDpi xmlns:a14="http://schemas.microsoft.com/office/drawing/2010/main" val="0"/>
-              </a:ext>
-              <a:ext uri="{96DAC541-7B7A-43D3-8B79-37D633B846F1}">
-                <asvg:svgBlip xmlns:asvg="http://schemas.microsoft.com/office/drawing/2016/SVG/main" r:embed="rId4"/>
-              </a:ext>
-            </a:extLst>
-          </a:blip>
-          <a:stretch>
-            <a:fillRect/>
-          </a:stretch>
-        </a:blipFill>
-        <a:ln w="12700" cap="flat" cmpd="sng" algn="in">
-          <a:noFill/>
-          <a:prstDash val="solid"/>
-        </a:ln>
-        <a:effectLst/>
-      </dsp:spPr>
-      <dsp:style>
-        <a:lnRef idx="2">
-          <a:scrgbClr r="0" g="0" b="0"/>
-        </a:lnRef>
-        <a:fillRef idx="1">
-          <a:scrgbClr r="0" g="0" b="0"/>
-        </a:fillRef>
-        <a:effectRef idx="0">
-          <a:scrgbClr r="0" g="0" b="0"/>
-        </a:effectRef>
-        <a:fontRef idx="minor">
-          <a:schemeClr val="lt1"/>
-        </a:fontRef>
-      </dsp:style>
-    </dsp:sp>
-    <dsp:sp modelId="{2E7BDE42-DE53-4802-8433-A272982038A5}">
-      <dsp:nvSpPr>
-        <dsp:cNvPr id="0" name=""/>
-        <dsp:cNvSpPr/>
-      </dsp:nvSpPr>
-      <dsp:spPr>
-        <a:xfrm>
-          <a:off x="5483532" y="2236620"/>
-          <a:ext cx="3926250" cy="720000"/>
-        </a:xfrm>
-        <a:prstGeom prst="rect">
-          <a:avLst/>
-        </a:prstGeom>
-        <a:noFill/>
-        <a:ln>
-          <a:noFill/>
-        </a:ln>
-        <a:effectLst/>
-      </dsp:spPr>
-      <dsp:style>
-        <a:lnRef idx="0">
-          <a:scrgbClr r="0" g="0" b="0"/>
-        </a:lnRef>
-        <a:fillRef idx="0">
-          <a:scrgbClr r="0" g="0" b="0"/>
-        </a:fillRef>
-        <a:effectRef idx="0">
-          <a:scrgbClr r="0" g="0" b="0"/>
-        </a:effectRef>
-        <a:fontRef idx="minor"/>
-      </dsp:style>
-      <dsp:txBody>
-        <a:bodyPr spcFirstLastPara="0" vert="horz" wrap="square" lIns="0" tIns="0" rIns="0" bIns="0" numCol="1" spcCol="1270" anchor="t" anchorCtr="0">
-          <a:noAutofit/>
-        </a:bodyPr>
-        <a:lstStyle/>
-        <a:p>
-          <a:pPr marL="0" lvl="0" indent="0" algn="ctr" defTabSz="889000">
-            <a:lnSpc>
-              <a:spcPct val="90000"/>
-            </a:lnSpc>
-            <a:spcBef>
-              <a:spcPct val="0"/>
-            </a:spcBef>
-            <a:spcAft>
-              <a:spcPct val="35000"/>
-            </a:spcAft>
-            <a:buNone/>
-          </a:pPr>
-          <a:r>
-            <a:rPr lang="en-US" sz="2000" kern="1200" baseline="0"/>
-            <a:t>Give specific label for each image corresponds to what class it belongs.</a:t>
-          </a:r>
-          <a:endParaRPr lang="en-US" sz="2000" kern="1200"/>
-        </a:p>
-      </dsp:txBody>
-      <dsp:txXfrm>
-        <a:off x="5483532" y="2236620"/>
-        <a:ext cx="3926250" cy="720000"/>
       </dsp:txXfrm>
     </dsp:sp>
   </dsp:spTree>
@@ -8983,6 +8983,196 @@
 </file>
 
 <file path=ppt/diagrams/layout3.xml><?xml version="1.0" encoding="utf-8"?>
+<dgm:layoutDef xmlns:dgm="http://schemas.openxmlformats.org/drawingml/2006/diagram" xmlns:a="http://schemas.openxmlformats.org/drawingml/2006/main" uniqueId="urn:microsoft.com/office/officeart/2018/2/layout/IconLabelList">
+  <dgm:title val="Icon Label List"/>
+  <dgm:desc val="Use to show non-sequential or grouped chunks of information accompanied by a related visuals. Works best with icons or small pictures with short text captions."/>
+  <dgm:catLst>
+    <dgm:cat type="icon" pri="500"/>
+  </dgm:catLst>
+  <dgm:sampData useDef="1">
+    <dgm:dataModel>
+      <dgm:ptLst/>
+      <dgm:bg/>
+      <dgm:whole/>
+    </dgm:dataModel>
+  </dgm:sampData>
+  <dgm:styleData useDef="1">
+    <dgm:dataModel>
+      <dgm:ptLst/>
+      <dgm:bg/>
+      <dgm:whole/>
+    </dgm:dataModel>
+  </dgm:styleData>
+  <dgm:clrData useDef="1">
+    <dgm:dataModel>
+      <dgm:ptLst/>
+      <dgm:bg/>
+      <dgm:whole/>
+    </dgm:dataModel>
+  </dgm:clrData>
+  <dgm:layoutNode name="root">
+    <dgm:varLst>
+      <dgm:dir/>
+      <dgm:resizeHandles val="exact"/>
+    </dgm:varLst>
+    <dgm:choose name="Name0">
+      <dgm:if name="Name1" axis="self" func="var" arg="dir" op="equ" val="norm">
+        <dgm:alg type="snake">
+          <dgm:param type="grDir" val="tL"/>
+          <dgm:param type="flowDir" val="row"/>
+          <dgm:param type="contDir" val="sameDir"/>
+          <dgm:param type="off" val="ctr"/>
+          <dgm:param type="vertAlign" val="mid"/>
+          <dgm:param type="horzAlign" val="ctr"/>
+        </dgm:alg>
+      </dgm:if>
+      <dgm:else name="Name2">
+        <dgm:alg type="snake">
+          <dgm:param type="grDir" val="tR"/>
+          <dgm:param type="flowDir" val="row"/>
+          <dgm:param type="contDir" val="sameDir"/>
+          <dgm:param type="off" val="ctr"/>
+          <dgm:param type="vertAlign" val="mid"/>
+          <dgm:param type="horzAlign" val="ctr"/>
+        </dgm:alg>
+      </dgm:else>
+    </dgm:choose>
+    <dgm:shape xmlns:r="http://schemas.openxmlformats.org/officeDocument/2006/relationships" r:blip="">
+      <dgm:adjLst/>
+    </dgm:shape>
+    <dgm:presOf/>
+    <dgm:choose name="Name3">
+      <dgm:if name="Name4" axis="ch" ptType="node" func="cnt" op="lte" val="2">
+        <dgm:constrLst>
+          <dgm:constr type="h" for="ch" forName="compNode" refType="h" fact="0.4"/>
+          <dgm:constr type="w" for="ch" forName="compNode" val="120"/>
+          <dgm:constr type="w" for="ch" forName="sibTrans" refType="w" refFor="ch" refForName="compNode" fact="0.175"/>
+          <dgm:constr type="sp" refType="w" refFor="ch" refForName="compNode" op="equ" fact="0.25"/>
+          <dgm:constr type="primFontSz" for="des" ptType="node" op="equ" val="50"/>
+          <dgm:constr type="h" for="des" forName="compNode" op="equ"/>
+          <dgm:constr type="h" for="des" forName="textRect" op="equ"/>
+        </dgm:constrLst>
+      </dgm:if>
+      <dgm:if name="Name5" axis="ch" ptType="node" func="cnt" op="lte" val="4">
+        <dgm:constrLst>
+          <dgm:constr type="h" for="ch" forName="compNode" refType="h" fact="0.4"/>
+          <dgm:constr type="w" for="ch" forName="compNode" refType="w"/>
+          <dgm:constr type="w" for="ch" forName="sibTrans" refType="w" refFor="ch" refForName="compNode" fact="0.175"/>
+          <dgm:constr type="sp" refType="w" refFor="ch" refForName="compNode" op="equ" fact="0.25"/>
+          <dgm:constr type="primFontSz" for="des" ptType="node" op="equ" val="36"/>
+          <dgm:constr type="h" for="des" forName="compNode" op="equ"/>
+          <dgm:constr type="h" for="des" forName="textRect" op="equ"/>
+        </dgm:constrLst>
+      </dgm:if>
+      <dgm:else name="Name6">
+        <dgm:constrLst>
+          <dgm:constr type="h" for="ch" forName="compNode" refType="h" fact="0.4"/>
+          <dgm:constr type="w" for="ch" forName="compNode" refType="w"/>
+          <dgm:constr type="w" for="ch" forName="sibTrans" refType="w" refFor="ch" refForName="compNode" fact="0.175"/>
+          <dgm:constr type="sp" refType="w" refFor="ch" refForName="compNode" op="equ" fact="0.25"/>
+          <dgm:constr type="primFontSz" for="des" ptType="node" op="equ" val="24"/>
+          <dgm:constr type="h" for="des" forName="compNode" op="equ"/>
+          <dgm:constr type="h" for="des" forName="textRect" op="equ"/>
+        </dgm:constrLst>
+      </dgm:else>
+    </dgm:choose>
+    <dgm:ruleLst>
+      <dgm:rule type="w" for="ch" forName="compNode" val="50" fact="NaN" max="NaN"/>
+    </dgm:ruleLst>
+    <dgm:forEach name="Name7" axis="ch" ptType="node">
+      <dgm:layoutNode name="compNode">
+        <dgm:alg type="composite"/>
+        <dgm:shape xmlns:r="http://schemas.openxmlformats.org/officeDocument/2006/relationships" r:blip="">
+          <dgm:adjLst/>
+        </dgm:shape>
+        <dgm:presOf axis="self"/>
+        <dgm:constrLst>
+          <dgm:constr type="w" for="ch" forName="iconRect" refType="w" fact="0.45"/>
+          <dgm:constr type="h" for="ch" forName="iconRect" refType="w" refFor="ch" refForName="iconRect"/>
+          <dgm:constr type="ctrX" for="ch" forName="iconRect" refType="w" fact="0.5"/>
+          <dgm:constr type="t" for="ch" forName="iconRect"/>
+          <dgm:constr type="h" for="ch" forName="spaceRect" refType="h" fact="0.15"/>
+          <dgm:constr type="w" for="ch" forName="spaceRect" refType="w"/>
+          <dgm:constr type="l" for="ch" forName="spaceRect"/>
+          <dgm:constr type="t" for="ch" forName="spaceRect" refType="b" refFor="ch" refForName="iconRect"/>
+          <dgm:constr type="h" for="ch" forName="textRect" val="20"/>
+          <dgm:constr type="w" for="ch" forName="textRect" refType="w"/>
+          <dgm:constr type="l" for="ch" forName="textRect"/>
+          <dgm:constr type="t" for="ch" forName="textRect" refType="b" refFor="ch" refForName="spaceRect"/>
+        </dgm:constrLst>
+        <dgm:ruleLst>
+          <dgm:rule type="h" val="INF" fact="NaN" max="NaN"/>
+        </dgm:ruleLst>
+        <dgm:layoutNode name="iconRect" styleLbl="node1">
+          <dgm:alg type="sp"/>
+          <dgm:shape xmlns:r="http://schemas.openxmlformats.org/officeDocument/2006/relationships" type="rect" r:blip="" blipPhldr="1">
+            <dgm:adjLst/>
+          </dgm:shape>
+          <dgm:presOf/>
+          <dgm:constrLst/>
+          <dgm:ruleLst/>
+        </dgm:layoutNode>
+        <dgm:layoutNode name="spaceRect">
+          <dgm:alg type="sp"/>
+          <dgm:shape xmlns:r="http://schemas.openxmlformats.org/officeDocument/2006/relationships" r:blip="">
+            <dgm:adjLst/>
+          </dgm:shape>
+          <dgm:presOf/>
+          <dgm:constrLst/>
+          <dgm:ruleLst/>
+        </dgm:layoutNode>
+        <dgm:layoutNode name="textRect" styleLbl="revTx">
+          <dgm:varLst>
+            <dgm:chMax val="1"/>
+            <dgm:chPref val="1"/>
+          </dgm:varLst>
+          <dgm:alg type="tx">
+            <dgm:param type="txAnchorVert" val="t"/>
+          </dgm:alg>
+          <dgm:shape xmlns:r="http://schemas.openxmlformats.org/officeDocument/2006/relationships" type="rect" r:blip="">
+            <dgm:adjLst/>
+          </dgm:shape>
+          <dgm:presOf axis="self" ptType="node"/>
+          <dgm:constrLst>
+            <dgm:constr type="lMarg"/>
+            <dgm:constr type="rMarg"/>
+            <dgm:constr type="tMarg"/>
+            <dgm:constr type="bMarg"/>
+          </dgm:constrLst>
+          <dgm:ruleLst>
+            <dgm:rule type="primFontSz" val="11" fact="NaN" max="NaN"/>
+            <dgm:rule type="h" val="INF" fact="NaN" max="NaN"/>
+          </dgm:ruleLst>
+        </dgm:layoutNode>
+      </dgm:layoutNode>
+      <dgm:forEach name="Name8" axis="followSib" ptType="sibTrans" cnt="1">
+        <dgm:layoutNode name="sibTrans">
+          <dgm:alg type="sp"/>
+          <dgm:shape xmlns:r="http://schemas.openxmlformats.org/officeDocument/2006/relationships" r:blip="">
+            <dgm:adjLst/>
+          </dgm:shape>
+          <dgm:presOf axis="self"/>
+          <dgm:constrLst/>
+          <dgm:ruleLst/>
+        </dgm:layoutNode>
+      </dgm:forEach>
+    </dgm:forEach>
+  </dgm:layoutNode>
+  <dgm:extLst>
+    <a:ext uri="{68A01E43-0DF5-4B5B-8FA6-DAF915123BFB}">
+      <dgm1612:lstStyle xmlns:dgm1612="http://schemas.microsoft.com/office/drawing/2016/12/diagram">
+        <a:lvl1pPr>
+          <a:lnSpc>
+            <a:spcPct val="100000"/>
+          </a:lnSpc>
+        </a:lvl1pPr>
+      </dgm1612:lstStyle>
+    </a:ext>
+  </dgm:extLst>
+</dgm:layoutDef>
+</file>
+
+<file path=ppt/diagrams/layout4.xml><?xml version="1.0" encoding="utf-8"?>
 <dgm:layoutDef xmlns:dgm="http://schemas.openxmlformats.org/drawingml/2006/diagram" xmlns:a="http://schemas.openxmlformats.org/drawingml/2006/main" uniqueId="urn:microsoft.com/office/officeart/2005/8/layout/cycle3">
   <dgm:title val=""/>
   <dgm:desc val=""/>
@@ -9385,196 +9575,6 @@
 </dgm:layoutDef>
 </file>
 
-<file path=ppt/diagrams/layout4.xml><?xml version="1.0" encoding="utf-8"?>
-<dgm:layoutDef xmlns:dgm="http://schemas.openxmlformats.org/drawingml/2006/diagram" xmlns:a="http://schemas.openxmlformats.org/drawingml/2006/main" uniqueId="urn:microsoft.com/office/officeart/2018/2/layout/IconLabelList">
-  <dgm:title val="Icon Label List"/>
-  <dgm:desc val="Use to show non-sequential or grouped chunks of information accompanied by a related visuals. Works best with icons or small pictures with short text captions."/>
-  <dgm:catLst>
-    <dgm:cat type="icon" pri="500"/>
-  </dgm:catLst>
-  <dgm:sampData useDef="1">
-    <dgm:dataModel>
-      <dgm:ptLst/>
-      <dgm:bg/>
-      <dgm:whole/>
-    </dgm:dataModel>
-  </dgm:sampData>
-  <dgm:styleData useDef="1">
-    <dgm:dataModel>
-      <dgm:ptLst/>
-      <dgm:bg/>
-      <dgm:whole/>
-    </dgm:dataModel>
-  </dgm:styleData>
-  <dgm:clrData useDef="1">
-    <dgm:dataModel>
-      <dgm:ptLst/>
-      <dgm:bg/>
-      <dgm:whole/>
-    </dgm:dataModel>
-  </dgm:clrData>
-  <dgm:layoutNode name="root">
-    <dgm:varLst>
-      <dgm:dir/>
-      <dgm:resizeHandles val="exact"/>
-    </dgm:varLst>
-    <dgm:choose name="Name0">
-      <dgm:if name="Name1" axis="self" func="var" arg="dir" op="equ" val="norm">
-        <dgm:alg type="snake">
-          <dgm:param type="grDir" val="tL"/>
-          <dgm:param type="flowDir" val="row"/>
-          <dgm:param type="contDir" val="sameDir"/>
-          <dgm:param type="off" val="ctr"/>
-          <dgm:param type="vertAlign" val="mid"/>
-          <dgm:param type="horzAlign" val="ctr"/>
-        </dgm:alg>
-      </dgm:if>
-      <dgm:else name="Name2">
-        <dgm:alg type="snake">
-          <dgm:param type="grDir" val="tR"/>
-          <dgm:param type="flowDir" val="row"/>
-          <dgm:param type="contDir" val="sameDir"/>
-          <dgm:param type="off" val="ctr"/>
-          <dgm:param type="vertAlign" val="mid"/>
-          <dgm:param type="horzAlign" val="ctr"/>
-        </dgm:alg>
-      </dgm:else>
-    </dgm:choose>
-    <dgm:shape xmlns:r="http://schemas.openxmlformats.org/officeDocument/2006/relationships" r:blip="">
-      <dgm:adjLst/>
-    </dgm:shape>
-    <dgm:presOf/>
-    <dgm:choose name="Name3">
-      <dgm:if name="Name4" axis="ch" ptType="node" func="cnt" op="lte" val="2">
-        <dgm:constrLst>
-          <dgm:constr type="h" for="ch" forName="compNode" refType="h" fact="0.4"/>
-          <dgm:constr type="w" for="ch" forName="compNode" val="120"/>
-          <dgm:constr type="w" for="ch" forName="sibTrans" refType="w" refFor="ch" refForName="compNode" fact="0.175"/>
-          <dgm:constr type="sp" refType="w" refFor="ch" refForName="compNode" op="equ" fact="0.25"/>
-          <dgm:constr type="primFontSz" for="des" ptType="node" op="equ" val="50"/>
-          <dgm:constr type="h" for="des" forName="compNode" op="equ"/>
-          <dgm:constr type="h" for="des" forName="textRect" op="equ"/>
-        </dgm:constrLst>
-      </dgm:if>
-      <dgm:if name="Name5" axis="ch" ptType="node" func="cnt" op="lte" val="4">
-        <dgm:constrLst>
-          <dgm:constr type="h" for="ch" forName="compNode" refType="h" fact="0.4"/>
-          <dgm:constr type="w" for="ch" forName="compNode" refType="w"/>
-          <dgm:constr type="w" for="ch" forName="sibTrans" refType="w" refFor="ch" refForName="compNode" fact="0.175"/>
-          <dgm:constr type="sp" refType="w" refFor="ch" refForName="compNode" op="equ" fact="0.25"/>
-          <dgm:constr type="primFontSz" for="des" ptType="node" op="equ" val="36"/>
-          <dgm:constr type="h" for="des" forName="compNode" op="equ"/>
-          <dgm:constr type="h" for="des" forName="textRect" op="equ"/>
-        </dgm:constrLst>
-      </dgm:if>
-      <dgm:else name="Name6">
-        <dgm:constrLst>
-          <dgm:constr type="h" for="ch" forName="compNode" refType="h" fact="0.4"/>
-          <dgm:constr type="w" for="ch" forName="compNode" refType="w"/>
-          <dgm:constr type="w" for="ch" forName="sibTrans" refType="w" refFor="ch" refForName="compNode" fact="0.175"/>
-          <dgm:constr type="sp" refType="w" refFor="ch" refForName="compNode" op="equ" fact="0.25"/>
-          <dgm:constr type="primFontSz" for="des" ptType="node" op="equ" val="24"/>
-          <dgm:constr type="h" for="des" forName="compNode" op="equ"/>
-          <dgm:constr type="h" for="des" forName="textRect" op="equ"/>
-        </dgm:constrLst>
-      </dgm:else>
-    </dgm:choose>
-    <dgm:ruleLst>
-      <dgm:rule type="w" for="ch" forName="compNode" val="50" fact="NaN" max="NaN"/>
-    </dgm:ruleLst>
-    <dgm:forEach name="Name7" axis="ch" ptType="node">
-      <dgm:layoutNode name="compNode">
-        <dgm:alg type="composite"/>
-        <dgm:shape xmlns:r="http://schemas.openxmlformats.org/officeDocument/2006/relationships" r:blip="">
-          <dgm:adjLst/>
-        </dgm:shape>
-        <dgm:presOf axis="self"/>
-        <dgm:constrLst>
-          <dgm:constr type="w" for="ch" forName="iconRect" refType="w" fact="0.45"/>
-          <dgm:constr type="h" for="ch" forName="iconRect" refType="w" refFor="ch" refForName="iconRect"/>
-          <dgm:constr type="ctrX" for="ch" forName="iconRect" refType="w" fact="0.5"/>
-          <dgm:constr type="t" for="ch" forName="iconRect"/>
-          <dgm:constr type="h" for="ch" forName="spaceRect" refType="h" fact="0.15"/>
-          <dgm:constr type="w" for="ch" forName="spaceRect" refType="w"/>
-          <dgm:constr type="l" for="ch" forName="spaceRect"/>
-          <dgm:constr type="t" for="ch" forName="spaceRect" refType="b" refFor="ch" refForName="iconRect"/>
-          <dgm:constr type="h" for="ch" forName="textRect" val="20"/>
-          <dgm:constr type="w" for="ch" forName="textRect" refType="w"/>
-          <dgm:constr type="l" for="ch" forName="textRect"/>
-          <dgm:constr type="t" for="ch" forName="textRect" refType="b" refFor="ch" refForName="spaceRect"/>
-        </dgm:constrLst>
-        <dgm:ruleLst>
-          <dgm:rule type="h" val="INF" fact="NaN" max="NaN"/>
-        </dgm:ruleLst>
-        <dgm:layoutNode name="iconRect" styleLbl="node1">
-          <dgm:alg type="sp"/>
-          <dgm:shape xmlns:r="http://schemas.openxmlformats.org/officeDocument/2006/relationships" type="rect" r:blip="" blipPhldr="1">
-            <dgm:adjLst/>
-          </dgm:shape>
-          <dgm:presOf/>
-          <dgm:constrLst/>
-          <dgm:ruleLst/>
-        </dgm:layoutNode>
-        <dgm:layoutNode name="spaceRect">
-          <dgm:alg type="sp"/>
-          <dgm:shape xmlns:r="http://schemas.openxmlformats.org/officeDocument/2006/relationships" r:blip="">
-            <dgm:adjLst/>
-          </dgm:shape>
-          <dgm:presOf/>
-          <dgm:constrLst/>
-          <dgm:ruleLst/>
-        </dgm:layoutNode>
-        <dgm:layoutNode name="textRect" styleLbl="revTx">
-          <dgm:varLst>
-            <dgm:chMax val="1"/>
-            <dgm:chPref val="1"/>
-          </dgm:varLst>
-          <dgm:alg type="tx">
-            <dgm:param type="txAnchorVert" val="t"/>
-          </dgm:alg>
-          <dgm:shape xmlns:r="http://schemas.openxmlformats.org/officeDocument/2006/relationships" type="rect" r:blip="">
-            <dgm:adjLst/>
-          </dgm:shape>
-          <dgm:presOf axis="self" ptType="node"/>
-          <dgm:constrLst>
-            <dgm:constr type="lMarg"/>
-            <dgm:constr type="rMarg"/>
-            <dgm:constr type="tMarg"/>
-            <dgm:constr type="bMarg"/>
-          </dgm:constrLst>
-          <dgm:ruleLst>
-            <dgm:rule type="primFontSz" val="11" fact="NaN" max="NaN"/>
-            <dgm:rule type="h" val="INF" fact="NaN" max="NaN"/>
-          </dgm:ruleLst>
-        </dgm:layoutNode>
-      </dgm:layoutNode>
-      <dgm:forEach name="Name8" axis="followSib" ptType="sibTrans" cnt="1">
-        <dgm:layoutNode name="sibTrans">
-          <dgm:alg type="sp"/>
-          <dgm:shape xmlns:r="http://schemas.openxmlformats.org/officeDocument/2006/relationships" r:blip="">
-            <dgm:adjLst/>
-          </dgm:shape>
-          <dgm:presOf axis="self"/>
-          <dgm:constrLst/>
-          <dgm:ruleLst/>
-        </dgm:layoutNode>
-      </dgm:forEach>
-    </dgm:forEach>
-  </dgm:layoutNode>
-  <dgm:extLst>
-    <a:ext uri="{68A01E43-0DF5-4B5B-8FA6-DAF915123BFB}">
-      <dgm1612:lstStyle xmlns:dgm1612="http://schemas.microsoft.com/office/drawing/2016/12/diagram">
-        <a:lvl1pPr>
-          <a:lnSpc>
-            <a:spcPct val="100000"/>
-          </a:lnSpc>
-        </a:lvl1pPr>
-      </dgm1612:lstStyle>
-    </a:ext>
-  </dgm:extLst>
-</dgm:layoutDef>
-</file>
-
 <file path=ppt/diagrams/layout5.xml><?xml version="1.0" encoding="utf-8"?>
 <dgm:layoutDef xmlns:dgm="http://schemas.openxmlformats.org/drawingml/2006/diagram" xmlns:a="http://schemas.openxmlformats.org/drawingml/2006/main" uniqueId="urn:microsoft.com/office/officeart/2005/8/layout/default">
   <dgm:title val=""/>
@@ -14974,7 +14974,7 @@
           <a:p>
             <a:fld id="{C58BC151-B904-4CAE-A5CB-1F9E35686B31}" type="datetimeFigureOut">
               <a:rPr lang="en-US" smtClean="0"/>
-              <a:t>6/28/2021</a:t>
+              <a:t>6/29/2021</a:t>
             </a:fld>
             <a:endParaRPr lang="en-US"/>
           </a:p>
@@ -15608,7 +15608,7 @@
           <a:p>
             <a:fld id="{EA0CC98F-8D14-466B-93BD-474ED43FD641}" type="datetime1">
               <a:rPr lang="en-US" smtClean="0"/>
-              <a:t>6/28/2021</a:t>
+              <a:t>6/29/2021</a:t>
             </a:fld>
             <a:endParaRPr lang="en-US"/>
           </a:p>
@@ -15855,7 +15855,7 @@
           <a:p>
             <a:fld id="{10CFD406-EDC4-4C37-8637-F47DDC586613}" type="datetime1">
               <a:rPr lang="en-US" smtClean="0"/>
-              <a:t>6/28/2021</a:t>
+              <a:t>6/29/2021</a:t>
             </a:fld>
             <a:endParaRPr lang="en-US"/>
           </a:p>
@@ -16241,7 +16241,7 @@
           <a:p>
             <a:fld id="{1AA2949F-98D9-4038-BB4C-9A1277598A72}" type="datetime1">
               <a:rPr lang="en-US" smtClean="0"/>
-              <a:t>6/28/2021</a:t>
+              <a:t>6/29/2021</a:t>
             </a:fld>
             <a:endParaRPr lang="en-US"/>
           </a:p>
@@ -16470,7 +16470,7 @@
           <a:p>
             <a:fld id="{E533D395-380D-45CB-8B44-A7F9CD0CAF3B}" type="datetime1">
               <a:rPr lang="en-US" smtClean="0"/>
-              <a:t>6/28/2021</a:t>
+              <a:t>6/29/2021</a:t>
             </a:fld>
             <a:endParaRPr lang="en-US"/>
           </a:p>
@@ -16961,7 +16961,7 @@
           <a:p>
             <a:fld id="{835A698F-FF9D-4436-B4FA-F995DB1E028D}" type="datetime1">
               <a:rPr lang="en-US" smtClean="0"/>
-              <a:t>6/28/2021</a:t>
+              <a:t>6/29/2021</a:t>
             </a:fld>
             <a:endParaRPr lang="en-US"/>
           </a:p>
@@ -17271,7 +17271,7 @@
           <a:p>
             <a:fld id="{66F0EC1B-7A53-4BEC-85D2-6A76B3C228E3}" type="datetime1">
               <a:rPr lang="en-US" smtClean="0"/>
-              <a:t>6/28/2021</a:t>
+              <a:t>6/29/2021</a:t>
             </a:fld>
             <a:endParaRPr lang="en-US"/>
           </a:p>
@@ -17662,7 +17662,7 @@
           <a:p>
             <a:fld id="{E9C7D7D2-6BCD-4F60-8429-7B8D0604DDE7}" type="datetime1">
               <a:rPr lang="en-US" smtClean="0"/>
-              <a:t>6/28/2021</a:t>
+              <a:t>6/29/2021</a:t>
             </a:fld>
             <a:endParaRPr lang="en-US"/>
           </a:p>
@@ -17780,7 +17780,7 @@
           <a:p>
             <a:fld id="{61D9E658-BE41-491C-84AA-156FF16231C4}" type="datetime1">
               <a:rPr lang="en-US" smtClean="0"/>
-              <a:t>6/28/2021</a:t>
+              <a:t>6/29/2021</a:t>
             </a:fld>
             <a:endParaRPr lang="en-US"/>
           </a:p>
@@ -17875,7 +17875,7 @@
           <a:p>
             <a:fld id="{AD36EE8C-0635-4844-A36A-0115E321C087}" type="datetime1">
               <a:rPr lang="en-US" smtClean="0"/>
-              <a:t>6/28/2021</a:t>
+              <a:t>6/29/2021</a:t>
             </a:fld>
             <a:endParaRPr lang="en-US"/>
           </a:p>
@@ -18175,7 +18175,7 @@
           <a:p>
             <a:fld id="{DF2D5428-293E-4065-866E-71AC157E2D31}" type="datetime1">
               <a:rPr lang="en-US" smtClean="0"/>
-              <a:t>6/28/2021</a:t>
+              <a:t>6/29/2021</a:t>
             </a:fld>
             <a:endParaRPr lang="en-US"/>
           </a:p>
@@ -18440,7 +18440,7 @@
           <a:p>
             <a:fld id="{E8524DC5-F5B4-4481-9B1B-074A95590941}" type="datetime1">
               <a:rPr lang="en-US" smtClean="0"/>
-              <a:t>6/28/2021</a:t>
+              <a:t>6/29/2021</a:t>
             </a:fld>
             <a:endParaRPr lang="en-US"/>
           </a:p>
@@ -18858,7 +18858,7 @@
           <a:p>
             <a:fld id="{CC61C1A7-0B22-4894-BAB7-8F082926D9BE}" type="datetime1">
               <a:rPr lang="en-US" smtClean="0"/>
-              <a:t>6/28/2021</a:t>
+              <a:t>6/29/2021</a:t>
             </a:fld>
             <a:endParaRPr lang="en-US"/>
           </a:p>
@@ -19571,6 +19571,14 @@
 <file path=ppt/slides/slide10.xml><?xml version="1.0" encoding="utf-8"?>
 <p:sld xmlns:a="http://schemas.openxmlformats.org/drawingml/2006/main" xmlns:r="http://schemas.openxmlformats.org/officeDocument/2006/relationships" xmlns:p="http://schemas.openxmlformats.org/presentationml/2006/main">
   <p:cSld>
+    <p:bg>
+      <p:bgPr>
+        <a:solidFill>
+          <a:schemeClr val="bg1"/>
+        </a:solidFill>
+        <a:effectLst/>
+      </p:bgPr>
+    </p:bg>
     <p:spTree>
       <p:nvGrpSpPr>
         <p:cNvPr id="1" name=""/>
@@ -19585,12 +19593,171 @@
           <a:chExt cx="0" cy="0"/>
         </a:xfrm>
       </p:grpSpPr>
+      <p:sp useBgFill="1">
+        <p:nvSpPr>
+          <p:cNvPr id="8" name="Rectangle 7">
+            <a:extLst>
+              <a:ext uri="{FF2B5EF4-FFF2-40B4-BE49-F238E27FC236}">
+                <a16:creationId xmlns:a16="http://schemas.microsoft.com/office/drawing/2014/main" id="{718B0F80-1C8E-49FA-9B66-C9285753E25F}"/>
+              </a:ext>
+              <a:ext uri="{C183D7F6-B498-43B3-948B-1728B52AA6E4}">
+                <adec:decorative xmlns:adec="http://schemas.microsoft.com/office/drawing/2017/decorative" val="1"/>
+              </a:ext>
+            </a:extLst>
+          </p:cNvPr>
+          <p:cNvSpPr>
+            <a:spLocks noGrp="1" noRot="1" noChangeAspect="1" noMove="1" noResize="1" noEditPoints="1" noAdjustHandles="1" noChangeArrowheads="1" noChangeShapeType="1" noTextEdit="1"/>
+          </p:cNvSpPr>
+          <p:nvPr>
+            <p:extLst>
+              <p:ext uri="{386F3935-93C4-4BCD-93E2-E3B085C9AB24}">
+                <p16:designElem xmlns:p16="http://schemas.microsoft.com/office/powerpoint/2015/main" val="1"/>
+              </p:ext>
+            </p:extLst>
+          </p:nvPr>
+        </p:nvSpPr>
+        <p:spPr>
+          <a:xfrm>
+            <a:off x="0" y="0"/>
+            <a:ext cx="12192000" cy="6858000"/>
+          </a:xfrm>
+          <a:prstGeom prst="rect">
+            <a:avLst/>
+          </a:prstGeom>
+          <a:ln>
+            <a:noFill/>
+          </a:ln>
+        </p:spPr>
+        <p:style>
+          <a:lnRef idx="2">
+            <a:schemeClr val="accent1">
+              <a:shade val="50000"/>
+            </a:schemeClr>
+          </a:lnRef>
+          <a:fillRef idx="1">
+            <a:schemeClr val="accent1"/>
+          </a:fillRef>
+          <a:effectRef idx="0">
+            <a:schemeClr val="accent1"/>
+          </a:effectRef>
+          <a:fontRef idx="minor">
+            <a:schemeClr val="lt1"/>
+          </a:fontRef>
+        </p:style>
+        <p:txBody>
+          <a:bodyPr rot="0" spcFirstLastPara="0" vert="horz" wrap="square" lIns="91440" tIns="45720" rIns="91440" bIns="45720" numCol="1" spcCol="0" rtlCol="0" fromWordArt="0" anchor="ctr" anchorCtr="0" forceAA="0" compatLnSpc="1">
+            <a:prstTxWarp prst="textNoShape">
+              <a:avLst/>
+            </a:prstTxWarp>
+            <a:noAutofit/>
+          </a:bodyPr>
+          <a:lstStyle>
+            <a:defPPr>
+              <a:defRPr lang="en-US"/>
+            </a:defPPr>
+            <a:lvl1pPr marL="0" algn="l" defTabSz="914400" rtl="0" eaLnBrk="1" latinLnBrk="0" hangingPunct="1">
+              <a:defRPr sz="1800" kern="1200">
+                <a:solidFill>
+                  <a:schemeClr val="lt1"/>
+                </a:solidFill>
+                <a:latin typeface="+mn-lt"/>
+                <a:ea typeface="+mn-ea"/>
+                <a:cs typeface="+mn-cs"/>
+              </a:defRPr>
+            </a:lvl1pPr>
+            <a:lvl2pPr marL="457200" algn="l" defTabSz="914400" rtl="0" eaLnBrk="1" latinLnBrk="0" hangingPunct="1">
+              <a:defRPr sz="1800" kern="1200">
+                <a:solidFill>
+                  <a:schemeClr val="lt1"/>
+                </a:solidFill>
+                <a:latin typeface="+mn-lt"/>
+                <a:ea typeface="+mn-ea"/>
+                <a:cs typeface="+mn-cs"/>
+              </a:defRPr>
+            </a:lvl2pPr>
+            <a:lvl3pPr marL="914400" algn="l" defTabSz="914400" rtl="0" eaLnBrk="1" latinLnBrk="0" hangingPunct="1">
+              <a:defRPr sz="1800" kern="1200">
+                <a:solidFill>
+                  <a:schemeClr val="lt1"/>
+                </a:solidFill>
+                <a:latin typeface="+mn-lt"/>
+                <a:ea typeface="+mn-ea"/>
+                <a:cs typeface="+mn-cs"/>
+              </a:defRPr>
+            </a:lvl3pPr>
+            <a:lvl4pPr marL="1371600" algn="l" defTabSz="914400" rtl="0" eaLnBrk="1" latinLnBrk="0" hangingPunct="1">
+              <a:defRPr sz="1800" kern="1200">
+                <a:solidFill>
+                  <a:schemeClr val="lt1"/>
+                </a:solidFill>
+                <a:latin typeface="+mn-lt"/>
+                <a:ea typeface="+mn-ea"/>
+                <a:cs typeface="+mn-cs"/>
+              </a:defRPr>
+            </a:lvl4pPr>
+            <a:lvl5pPr marL="1828800" algn="l" defTabSz="914400" rtl="0" eaLnBrk="1" latinLnBrk="0" hangingPunct="1">
+              <a:defRPr sz="1800" kern="1200">
+                <a:solidFill>
+                  <a:schemeClr val="lt1"/>
+                </a:solidFill>
+                <a:latin typeface="+mn-lt"/>
+                <a:ea typeface="+mn-ea"/>
+                <a:cs typeface="+mn-cs"/>
+              </a:defRPr>
+            </a:lvl5pPr>
+            <a:lvl6pPr marL="2286000" algn="l" defTabSz="914400" rtl="0" eaLnBrk="1" latinLnBrk="0" hangingPunct="1">
+              <a:defRPr sz="1800" kern="1200">
+                <a:solidFill>
+                  <a:schemeClr val="lt1"/>
+                </a:solidFill>
+                <a:latin typeface="+mn-lt"/>
+                <a:ea typeface="+mn-ea"/>
+                <a:cs typeface="+mn-cs"/>
+              </a:defRPr>
+            </a:lvl6pPr>
+            <a:lvl7pPr marL="2743200" algn="l" defTabSz="914400" rtl="0" eaLnBrk="1" latinLnBrk="0" hangingPunct="1">
+              <a:defRPr sz="1800" kern="1200">
+                <a:solidFill>
+                  <a:schemeClr val="lt1"/>
+                </a:solidFill>
+                <a:latin typeface="+mn-lt"/>
+                <a:ea typeface="+mn-ea"/>
+                <a:cs typeface="+mn-cs"/>
+              </a:defRPr>
+            </a:lvl7pPr>
+            <a:lvl8pPr marL="3200400" algn="l" defTabSz="914400" rtl="0" eaLnBrk="1" latinLnBrk="0" hangingPunct="1">
+              <a:defRPr sz="1800" kern="1200">
+                <a:solidFill>
+                  <a:schemeClr val="lt1"/>
+                </a:solidFill>
+                <a:latin typeface="+mn-lt"/>
+                <a:ea typeface="+mn-ea"/>
+                <a:cs typeface="+mn-cs"/>
+              </a:defRPr>
+            </a:lvl8pPr>
+            <a:lvl9pPr marL="3657600" algn="l" defTabSz="914400" rtl="0" eaLnBrk="1" latinLnBrk="0" hangingPunct="1">
+              <a:defRPr sz="1800" kern="1200">
+                <a:solidFill>
+                  <a:schemeClr val="lt1"/>
+                </a:solidFill>
+                <a:latin typeface="+mn-lt"/>
+                <a:ea typeface="+mn-ea"/>
+                <a:cs typeface="+mn-cs"/>
+              </a:defRPr>
+            </a:lvl9pPr>
+          </a:lstStyle>
+          <a:p>
+            <a:pPr algn="ctr"/>
+            <a:endParaRPr lang="en-US"/>
+          </a:p>
+        </p:txBody>
+      </p:sp>
       <p:sp>
         <p:nvSpPr>
           <p:cNvPr id="2" name="Title 1">
             <a:extLst>
               <a:ext uri="{FF2B5EF4-FFF2-40B4-BE49-F238E27FC236}">
-                <a16:creationId xmlns:a16="http://schemas.microsoft.com/office/drawing/2014/main" id="{69CD5CC1-0E0F-49B7-9C25-1015F1492E02}"/>
+                <a16:creationId xmlns:a16="http://schemas.microsoft.com/office/drawing/2014/main" id="{439129A9-84F1-49ED-920C-D8FC5C5F838A}"/>
               </a:ext>
             </a:extLst>
           </p:cNvPr>
@@ -19601,235 +19768,390 @@
             <p:ph type="title"/>
           </p:nvPr>
         </p:nvSpPr>
-        <p:spPr/>
+        <p:spPr>
+          <a:xfrm>
+            <a:off x="643467" y="643466"/>
+            <a:ext cx="3933390" cy="4937287"/>
+          </a:xfrm>
+        </p:spPr>
         <p:txBody>
-          <a:bodyPr/>
+          <a:bodyPr anchor="ctr">
+            <a:normAutofit/>
+          </a:bodyPr>
           <a:lstStyle/>
           <a:p>
-            <a:pPr algn="ctr"/>
+            <a:pPr algn="l"/>
             <a:r>
-              <a:rPr lang="en-US" dirty="0"/>
-              <a:t>Sample of the Dataset</a:t>
+              <a:rPr lang="en-US" sz="4800" dirty="0"/>
+              <a:t>VGG16 Model </a:t>
             </a:r>
+            <a:endParaRPr lang="en-US" sz="4800" dirty="0">
+              <a:solidFill>
+                <a:schemeClr val="tx1"/>
+              </a:solidFill>
+            </a:endParaRPr>
           </a:p>
         </p:txBody>
       </p:sp>
       <p:sp>
         <p:nvSpPr>
-          <p:cNvPr id="6" name="TextBox 5">
+          <p:cNvPr id="10" name="Freeform 6">
             <a:extLst>
               <a:ext uri="{FF2B5EF4-FFF2-40B4-BE49-F238E27FC236}">
-                <a16:creationId xmlns:a16="http://schemas.microsoft.com/office/drawing/2014/main" id="{DBF628E7-6ABD-416F-B531-514C44FDE87A}"/>
+                <a16:creationId xmlns:a16="http://schemas.microsoft.com/office/drawing/2014/main" id="{CEF2B853-4083-4B70-AC2A-F79D80809342}"/>
+              </a:ext>
+              <a:ext uri="{C183D7F6-B498-43B3-948B-1728B52AA6E4}">
+                <adec:decorative xmlns:adec="http://schemas.microsoft.com/office/drawing/2017/decorative" val="1"/>
               </a:ext>
             </a:extLst>
           </p:cNvPr>
-          <p:cNvSpPr txBox="1"/>
-          <p:nvPr/>
+          <p:cNvSpPr>
+            <a:spLocks noGrp="1" noRot="1" noChangeAspect="1" noMove="1" noResize="1" noEditPoints="1" noAdjustHandles="1" noChangeArrowheads="1" noChangeShapeType="1" noTextEdit="1"/>
+          </p:cNvSpPr>
+          <p:nvPr>
+            <p:extLst>
+              <p:ext uri="{386F3935-93C4-4BCD-93E2-E3B085C9AB24}">
+                <p16:designElem xmlns:p16="http://schemas.microsoft.com/office/powerpoint/2015/main" val="1"/>
+              </p:ext>
+            </p:extLst>
+          </p:nvPr>
+        </p:nvSpPr>
+        <p:spPr bwMode="auto">
+          <a:xfrm flipH="1">
+            <a:off x="0" y="643466"/>
+            <a:ext cx="407988" cy="819150"/>
+          </a:xfrm>
+          <a:custGeom>
+            <a:avLst/>
+            <a:gdLst/>
+            <a:ahLst/>
+            <a:cxnLst/>
+            <a:rect l="0" t="0" r="r" b="b"/>
+            <a:pathLst>
+              <a:path w="1799" h="3612">
+                <a:moveTo>
+                  <a:pt x="1799" y="0"/>
+                </a:moveTo>
+                <a:lnTo>
+                  <a:pt x="1799" y="3612"/>
+                </a:lnTo>
+                <a:lnTo>
+                  <a:pt x="1686" y="3609"/>
+                </a:lnTo>
+                <a:lnTo>
+                  <a:pt x="1574" y="3598"/>
+                </a:lnTo>
+                <a:lnTo>
+                  <a:pt x="1464" y="3581"/>
+                </a:lnTo>
+                <a:lnTo>
+                  <a:pt x="1357" y="3557"/>
+                </a:lnTo>
+                <a:lnTo>
+                  <a:pt x="1251" y="3527"/>
+                </a:lnTo>
+                <a:lnTo>
+                  <a:pt x="1150" y="3490"/>
+                </a:lnTo>
+                <a:lnTo>
+                  <a:pt x="1050" y="3448"/>
+                </a:lnTo>
+                <a:lnTo>
+                  <a:pt x="953" y="3401"/>
+                </a:lnTo>
+                <a:lnTo>
+                  <a:pt x="860" y="3347"/>
+                </a:lnTo>
+                <a:lnTo>
+                  <a:pt x="771" y="3289"/>
+                </a:lnTo>
+                <a:lnTo>
+                  <a:pt x="686" y="3224"/>
+                </a:lnTo>
+                <a:lnTo>
+                  <a:pt x="604" y="3156"/>
+                </a:lnTo>
+                <a:lnTo>
+                  <a:pt x="527" y="3083"/>
+                </a:lnTo>
+                <a:lnTo>
+                  <a:pt x="454" y="3005"/>
+                </a:lnTo>
+                <a:lnTo>
+                  <a:pt x="386" y="2923"/>
+                </a:lnTo>
+                <a:lnTo>
+                  <a:pt x="323" y="2838"/>
+                </a:lnTo>
+                <a:lnTo>
+                  <a:pt x="265" y="2748"/>
+                </a:lnTo>
+                <a:lnTo>
+                  <a:pt x="211" y="2655"/>
+                </a:lnTo>
+                <a:lnTo>
+                  <a:pt x="163" y="2559"/>
+                </a:lnTo>
+                <a:lnTo>
+                  <a:pt x="121" y="2459"/>
+                </a:lnTo>
+                <a:lnTo>
+                  <a:pt x="85" y="2356"/>
+                </a:lnTo>
+                <a:lnTo>
+                  <a:pt x="55" y="2251"/>
+                </a:lnTo>
+                <a:lnTo>
+                  <a:pt x="32" y="2143"/>
+                </a:lnTo>
+                <a:lnTo>
+                  <a:pt x="14" y="2033"/>
+                </a:lnTo>
+                <a:lnTo>
+                  <a:pt x="4" y="1920"/>
+                </a:lnTo>
+                <a:lnTo>
+                  <a:pt x="0" y="1806"/>
+                </a:lnTo>
+                <a:lnTo>
+                  <a:pt x="4" y="1692"/>
+                </a:lnTo>
+                <a:lnTo>
+                  <a:pt x="14" y="1580"/>
+                </a:lnTo>
+                <a:lnTo>
+                  <a:pt x="32" y="1469"/>
+                </a:lnTo>
+                <a:lnTo>
+                  <a:pt x="55" y="1362"/>
+                </a:lnTo>
+                <a:lnTo>
+                  <a:pt x="85" y="1256"/>
+                </a:lnTo>
+                <a:lnTo>
+                  <a:pt x="121" y="1154"/>
+                </a:lnTo>
+                <a:lnTo>
+                  <a:pt x="163" y="1054"/>
+                </a:lnTo>
+                <a:lnTo>
+                  <a:pt x="211" y="958"/>
+                </a:lnTo>
+                <a:lnTo>
+                  <a:pt x="265" y="864"/>
+                </a:lnTo>
+                <a:lnTo>
+                  <a:pt x="323" y="774"/>
+                </a:lnTo>
+                <a:lnTo>
+                  <a:pt x="386" y="689"/>
+                </a:lnTo>
+                <a:lnTo>
+                  <a:pt x="454" y="607"/>
+                </a:lnTo>
+                <a:lnTo>
+                  <a:pt x="527" y="529"/>
+                </a:lnTo>
+                <a:lnTo>
+                  <a:pt x="604" y="456"/>
+                </a:lnTo>
+                <a:lnTo>
+                  <a:pt x="686" y="388"/>
+                </a:lnTo>
+                <a:lnTo>
+                  <a:pt x="771" y="325"/>
+                </a:lnTo>
+                <a:lnTo>
+                  <a:pt x="860" y="266"/>
+                </a:lnTo>
+                <a:lnTo>
+                  <a:pt x="953" y="212"/>
+                </a:lnTo>
+                <a:lnTo>
+                  <a:pt x="1050" y="164"/>
+                </a:lnTo>
+                <a:lnTo>
+                  <a:pt x="1150" y="122"/>
+                </a:lnTo>
+                <a:lnTo>
+                  <a:pt x="1251" y="85"/>
+                </a:lnTo>
+                <a:lnTo>
+                  <a:pt x="1357" y="55"/>
+                </a:lnTo>
+                <a:lnTo>
+                  <a:pt x="1464" y="32"/>
+                </a:lnTo>
+                <a:lnTo>
+                  <a:pt x="1574" y="14"/>
+                </a:lnTo>
+                <a:lnTo>
+                  <a:pt x="1686" y="5"/>
+                </a:lnTo>
+                <a:lnTo>
+                  <a:pt x="1799" y="0"/>
+                </a:lnTo>
+                <a:close/>
+              </a:path>
+            </a:pathLst>
+          </a:custGeom>
+          <a:solidFill>
+            <a:schemeClr val="tx1">
+              <a:lumMod val="85000"/>
+              <a:lumOff val="15000"/>
+            </a:schemeClr>
+          </a:solidFill>
+          <a:ln w="0">
+            <a:noFill/>
+            <a:prstDash val="solid"/>
+            <a:round/>
+            <a:headEnd/>
+            <a:tailEnd/>
+          </a:ln>
+        </p:spPr>
+      </p:sp>
+      <p:sp>
+        <p:nvSpPr>
+          <p:cNvPr id="3" name="Content Placeholder 2">
+            <a:extLst>
+              <a:ext uri="{FF2B5EF4-FFF2-40B4-BE49-F238E27FC236}">
+                <a16:creationId xmlns:a16="http://schemas.microsoft.com/office/drawing/2014/main" id="{1FC09055-78D2-4BAF-AD34-798C3078DE4A}"/>
+              </a:ext>
+            </a:extLst>
+          </p:cNvPr>
+          <p:cNvSpPr>
+            <a:spLocks noGrp="1"/>
+          </p:cNvSpPr>
+          <p:nvPr>
+            <p:ph idx="1"/>
+          </p:nvPr>
         </p:nvSpPr>
         <p:spPr>
           <a:xfrm>
-            <a:off x="914985" y="4649003"/>
-            <a:ext cx="1013419" cy="369332"/>
+            <a:off x="4955354" y="643466"/>
+            <a:ext cx="6874696" cy="4937287"/>
           </a:xfrm>
-          <a:prstGeom prst="rect">
-            <a:avLst/>
-          </a:prstGeom>
-          <a:noFill/>
         </p:spPr>
         <p:txBody>
-          <a:bodyPr wrap="none" rtlCol="0">
-            <a:spAutoFit/>
+          <a:bodyPr anchor="ctr">
+            <a:normAutofit/>
           </a:bodyPr>
           <a:lstStyle/>
           <a:p>
             <a:r>
-              <a:rPr lang="en-US" dirty="0"/>
-              <a:t>Sleeping</a:t>
+              <a:rPr lang="en-US" sz="2000" b="0" i="0" u="none" strike="noStrike" baseline="0" dirty="0">
+                <a:solidFill>
+                  <a:schemeClr val="tx1"/>
+                </a:solidFill>
+                <a:latin typeface="Calibri" panose="020F0502020204030204" pitchFamily="34" charset="0"/>
+              </a:rPr>
+              <a:t>VGG16 is a convolution neural net (CNN) architecture which was used to win (ImageNet) competition.</a:t>
             </a:r>
+          </a:p>
+          <a:p>
+            <a:r>
+              <a:rPr lang="en-US" sz="2000" b="0" i="0" u="none" strike="noStrike" baseline="0" dirty="0">
+                <a:solidFill>
+                  <a:schemeClr val="tx1"/>
+                </a:solidFill>
+                <a:latin typeface="Calibri" panose="020F0502020204030204" pitchFamily="34" charset="0"/>
+              </a:rPr>
+              <a:t>Most unique thing about VGG16 is that instead of having a large number of hyper-parameters they focused on having convolution layers of 3x3 filter with a stride 1 and always used same padding and </a:t>
+            </a:r>
+            <a:r>
+              <a:rPr lang="en-US" sz="2000" b="0" i="0" u="none" strike="noStrike" baseline="0" dirty="0" err="1">
+                <a:solidFill>
+                  <a:schemeClr val="tx1"/>
+                </a:solidFill>
+                <a:latin typeface="Calibri" panose="020F0502020204030204" pitchFamily="34" charset="0"/>
+              </a:rPr>
+              <a:t>maxpool</a:t>
+            </a:r>
+            <a:r>
+              <a:rPr lang="en-US" sz="2000" b="0" i="0" u="none" strike="noStrike" baseline="0" dirty="0">
+                <a:solidFill>
+                  <a:schemeClr val="tx1"/>
+                </a:solidFill>
+                <a:latin typeface="Calibri" panose="020F0502020204030204" pitchFamily="34" charset="0"/>
+              </a:rPr>
+              <a:t> layer of 2x2 filter of stride 2. </a:t>
+            </a:r>
+            <a:endParaRPr lang="en-US" dirty="0">
+              <a:solidFill>
+                <a:schemeClr val="tx1"/>
+              </a:solidFill>
+            </a:endParaRPr>
+          </a:p>
+          <a:p>
+            <a:endParaRPr lang="en-US" dirty="0">
+              <a:solidFill>
+                <a:schemeClr val="tx1"/>
+              </a:solidFill>
+            </a:endParaRPr>
           </a:p>
         </p:txBody>
       </p:sp>
-      <p:sp>
-        <p:nvSpPr>
-          <p:cNvPr id="9" name="TextBox 8">
+      <p:cxnSp>
+        <p:nvCxnSpPr>
+          <p:cNvPr id="12" name="Straight Connector 11">
             <a:extLst>
               <a:ext uri="{FF2B5EF4-FFF2-40B4-BE49-F238E27FC236}">
-                <a16:creationId xmlns:a16="http://schemas.microsoft.com/office/drawing/2014/main" id="{95B45190-3F08-48EA-95B8-77870C850400}"/>
+                <a16:creationId xmlns:a16="http://schemas.microsoft.com/office/drawing/2014/main" id="{D434EAAF-BF44-4CCC-84D4-105F3370AFFC}"/>
+              </a:ext>
+              <a:ext uri="{C183D7F6-B498-43B3-948B-1728B52AA6E4}">
+                <adec:decorative xmlns:adec="http://schemas.microsoft.com/office/drawing/2017/decorative" val="1"/>
               </a:ext>
             </a:extLst>
           </p:cNvPr>
-          <p:cNvSpPr txBox="1"/>
-          <p:nvPr/>
-        </p:nvSpPr>
+          <p:cNvCxnSpPr>
+            <a:cxnSpLocks noGrp="1" noRot="1" noChangeAspect="1" noMove="1" noResize="1" noEditPoints="1" noAdjustHandles="1" noChangeArrowheads="1" noChangeShapeType="1"/>
+          </p:cNvCxnSpPr>
+          <p:nvPr>
+            <p:extLst>
+              <p:ext uri="{386F3935-93C4-4BCD-93E2-E3B085C9AB24}">
+                <p16:designElem xmlns:p16="http://schemas.microsoft.com/office/powerpoint/2015/main" val="1"/>
+              </p:ext>
+            </p:extLst>
+          </p:nvPr>
+        </p:nvCxnSpPr>
         <p:spPr>
           <a:xfrm>
-            <a:off x="5117467" y="4649003"/>
-            <a:ext cx="1207382" cy="369332"/>
+            <a:off x="0" y="6199730"/>
+            <a:ext cx="4495800" cy="0"/>
           </a:xfrm>
-          <a:prstGeom prst="rect">
+          <a:prstGeom prst="line">
             <a:avLst/>
           </a:prstGeom>
-          <a:noFill/>
+          <a:ln w="25400">
+            <a:solidFill>
+              <a:schemeClr val="tx1">
+                <a:lumMod val="85000"/>
+                <a:lumOff val="15000"/>
+              </a:schemeClr>
+            </a:solidFill>
+          </a:ln>
         </p:spPr>
-        <p:txBody>
-          <a:bodyPr wrap="none" rtlCol="0">
-            <a:spAutoFit/>
-          </a:bodyPr>
-          <a:lstStyle/>
-          <a:p>
-            <a:r>
-              <a:rPr lang="en-US" dirty="0"/>
-              <a:t>Swimming</a:t>
-            </a:r>
-          </a:p>
-        </p:txBody>
-      </p:sp>
+        <p:style>
+          <a:lnRef idx="1">
+            <a:schemeClr val="accent1"/>
+          </a:lnRef>
+          <a:fillRef idx="0">
+            <a:schemeClr val="accent1"/>
+          </a:fillRef>
+          <a:effectRef idx="0">
+            <a:schemeClr val="accent1"/>
+          </a:effectRef>
+          <a:fontRef idx="minor">
+            <a:schemeClr val="tx1"/>
+          </a:fontRef>
+        </p:style>
+      </p:cxnSp>
       <p:sp>
         <p:nvSpPr>
-          <p:cNvPr id="12" name="TextBox 11">
+          <p:cNvPr id="4" name="Slide Number Placeholder 3">
             <a:extLst>
               <a:ext uri="{FF2B5EF4-FFF2-40B4-BE49-F238E27FC236}">
-                <a16:creationId xmlns:a16="http://schemas.microsoft.com/office/drawing/2014/main" id="{0EA1C8F5-1B00-44B6-BD79-49BD0F720FC4}"/>
-              </a:ext>
-            </a:extLst>
-          </p:cNvPr>
-          <p:cNvSpPr txBox="1"/>
-          <p:nvPr/>
-        </p:nvSpPr>
-        <p:spPr>
-          <a:xfrm>
-            <a:off x="9017665" y="4649003"/>
-            <a:ext cx="963725" cy="369332"/>
-          </a:xfrm>
-          <a:prstGeom prst="rect">
-            <a:avLst/>
-          </a:prstGeom>
-          <a:noFill/>
-        </p:spPr>
-        <p:txBody>
-          <a:bodyPr wrap="none" rtlCol="0">
-            <a:spAutoFit/>
-          </a:bodyPr>
-          <a:lstStyle/>
-          <a:p>
-            <a:r>
-              <a:rPr lang="en-US" dirty="0"/>
-              <a:t>Walking</a:t>
-            </a:r>
-          </a:p>
-        </p:txBody>
-      </p:sp>
-      <p:pic>
-        <p:nvPicPr>
-          <p:cNvPr id="10" name="Picture 9" descr="A picture containing clothing, person, indoor, hair&#10;&#10;Description automatically generated">
-            <a:extLst>
-              <a:ext uri="{FF2B5EF4-FFF2-40B4-BE49-F238E27FC236}">
-                <a16:creationId xmlns:a16="http://schemas.microsoft.com/office/drawing/2014/main" id="{6AAC9647-CD12-48F5-AD64-4835A488BBD1}"/>
-              </a:ext>
-            </a:extLst>
-          </p:cNvPr>
-          <p:cNvPicPr>
-            <a:picLocks noChangeAspect="1"/>
-          </p:cNvPicPr>
-          <p:nvPr/>
-        </p:nvPicPr>
-        <p:blipFill rotWithShape="1">
-          <a:blip r:embed="rId2">
-            <a:extLst>
-              <a:ext uri="{28A0092B-C50C-407E-A947-70E740481C1C}">
-                <a14:useLocalDpi xmlns:a14="http://schemas.microsoft.com/office/drawing/2010/main" val="0"/>
-              </a:ext>
-            </a:extLst>
-          </a:blip>
-          <a:srcRect l="14166" t="-226" b="1"/>
-          <a:stretch/>
-        </p:blipFill>
-        <p:spPr>
-          <a:xfrm>
-            <a:off x="240439" y="2538974"/>
-            <a:ext cx="2606407" cy="1817519"/>
-          </a:xfrm>
-          <a:prstGeom prst="rect">
-            <a:avLst/>
-          </a:prstGeom>
-        </p:spPr>
-      </p:pic>
-      <p:pic>
-        <p:nvPicPr>
-          <p:cNvPr id="22" name="Picture 21" descr="Two people in the water&#10;&#10;Description automatically generated with medium confidence">
-            <a:extLst>
-              <a:ext uri="{FF2B5EF4-FFF2-40B4-BE49-F238E27FC236}">
-                <a16:creationId xmlns:a16="http://schemas.microsoft.com/office/drawing/2014/main" id="{05D8CE03-DBB2-4E03-BB8F-C57DBA5CA90E}"/>
-              </a:ext>
-            </a:extLst>
-          </p:cNvPr>
-          <p:cNvPicPr>
-            <a:picLocks noChangeAspect="1"/>
-          </p:cNvPicPr>
-          <p:nvPr/>
-        </p:nvPicPr>
-        <p:blipFill rotWithShape="1">
-          <a:blip r:embed="rId3">
-            <a:extLst>
-              <a:ext uri="{28A0092B-C50C-407E-A947-70E740481C1C}">
-                <a14:useLocalDpi xmlns:a14="http://schemas.microsoft.com/office/drawing/2010/main" val="0"/>
-              </a:ext>
-            </a:extLst>
-          </a:blip>
-          <a:srcRect l="15750" t="-4035" b="-1"/>
-          <a:stretch/>
-        </p:blipFill>
-        <p:spPr>
-          <a:xfrm>
-            <a:off x="4318642" y="2443175"/>
-            <a:ext cx="2538208" cy="1971650"/>
-          </a:xfrm>
-          <a:prstGeom prst="rect">
-            <a:avLst/>
-          </a:prstGeom>
-        </p:spPr>
-      </p:pic>
-      <p:pic>
-        <p:nvPicPr>
-          <p:cNvPr id="28" name="Picture 27" descr="A person standing in a room&#10;&#10;Description automatically generated with low confidence">
-            <a:extLst>
-              <a:ext uri="{FF2B5EF4-FFF2-40B4-BE49-F238E27FC236}">
-                <a16:creationId xmlns:a16="http://schemas.microsoft.com/office/drawing/2014/main" id="{DEBF1D55-4296-4129-8916-A1E402A6D93C}"/>
-              </a:ext>
-            </a:extLst>
-          </p:cNvPr>
-          <p:cNvPicPr>
-            <a:picLocks noChangeAspect="1"/>
-          </p:cNvPicPr>
-          <p:nvPr/>
-        </p:nvPicPr>
-        <p:blipFill rotWithShape="1">
-          <a:blip r:embed="rId4">
-            <a:extLst>
-              <a:ext uri="{28A0092B-C50C-407E-A947-70E740481C1C}">
-                <a14:useLocalDpi xmlns:a14="http://schemas.microsoft.com/office/drawing/2010/main" val="0"/>
-              </a:ext>
-            </a:extLst>
-          </a:blip>
-          <a:srcRect l="18417" t="-426"/>
-          <a:stretch/>
-        </p:blipFill>
-        <p:spPr>
-          <a:xfrm>
-            <a:off x="8328646" y="2577697"/>
-            <a:ext cx="2538207" cy="1817520"/>
-          </a:xfrm>
-          <a:prstGeom prst="rect">
-            <a:avLst/>
-          </a:prstGeom>
-        </p:spPr>
-      </p:pic>
-      <p:sp>
-        <p:nvSpPr>
-          <p:cNvPr id="29" name="Slide Number Placeholder 28">
-            <a:extLst>
-              <a:ext uri="{FF2B5EF4-FFF2-40B4-BE49-F238E27FC236}">
-                <a16:creationId xmlns:a16="http://schemas.microsoft.com/office/drawing/2014/main" id="{EC2EA4F4-5CE0-4B9F-8045-9F2F030A8B00}"/>
+                <a16:creationId xmlns:a16="http://schemas.microsoft.com/office/drawing/2014/main" id="{F5BFA082-6ACC-47B0-8C58-FE7ABC7E2312}"/>
               </a:ext>
             </a:extLst>
           </p:cNvPr>
@@ -19856,12 +20178,12 @@
     </p:spTree>
     <p:extLst>
       <p:ext uri="{BB962C8B-B14F-4D97-AF65-F5344CB8AC3E}">
-        <p14:creationId xmlns:p14="http://schemas.microsoft.com/office/powerpoint/2010/main" val="1796130255"/>
+        <p14:creationId xmlns:p14="http://schemas.microsoft.com/office/powerpoint/2010/main" val="2009102575"/>
       </p:ext>
     </p:extLst>
   </p:cSld>
   <p:clrMapOvr>
-    <a:masterClrMapping/>
+    <a:overrideClrMapping bg1="dk1" tx1="lt1" bg2="dk2" tx2="lt2" accent1="accent1" accent2="accent2" accent3="accent3" accent4="accent4" accent5="accent5" accent6="accent6" hlink="hlink" folHlink="folHlink"/>
   </p:clrMapOvr>
 </p:sld>
 </file>
@@ -24388,1195 +24710,6 @@
     <p:bg>
       <p:bgPr>
         <a:solidFill>
-          <a:schemeClr val="bg1"/>
-        </a:solidFill>
-        <a:effectLst/>
-      </p:bgPr>
-    </p:bg>
-    <p:spTree>
-      <p:nvGrpSpPr>
-        <p:cNvPr id="1" name=""/>
-        <p:cNvGrpSpPr/>
-        <p:nvPr/>
-      </p:nvGrpSpPr>
-      <p:grpSpPr>
-        <a:xfrm>
-          <a:off x="0" y="0"/>
-          <a:ext cx="0" cy="0"/>
-          <a:chOff x="0" y="0"/>
-          <a:chExt cx="0" cy="0"/>
-        </a:xfrm>
-      </p:grpSpPr>
-      <p:sp useBgFill="1">
-        <p:nvSpPr>
-          <p:cNvPr id="8" name="Rectangle 7">
-            <a:extLst>
-              <a:ext uri="{FF2B5EF4-FFF2-40B4-BE49-F238E27FC236}">
-                <a16:creationId xmlns:a16="http://schemas.microsoft.com/office/drawing/2014/main" id="{718B0F80-1C8E-49FA-9B66-C9285753E25F}"/>
-              </a:ext>
-              <a:ext uri="{C183D7F6-B498-43B3-948B-1728B52AA6E4}">
-                <adec:decorative xmlns:adec="http://schemas.microsoft.com/office/drawing/2017/decorative" val="1"/>
-              </a:ext>
-            </a:extLst>
-          </p:cNvPr>
-          <p:cNvSpPr>
-            <a:spLocks noGrp="1" noRot="1" noChangeAspect="1" noMove="1" noResize="1" noEditPoints="1" noAdjustHandles="1" noChangeArrowheads="1" noChangeShapeType="1" noTextEdit="1"/>
-          </p:cNvSpPr>
-          <p:nvPr>
-            <p:extLst>
-              <p:ext uri="{386F3935-93C4-4BCD-93E2-E3B085C9AB24}">
-                <p16:designElem xmlns:p16="http://schemas.microsoft.com/office/powerpoint/2015/main" val="1"/>
-              </p:ext>
-            </p:extLst>
-          </p:nvPr>
-        </p:nvSpPr>
-        <p:spPr>
-          <a:xfrm>
-            <a:off x="0" y="0"/>
-            <a:ext cx="12192000" cy="6858000"/>
-          </a:xfrm>
-          <a:prstGeom prst="rect">
-            <a:avLst/>
-          </a:prstGeom>
-          <a:ln>
-            <a:noFill/>
-          </a:ln>
-        </p:spPr>
-        <p:style>
-          <a:lnRef idx="2">
-            <a:schemeClr val="accent1">
-              <a:shade val="50000"/>
-            </a:schemeClr>
-          </a:lnRef>
-          <a:fillRef idx="1">
-            <a:schemeClr val="accent1"/>
-          </a:fillRef>
-          <a:effectRef idx="0">
-            <a:schemeClr val="accent1"/>
-          </a:effectRef>
-          <a:fontRef idx="minor">
-            <a:schemeClr val="lt1"/>
-          </a:fontRef>
-        </p:style>
-        <p:txBody>
-          <a:bodyPr rot="0" spcFirstLastPara="0" vert="horz" wrap="square" lIns="91440" tIns="45720" rIns="91440" bIns="45720" numCol="1" spcCol="0" rtlCol="0" fromWordArt="0" anchor="ctr" anchorCtr="0" forceAA="0" compatLnSpc="1">
-            <a:prstTxWarp prst="textNoShape">
-              <a:avLst/>
-            </a:prstTxWarp>
-            <a:noAutofit/>
-          </a:bodyPr>
-          <a:lstStyle>
-            <a:defPPr>
-              <a:defRPr lang="en-US"/>
-            </a:defPPr>
-            <a:lvl1pPr marL="0" algn="l" defTabSz="914400" rtl="0" eaLnBrk="1" latinLnBrk="0" hangingPunct="1">
-              <a:defRPr sz="1800" kern="1200">
-                <a:solidFill>
-                  <a:schemeClr val="lt1"/>
-                </a:solidFill>
-                <a:latin typeface="+mn-lt"/>
-                <a:ea typeface="+mn-ea"/>
-                <a:cs typeface="+mn-cs"/>
-              </a:defRPr>
-            </a:lvl1pPr>
-            <a:lvl2pPr marL="457200" algn="l" defTabSz="914400" rtl="0" eaLnBrk="1" latinLnBrk="0" hangingPunct="1">
-              <a:defRPr sz="1800" kern="1200">
-                <a:solidFill>
-                  <a:schemeClr val="lt1"/>
-                </a:solidFill>
-                <a:latin typeface="+mn-lt"/>
-                <a:ea typeface="+mn-ea"/>
-                <a:cs typeface="+mn-cs"/>
-              </a:defRPr>
-            </a:lvl2pPr>
-            <a:lvl3pPr marL="914400" algn="l" defTabSz="914400" rtl="0" eaLnBrk="1" latinLnBrk="0" hangingPunct="1">
-              <a:defRPr sz="1800" kern="1200">
-                <a:solidFill>
-                  <a:schemeClr val="lt1"/>
-                </a:solidFill>
-                <a:latin typeface="+mn-lt"/>
-                <a:ea typeface="+mn-ea"/>
-                <a:cs typeface="+mn-cs"/>
-              </a:defRPr>
-            </a:lvl3pPr>
-            <a:lvl4pPr marL="1371600" algn="l" defTabSz="914400" rtl="0" eaLnBrk="1" latinLnBrk="0" hangingPunct="1">
-              <a:defRPr sz="1800" kern="1200">
-                <a:solidFill>
-                  <a:schemeClr val="lt1"/>
-                </a:solidFill>
-                <a:latin typeface="+mn-lt"/>
-                <a:ea typeface="+mn-ea"/>
-                <a:cs typeface="+mn-cs"/>
-              </a:defRPr>
-            </a:lvl4pPr>
-            <a:lvl5pPr marL="1828800" algn="l" defTabSz="914400" rtl="0" eaLnBrk="1" latinLnBrk="0" hangingPunct="1">
-              <a:defRPr sz="1800" kern="1200">
-                <a:solidFill>
-                  <a:schemeClr val="lt1"/>
-                </a:solidFill>
-                <a:latin typeface="+mn-lt"/>
-                <a:ea typeface="+mn-ea"/>
-                <a:cs typeface="+mn-cs"/>
-              </a:defRPr>
-            </a:lvl5pPr>
-            <a:lvl6pPr marL="2286000" algn="l" defTabSz="914400" rtl="0" eaLnBrk="1" latinLnBrk="0" hangingPunct="1">
-              <a:defRPr sz="1800" kern="1200">
-                <a:solidFill>
-                  <a:schemeClr val="lt1"/>
-                </a:solidFill>
-                <a:latin typeface="+mn-lt"/>
-                <a:ea typeface="+mn-ea"/>
-                <a:cs typeface="+mn-cs"/>
-              </a:defRPr>
-            </a:lvl6pPr>
-            <a:lvl7pPr marL="2743200" algn="l" defTabSz="914400" rtl="0" eaLnBrk="1" latinLnBrk="0" hangingPunct="1">
-              <a:defRPr sz="1800" kern="1200">
-                <a:solidFill>
-                  <a:schemeClr val="lt1"/>
-                </a:solidFill>
-                <a:latin typeface="+mn-lt"/>
-                <a:ea typeface="+mn-ea"/>
-                <a:cs typeface="+mn-cs"/>
-              </a:defRPr>
-            </a:lvl7pPr>
-            <a:lvl8pPr marL="3200400" algn="l" defTabSz="914400" rtl="0" eaLnBrk="1" latinLnBrk="0" hangingPunct="1">
-              <a:defRPr sz="1800" kern="1200">
-                <a:solidFill>
-                  <a:schemeClr val="lt1"/>
-                </a:solidFill>
-                <a:latin typeface="+mn-lt"/>
-                <a:ea typeface="+mn-ea"/>
-                <a:cs typeface="+mn-cs"/>
-              </a:defRPr>
-            </a:lvl8pPr>
-            <a:lvl9pPr marL="3657600" algn="l" defTabSz="914400" rtl="0" eaLnBrk="1" latinLnBrk="0" hangingPunct="1">
-              <a:defRPr sz="1800" kern="1200">
-                <a:solidFill>
-                  <a:schemeClr val="lt1"/>
-                </a:solidFill>
-                <a:latin typeface="+mn-lt"/>
-                <a:ea typeface="+mn-ea"/>
-                <a:cs typeface="+mn-cs"/>
-              </a:defRPr>
-            </a:lvl9pPr>
-          </a:lstStyle>
-          <a:p>
-            <a:pPr algn="ctr"/>
-            <a:endParaRPr lang="en-US"/>
-          </a:p>
-        </p:txBody>
-      </p:sp>
-      <p:sp>
-        <p:nvSpPr>
-          <p:cNvPr id="2" name="Title 1">
-            <a:extLst>
-              <a:ext uri="{FF2B5EF4-FFF2-40B4-BE49-F238E27FC236}">
-                <a16:creationId xmlns:a16="http://schemas.microsoft.com/office/drawing/2014/main" id="{62504865-2A8B-4CC9-874F-C9C5AADD9B34}"/>
-              </a:ext>
-            </a:extLst>
-          </p:cNvPr>
-          <p:cNvSpPr>
-            <a:spLocks noGrp="1"/>
-          </p:cNvSpPr>
-          <p:nvPr>
-            <p:ph type="title"/>
-          </p:nvPr>
-        </p:nvSpPr>
-        <p:spPr>
-          <a:xfrm>
-            <a:off x="643467" y="643466"/>
-            <a:ext cx="3933390" cy="4937287"/>
-          </a:xfrm>
-        </p:spPr>
-        <p:txBody>
-          <a:bodyPr anchor="ctr">
-            <a:normAutofit/>
-          </a:bodyPr>
-          <a:lstStyle/>
-          <a:p>
-            <a:pPr algn="l"/>
-            <a:r>
-              <a:rPr lang="en-US" sz="4800">
-                <a:solidFill>
-                  <a:schemeClr val="tx1"/>
-                </a:solidFill>
-              </a:rPr>
-              <a:t>Actions Classified</a:t>
-            </a:r>
-          </a:p>
-        </p:txBody>
-      </p:sp>
-      <p:sp>
-        <p:nvSpPr>
-          <p:cNvPr id="10" name="Freeform 6">
-            <a:extLst>
-              <a:ext uri="{FF2B5EF4-FFF2-40B4-BE49-F238E27FC236}">
-                <a16:creationId xmlns:a16="http://schemas.microsoft.com/office/drawing/2014/main" id="{CEF2B853-4083-4B70-AC2A-F79D80809342}"/>
-              </a:ext>
-              <a:ext uri="{C183D7F6-B498-43B3-948B-1728B52AA6E4}">
-                <adec:decorative xmlns:adec="http://schemas.microsoft.com/office/drawing/2017/decorative" val="1"/>
-              </a:ext>
-            </a:extLst>
-          </p:cNvPr>
-          <p:cNvSpPr>
-            <a:spLocks noGrp="1" noRot="1" noChangeAspect="1" noMove="1" noResize="1" noEditPoints="1" noAdjustHandles="1" noChangeArrowheads="1" noChangeShapeType="1" noTextEdit="1"/>
-          </p:cNvSpPr>
-          <p:nvPr>
-            <p:extLst>
-              <p:ext uri="{386F3935-93C4-4BCD-93E2-E3B085C9AB24}">
-                <p16:designElem xmlns:p16="http://schemas.microsoft.com/office/powerpoint/2015/main" val="1"/>
-              </p:ext>
-            </p:extLst>
-          </p:nvPr>
-        </p:nvSpPr>
-        <p:spPr bwMode="auto">
-          <a:xfrm flipH="1">
-            <a:off x="0" y="643466"/>
-            <a:ext cx="407988" cy="819150"/>
-          </a:xfrm>
-          <a:custGeom>
-            <a:avLst/>
-            <a:gdLst/>
-            <a:ahLst/>
-            <a:cxnLst/>
-            <a:rect l="0" t="0" r="r" b="b"/>
-            <a:pathLst>
-              <a:path w="1799" h="3612">
-                <a:moveTo>
-                  <a:pt x="1799" y="0"/>
-                </a:moveTo>
-                <a:lnTo>
-                  <a:pt x="1799" y="3612"/>
-                </a:lnTo>
-                <a:lnTo>
-                  <a:pt x="1686" y="3609"/>
-                </a:lnTo>
-                <a:lnTo>
-                  <a:pt x="1574" y="3598"/>
-                </a:lnTo>
-                <a:lnTo>
-                  <a:pt x="1464" y="3581"/>
-                </a:lnTo>
-                <a:lnTo>
-                  <a:pt x="1357" y="3557"/>
-                </a:lnTo>
-                <a:lnTo>
-                  <a:pt x="1251" y="3527"/>
-                </a:lnTo>
-                <a:lnTo>
-                  <a:pt x="1150" y="3490"/>
-                </a:lnTo>
-                <a:lnTo>
-                  <a:pt x="1050" y="3448"/>
-                </a:lnTo>
-                <a:lnTo>
-                  <a:pt x="953" y="3401"/>
-                </a:lnTo>
-                <a:lnTo>
-                  <a:pt x="860" y="3347"/>
-                </a:lnTo>
-                <a:lnTo>
-                  <a:pt x="771" y="3289"/>
-                </a:lnTo>
-                <a:lnTo>
-                  <a:pt x="686" y="3224"/>
-                </a:lnTo>
-                <a:lnTo>
-                  <a:pt x="604" y="3156"/>
-                </a:lnTo>
-                <a:lnTo>
-                  <a:pt x="527" y="3083"/>
-                </a:lnTo>
-                <a:lnTo>
-                  <a:pt x="454" y="3005"/>
-                </a:lnTo>
-                <a:lnTo>
-                  <a:pt x="386" y="2923"/>
-                </a:lnTo>
-                <a:lnTo>
-                  <a:pt x="323" y="2838"/>
-                </a:lnTo>
-                <a:lnTo>
-                  <a:pt x="265" y="2748"/>
-                </a:lnTo>
-                <a:lnTo>
-                  <a:pt x="211" y="2655"/>
-                </a:lnTo>
-                <a:lnTo>
-                  <a:pt x="163" y="2559"/>
-                </a:lnTo>
-                <a:lnTo>
-                  <a:pt x="121" y="2459"/>
-                </a:lnTo>
-                <a:lnTo>
-                  <a:pt x="85" y="2356"/>
-                </a:lnTo>
-                <a:lnTo>
-                  <a:pt x="55" y="2251"/>
-                </a:lnTo>
-                <a:lnTo>
-                  <a:pt x="32" y="2143"/>
-                </a:lnTo>
-                <a:lnTo>
-                  <a:pt x="14" y="2033"/>
-                </a:lnTo>
-                <a:lnTo>
-                  <a:pt x="4" y="1920"/>
-                </a:lnTo>
-                <a:lnTo>
-                  <a:pt x="0" y="1806"/>
-                </a:lnTo>
-                <a:lnTo>
-                  <a:pt x="4" y="1692"/>
-                </a:lnTo>
-                <a:lnTo>
-                  <a:pt x="14" y="1580"/>
-                </a:lnTo>
-                <a:lnTo>
-                  <a:pt x="32" y="1469"/>
-                </a:lnTo>
-                <a:lnTo>
-                  <a:pt x="55" y="1362"/>
-                </a:lnTo>
-                <a:lnTo>
-                  <a:pt x="85" y="1256"/>
-                </a:lnTo>
-                <a:lnTo>
-                  <a:pt x="121" y="1154"/>
-                </a:lnTo>
-                <a:lnTo>
-                  <a:pt x="163" y="1054"/>
-                </a:lnTo>
-                <a:lnTo>
-                  <a:pt x="211" y="958"/>
-                </a:lnTo>
-                <a:lnTo>
-                  <a:pt x="265" y="864"/>
-                </a:lnTo>
-                <a:lnTo>
-                  <a:pt x="323" y="774"/>
-                </a:lnTo>
-                <a:lnTo>
-                  <a:pt x="386" y="689"/>
-                </a:lnTo>
-                <a:lnTo>
-                  <a:pt x="454" y="607"/>
-                </a:lnTo>
-                <a:lnTo>
-                  <a:pt x="527" y="529"/>
-                </a:lnTo>
-                <a:lnTo>
-                  <a:pt x="604" y="456"/>
-                </a:lnTo>
-                <a:lnTo>
-                  <a:pt x="686" y="388"/>
-                </a:lnTo>
-                <a:lnTo>
-                  <a:pt x="771" y="325"/>
-                </a:lnTo>
-                <a:lnTo>
-                  <a:pt x="860" y="266"/>
-                </a:lnTo>
-                <a:lnTo>
-                  <a:pt x="953" y="212"/>
-                </a:lnTo>
-                <a:lnTo>
-                  <a:pt x="1050" y="164"/>
-                </a:lnTo>
-                <a:lnTo>
-                  <a:pt x="1150" y="122"/>
-                </a:lnTo>
-                <a:lnTo>
-                  <a:pt x="1251" y="85"/>
-                </a:lnTo>
-                <a:lnTo>
-                  <a:pt x="1357" y="55"/>
-                </a:lnTo>
-                <a:lnTo>
-                  <a:pt x="1464" y="32"/>
-                </a:lnTo>
-                <a:lnTo>
-                  <a:pt x="1574" y="14"/>
-                </a:lnTo>
-                <a:lnTo>
-                  <a:pt x="1686" y="5"/>
-                </a:lnTo>
-                <a:lnTo>
-                  <a:pt x="1799" y="0"/>
-                </a:lnTo>
-                <a:close/>
-              </a:path>
-            </a:pathLst>
-          </a:custGeom>
-          <a:solidFill>
-            <a:schemeClr val="tx1">
-              <a:lumMod val="85000"/>
-              <a:lumOff val="15000"/>
-            </a:schemeClr>
-          </a:solidFill>
-          <a:ln w="0">
-            <a:noFill/>
-            <a:prstDash val="solid"/>
-            <a:round/>
-            <a:headEnd/>
-            <a:tailEnd/>
-          </a:ln>
-        </p:spPr>
-      </p:sp>
-      <p:graphicFrame>
-        <p:nvGraphicFramePr>
-          <p:cNvPr id="14" name="Content Placeholder 2">
-            <a:extLst>
-              <a:ext uri="{FF2B5EF4-FFF2-40B4-BE49-F238E27FC236}">
-                <a16:creationId xmlns:a16="http://schemas.microsoft.com/office/drawing/2014/main" id="{D7C3D342-807A-4790-9461-9988797129F4}"/>
-              </a:ext>
-            </a:extLst>
-          </p:cNvPr>
-          <p:cNvGraphicFramePr>
-            <a:graphicFrameLocks noGrp="1"/>
-          </p:cNvGraphicFramePr>
-          <p:nvPr>
-            <p:ph idx="1"/>
-            <p:extLst>
-              <p:ext uri="{D42A27DB-BD31-4B8C-83A1-F6EECF244321}">
-                <p14:modId xmlns:p14="http://schemas.microsoft.com/office/powerpoint/2010/main" val="1482237627"/>
-              </p:ext>
-            </p:extLst>
-          </p:nvPr>
-        </p:nvGraphicFramePr>
-        <p:xfrm>
-          <a:off x="4495800" y="375922"/>
-          <a:ext cx="7310120" cy="6106158"/>
-        </p:xfrm>
-        <a:graphic>
-          <a:graphicData uri="http://schemas.openxmlformats.org/drawingml/2006/diagram">
-            <dgm:relIds xmlns:dgm="http://schemas.openxmlformats.org/drawingml/2006/diagram" xmlns:r="http://schemas.openxmlformats.org/officeDocument/2006/relationships" r:dm="rId2" r:lo="rId3" r:qs="rId4" r:cs="rId5"/>
-          </a:graphicData>
-        </a:graphic>
-      </p:graphicFrame>
-      <p:cxnSp>
-        <p:nvCxnSpPr>
-          <p:cNvPr id="12" name="Straight Connector 11">
-            <a:extLst>
-              <a:ext uri="{FF2B5EF4-FFF2-40B4-BE49-F238E27FC236}">
-                <a16:creationId xmlns:a16="http://schemas.microsoft.com/office/drawing/2014/main" id="{D434EAAF-BF44-4CCC-84D4-105F3370AFFC}"/>
-              </a:ext>
-              <a:ext uri="{C183D7F6-B498-43B3-948B-1728B52AA6E4}">
-                <adec:decorative xmlns:adec="http://schemas.microsoft.com/office/drawing/2017/decorative" val="1"/>
-              </a:ext>
-            </a:extLst>
-          </p:cNvPr>
-          <p:cNvCxnSpPr>
-            <a:cxnSpLocks noGrp="1" noRot="1" noChangeAspect="1" noMove="1" noResize="1" noEditPoints="1" noAdjustHandles="1" noChangeArrowheads="1" noChangeShapeType="1"/>
-          </p:cNvCxnSpPr>
-          <p:nvPr>
-            <p:extLst>
-              <p:ext uri="{386F3935-93C4-4BCD-93E2-E3B085C9AB24}">
-                <p16:designElem xmlns:p16="http://schemas.microsoft.com/office/powerpoint/2015/main" val="1"/>
-              </p:ext>
-            </p:extLst>
-          </p:nvPr>
-        </p:nvCxnSpPr>
-        <p:spPr>
-          <a:xfrm>
-            <a:off x="0" y="6199730"/>
-            <a:ext cx="4495800" cy="0"/>
-          </a:xfrm>
-          <a:prstGeom prst="line">
-            <a:avLst/>
-          </a:prstGeom>
-          <a:ln w="25400">
-            <a:solidFill>
-              <a:schemeClr val="tx1">
-                <a:lumMod val="85000"/>
-                <a:lumOff val="15000"/>
-              </a:schemeClr>
-            </a:solidFill>
-          </a:ln>
-        </p:spPr>
-        <p:style>
-          <a:lnRef idx="1">
-            <a:schemeClr val="accent1"/>
-          </a:lnRef>
-          <a:fillRef idx="0">
-            <a:schemeClr val="accent1"/>
-          </a:fillRef>
-          <a:effectRef idx="0">
-            <a:schemeClr val="accent1"/>
-          </a:effectRef>
-          <a:fontRef idx="minor">
-            <a:schemeClr val="tx1"/>
-          </a:fontRef>
-        </p:style>
-      </p:cxnSp>
-      <p:sp>
-        <p:nvSpPr>
-          <p:cNvPr id="4" name="Slide Number Placeholder 3">
-            <a:extLst>
-              <a:ext uri="{FF2B5EF4-FFF2-40B4-BE49-F238E27FC236}">
-                <a16:creationId xmlns:a16="http://schemas.microsoft.com/office/drawing/2014/main" id="{4F07F39B-2D55-430E-94D2-F8A25CD5F8FE}"/>
-              </a:ext>
-            </a:extLst>
-          </p:cNvPr>
-          <p:cNvSpPr>
-            <a:spLocks noGrp="1"/>
-          </p:cNvSpPr>
-          <p:nvPr>
-            <p:ph type="sldNum" sz="quarter" idx="12"/>
-          </p:nvPr>
-        </p:nvSpPr>
-        <p:spPr/>
-        <p:txBody>
-          <a:bodyPr/>
-          <a:lstStyle/>
-          <a:p>
-            <a:fld id="{A06F4413-EA05-4236-9082-DBB2EFB33C57}" type="slidenum">
-              <a:rPr lang="en-US" smtClean="0"/>
-              <a:t>6</a:t>
-            </a:fld>
-            <a:endParaRPr lang="en-US"/>
-          </a:p>
-        </p:txBody>
-      </p:sp>
-    </p:spTree>
-    <p:extLst>
-      <p:ext uri="{BB962C8B-B14F-4D97-AF65-F5344CB8AC3E}">
-        <p14:creationId xmlns:p14="http://schemas.microsoft.com/office/powerpoint/2010/main" val="1881209549"/>
-      </p:ext>
-    </p:extLst>
-  </p:cSld>
-  <p:clrMapOvr>
-    <a:overrideClrMapping bg1="dk1" tx1="lt1" bg2="dk2" tx2="lt2" accent1="accent1" accent2="accent2" accent3="accent3" accent4="accent4" accent5="accent5" accent6="accent6" hlink="hlink" folHlink="folHlink"/>
-  </p:clrMapOvr>
-</p:sld>
-</file>
-
-<file path=ppt/slides/slide7.xml><?xml version="1.0" encoding="utf-8"?>
-<p:sld xmlns:a="http://schemas.openxmlformats.org/drawingml/2006/main" xmlns:r="http://schemas.openxmlformats.org/officeDocument/2006/relationships" xmlns:p="http://schemas.openxmlformats.org/presentationml/2006/main">
-  <p:cSld>
-    <p:bg>
-      <p:bgPr>
-        <a:solidFill>
-          <a:schemeClr val="bg1"/>
-        </a:solidFill>
-        <a:effectLst/>
-      </p:bgPr>
-    </p:bg>
-    <p:spTree>
-      <p:nvGrpSpPr>
-        <p:cNvPr id="1" name=""/>
-        <p:cNvGrpSpPr/>
-        <p:nvPr/>
-      </p:nvGrpSpPr>
-      <p:grpSpPr>
-        <a:xfrm>
-          <a:off x="0" y="0"/>
-          <a:ext cx="0" cy="0"/>
-          <a:chOff x="0" y="0"/>
-          <a:chExt cx="0" cy="0"/>
-        </a:xfrm>
-      </p:grpSpPr>
-      <p:sp useBgFill="1">
-        <p:nvSpPr>
-          <p:cNvPr id="8" name="Rectangle 7">
-            <a:extLst>
-              <a:ext uri="{FF2B5EF4-FFF2-40B4-BE49-F238E27FC236}">
-                <a16:creationId xmlns:a16="http://schemas.microsoft.com/office/drawing/2014/main" id="{718B0F80-1C8E-49FA-9B66-C9285753E25F}"/>
-              </a:ext>
-              <a:ext uri="{C183D7F6-B498-43B3-948B-1728B52AA6E4}">
-                <adec:decorative xmlns:adec="http://schemas.microsoft.com/office/drawing/2017/decorative" val="1"/>
-              </a:ext>
-            </a:extLst>
-          </p:cNvPr>
-          <p:cNvSpPr>
-            <a:spLocks noGrp="1" noRot="1" noChangeAspect="1" noMove="1" noResize="1" noEditPoints="1" noAdjustHandles="1" noChangeArrowheads="1" noChangeShapeType="1" noTextEdit="1"/>
-          </p:cNvSpPr>
-          <p:nvPr>
-            <p:extLst>
-              <p:ext uri="{386F3935-93C4-4BCD-93E2-E3B085C9AB24}">
-                <p16:designElem xmlns:p16="http://schemas.microsoft.com/office/powerpoint/2015/main" val="1"/>
-              </p:ext>
-            </p:extLst>
-          </p:nvPr>
-        </p:nvSpPr>
-        <p:spPr>
-          <a:xfrm>
-            <a:off x="0" y="0"/>
-            <a:ext cx="12192000" cy="6858000"/>
-          </a:xfrm>
-          <a:prstGeom prst="rect">
-            <a:avLst/>
-          </a:prstGeom>
-          <a:ln>
-            <a:noFill/>
-          </a:ln>
-        </p:spPr>
-        <p:style>
-          <a:lnRef idx="2">
-            <a:schemeClr val="accent1">
-              <a:shade val="50000"/>
-            </a:schemeClr>
-          </a:lnRef>
-          <a:fillRef idx="1">
-            <a:schemeClr val="accent1"/>
-          </a:fillRef>
-          <a:effectRef idx="0">
-            <a:schemeClr val="accent1"/>
-          </a:effectRef>
-          <a:fontRef idx="minor">
-            <a:schemeClr val="lt1"/>
-          </a:fontRef>
-        </p:style>
-        <p:txBody>
-          <a:bodyPr rot="0" spcFirstLastPara="0" vert="horz" wrap="square" lIns="91440" tIns="45720" rIns="91440" bIns="45720" numCol="1" spcCol="0" rtlCol="0" fromWordArt="0" anchor="ctr" anchorCtr="0" forceAA="0" compatLnSpc="1">
-            <a:prstTxWarp prst="textNoShape">
-              <a:avLst/>
-            </a:prstTxWarp>
-            <a:noAutofit/>
-          </a:bodyPr>
-          <a:lstStyle>
-            <a:defPPr>
-              <a:defRPr lang="en-US"/>
-            </a:defPPr>
-            <a:lvl1pPr marL="0" algn="l" defTabSz="914400" rtl="0" eaLnBrk="1" latinLnBrk="0" hangingPunct="1">
-              <a:defRPr sz="1800" kern="1200">
-                <a:solidFill>
-                  <a:schemeClr val="lt1"/>
-                </a:solidFill>
-                <a:latin typeface="+mn-lt"/>
-                <a:ea typeface="+mn-ea"/>
-                <a:cs typeface="+mn-cs"/>
-              </a:defRPr>
-            </a:lvl1pPr>
-            <a:lvl2pPr marL="457200" algn="l" defTabSz="914400" rtl="0" eaLnBrk="1" latinLnBrk="0" hangingPunct="1">
-              <a:defRPr sz="1800" kern="1200">
-                <a:solidFill>
-                  <a:schemeClr val="lt1"/>
-                </a:solidFill>
-                <a:latin typeface="+mn-lt"/>
-                <a:ea typeface="+mn-ea"/>
-                <a:cs typeface="+mn-cs"/>
-              </a:defRPr>
-            </a:lvl2pPr>
-            <a:lvl3pPr marL="914400" algn="l" defTabSz="914400" rtl="0" eaLnBrk="1" latinLnBrk="0" hangingPunct="1">
-              <a:defRPr sz="1800" kern="1200">
-                <a:solidFill>
-                  <a:schemeClr val="lt1"/>
-                </a:solidFill>
-                <a:latin typeface="+mn-lt"/>
-                <a:ea typeface="+mn-ea"/>
-                <a:cs typeface="+mn-cs"/>
-              </a:defRPr>
-            </a:lvl3pPr>
-            <a:lvl4pPr marL="1371600" algn="l" defTabSz="914400" rtl="0" eaLnBrk="1" latinLnBrk="0" hangingPunct="1">
-              <a:defRPr sz="1800" kern="1200">
-                <a:solidFill>
-                  <a:schemeClr val="lt1"/>
-                </a:solidFill>
-                <a:latin typeface="+mn-lt"/>
-                <a:ea typeface="+mn-ea"/>
-                <a:cs typeface="+mn-cs"/>
-              </a:defRPr>
-            </a:lvl4pPr>
-            <a:lvl5pPr marL="1828800" algn="l" defTabSz="914400" rtl="0" eaLnBrk="1" latinLnBrk="0" hangingPunct="1">
-              <a:defRPr sz="1800" kern="1200">
-                <a:solidFill>
-                  <a:schemeClr val="lt1"/>
-                </a:solidFill>
-                <a:latin typeface="+mn-lt"/>
-                <a:ea typeface="+mn-ea"/>
-                <a:cs typeface="+mn-cs"/>
-              </a:defRPr>
-            </a:lvl5pPr>
-            <a:lvl6pPr marL="2286000" algn="l" defTabSz="914400" rtl="0" eaLnBrk="1" latinLnBrk="0" hangingPunct="1">
-              <a:defRPr sz="1800" kern="1200">
-                <a:solidFill>
-                  <a:schemeClr val="lt1"/>
-                </a:solidFill>
-                <a:latin typeface="+mn-lt"/>
-                <a:ea typeface="+mn-ea"/>
-                <a:cs typeface="+mn-cs"/>
-              </a:defRPr>
-            </a:lvl6pPr>
-            <a:lvl7pPr marL="2743200" algn="l" defTabSz="914400" rtl="0" eaLnBrk="1" latinLnBrk="0" hangingPunct="1">
-              <a:defRPr sz="1800" kern="1200">
-                <a:solidFill>
-                  <a:schemeClr val="lt1"/>
-                </a:solidFill>
-                <a:latin typeface="+mn-lt"/>
-                <a:ea typeface="+mn-ea"/>
-                <a:cs typeface="+mn-cs"/>
-              </a:defRPr>
-            </a:lvl7pPr>
-            <a:lvl8pPr marL="3200400" algn="l" defTabSz="914400" rtl="0" eaLnBrk="1" latinLnBrk="0" hangingPunct="1">
-              <a:defRPr sz="1800" kern="1200">
-                <a:solidFill>
-                  <a:schemeClr val="lt1"/>
-                </a:solidFill>
-                <a:latin typeface="+mn-lt"/>
-                <a:ea typeface="+mn-ea"/>
-                <a:cs typeface="+mn-cs"/>
-              </a:defRPr>
-            </a:lvl8pPr>
-            <a:lvl9pPr marL="3657600" algn="l" defTabSz="914400" rtl="0" eaLnBrk="1" latinLnBrk="0" hangingPunct="1">
-              <a:defRPr sz="1800" kern="1200">
-                <a:solidFill>
-                  <a:schemeClr val="lt1"/>
-                </a:solidFill>
-                <a:latin typeface="+mn-lt"/>
-                <a:ea typeface="+mn-ea"/>
-                <a:cs typeface="+mn-cs"/>
-              </a:defRPr>
-            </a:lvl9pPr>
-          </a:lstStyle>
-          <a:p>
-            <a:pPr algn="ctr"/>
-            <a:endParaRPr lang="en-US"/>
-          </a:p>
-        </p:txBody>
-      </p:sp>
-      <p:sp>
-        <p:nvSpPr>
-          <p:cNvPr id="2" name="Title 1">
-            <a:extLst>
-              <a:ext uri="{FF2B5EF4-FFF2-40B4-BE49-F238E27FC236}">
-                <a16:creationId xmlns:a16="http://schemas.microsoft.com/office/drawing/2014/main" id="{439129A9-84F1-49ED-920C-D8FC5C5F838A}"/>
-              </a:ext>
-            </a:extLst>
-          </p:cNvPr>
-          <p:cNvSpPr>
-            <a:spLocks noGrp="1"/>
-          </p:cNvSpPr>
-          <p:nvPr>
-            <p:ph type="title"/>
-          </p:nvPr>
-        </p:nvSpPr>
-        <p:spPr>
-          <a:xfrm>
-            <a:off x="643467" y="643466"/>
-            <a:ext cx="3933390" cy="4937287"/>
-          </a:xfrm>
-        </p:spPr>
-        <p:txBody>
-          <a:bodyPr anchor="ctr">
-            <a:normAutofit/>
-          </a:bodyPr>
-          <a:lstStyle/>
-          <a:p>
-            <a:pPr algn="l"/>
-            <a:r>
-              <a:rPr lang="en-US" sz="4800" dirty="0"/>
-              <a:t>VGG16 Model </a:t>
-            </a:r>
-            <a:endParaRPr lang="en-US" sz="4800" dirty="0">
-              <a:solidFill>
-                <a:schemeClr val="tx1"/>
-              </a:solidFill>
-            </a:endParaRPr>
-          </a:p>
-        </p:txBody>
-      </p:sp>
-      <p:sp>
-        <p:nvSpPr>
-          <p:cNvPr id="10" name="Freeform 6">
-            <a:extLst>
-              <a:ext uri="{FF2B5EF4-FFF2-40B4-BE49-F238E27FC236}">
-                <a16:creationId xmlns:a16="http://schemas.microsoft.com/office/drawing/2014/main" id="{CEF2B853-4083-4B70-AC2A-F79D80809342}"/>
-              </a:ext>
-              <a:ext uri="{C183D7F6-B498-43B3-948B-1728B52AA6E4}">
-                <adec:decorative xmlns:adec="http://schemas.microsoft.com/office/drawing/2017/decorative" val="1"/>
-              </a:ext>
-            </a:extLst>
-          </p:cNvPr>
-          <p:cNvSpPr>
-            <a:spLocks noGrp="1" noRot="1" noChangeAspect="1" noMove="1" noResize="1" noEditPoints="1" noAdjustHandles="1" noChangeArrowheads="1" noChangeShapeType="1" noTextEdit="1"/>
-          </p:cNvSpPr>
-          <p:nvPr>
-            <p:extLst>
-              <p:ext uri="{386F3935-93C4-4BCD-93E2-E3B085C9AB24}">
-                <p16:designElem xmlns:p16="http://schemas.microsoft.com/office/powerpoint/2015/main" val="1"/>
-              </p:ext>
-            </p:extLst>
-          </p:nvPr>
-        </p:nvSpPr>
-        <p:spPr bwMode="auto">
-          <a:xfrm flipH="1">
-            <a:off x="0" y="643466"/>
-            <a:ext cx="407988" cy="819150"/>
-          </a:xfrm>
-          <a:custGeom>
-            <a:avLst/>
-            <a:gdLst/>
-            <a:ahLst/>
-            <a:cxnLst/>
-            <a:rect l="0" t="0" r="r" b="b"/>
-            <a:pathLst>
-              <a:path w="1799" h="3612">
-                <a:moveTo>
-                  <a:pt x="1799" y="0"/>
-                </a:moveTo>
-                <a:lnTo>
-                  <a:pt x="1799" y="3612"/>
-                </a:lnTo>
-                <a:lnTo>
-                  <a:pt x="1686" y="3609"/>
-                </a:lnTo>
-                <a:lnTo>
-                  <a:pt x="1574" y="3598"/>
-                </a:lnTo>
-                <a:lnTo>
-                  <a:pt x="1464" y="3581"/>
-                </a:lnTo>
-                <a:lnTo>
-                  <a:pt x="1357" y="3557"/>
-                </a:lnTo>
-                <a:lnTo>
-                  <a:pt x="1251" y="3527"/>
-                </a:lnTo>
-                <a:lnTo>
-                  <a:pt x="1150" y="3490"/>
-                </a:lnTo>
-                <a:lnTo>
-                  <a:pt x="1050" y="3448"/>
-                </a:lnTo>
-                <a:lnTo>
-                  <a:pt x="953" y="3401"/>
-                </a:lnTo>
-                <a:lnTo>
-                  <a:pt x="860" y="3347"/>
-                </a:lnTo>
-                <a:lnTo>
-                  <a:pt x="771" y="3289"/>
-                </a:lnTo>
-                <a:lnTo>
-                  <a:pt x="686" y="3224"/>
-                </a:lnTo>
-                <a:lnTo>
-                  <a:pt x="604" y="3156"/>
-                </a:lnTo>
-                <a:lnTo>
-                  <a:pt x="527" y="3083"/>
-                </a:lnTo>
-                <a:lnTo>
-                  <a:pt x="454" y="3005"/>
-                </a:lnTo>
-                <a:lnTo>
-                  <a:pt x="386" y="2923"/>
-                </a:lnTo>
-                <a:lnTo>
-                  <a:pt x="323" y="2838"/>
-                </a:lnTo>
-                <a:lnTo>
-                  <a:pt x="265" y="2748"/>
-                </a:lnTo>
-                <a:lnTo>
-                  <a:pt x="211" y="2655"/>
-                </a:lnTo>
-                <a:lnTo>
-                  <a:pt x="163" y="2559"/>
-                </a:lnTo>
-                <a:lnTo>
-                  <a:pt x="121" y="2459"/>
-                </a:lnTo>
-                <a:lnTo>
-                  <a:pt x="85" y="2356"/>
-                </a:lnTo>
-                <a:lnTo>
-                  <a:pt x="55" y="2251"/>
-                </a:lnTo>
-                <a:lnTo>
-                  <a:pt x="32" y="2143"/>
-                </a:lnTo>
-                <a:lnTo>
-                  <a:pt x="14" y="2033"/>
-                </a:lnTo>
-                <a:lnTo>
-                  <a:pt x="4" y="1920"/>
-                </a:lnTo>
-                <a:lnTo>
-                  <a:pt x="0" y="1806"/>
-                </a:lnTo>
-                <a:lnTo>
-                  <a:pt x="4" y="1692"/>
-                </a:lnTo>
-                <a:lnTo>
-                  <a:pt x="14" y="1580"/>
-                </a:lnTo>
-                <a:lnTo>
-                  <a:pt x="32" y="1469"/>
-                </a:lnTo>
-                <a:lnTo>
-                  <a:pt x="55" y="1362"/>
-                </a:lnTo>
-                <a:lnTo>
-                  <a:pt x="85" y="1256"/>
-                </a:lnTo>
-                <a:lnTo>
-                  <a:pt x="121" y="1154"/>
-                </a:lnTo>
-                <a:lnTo>
-                  <a:pt x="163" y="1054"/>
-                </a:lnTo>
-                <a:lnTo>
-                  <a:pt x="211" y="958"/>
-                </a:lnTo>
-                <a:lnTo>
-                  <a:pt x="265" y="864"/>
-                </a:lnTo>
-                <a:lnTo>
-                  <a:pt x="323" y="774"/>
-                </a:lnTo>
-                <a:lnTo>
-                  <a:pt x="386" y="689"/>
-                </a:lnTo>
-                <a:lnTo>
-                  <a:pt x="454" y="607"/>
-                </a:lnTo>
-                <a:lnTo>
-                  <a:pt x="527" y="529"/>
-                </a:lnTo>
-                <a:lnTo>
-                  <a:pt x="604" y="456"/>
-                </a:lnTo>
-                <a:lnTo>
-                  <a:pt x="686" y="388"/>
-                </a:lnTo>
-                <a:lnTo>
-                  <a:pt x="771" y="325"/>
-                </a:lnTo>
-                <a:lnTo>
-                  <a:pt x="860" y="266"/>
-                </a:lnTo>
-                <a:lnTo>
-                  <a:pt x="953" y="212"/>
-                </a:lnTo>
-                <a:lnTo>
-                  <a:pt x="1050" y="164"/>
-                </a:lnTo>
-                <a:lnTo>
-                  <a:pt x="1150" y="122"/>
-                </a:lnTo>
-                <a:lnTo>
-                  <a:pt x="1251" y="85"/>
-                </a:lnTo>
-                <a:lnTo>
-                  <a:pt x="1357" y="55"/>
-                </a:lnTo>
-                <a:lnTo>
-                  <a:pt x="1464" y="32"/>
-                </a:lnTo>
-                <a:lnTo>
-                  <a:pt x="1574" y="14"/>
-                </a:lnTo>
-                <a:lnTo>
-                  <a:pt x="1686" y="5"/>
-                </a:lnTo>
-                <a:lnTo>
-                  <a:pt x="1799" y="0"/>
-                </a:lnTo>
-                <a:close/>
-              </a:path>
-            </a:pathLst>
-          </a:custGeom>
-          <a:solidFill>
-            <a:schemeClr val="tx1">
-              <a:lumMod val="85000"/>
-              <a:lumOff val="15000"/>
-            </a:schemeClr>
-          </a:solidFill>
-          <a:ln w="0">
-            <a:noFill/>
-            <a:prstDash val="solid"/>
-            <a:round/>
-            <a:headEnd/>
-            <a:tailEnd/>
-          </a:ln>
-        </p:spPr>
-      </p:sp>
-      <p:sp>
-        <p:nvSpPr>
-          <p:cNvPr id="3" name="Content Placeholder 2">
-            <a:extLst>
-              <a:ext uri="{FF2B5EF4-FFF2-40B4-BE49-F238E27FC236}">
-                <a16:creationId xmlns:a16="http://schemas.microsoft.com/office/drawing/2014/main" id="{1FC09055-78D2-4BAF-AD34-798C3078DE4A}"/>
-              </a:ext>
-            </a:extLst>
-          </p:cNvPr>
-          <p:cNvSpPr>
-            <a:spLocks noGrp="1"/>
-          </p:cNvSpPr>
-          <p:nvPr>
-            <p:ph idx="1"/>
-          </p:nvPr>
-        </p:nvSpPr>
-        <p:spPr>
-          <a:xfrm>
-            <a:off x="4955354" y="643466"/>
-            <a:ext cx="6874696" cy="4937287"/>
-          </a:xfrm>
-        </p:spPr>
-        <p:txBody>
-          <a:bodyPr anchor="ctr">
-            <a:normAutofit/>
-          </a:bodyPr>
-          <a:lstStyle/>
-          <a:p>
-            <a:r>
-              <a:rPr lang="en-US" sz="2000" b="0" i="0" u="none" strike="noStrike" baseline="0" dirty="0">
-                <a:solidFill>
-                  <a:schemeClr val="tx1"/>
-                </a:solidFill>
-                <a:latin typeface="Calibri" panose="020F0502020204030204" pitchFamily="34" charset="0"/>
-              </a:rPr>
-              <a:t>VGG16 is a convolution neural net (CNN) architecture which was used to win (ImageNet) competition.</a:t>
-            </a:r>
-          </a:p>
-          <a:p>
-            <a:r>
-              <a:rPr lang="en-US" sz="2000" b="0" i="0" u="none" strike="noStrike" baseline="0" dirty="0">
-                <a:solidFill>
-                  <a:schemeClr val="tx1"/>
-                </a:solidFill>
-                <a:latin typeface="Calibri" panose="020F0502020204030204" pitchFamily="34" charset="0"/>
-              </a:rPr>
-              <a:t>Most unique thing about VGG16 is that instead of having a large number of hyper-parameters they focused on having convolution layers of 3x3 filter with a stride 1 and always used same padding and </a:t>
-            </a:r>
-            <a:r>
-              <a:rPr lang="en-US" sz="2000" b="0" i="0" u="none" strike="noStrike" baseline="0" dirty="0" err="1">
-                <a:solidFill>
-                  <a:schemeClr val="tx1"/>
-                </a:solidFill>
-                <a:latin typeface="Calibri" panose="020F0502020204030204" pitchFamily="34" charset="0"/>
-              </a:rPr>
-              <a:t>maxpool</a:t>
-            </a:r>
-            <a:r>
-              <a:rPr lang="en-US" sz="2000" b="0" i="0" u="none" strike="noStrike" baseline="0" dirty="0">
-                <a:solidFill>
-                  <a:schemeClr val="tx1"/>
-                </a:solidFill>
-                <a:latin typeface="Calibri" panose="020F0502020204030204" pitchFamily="34" charset="0"/>
-              </a:rPr>
-              <a:t> layer of 2x2 filter of stride 2. </a:t>
-            </a:r>
-            <a:endParaRPr lang="en-US" dirty="0">
-              <a:solidFill>
-                <a:schemeClr val="tx1"/>
-              </a:solidFill>
-            </a:endParaRPr>
-          </a:p>
-          <a:p>
-            <a:endParaRPr lang="en-US" dirty="0">
-              <a:solidFill>
-                <a:schemeClr val="tx1"/>
-              </a:solidFill>
-            </a:endParaRPr>
-          </a:p>
-        </p:txBody>
-      </p:sp>
-      <p:cxnSp>
-        <p:nvCxnSpPr>
-          <p:cNvPr id="12" name="Straight Connector 11">
-            <a:extLst>
-              <a:ext uri="{FF2B5EF4-FFF2-40B4-BE49-F238E27FC236}">
-                <a16:creationId xmlns:a16="http://schemas.microsoft.com/office/drawing/2014/main" id="{D434EAAF-BF44-4CCC-84D4-105F3370AFFC}"/>
-              </a:ext>
-              <a:ext uri="{C183D7F6-B498-43B3-948B-1728B52AA6E4}">
-                <adec:decorative xmlns:adec="http://schemas.microsoft.com/office/drawing/2017/decorative" val="1"/>
-              </a:ext>
-            </a:extLst>
-          </p:cNvPr>
-          <p:cNvCxnSpPr>
-            <a:cxnSpLocks noGrp="1" noRot="1" noChangeAspect="1" noMove="1" noResize="1" noEditPoints="1" noAdjustHandles="1" noChangeArrowheads="1" noChangeShapeType="1"/>
-          </p:cNvCxnSpPr>
-          <p:nvPr>
-            <p:extLst>
-              <p:ext uri="{386F3935-93C4-4BCD-93E2-E3B085C9AB24}">
-                <p16:designElem xmlns:p16="http://schemas.microsoft.com/office/powerpoint/2015/main" val="1"/>
-              </p:ext>
-            </p:extLst>
-          </p:nvPr>
-        </p:nvCxnSpPr>
-        <p:spPr>
-          <a:xfrm>
-            <a:off x="0" y="6199730"/>
-            <a:ext cx="4495800" cy="0"/>
-          </a:xfrm>
-          <a:prstGeom prst="line">
-            <a:avLst/>
-          </a:prstGeom>
-          <a:ln w="25400">
-            <a:solidFill>
-              <a:schemeClr val="tx1">
-                <a:lumMod val="85000"/>
-                <a:lumOff val="15000"/>
-              </a:schemeClr>
-            </a:solidFill>
-          </a:ln>
-        </p:spPr>
-        <p:style>
-          <a:lnRef idx="1">
-            <a:schemeClr val="accent1"/>
-          </a:lnRef>
-          <a:fillRef idx="0">
-            <a:schemeClr val="accent1"/>
-          </a:fillRef>
-          <a:effectRef idx="0">
-            <a:schemeClr val="accent1"/>
-          </a:effectRef>
-          <a:fontRef idx="minor">
-            <a:schemeClr val="tx1"/>
-          </a:fontRef>
-        </p:style>
-      </p:cxnSp>
-      <p:sp>
-        <p:nvSpPr>
-          <p:cNvPr id="4" name="Slide Number Placeholder 3">
-            <a:extLst>
-              <a:ext uri="{FF2B5EF4-FFF2-40B4-BE49-F238E27FC236}">
-                <a16:creationId xmlns:a16="http://schemas.microsoft.com/office/drawing/2014/main" id="{F5BFA082-6ACC-47B0-8C58-FE7ABC7E2312}"/>
-              </a:ext>
-            </a:extLst>
-          </p:cNvPr>
-          <p:cNvSpPr>
-            <a:spLocks noGrp="1"/>
-          </p:cNvSpPr>
-          <p:nvPr>
-            <p:ph type="sldNum" sz="quarter" idx="12"/>
-          </p:nvPr>
-        </p:nvSpPr>
-        <p:spPr/>
-        <p:txBody>
-          <a:bodyPr/>
-          <a:lstStyle/>
-          <a:p>
-            <a:fld id="{A06F4413-EA05-4236-9082-DBB2EFB33C57}" type="slidenum">
-              <a:rPr lang="en-US" smtClean="0"/>
-              <a:t>7</a:t>
-            </a:fld>
-            <a:endParaRPr lang="en-US"/>
-          </a:p>
-        </p:txBody>
-      </p:sp>
-    </p:spTree>
-    <p:extLst>
-      <p:ext uri="{BB962C8B-B14F-4D97-AF65-F5344CB8AC3E}">
-        <p14:creationId xmlns:p14="http://schemas.microsoft.com/office/powerpoint/2010/main" val="2009102575"/>
-      </p:ext>
-    </p:extLst>
-  </p:cSld>
-  <p:clrMapOvr>
-    <a:overrideClrMapping bg1="dk1" tx1="lt1" bg2="dk2" tx2="lt2" accent1="accent1" accent2="accent2" accent3="accent3" accent4="accent4" accent5="accent5" accent6="accent6" hlink="hlink" folHlink="folHlink"/>
-  </p:clrMapOvr>
-</p:sld>
-</file>
-
-<file path=ppt/slides/slide8.xml><?xml version="1.0" encoding="utf-8"?>
-<p:sld xmlns:a="http://schemas.openxmlformats.org/drawingml/2006/main" xmlns:r="http://schemas.openxmlformats.org/officeDocument/2006/relationships" xmlns:p="http://schemas.openxmlformats.org/presentationml/2006/main">
-  <p:cSld>
-    <p:bg>
-      <p:bgPr>
-        <a:solidFill>
           <a:schemeClr val="bg2"/>
         </a:solidFill>
         <a:effectLst/>
@@ -26081,7 +25214,7 @@
           <a:p>
             <a:fld id="{A06F4413-EA05-4236-9082-DBB2EFB33C57}" type="slidenum">
               <a:rPr lang="en-US" smtClean="0"/>
-              <a:t>8</a:t>
+              <a:t>6</a:t>
             </a:fld>
             <a:endParaRPr lang="en-US"/>
           </a:p>
@@ -26100,7 +25233,7 @@
 </p:sld>
 </file>
 
-<file path=ppt/slides/slide9.xml><?xml version="1.0" encoding="utf-8"?>
+<file path=ppt/slides/slide7.xml><?xml version="1.0" encoding="utf-8"?>
 <p:sld xmlns:a="http://schemas.openxmlformats.org/drawingml/2006/main" xmlns:r="http://schemas.openxmlformats.org/officeDocument/2006/relationships" xmlns:p="http://schemas.openxmlformats.org/presentationml/2006/main">
   <p:cSld>
     <p:spTree>
@@ -26728,7 +25861,7 @@
           <a:p>
             <a:fld id="{A06F4413-EA05-4236-9082-DBB2EFB33C57}" type="slidenum">
               <a:rPr lang="en-US" smtClean="0"/>
-              <a:t>9</a:t>
+              <a:t>7</a:t>
             </a:fld>
             <a:endParaRPr lang="en-US"/>
           </a:p>
@@ -26743,6 +25876,873 @@
   </p:cSld>
   <p:clrMapOvr>
     <a:masterClrMapping/>
+  </p:clrMapOvr>
+</p:sld>
+</file>
+
+<file path=ppt/slides/slide8.xml><?xml version="1.0" encoding="utf-8"?>
+<p:sld xmlns:a="http://schemas.openxmlformats.org/drawingml/2006/main" xmlns:r="http://schemas.openxmlformats.org/officeDocument/2006/relationships" xmlns:p="http://schemas.openxmlformats.org/presentationml/2006/main">
+  <p:cSld>
+    <p:spTree>
+      <p:nvGrpSpPr>
+        <p:cNvPr id="1" name=""/>
+        <p:cNvGrpSpPr/>
+        <p:nvPr/>
+      </p:nvGrpSpPr>
+      <p:grpSpPr>
+        <a:xfrm>
+          <a:off x="0" y="0"/>
+          <a:ext cx="0" cy="0"/>
+          <a:chOff x="0" y="0"/>
+          <a:chExt cx="0" cy="0"/>
+        </a:xfrm>
+      </p:grpSpPr>
+      <p:sp>
+        <p:nvSpPr>
+          <p:cNvPr id="2" name="Title 1">
+            <a:extLst>
+              <a:ext uri="{FF2B5EF4-FFF2-40B4-BE49-F238E27FC236}">
+                <a16:creationId xmlns:a16="http://schemas.microsoft.com/office/drawing/2014/main" id="{69CD5CC1-0E0F-49B7-9C25-1015F1492E02}"/>
+              </a:ext>
+            </a:extLst>
+          </p:cNvPr>
+          <p:cNvSpPr>
+            <a:spLocks noGrp="1"/>
+          </p:cNvSpPr>
+          <p:nvPr>
+            <p:ph type="title"/>
+          </p:nvPr>
+        </p:nvSpPr>
+        <p:spPr/>
+        <p:txBody>
+          <a:bodyPr/>
+          <a:lstStyle/>
+          <a:p>
+            <a:pPr algn="ctr"/>
+            <a:r>
+              <a:rPr lang="en-US" dirty="0"/>
+              <a:t>Sample of the Dataset</a:t>
+            </a:r>
+          </a:p>
+        </p:txBody>
+      </p:sp>
+      <p:sp>
+        <p:nvSpPr>
+          <p:cNvPr id="6" name="TextBox 5">
+            <a:extLst>
+              <a:ext uri="{FF2B5EF4-FFF2-40B4-BE49-F238E27FC236}">
+                <a16:creationId xmlns:a16="http://schemas.microsoft.com/office/drawing/2014/main" id="{DBF628E7-6ABD-416F-B531-514C44FDE87A}"/>
+              </a:ext>
+            </a:extLst>
+          </p:cNvPr>
+          <p:cNvSpPr txBox="1"/>
+          <p:nvPr/>
+        </p:nvSpPr>
+        <p:spPr>
+          <a:xfrm>
+            <a:off x="914985" y="4649003"/>
+            <a:ext cx="1013419" cy="369332"/>
+          </a:xfrm>
+          <a:prstGeom prst="rect">
+            <a:avLst/>
+          </a:prstGeom>
+          <a:noFill/>
+        </p:spPr>
+        <p:txBody>
+          <a:bodyPr wrap="none" rtlCol="0">
+            <a:spAutoFit/>
+          </a:bodyPr>
+          <a:lstStyle/>
+          <a:p>
+            <a:r>
+              <a:rPr lang="en-US" dirty="0"/>
+              <a:t>Sleeping</a:t>
+            </a:r>
+          </a:p>
+        </p:txBody>
+      </p:sp>
+      <p:sp>
+        <p:nvSpPr>
+          <p:cNvPr id="9" name="TextBox 8">
+            <a:extLst>
+              <a:ext uri="{FF2B5EF4-FFF2-40B4-BE49-F238E27FC236}">
+                <a16:creationId xmlns:a16="http://schemas.microsoft.com/office/drawing/2014/main" id="{95B45190-3F08-48EA-95B8-77870C850400}"/>
+              </a:ext>
+            </a:extLst>
+          </p:cNvPr>
+          <p:cNvSpPr txBox="1"/>
+          <p:nvPr/>
+        </p:nvSpPr>
+        <p:spPr>
+          <a:xfrm>
+            <a:off x="5117467" y="4649003"/>
+            <a:ext cx="1207382" cy="369332"/>
+          </a:xfrm>
+          <a:prstGeom prst="rect">
+            <a:avLst/>
+          </a:prstGeom>
+          <a:noFill/>
+        </p:spPr>
+        <p:txBody>
+          <a:bodyPr wrap="none" rtlCol="0">
+            <a:spAutoFit/>
+          </a:bodyPr>
+          <a:lstStyle/>
+          <a:p>
+            <a:r>
+              <a:rPr lang="en-US" dirty="0"/>
+              <a:t>Swimming</a:t>
+            </a:r>
+          </a:p>
+        </p:txBody>
+      </p:sp>
+      <p:sp>
+        <p:nvSpPr>
+          <p:cNvPr id="12" name="TextBox 11">
+            <a:extLst>
+              <a:ext uri="{FF2B5EF4-FFF2-40B4-BE49-F238E27FC236}">
+                <a16:creationId xmlns:a16="http://schemas.microsoft.com/office/drawing/2014/main" id="{0EA1C8F5-1B00-44B6-BD79-49BD0F720FC4}"/>
+              </a:ext>
+            </a:extLst>
+          </p:cNvPr>
+          <p:cNvSpPr txBox="1"/>
+          <p:nvPr/>
+        </p:nvSpPr>
+        <p:spPr>
+          <a:xfrm>
+            <a:off x="9017665" y="4649003"/>
+            <a:ext cx="963725" cy="369332"/>
+          </a:xfrm>
+          <a:prstGeom prst="rect">
+            <a:avLst/>
+          </a:prstGeom>
+          <a:noFill/>
+        </p:spPr>
+        <p:txBody>
+          <a:bodyPr wrap="none" rtlCol="0">
+            <a:spAutoFit/>
+          </a:bodyPr>
+          <a:lstStyle/>
+          <a:p>
+            <a:r>
+              <a:rPr lang="en-US" dirty="0"/>
+              <a:t>Walking</a:t>
+            </a:r>
+          </a:p>
+        </p:txBody>
+      </p:sp>
+      <p:pic>
+        <p:nvPicPr>
+          <p:cNvPr id="10" name="Picture 9" descr="A picture containing clothing, person, indoor, hair&#10;&#10;Description automatically generated">
+            <a:extLst>
+              <a:ext uri="{FF2B5EF4-FFF2-40B4-BE49-F238E27FC236}">
+                <a16:creationId xmlns:a16="http://schemas.microsoft.com/office/drawing/2014/main" id="{6AAC9647-CD12-48F5-AD64-4835A488BBD1}"/>
+              </a:ext>
+            </a:extLst>
+          </p:cNvPr>
+          <p:cNvPicPr>
+            <a:picLocks noChangeAspect="1"/>
+          </p:cNvPicPr>
+          <p:nvPr/>
+        </p:nvPicPr>
+        <p:blipFill rotWithShape="1">
+          <a:blip r:embed="rId2">
+            <a:extLst>
+              <a:ext uri="{28A0092B-C50C-407E-A947-70E740481C1C}">
+                <a14:useLocalDpi xmlns:a14="http://schemas.microsoft.com/office/drawing/2010/main" val="0"/>
+              </a:ext>
+            </a:extLst>
+          </a:blip>
+          <a:srcRect l="14166" t="-226" b="1"/>
+          <a:stretch/>
+        </p:blipFill>
+        <p:spPr>
+          <a:xfrm>
+            <a:off x="240439" y="2538974"/>
+            <a:ext cx="2606407" cy="1817519"/>
+          </a:xfrm>
+          <a:prstGeom prst="rect">
+            <a:avLst/>
+          </a:prstGeom>
+        </p:spPr>
+      </p:pic>
+      <p:pic>
+        <p:nvPicPr>
+          <p:cNvPr id="22" name="Picture 21" descr="Two people in the water&#10;&#10;Description automatically generated with medium confidence">
+            <a:extLst>
+              <a:ext uri="{FF2B5EF4-FFF2-40B4-BE49-F238E27FC236}">
+                <a16:creationId xmlns:a16="http://schemas.microsoft.com/office/drawing/2014/main" id="{05D8CE03-DBB2-4E03-BB8F-C57DBA5CA90E}"/>
+              </a:ext>
+            </a:extLst>
+          </p:cNvPr>
+          <p:cNvPicPr>
+            <a:picLocks noChangeAspect="1"/>
+          </p:cNvPicPr>
+          <p:nvPr/>
+        </p:nvPicPr>
+        <p:blipFill rotWithShape="1">
+          <a:blip r:embed="rId3">
+            <a:extLst>
+              <a:ext uri="{28A0092B-C50C-407E-A947-70E740481C1C}">
+                <a14:useLocalDpi xmlns:a14="http://schemas.microsoft.com/office/drawing/2010/main" val="0"/>
+              </a:ext>
+            </a:extLst>
+          </a:blip>
+          <a:srcRect l="15750" t="-4035" b="-1"/>
+          <a:stretch/>
+        </p:blipFill>
+        <p:spPr>
+          <a:xfrm>
+            <a:off x="4318642" y="2443175"/>
+            <a:ext cx="2538208" cy="1971650"/>
+          </a:xfrm>
+          <a:prstGeom prst="rect">
+            <a:avLst/>
+          </a:prstGeom>
+        </p:spPr>
+      </p:pic>
+      <p:pic>
+        <p:nvPicPr>
+          <p:cNvPr id="28" name="Picture 27" descr="A person standing in a room&#10;&#10;Description automatically generated with low confidence">
+            <a:extLst>
+              <a:ext uri="{FF2B5EF4-FFF2-40B4-BE49-F238E27FC236}">
+                <a16:creationId xmlns:a16="http://schemas.microsoft.com/office/drawing/2014/main" id="{DEBF1D55-4296-4129-8916-A1E402A6D93C}"/>
+              </a:ext>
+            </a:extLst>
+          </p:cNvPr>
+          <p:cNvPicPr>
+            <a:picLocks noChangeAspect="1"/>
+          </p:cNvPicPr>
+          <p:nvPr/>
+        </p:nvPicPr>
+        <p:blipFill rotWithShape="1">
+          <a:blip r:embed="rId4">
+            <a:extLst>
+              <a:ext uri="{28A0092B-C50C-407E-A947-70E740481C1C}">
+                <a14:useLocalDpi xmlns:a14="http://schemas.microsoft.com/office/drawing/2010/main" val="0"/>
+              </a:ext>
+            </a:extLst>
+          </a:blip>
+          <a:srcRect l="18417" t="-426"/>
+          <a:stretch/>
+        </p:blipFill>
+        <p:spPr>
+          <a:xfrm>
+            <a:off x="8328646" y="2577697"/>
+            <a:ext cx="2538207" cy="1817520"/>
+          </a:xfrm>
+          <a:prstGeom prst="rect">
+            <a:avLst/>
+          </a:prstGeom>
+        </p:spPr>
+      </p:pic>
+      <p:sp>
+        <p:nvSpPr>
+          <p:cNvPr id="29" name="Slide Number Placeholder 28">
+            <a:extLst>
+              <a:ext uri="{FF2B5EF4-FFF2-40B4-BE49-F238E27FC236}">
+                <a16:creationId xmlns:a16="http://schemas.microsoft.com/office/drawing/2014/main" id="{EC2EA4F4-5CE0-4B9F-8045-9F2F030A8B00}"/>
+              </a:ext>
+            </a:extLst>
+          </p:cNvPr>
+          <p:cNvSpPr>
+            <a:spLocks noGrp="1"/>
+          </p:cNvSpPr>
+          <p:nvPr>
+            <p:ph type="sldNum" sz="quarter" idx="12"/>
+          </p:nvPr>
+        </p:nvSpPr>
+        <p:spPr/>
+        <p:txBody>
+          <a:bodyPr/>
+          <a:lstStyle/>
+          <a:p>
+            <a:fld id="{A06F4413-EA05-4236-9082-DBB2EFB33C57}" type="slidenum">
+              <a:rPr lang="en-US" smtClean="0"/>
+              <a:t>8</a:t>
+            </a:fld>
+            <a:endParaRPr lang="en-US"/>
+          </a:p>
+        </p:txBody>
+      </p:sp>
+    </p:spTree>
+    <p:extLst>
+      <p:ext uri="{BB962C8B-B14F-4D97-AF65-F5344CB8AC3E}">
+        <p14:creationId xmlns:p14="http://schemas.microsoft.com/office/powerpoint/2010/main" val="1796130255"/>
+      </p:ext>
+    </p:extLst>
+  </p:cSld>
+  <p:clrMapOvr>
+    <a:masterClrMapping/>
+  </p:clrMapOvr>
+</p:sld>
+</file>
+
+<file path=ppt/slides/slide9.xml><?xml version="1.0" encoding="utf-8"?>
+<p:sld xmlns:a="http://schemas.openxmlformats.org/drawingml/2006/main" xmlns:r="http://schemas.openxmlformats.org/officeDocument/2006/relationships" xmlns:p="http://schemas.openxmlformats.org/presentationml/2006/main">
+  <p:cSld>
+    <p:bg>
+      <p:bgPr>
+        <a:solidFill>
+          <a:schemeClr val="bg1"/>
+        </a:solidFill>
+        <a:effectLst/>
+      </p:bgPr>
+    </p:bg>
+    <p:spTree>
+      <p:nvGrpSpPr>
+        <p:cNvPr id="1" name=""/>
+        <p:cNvGrpSpPr/>
+        <p:nvPr/>
+      </p:nvGrpSpPr>
+      <p:grpSpPr>
+        <a:xfrm>
+          <a:off x="0" y="0"/>
+          <a:ext cx="0" cy="0"/>
+          <a:chOff x="0" y="0"/>
+          <a:chExt cx="0" cy="0"/>
+        </a:xfrm>
+      </p:grpSpPr>
+      <p:sp useBgFill="1">
+        <p:nvSpPr>
+          <p:cNvPr id="8" name="Rectangle 7">
+            <a:extLst>
+              <a:ext uri="{FF2B5EF4-FFF2-40B4-BE49-F238E27FC236}">
+                <a16:creationId xmlns:a16="http://schemas.microsoft.com/office/drawing/2014/main" id="{718B0F80-1C8E-49FA-9B66-C9285753E25F}"/>
+              </a:ext>
+              <a:ext uri="{C183D7F6-B498-43B3-948B-1728B52AA6E4}">
+                <adec:decorative xmlns:adec="http://schemas.microsoft.com/office/drawing/2017/decorative" val="1"/>
+              </a:ext>
+            </a:extLst>
+          </p:cNvPr>
+          <p:cNvSpPr>
+            <a:spLocks noGrp="1" noRot="1" noChangeAspect="1" noMove="1" noResize="1" noEditPoints="1" noAdjustHandles="1" noChangeArrowheads="1" noChangeShapeType="1" noTextEdit="1"/>
+          </p:cNvSpPr>
+          <p:nvPr>
+            <p:extLst>
+              <p:ext uri="{386F3935-93C4-4BCD-93E2-E3B085C9AB24}">
+                <p16:designElem xmlns:p16="http://schemas.microsoft.com/office/powerpoint/2015/main" val="1"/>
+              </p:ext>
+            </p:extLst>
+          </p:nvPr>
+        </p:nvSpPr>
+        <p:spPr>
+          <a:xfrm>
+            <a:off x="0" y="0"/>
+            <a:ext cx="12192000" cy="6858000"/>
+          </a:xfrm>
+          <a:prstGeom prst="rect">
+            <a:avLst/>
+          </a:prstGeom>
+          <a:ln>
+            <a:noFill/>
+          </a:ln>
+        </p:spPr>
+        <p:style>
+          <a:lnRef idx="2">
+            <a:schemeClr val="accent1">
+              <a:shade val="50000"/>
+            </a:schemeClr>
+          </a:lnRef>
+          <a:fillRef idx="1">
+            <a:schemeClr val="accent1"/>
+          </a:fillRef>
+          <a:effectRef idx="0">
+            <a:schemeClr val="accent1"/>
+          </a:effectRef>
+          <a:fontRef idx="minor">
+            <a:schemeClr val="lt1"/>
+          </a:fontRef>
+        </p:style>
+        <p:txBody>
+          <a:bodyPr rot="0" spcFirstLastPara="0" vert="horz" wrap="square" lIns="91440" tIns="45720" rIns="91440" bIns="45720" numCol="1" spcCol="0" rtlCol="0" fromWordArt="0" anchor="ctr" anchorCtr="0" forceAA="0" compatLnSpc="1">
+            <a:prstTxWarp prst="textNoShape">
+              <a:avLst/>
+            </a:prstTxWarp>
+            <a:noAutofit/>
+          </a:bodyPr>
+          <a:lstStyle>
+            <a:defPPr>
+              <a:defRPr lang="en-US"/>
+            </a:defPPr>
+            <a:lvl1pPr marL="0" algn="l" defTabSz="914400" rtl="0" eaLnBrk="1" latinLnBrk="0" hangingPunct="1">
+              <a:defRPr sz="1800" kern="1200">
+                <a:solidFill>
+                  <a:schemeClr val="lt1"/>
+                </a:solidFill>
+                <a:latin typeface="+mn-lt"/>
+                <a:ea typeface="+mn-ea"/>
+                <a:cs typeface="+mn-cs"/>
+              </a:defRPr>
+            </a:lvl1pPr>
+            <a:lvl2pPr marL="457200" algn="l" defTabSz="914400" rtl="0" eaLnBrk="1" latinLnBrk="0" hangingPunct="1">
+              <a:defRPr sz="1800" kern="1200">
+                <a:solidFill>
+                  <a:schemeClr val="lt1"/>
+                </a:solidFill>
+                <a:latin typeface="+mn-lt"/>
+                <a:ea typeface="+mn-ea"/>
+                <a:cs typeface="+mn-cs"/>
+              </a:defRPr>
+            </a:lvl2pPr>
+            <a:lvl3pPr marL="914400" algn="l" defTabSz="914400" rtl="0" eaLnBrk="1" latinLnBrk="0" hangingPunct="1">
+              <a:defRPr sz="1800" kern="1200">
+                <a:solidFill>
+                  <a:schemeClr val="lt1"/>
+                </a:solidFill>
+                <a:latin typeface="+mn-lt"/>
+                <a:ea typeface="+mn-ea"/>
+                <a:cs typeface="+mn-cs"/>
+              </a:defRPr>
+            </a:lvl3pPr>
+            <a:lvl4pPr marL="1371600" algn="l" defTabSz="914400" rtl="0" eaLnBrk="1" latinLnBrk="0" hangingPunct="1">
+              <a:defRPr sz="1800" kern="1200">
+                <a:solidFill>
+                  <a:schemeClr val="lt1"/>
+                </a:solidFill>
+                <a:latin typeface="+mn-lt"/>
+                <a:ea typeface="+mn-ea"/>
+                <a:cs typeface="+mn-cs"/>
+              </a:defRPr>
+            </a:lvl4pPr>
+            <a:lvl5pPr marL="1828800" algn="l" defTabSz="914400" rtl="0" eaLnBrk="1" latinLnBrk="0" hangingPunct="1">
+              <a:defRPr sz="1800" kern="1200">
+                <a:solidFill>
+                  <a:schemeClr val="lt1"/>
+                </a:solidFill>
+                <a:latin typeface="+mn-lt"/>
+                <a:ea typeface="+mn-ea"/>
+                <a:cs typeface="+mn-cs"/>
+              </a:defRPr>
+            </a:lvl5pPr>
+            <a:lvl6pPr marL="2286000" algn="l" defTabSz="914400" rtl="0" eaLnBrk="1" latinLnBrk="0" hangingPunct="1">
+              <a:defRPr sz="1800" kern="1200">
+                <a:solidFill>
+                  <a:schemeClr val="lt1"/>
+                </a:solidFill>
+                <a:latin typeface="+mn-lt"/>
+                <a:ea typeface="+mn-ea"/>
+                <a:cs typeface="+mn-cs"/>
+              </a:defRPr>
+            </a:lvl6pPr>
+            <a:lvl7pPr marL="2743200" algn="l" defTabSz="914400" rtl="0" eaLnBrk="1" latinLnBrk="0" hangingPunct="1">
+              <a:defRPr sz="1800" kern="1200">
+                <a:solidFill>
+                  <a:schemeClr val="lt1"/>
+                </a:solidFill>
+                <a:latin typeface="+mn-lt"/>
+                <a:ea typeface="+mn-ea"/>
+                <a:cs typeface="+mn-cs"/>
+              </a:defRPr>
+            </a:lvl7pPr>
+            <a:lvl8pPr marL="3200400" algn="l" defTabSz="914400" rtl="0" eaLnBrk="1" latinLnBrk="0" hangingPunct="1">
+              <a:defRPr sz="1800" kern="1200">
+                <a:solidFill>
+                  <a:schemeClr val="lt1"/>
+                </a:solidFill>
+                <a:latin typeface="+mn-lt"/>
+                <a:ea typeface="+mn-ea"/>
+                <a:cs typeface="+mn-cs"/>
+              </a:defRPr>
+            </a:lvl8pPr>
+            <a:lvl9pPr marL="3657600" algn="l" defTabSz="914400" rtl="0" eaLnBrk="1" latinLnBrk="0" hangingPunct="1">
+              <a:defRPr sz="1800" kern="1200">
+                <a:solidFill>
+                  <a:schemeClr val="lt1"/>
+                </a:solidFill>
+                <a:latin typeface="+mn-lt"/>
+                <a:ea typeface="+mn-ea"/>
+                <a:cs typeface="+mn-cs"/>
+              </a:defRPr>
+            </a:lvl9pPr>
+          </a:lstStyle>
+          <a:p>
+            <a:pPr algn="ctr"/>
+            <a:endParaRPr lang="en-US"/>
+          </a:p>
+        </p:txBody>
+      </p:sp>
+      <p:sp>
+        <p:nvSpPr>
+          <p:cNvPr id="2" name="Title 1">
+            <a:extLst>
+              <a:ext uri="{FF2B5EF4-FFF2-40B4-BE49-F238E27FC236}">
+                <a16:creationId xmlns:a16="http://schemas.microsoft.com/office/drawing/2014/main" id="{62504865-2A8B-4CC9-874F-C9C5AADD9B34}"/>
+              </a:ext>
+            </a:extLst>
+          </p:cNvPr>
+          <p:cNvSpPr>
+            <a:spLocks noGrp="1"/>
+          </p:cNvSpPr>
+          <p:nvPr>
+            <p:ph type="title"/>
+          </p:nvPr>
+        </p:nvSpPr>
+        <p:spPr>
+          <a:xfrm>
+            <a:off x="643467" y="643466"/>
+            <a:ext cx="3933390" cy="4937287"/>
+          </a:xfrm>
+        </p:spPr>
+        <p:txBody>
+          <a:bodyPr anchor="ctr">
+            <a:normAutofit/>
+          </a:bodyPr>
+          <a:lstStyle/>
+          <a:p>
+            <a:pPr algn="l"/>
+            <a:r>
+              <a:rPr lang="en-US" sz="4800">
+                <a:solidFill>
+                  <a:schemeClr val="tx1"/>
+                </a:solidFill>
+              </a:rPr>
+              <a:t>Actions Classified</a:t>
+            </a:r>
+          </a:p>
+        </p:txBody>
+      </p:sp>
+      <p:sp>
+        <p:nvSpPr>
+          <p:cNvPr id="10" name="Freeform 6">
+            <a:extLst>
+              <a:ext uri="{FF2B5EF4-FFF2-40B4-BE49-F238E27FC236}">
+                <a16:creationId xmlns:a16="http://schemas.microsoft.com/office/drawing/2014/main" id="{CEF2B853-4083-4B70-AC2A-F79D80809342}"/>
+              </a:ext>
+              <a:ext uri="{C183D7F6-B498-43B3-948B-1728B52AA6E4}">
+                <adec:decorative xmlns:adec="http://schemas.microsoft.com/office/drawing/2017/decorative" val="1"/>
+              </a:ext>
+            </a:extLst>
+          </p:cNvPr>
+          <p:cNvSpPr>
+            <a:spLocks noGrp="1" noRot="1" noChangeAspect="1" noMove="1" noResize="1" noEditPoints="1" noAdjustHandles="1" noChangeArrowheads="1" noChangeShapeType="1" noTextEdit="1"/>
+          </p:cNvSpPr>
+          <p:nvPr>
+            <p:extLst>
+              <p:ext uri="{386F3935-93C4-4BCD-93E2-E3B085C9AB24}">
+                <p16:designElem xmlns:p16="http://schemas.microsoft.com/office/powerpoint/2015/main" val="1"/>
+              </p:ext>
+            </p:extLst>
+          </p:nvPr>
+        </p:nvSpPr>
+        <p:spPr bwMode="auto">
+          <a:xfrm flipH="1">
+            <a:off x="0" y="643466"/>
+            <a:ext cx="407988" cy="819150"/>
+          </a:xfrm>
+          <a:custGeom>
+            <a:avLst/>
+            <a:gdLst/>
+            <a:ahLst/>
+            <a:cxnLst/>
+            <a:rect l="0" t="0" r="r" b="b"/>
+            <a:pathLst>
+              <a:path w="1799" h="3612">
+                <a:moveTo>
+                  <a:pt x="1799" y="0"/>
+                </a:moveTo>
+                <a:lnTo>
+                  <a:pt x="1799" y="3612"/>
+                </a:lnTo>
+                <a:lnTo>
+                  <a:pt x="1686" y="3609"/>
+                </a:lnTo>
+                <a:lnTo>
+                  <a:pt x="1574" y="3598"/>
+                </a:lnTo>
+                <a:lnTo>
+                  <a:pt x="1464" y="3581"/>
+                </a:lnTo>
+                <a:lnTo>
+                  <a:pt x="1357" y="3557"/>
+                </a:lnTo>
+                <a:lnTo>
+                  <a:pt x="1251" y="3527"/>
+                </a:lnTo>
+                <a:lnTo>
+                  <a:pt x="1150" y="3490"/>
+                </a:lnTo>
+                <a:lnTo>
+                  <a:pt x="1050" y="3448"/>
+                </a:lnTo>
+                <a:lnTo>
+                  <a:pt x="953" y="3401"/>
+                </a:lnTo>
+                <a:lnTo>
+                  <a:pt x="860" y="3347"/>
+                </a:lnTo>
+                <a:lnTo>
+                  <a:pt x="771" y="3289"/>
+                </a:lnTo>
+                <a:lnTo>
+                  <a:pt x="686" y="3224"/>
+                </a:lnTo>
+                <a:lnTo>
+                  <a:pt x="604" y="3156"/>
+                </a:lnTo>
+                <a:lnTo>
+                  <a:pt x="527" y="3083"/>
+                </a:lnTo>
+                <a:lnTo>
+                  <a:pt x="454" y="3005"/>
+                </a:lnTo>
+                <a:lnTo>
+                  <a:pt x="386" y="2923"/>
+                </a:lnTo>
+                <a:lnTo>
+                  <a:pt x="323" y="2838"/>
+                </a:lnTo>
+                <a:lnTo>
+                  <a:pt x="265" y="2748"/>
+                </a:lnTo>
+                <a:lnTo>
+                  <a:pt x="211" y="2655"/>
+                </a:lnTo>
+                <a:lnTo>
+                  <a:pt x="163" y="2559"/>
+                </a:lnTo>
+                <a:lnTo>
+                  <a:pt x="121" y="2459"/>
+                </a:lnTo>
+                <a:lnTo>
+                  <a:pt x="85" y="2356"/>
+                </a:lnTo>
+                <a:lnTo>
+                  <a:pt x="55" y="2251"/>
+                </a:lnTo>
+                <a:lnTo>
+                  <a:pt x="32" y="2143"/>
+                </a:lnTo>
+                <a:lnTo>
+                  <a:pt x="14" y="2033"/>
+                </a:lnTo>
+                <a:lnTo>
+                  <a:pt x="4" y="1920"/>
+                </a:lnTo>
+                <a:lnTo>
+                  <a:pt x="0" y="1806"/>
+                </a:lnTo>
+                <a:lnTo>
+                  <a:pt x="4" y="1692"/>
+                </a:lnTo>
+                <a:lnTo>
+                  <a:pt x="14" y="1580"/>
+                </a:lnTo>
+                <a:lnTo>
+                  <a:pt x="32" y="1469"/>
+                </a:lnTo>
+                <a:lnTo>
+                  <a:pt x="55" y="1362"/>
+                </a:lnTo>
+                <a:lnTo>
+                  <a:pt x="85" y="1256"/>
+                </a:lnTo>
+                <a:lnTo>
+                  <a:pt x="121" y="1154"/>
+                </a:lnTo>
+                <a:lnTo>
+                  <a:pt x="163" y="1054"/>
+                </a:lnTo>
+                <a:lnTo>
+                  <a:pt x="211" y="958"/>
+                </a:lnTo>
+                <a:lnTo>
+                  <a:pt x="265" y="864"/>
+                </a:lnTo>
+                <a:lnTo>
+                  <a:pt x="323" y="774"/>
+                </a:lnTo>
+                <a:lnTo>
+                  <a:pt x="386" y="689"/>
+                </a:lnTo>
+                <a:lnTo>
+                  <a:pt x="454" y="607"/>
+                </a:lnTo>
+                <a:lnTo>
+                  <a:pt x="527" y="529"/>
+                </a:lnTo>
+                <a:lnTo>
+                  <a:pt x="604" y="456"/>
+                </a:lnTo>
+                <a:lnTo>
+                  <a:pt x="686" y="388"/>
+                </a:lnTo>
+                <a:lnTo>
+                  <a:pt x="771" y="325"/>
+                </a:lnTo>
+                <a:lnTo>
+                  <a:pt x="860" y="266"/>
+                </a:lnTo>
+                <a:lnTo>
+                  <a:pt x="953" y="212"/>
+                </a:lnTo>
+                <a:lnTo>
+                  <a:pt x="1050" y="164"/>
+                </a:lnTo>
+                <a:lnTo>
+                  <a:pt x="1150" y="122"/>
+                </a:lnTo>
+                <a:lnTo>
+                  <a:pt x="1251" y="85"/>
+                </a:lnTo>
+                <a:lnTo>
+                  <a:pt x="1357" y="55"/>
+                </a:lnTo>
+                <a:lnTo>
+                  <a:pt x="1464" y="32"/>
+                </a:lnTo>
+                <a:lnTo>
+                  <a:pt x="1574" y="14"/>
+                </a:lnTo>
+                <a:lnTo>
+                  <a:pt x="1686" y="5"/>
+                </a:lnTo>
+                <a:lnTo>
+                  <a:pt x="1799" y="0"/>
+                </a:lnTo>
+                <a:close/>
+              </a:path>
+            </a:pathLst>
+          </a:custGeom>
+          <a:solidFill>
+            <a:schemeClr val="tx1">
+              <a:lumMod val="85000"/>
+              <a:lumOff val="15000"/>
+            </a:schemeClr>
+          </a:solidFill>
+          <a:ln w="0">
+            <a:noFill/>
+            <a:prstDash val="solid"/>
+            <a:round/>
+            <a:headEnd/>
+            <a:tailEnd/>
+          </a:ln>
+        </p:spPr>
+      </p:sp>
+      <p:graphicFrame>
+        <p:nvGraphicFramePr>
+          <p:cNvPr id="14" name="Content Placeholder 2">
+            <a:extLst>
+              <a:ext uri="{FF2B5EF4-FFF2-40B4-BE49-F238E27FC236}">
+                <a16:creationId xmlns:a16="http://schemas.microsoft.com/office/drawing/2014/main" id="{D7C3D342-807A-4790-9461-9988797129F4}"/>
+              </a:ext>
+            </a:extLst>
+          </p:cNvPr>
+          <p:cNvGraphicFramePr>
+            <a:graphicFrameLocks noGrp="1"/>
+          </p:cNvGraphicFramePr>
+          <p:nvPr>
+            <p:ph idx="1"/>
+            <p:extLst>
+              <p:ext uri="{D42A27DB-BD31-4B8C-83A1-F6EECF244321}">
+                <p14:modId xmlns:p14="http://schemas.microsoft.com/office/powerpoint/2010/main" val="1482237627"/>
+              </p:ext>
+            </p:extLst>
+          </p:nvPr>
+        </p:nvGraphicFramePr>
+        <p:xfrm>
+          <a:off x="4495800" y="375922"/>
+          <a:ext cx="7310120" cy="6106158"/>
+        </p:xfrm>
+        <a:graphic>
+          <a:graphicData uri="http://schemas.openxmlformats.org/drawingml/2006/diagram">
+            <dgm:relIds xmlns:dgm="http://schemas.openxmlformats.org/drawingml/2006/diagram" xmlns:r="http://schemas.openxmlformats.org/officeDocument/2006/relationships" r:dm="rId2" r:lo="rId3" r:qs="rId4" r:cs="rId5"/>
+          </a:graphicData>
+        </a:graphic>
+      </p:graphicFrame>
+      <p:cxnSp>
+        <p:nvCxnSpPr>
+          <p:cNvPr id="12" name="Straight Connector 11">
+            <a:extLst>
+              <a:ext uri="{FF2B5EF4-FFF2-40B4-BE49-F238E27FC236}">
+                <a16:creationId xmlns:a16="http://schemas.microsoft.com/office/drawing/2014/main" id="{D434EAAF-BF44-4CCC-84D4-105F3370AFFC}"/>
+              </a:ext>
+              <a:ext uri="{C183D7F6-B498-43B3-948B-1728B52AA6E4}">
+                <adec:decorative xmlns:adec="http://schemas.microsoft.com/office/drawing/2017/decorative" val="1"/>
+              </a:ext>
+            </a:extLst>
+          </p:cNvPr>
+          <p:cNvCxnSpPr>
+            <a:cxnSpLocks noGrp="1" noRot="1" noChangeAspect="1" noMove="1" noResize="1" noEditPoints="1" noAdjustHandles="1" noChangeArrowheads="1" noChangeShapeType="1"/>
+          </p:cNvCxnSpPr>
+          <p:nvPr>
+            <p:extLst>
+              <p:ext uri="{386F3935-93C4-4BCD-93E2-E3B085C9AB24}">
+                <p16:designElem xmlns:p16="http://schemas.microsoft.com/office/powerpoint/2015/main" val="1"/>
+              </p:ext>
+            </p:extLst>
+          </p:nvPr>
+        </p:nvCxnSpPr>
+        <p:spPr>
+          <a:xfrm>
+            <a:off x="0" y="6199730"/>
+            <a:ext cx="4495800" cy="0"/>
+          </a:xfrm>
+          <a:prstGeom prst="line">
+            <a:avLst/>
+          </a:prstGeom>
+          <a:ln w="25400">
+            <a:solidFill>
+              <a:schemeClr val="tx1">
+                <a:lumMod val="85000"/>
+                <a:lumOff val="15000"/>
+              </a:schemeClr>
+            </a:solidFill>
+          </a:ln>
+        </p:spPr>
+        <p:style>
+          <a:lnRef idx="1">
+            <a:schemeClr val="accent1"/>
+          </a:lnRef>
+          <a:fillRef idx="0">
+            <a:schemeClr val="accent1"/>
+          </a:fillRef>
+          <a:effectRef idx="0">
+            <a:schemeClr val="accent1"/>
+          </a:effectRef>
+          <a:fontRef idx="minor">
+            <a:schemeClr val="tx1"/>
+          </a:fontRef>
+        </p:style>
+      </p:cxnSp>
+      <p:sp>
+        <p:nvSpPr>
+          <p:cNvPr id="4" name="Slide Number Placeholder 3">
+            <a:extLst>
+              <a:ext uri="{FF2B5EF4-FFF2-40B4-BE49-F238E27FC236}">
+                <a16:creationId xmlns:a16="http://schemas.microsoft.com/office/drawing/2014/main" id="{4F07F39B-2D55-430E-94D2-F8A25CD5F8FE}"/>
+              </a:ext>
+            </a:extLst>
+          </p:cNvPr>
+          <p:cNvSpPr>
+            <a:spLocks noGrp="1"/>
+          </p:cNvSpPr>
+          <p:nvPr>
+            <p:ph type="sldNum" sz="quarter" idx="12"/>
+          </p:nvPr>
+        </p:nvSpPr>
+        <p:spPr/>
+        <p:txBody>
+          <a:bodyPr/>
+          <a:lstStyle/>
+          <a:p>
+            <a:fld id="{A06F4413-EA05-4236-9082-DBB2EFB33C57}" type="slidenum">
+              <a:rPr lang="en-US" smtClean="0"/>
+              <a:t>9</a:t>
+            </a:fld>
+            <a:endParaRPr lang="en-US"/>
+          </a:p>
+        </p:txBody>
+      </p:sp>
+    </p:spTree>
+    <p:extLst>
+      <p:ext uri="{BB962C8B-B14F-4D97-AF65-F5344CB8AC3E}">
+        <p14:creationId xmlns:p14="http://schemas.microsoft.com/office/powerpoint/2010/main" val="1881209549"/>
+      </p:ext>
+    </p:extLst>
+  </p:cSld>
+  <p:clrMapOvr>
+    <a:overrideClrMapping bg1="dk1" tx1="lt1" bg2="dk2" tx2="lt2" accent1="accent1" accent2="accent2" accent3="accent3" accent4="accent4" accent5="accent5" accent6="accent6" hlink="hlink" folHlink="folHlink"/>
   </p:clrMapOvr>
 </p:sld>
 </file>

--- a/Presentation Slides.pptx
+++ b/Presentation Slides.pptx
@@ -5,7 +5,7 @@
     <p:sldMasterId id="2147483660" r:id="rId1"/>
   </p:sldMasterIdLst>
   <p:notesMasterIdLst>
-    <p:notesMasterId r:id="rId17"/>
+    <p:notesMasterId r:id="rId20"/>
   </p:notesMasterIdLst>
   <p:sldIdLst>
     <p:sldId id="258" r:id="rId2"/>
@@ -14,15 +14,18 @@
     <p:sldId id="260" r:id="rId5"/>
     <p:sldId id="262" r:id="rId6"/>
     <p:sldId id="266" r:id="rId7"/>
-    <p:sldId id="267" r:id="rId8"/>
-    <p:sldId id="268" r:id="rId9"/>
-    <p:sldId id="263" r:id="rId10"/>
-    <p:sldId id="265" r:id="rId11"/>
-    <p:sldId id="269" r:id="rId12"/>
-    <p:sldId id="270" r:id="rId13"/>
-    <p:sldId id="274" r:id="rId14"/>
-    <p:sldId id="271" r:id="rId15"/>
-    <p:sldId id="273" r:id="rId16"/>
+    <p:sldId id="275" r:id="rId8"/>
+    <p:sldId id="267" r:id="rId9"/>
+    <p:sldId id="268" r:id="rId10"/>
+    <p:sldId id="263" r:id="rId11"/>
+    <p:sldId id="265" r:id="rId12"/>
+    <p:sldId id="276" r:id="rId13"/>
+    <p:sldId id="269" r:id="rId14"/>
+    <p:sldId id="277" r:id="rId15"/>
+    <p:sldId id="270" r:id="rId16"/>
+    <p:sldId id="274" r:id="rId17"/>
+    <p:sldId id="271" r:id="rId18"/>
+    <p:sldId id="273" r:id="rId19"/>
   </p:sldIdLst>
   <p:sldSz cx="12192000" cy="6858000"/>
   <p:notesSz cx="6858000" cy="9144000"/>
@@ -3192,6 +3195,753 @@
 </file>
 
 <file path=ppt/diagrams/colors5.xml><?xml version="1.0" encoding="utf-8"?>
+<dgm:colorsDef xmlns:dgm="http://schemas.openxmlformats.org/drawingml/2006/diagram" xmlns:a="http://schemas.openxmlformats.org/drawingml/2006/main" uniqueId="urn:microsoft.com/office/officeart/2005/8/colors/accent1_2">
+  <dgm:title val=""/>
+  <dgm:desc val=""/>
+  <dgm:catLst>
+    <dgm:cat type="accent1" pri="11200"/>
+  </dgm:catLst>
+  <dgm:styleLbl name="node0">
+    <dgm:fillClrLst meth="repeat">
+      <a:schemeClr val="accent1"/>
+    </dgm:fillClrLst>
+    <dgm:linClrLst meth="repeat">
+      <a:schemeClr val="lt1"/>
+    </dgm:linClrLst>
+    <dgm:effectClrLst/>
+    <dgm:txLinClrLst/>
+    <dgm:txFillClrLst/>
+    <dgm:txEffectClrLst/>
+  </dgm:styleLbl>
+  <dgm:styleLbl name="alignNode1">
+    <dgm:fillClrLst meth="repeat">
+      <a:schemeClr val="accent1"/>
+    </dgm:fillClrLst>
+    <dgm:linClrLst meth="repeat">
+      <a:schemeClr val="accent1"/>
+    </dgm:linClrLst>
+    <dgm:effectClrLst/>
+    <dgm:txLinClrLst/>
+    <dgm:txFillClrLst/>
+    <dgm:txEffectClrLst/>
+  </dgm:styleLbl>
+  <dgm:styleLbl name="node1">
+    <dgm:fillClrLst meth="repeat">
+      <a:schemeClr val="accent1"/>
+    </dgm:fillClrLst>
+    <dgm:linClrLst meth="repeat">
+      <a:schemeClr val="lt1"/>
+    </dgm:linClrLst>
+    <dgm:effectClrLst/>
+    <dgm:txLinClrLst/>
+    <dgm:txFillClrLst/>
+    <dgm:txEffectClrLst/>
+  </dgm:styleLbl>
+  <dgm:styleLbl name="lnNode1">
+    <dgm:fillClrLst meth="repeat">
+      <a:schemeClr val="accent1"/>
+    </dgm:fillClrLst>
+    <dgm:linClrLst meth="repeat">
+      <a:schemeClr val="lt1"/>
+    </dgm:linClrLst>
+    <dgm:effectClrLst/>
+    <dgm:txLinClrLst/>
+    <dgm:txFillClrLst/>
+    <dgm:txEffectClrLst/>
+  </dgm:styleLbl>
+  <dgm:styleLbl name="vennNode1">
+    <dgm:fillClrLst meth="repeat">
+      <a:schemeClr val="accent1">
+        <a:alpha val="50000"/>
+      </a:schemeClr>
+    </dgm:fillClrLst>
+    <dgm:linClrLst meth="repeat">
+      <a:schemeClr val="lt1"/>
+    </dgm:linClrLst>
+    <dgm:effectClrLst/>
+    <dgm:txLinClrLst/>
+    <dgm:txFillClrLst/>
+    <dgm:txEffectClrLst/>
+  </dgm:styleLbl>
+  <dgm:styleLbl name="node2">
+    <dgm:fillClrLst meth="repeat">
+      <a:schemeClr val="accent1"/>
+    </dgm:fillClrLst>
+    <dgm:linClrLst meth="repeat">
+      <a:schemeClr val="lt1"/>
+    </dgm:linClrLst>
+    <dgm:effectClrLst/>
+    <dgm:txLinClrLst/>
+    <dgm:txFillClrLst/>
+    <dgm:txEffectClrLst/>
+  </dgm:styleLbl>
+  <dgm:styleLbl name="node3">
+    <dgm:fillClrLst meth="repeat">
+      <a:schemeClr val="accent1"/>
+    </dgm:fillClrLst>
+    <dgm:linClrLst meth="repeat">
+      <a:schemeClr val="lt1"/>
+    </dgm:linClrLst>
+    <dgm:effectClrLst/>
+    <dgm:txLinClrLst/>
+    <dgm:txFillClrLst/>
+    <dgm:txEffectClrLst/>
+  </dgm:styleLbl>
+  <dgm:styleLbl name="node4">
+    <dgm:fillClrLst meth="repeat">
+      <a:schemeClr val="accent1"/>
+    </dgm:fillClrLst>
+    <dgm:linClrLst meth="repeat">
+      <a:schemeClr val="lt1"/>
+    </dgm:linClrLst>
+    <dgm:effectClrLst/>
+    <dgm:txLinClrLst/>
+    <dgm:txFillClrLst/>
+    <dgm:txEffectClrLst/>
+  </dgm:styleLbl>
+  <dgm:styleLbl name="fgImgPlace1">
+    <dgm:fillClrLst meth="repeat">
+      <a:schemeClr val="accent1">
+        <a:tint val="50000"/>
+      </a:schemeClr>
+    </dgm:fillClrLst>
+    <dgm:linClrLst meth="repeat">
+      <a:schemeClr val="lt1"/>
+    </dgm:linClrLst>
+    <dgm:effectClrLst/>
+    <dgm:txLinClrLst/>
+    <dgm:txFillClrLst meth="repeat">
+      <a:schemeClr val="lt1"/>
+    </dgm:txFillClrLst>
+    <dgm:txEffectClrLst/>
+  </dgm:styleLbl>
+  <dgm:styleLbl name="alignImgPlace1">
+    <dgm:fillClrLst meth="repeat">
+      <a:schemeClr val="accent1">
+        <a:tint val="50000"/>
+      </a:schemeClr>
+    </dgm:fillClrLst>
+    <dgm:linClrLst meth="repeat">
+      <a:schemeClr val="lt1"/>
+    </dgm:linClrLst>
+    <dgm:effectClrLst/>
+    <dgm:txLinClrLst/>
+    <dgm:txFillClrLst meth="repeat">
+      <a:schemeClr val="lt1"/>
+    </dgm:txFillClrLst>
+    <dgm:txEffectClrLst/>
+  </dgm:styleLbl>
+  <dgm:styleLbl name="bgImgPlace1">
+    <dgm:fillClrLst meth="repeat">
+      <a:schemeClr val="accent1">
+        <a:tint val="50000"/>
+      </a:schemeClr>
+    </dgm:fillClrLst>
+    <dgm:linClrLst meth="repeat">
+      <a:schemeClr val="lt1"/>
+    </dgm:linClrLst>
+    <dgm:effectClrLst/>
+    <dgm:txLinClrLst/>
+    <dgm:txFillClrLst meth="repeat">
+      <a:schemeClr val="lt1"/>
+    </dgm:txFillClrLst>
+    <dgm:txEffectClrLst/>
+  </dgm:styleLbl>
+  <dgm:styleLbl name="sibTrans2D1">
+    <dgm:fillClrLst meth="repeat">
+      <a:schemeClr val="accent1">
+        <a:tint val="60000"/>
+      </a:schemeClr>
+    </dgm:fillClrLst>
+    <dgm:linClrLst meth="repeat">
+      <a:schemeClr val="accent1">
+        <a:tint val="60000"/>
+      </a:schemeClr>
+    </dgm:linClrLst>
+    <dgm:effectClrLst/>
+    <dgm:txLinClrLst/>
+    <dgm:txFillClrLst/>
+    <dgm:txEffectClrLst/>
+  </dgm:styleLbl>
+  <dgm:styleLbl name="fgSibTrans2D1">
+    <dgm:fillClrLst meth="repeat">
+      <a:schemeClr val="accent1">
+        <a:tint val="60000"/>
+      </a:schemeClr>
+    </dgm:fillClrLst>
+    <dgm:linClrLst meth="repeat">
+      <a:schemeClr val="accent1">
+        <a:tint val="60000"/>
+      </a:schemeClr>
+    </dgm:linClrLst>
+    <dgm:effectClrLst/>
+    <dgm:txLinClrLst/>
+    <dgm:txFillClrLst/>
+    <dgm:txEffectClrLst/>
+  </dgm:styleLbl>
+  <dgm:styleLbl name="bgSibTrans2D1">
+    <dgm:fillClrLst meth="repeat">
+      <a:schemeClr val="accent1">
+        <a:tint val="60000"/>
+      </a:schemeClr>
+    </dgm:fillClrLst>
+    <dgm:linClrLst meth="repeat">
+      <a:schemeClr val="accent1">
+        <a:tint val="60000"/>
+      </a:schemeClr>
+    </dgm:linClrLst>
+    <dgm:effectClrLst/>
+    <dgm:txLinClrLst/>
+    <dgm:txFillClrLst/>
+    <dgm:txEffectClrLst/>
+  </dgm:styleLbl>
+  <dgm:styleLbl name="sibTrans1D1">
+    <dgm:fillClrLst meth="repeat">
+      <a:schemeClr val="accent1"/>
+    </dgm:fillClrLst>
+    <dgm:linClrLst meth="repeat">
+      <a:schemeClr val="accent1"/>
+    </dgm:linClrLst>
+    <dgm:effectClrLst/>
+    <dgm:txLinClrLst/>
+    <dgm:txFillClrLst meth="repeat">
+      <a:schemeClr val="tx1"/>
+    </dgm:txFillClrLst>
+    <dgm:txEffectClrLst/>
+  </dgm:styleLbl>
+  <dgm:styleLbl name="callout">
+    <dgm:fillClrLst meth="repeat">
+      <a:schemeClr val="accent1"/>
+    </dgm:fillClrLst>
+    <dgm:linClrLst meth="repeat">
+      <a:schemeClr val="accent1">
+        <a:tint val="50000"/>
+      </a:schemeClr>
+    </dgm:linClrLst>
+    <dgm:effectClrLst/>
+    <dgm:txLinClrLst/>
+    <dgm:txFillClrLst meth="repeat">
+      <a:schemeClr val="tx1"/>
+    </dgm:txFillClrLst>
+    <dgm:txEffectClrLst/>
+  </dgm:styleLbl>
+  <dgm:styleLbl name="asst0">
+    <dgm:fillClrLst meth="repeat">
+      <a:schemeClr val="accent1"/>
+    </dgm:fillClrLst>
+    <dgm:linClrLst meth="repeat">
+      <a:schemeClr val="lt1"/>
+    </dgm:linClrLst>
+    <dgm:effectClrLst/>
+    <dgm:txLinClrLst/>
+    <dgm:txFillClrLst/>
+    <dgm:txEffectClrLst/>
+  </dgm:styleLbl>
+  <dgm:styleLbl name="asst1">
+    <dgm:fillClrLst meth="repeat">
+      <a:schemeClr val="accent1"/>
+    </dgm:fillClrLst>
+    <dgm:linClrLst meth="repeat">
+      <a:schemeClr val="lt1"/>
+    </dgm:linClrLst>
+    <dgm:effectClrLst/>
+    <dgm:txLinClrLst/>
+    <dgm:txFillClrLst/>
+    <dgm:txEffectClrLst/>
+  </dgm:styleLbl>
+  <dgm:styleLbl name="asst2">
+    <dgm:fillClrLst meth="repeat">
+      <a:schemeClr val="accent1"/>
+    </dgm:fillClrLst>
+    <dgm:linClrLst meth="repeat">
+      <a:schemeClr val="lt1"/>
+    </dgm:linClrLst>
+    <dgm:effectClrLst/>
+    <dgm:txLinClrLst/>
+    <dgm:txFillClrLst/>
+    <dgm:txEffectClrLst/>
+  </dgm:styleLbl>
+  <dgm:styleLbl name="asst3">
+    <dgm:fillClrLst meth="repeat">
+      <a:schemeClr val="accent1"/>
+    </dgm:fillClrLst>
+    <dgm:linClrLst meth="repeat">
+      <a:schemeClr val="lt1"/>
+    </dgm:linClrLst>
+    <dgm:effectClrLst/>
+    <dgm:txLinClrLst/>
+    <dgm:txFillClrLst/>
+    <dgm:txEffectClrLst/>
+  </dgm:styleLbl>
+  <dgm:styleLbl name="asst4">
+    <dgm:fillClrLst meth="repeat">
+      <a:schemeClr val="accent1"/>
+    </dgm:fillClrLst>
+    <dgm:linClrLst meth="repeat">
+      <a:schemeClr val="lt1"/>
+    </dgm:linClrLst>
+    <dgm:effectClrLst/>
+    <dgm:txLinClrLst/>
+    <dgm:txFillClrLst/>
+    <dgm:txEffectClrLst/>
+  </dgm:styleLbl>
+  <dgm:styleLbl name="parChTrans2D1">
+    <dgm:fillClrLst meth="repeat">
+      <a:schemeClr val="accent1">
+        <a:tint val="60000"/>
+      </a:schemeClr>
+    </dgm:fillClrLst>
+    <dgm:linClrLst meth="repeat">
+      <a:schemeClr val="accent1">
+        <a:tint val="60000"/>
+      </a:schemeClr>
+    </dgm:linClrLst>
+    <dgm:effectClrLst/>
+    <dgm:txLinClrLst/>
+    <dgm:txFillClrLst meth="repeat">
+      <a:schemeClr val="lt1"/>
+    </dgm:txFillClrLst>
+    <dgm:txEffectClrLst/>
+  </dgm:styleLbl>
+  <dgm:styleLbl name="parChTrans2D2">
+    <dgm:fillClrLst meth="repeat">
+      <a:schemeClr val="accent1"/>
+    </dgm:fillClrLst>
+    <dgm:linClrLst meth="repeat">
+      <a:schemeClr val="accent1"/>
+    </dgm:linClrLst>
+    <dgm:effectClrLst/>
+    <dgm:txLinClrLst/>
+    <dgm:txFillClrLst meth="repeat">
+      <a:schemeClr val="lt1"/>
+    </dgm:txFillClrLst>
+    <dgm:txEffectClrLst/>
+  </dgm:styleLbl>
+  <dgm:styleLbl name="parChTrans2D3">
+    <dgm:fillClrLst meth="repeat">
+      <a:schemeClr val="accent1"/>
+    </dgm:fillClrLst>
+    <dgm:linClrLst meth="repeat">
+      <a:schemeClr val="accent1"/>
+    </dgm:linClrLst>
+    <dgm:effectClrLst/>
+    <dgm:txLinClrLst/>
+    <dgm:txFillClrLst meth="repeat">
+      <a:schemeClr val="lt1"/>
+    </dgm:txFillClrLst>
+    <dgm:txEffectClrLst/>
+  </dgm:styleLbl>
+  <dgm:styleLbl name="parChTrans2D4">
+    <dgm:fillClrLst meth="repeat">
+      <a:schemeClr val="accent1"/>
+    </dgm:fillClrLst>
+    <dgm:linClrLst meth="repeat">
+      <a:schemeClr val="accent1"/>
+    </dgm:linClrLst>
+    <dgm:effectClrLst/>
+    <dgm:txLinClrLst/>
+    <dgm:txFillClrLst meth="repeat">
+      <a:schemeClr val="lt1"/>
+    </dgm:txFillClrLst>
+    <dgm:txEffectClrLst/>
+  </dgm:styleLbl>
+  <dgm:styleLbl name="parChTrans1D1">
+    <dgm:fillClrLst meth="repeat">
+      <a:schemeClr val="accent1"/>
+    </dgm:fillClrLst>
+    <dgm:linClrLst meth="repeat">
+      <a:schemeClr val="accent1">
+        <a:shade val="60000"/>
+      </a:schemeClr>
+    </dgm:linClrLst>
+    <dgm:effectClrLst/>
+    <dgm:txLinClrLst/>
+    <dgm:txFillClrLst meth="repeat">
+      <a:schemeClr val="tx1"/>
+    </dgm:txFillClrLst>
+    <dgm:txEffectClrLst/>
+  </dgm:styleLbl>
+  <dgm:styleLbl name="parChTrans1D2">
+    <dgm:fillClrLst meth="repeat">
+      <a:schemeClr val="accent1"/>
+    </dgm:fillClrLst>
+    <dgm:linClrLst meth="repeat">
+      <a:schemeClr val="accent1">
+        <a:shade val="60000"/>
+      </a:schemeClr>
+    </dgm:linClrLst>
+    <dgm:effectClrLst/>
+    <dgm:txLinClrLst/>
+    <dgm:txFillClrLst meth="repeat">
+      <a:schemeClr val="tx1"/>
+    </dgm:txFillClrLst>
+    <dgm:txEffectClrLst/>
+  </dgm:styleLbl>
+  <dgm:styleLbl name="parChTrans1D3">
+    <dgm:fillClrLst meth="repeat">
+      <a:schemeClr val="accent1"/>
+    </dgm:fillClrLst>
+    <dgm:linClrLst meth="repeat">
+      <a:schemeClr val="accent1">
+        <a:shade val="80000"/>
+      </a:schemeClr>
+    </dgm:linClrLst>
+    <dgm:effectClrLst/>
+    <dgm:txLinClrLst/>
+    <dgm:txFillClrLst meth="repeat">
+      <a:schemeClr val="tx1"/>
+    </dgm:txFillClrLst>
+    <dgm:txEffectClrLst/>
+  </dgm:styleLbl>
+  <dgm:styleLbl name="parChTrans1D4">
+    <dgm:fillClrLst meth="repeat">
+      <a:schemeClr val="accent1"/>
+    </dgm:fillClrLst>
+    <dgm:linClrLst meth="repeat">
+      <a:schemeClr val="accent1">
+        <a:shade val="80000"/>
+      </a:schemeClr>
+    </dgm:linClrLst>
+    <dgm:effectClrLst/>
+    <dgm:txLinClrLst/>
+    <dgm:txFillClrLst meth="repeat">
+      <a:schemeClr val="tx1"/>
+    </dgm:txFillClrLst>
+    <dgm:txEffectClrLst/>
+  </dgm:styleLbl>
+  <dgm:styleLbl name="fgAcc1">
+    <dgm:fillClrLst meth="repeat">
+      <a:schemeClr val="lt1">
+        <a:alpha val="90000"/>
+      </a:schemeClr>
+    </dgm:fillClrLst>
+    <dgm:linClrLst meth="repeat">
+      <a:schemeClr val="accent1"/>
+    </dgm:linClrLst>
+    <dgm:effectClrLst/>
+    <dgm:txLinClrLst/>
+    <dgm:txFillClrLst meth="repeat">
+      <a:schemeClr val="dk1"/>
+    </dgm:txFillClrLst>
+    <dgm:txEffectClrLst/>
+  </dgm:styleLbl>
+  <dgm:styleLbl name="conFgAcc1">
+    <dgm:fillClrLst meth="repeat">
+      <a:schemeClr val="lt1">
+        <a:alpha val="90000"/>
+      </a:schemeClr>
+    </dgm:fillClrLst>
+    <dgm:linClrLst meth="repeat">
+      <a:schemeClr val="accent1"/>
+    </dgm:linClrLst>
+    <dgm:effectClrLst/>
+    <dgm:txLinClrLst/>
+    <dgm:txFillClrLst meth="repeat">
+      <a:schemeClr val="dk1"/>
+    </dgm:txFillClrLst>
+    <dgm:txEffectClrLst/>
+  </dgm:styleLbl>
+  <dgm:styleLbl name="alignAcc1">
+    <dgm:fillClrLst meth="repeat">
+      <a:schemeClr val="lt1">
+        <a:alpha val="90000"/>
+      </a:schemeClr>
+    </dgm:fillClrLst>
+    <dgm:linClrLst meth="repeat">
+      <a:schemeClr val="accent1"/>
+    </dgm:linClrLst>
+    <dgm:effectClrLst/>
+    <dgm:txLinClrLst/>
+    <dgm:txFillClrLst meth="repeat">
+      <a:schemeClr val="dk1"/>
+    </dgm:txFillClrLst>
+    <dgm:txEffectClrLst/>
+  </dgm:styleLbl>
+  <dgm:styleLbl name="trAlignAcc1">
+    <dgm:fillClrLst meth="repeat">
+      <a:schemeClr val="lt1">
+        <a:alpha val="40000"/>
+      </a:schemeClr>
+    </dgm:fillClrLst>
+    <dgm:linClrLst meth="repeat">
+      <a:schemeClr val="accent1"/>
+    </dgm:linClrLst>
+    <dgm:effectClrLst/>
+    <dgm:txLinClrLst/>
+    <dgm:txFillClrLst meth="repeat">
+      <a:schemeClr val="dk1"/>
+    </dgm:txFillClrLst>
+    <dgm:txEffectClrLst/>
+  </dgm:styleLbl>
+  <dgm:styleLbl name="bgAcc1">
+    <dgm:fillClrLst meth="repeat">
+      <a:schemeClr val="lt1">
+        <a:alpha val="90000"/>
+      </a:schemeClr>
+    </dgm:fillClrLst>
+    <dgm:linClrLst meth="repeat">
+      <a:schemeClr val="accent1"/>
+    </dgm:linClrLst>
+    <dgm:effectClrLst/>
+    <dgm:txLinClrLst/>
+    <dgm:txFillClrLst meth="repeat">
+      <a:schemeClr val="dk1"/>
+    </dgm:txFillClrLst>
+    <dgm:txEffectClrLst/>
+  </dgm:styleLbl>
+  <dgm:styleLbl name="solidFgAcc1">
+    <dgm:fillClrLst meth="repeat">
+      <a:schemeClr val="lt1"/>
+    </dgm:fillClrLst>
+    <dgm:linClrLst meth="repeat">
+      <a:schemeClr val="accent1"/>
+    </dgm:linClrLst>
+    <dgm:effectClrLst/>
+    <dgm:txLinClrLst/>
+    <dgm:txFillClrLst meth="repeat">
+      <a:schemeClr val="dk1"/>
+    </dgm:txFillClrLst>
+    <dgm:txEffectClrLst/>
+  </dgm:styleLbl>
+  <dgm:styleLbl name="solidAlignAcc1">
+    <dgm:fillClrLst meth="repeat">
+      <a:schemeClr val="lt1"/>
+    </dgm:fillClrLst>
+    <dgm:linClrLst meth="repeat">
+      <a:schemeClr val="accent1"/>
+    </dgm:linClrLst>
+    <dgm:effectClrLst/>
+    <dgm:txLinClrLst/>
+    <dgm:txFillClrLst meth="repeat">
+      <a:schemeClr val="dk1"/>
+    </dgm:txFillClrLst>
+    <dgm:txEffectClrLst/>
+  </dgm:styleLbl>
+  <dgm:styleLbl name="solidBgAcc1">
+    <dgm:fillClrLst meth="repeat">
+      <a:schemeClr val="lt1"/>
+    </dgm:fillClrLst>
+    <dgm:linClrLst meth="repeat">
+      <a:schemeClr val="accent1"/>
+    </dgm:linClrLst>
+    <dgm:effectClrLst/>
+    <dgm:txLinClrLst/>
+    <dgm:txFillClrLst meth="repeat">
+      <a:schemeClr val="dk1"/>
+    </dgm:txFillClrLst>
+    <dgm:txEffectClrLst/>
+  </dgm:styleLbl>
+  <dgm:styleLbl name="fgAccFollowNode1">
+    <dgm:fillClrLst meth="repeat">
+      <a:schemeClr val="accent1">
+        <a:alpha val="90000"/>
+        <a:tint val="40000"/>
+      </a:schemeClr>
+    </dgm:fillClrLst>
+    <dgm:linClrLst meth="repeat">
+      <a:schemeClr val="accent1">
+        <a:alpha val="90000"/>
+        <a:tint val="40000"/>
+      </a:schemeClr>
+    </dgm:linClrLst>
+    <dgm:effectClrLst/>
+    <dgm:txLinClrLst/>
+    <dgm:txFillClrLst meth="repeat">
+      <a:schemeClr val="dk1"/>
+    </dgm:txFillClrLst>
+    <dgm:txEffectClrLst/>
+  </dgm:styleLbl>
+  <dgm:styleLbl name="alignAccFollowNode1">
+    <dgm:fillClrLst meth="repeat">
+      <a:schemeClr val="accent1">
+        <a:alpha val="90000"/>
+        <a:tint val="40000"/>
+      </a:schemeClr>
+    </dgm:fillClrLst>
+    <dgm:linClrLst meth="repeat">
+      <a:schemeClr val="accent1">
+        <a:alpha val="90000"/>
+        <a:tint val="40000"/>
+      </a:schemeClr>
+    </dgm:linClrLst>
+    <dgm:effectClrLst/>
+    <dgm:txLinClrLst/>
+    <dgm:txFillClrLst meth="repeat">
+      <a:schemeClr val="dk1"/>
+    </dgm:txFillClrLst>
+    <dgm:txEffectClrLst/>
+  </dgm:styleLbl>
+  <dgm:styleLbl name="bgAccFollowNode1">
+    <dgm:fillClrLst meth="repeat">
+      <a:schemeClr val="accent1">
+        <a:alpha val="90000"/>
+        <a:tint val="40000"/>
+      </a:schemeClr>
+    </dgm:fillClrLst>
+    <dgm:linClrLst meth="repeat">
+      <a:schemeClr val="accent1">
+        <a:alpha val="90000"/>
+        <a:tint val="40000"/>
+      </a:schemeClr>
+    </dgm:linClrLst>
+    <dgm:effectClrLst/>
+    <dgm:txLinClrLst/>
+    <dgm:txFillClrLst meth="repeat">
+      <a:schemeClr val="dk1"/>
+    </dgm:txFillClrLst>
+    <dgm:txEffectClrLst/>
+  </dgm:styleLbl>
+  <dgm:styleLbl name="fgAcc0">
+    <dgm:fillClrLst meth="repeat">
+      <a:schemeClr val="lt1">
+        <a:alpha val="90000"/>
+      </a:schemeClr>
+    </dgm:fillClrLst>
+    <dgm:linClrLst meth="repeat">
+      <a:schemeClr val="accent1"/>
+    </dgm:linClrLst>
+    <dgm:effectClrLst/>
+    <dgm:txLinClrLst/>
+    <dgm:txFillClrLst meth="repeat">
+      <a:schemeClr val="dk1"/>
+    </dgm:txFillClrLst>
+    <dgm:txEffectClrLst/>
+  </dgm:styleLbl>
+  <dgm:styleLbl name="fgAcc2">
+    <dgm:fillClrLst meth="repeat">
+      <a:schemeClr val="lt1">
+        <a:alpha val="90000"/>
+      </a:schemeClr>
+    </dgm:fillClrLst>
+    <dgm:linClrLst meth="repeat">
+      <a:schemeClr val="accent1"/>
+    </dgm:linClrLst>
+    <dgm:effectClrLst/>
+    <dgm:txLinClrLst/>
+    <dgm:txFillClrLst meth="repeat">
+      <a:schemeClr val="dk1"/>
+    </dgm:txFillClrLst>
+    <dgm:txEffectClrLst/>
+  </dgm:styleLbl>
+  <dgm:styleLbl name="fgAcc3">
+    <dgm:fillClrLst meth="repeat">
+      <a:schemeClr val="lt1">
+        <a:alpha val="90000"/>
+      </a:schemeClr>
+    </dgm:fillClrLst>
+    <dgm:linClrLst meth="repeat">
+      <a:schemeClr val="accent1"/>
+    </dgm:linClrLst>
+    <dgm:effectClrLst/>
+    <dgm:txLinClrLst/>
+    <dgm:txFillClrLst meth="repeat">
+      <a:schemeClr val="dk1"/>
+    </dgm:txFillClrLst>
+    <dgm:txEffectClrLst/>
+  </dgm:styleLbl>
+  <dgm:styleLbl name="fgAcc4">
+    <dgm:fillClrLst meth="repeat">
+      <a:schemeClr val="lt1">
+        <a:alpha val="90000"/>
+      </a:schemeClr>
+    </dgm:fillClrLst>
+    <dgm:linClrLst meth="repeat">
+      <a:schemeClr val="accent1"/>
+    </dgm:linClrLst>
+    <dgm:effectClrLst/>
+    <dgm:txLinClrLst/>
+    <dgm:txFillClrLst meth="repeat">
+      <a:schemeClr val="dk1"/>
+    </dgm:txFillClrLst>
+    <dgm:txEffectClrLst/>
+  </dgm:styleLbl>
+  <dgm:styleLbl name="bgShp">
+    <dgm:fillClrLst meth="repeat">
+      <a:schemeClr val="accent1">
+        <a:tint val="40000"/>
+      </a:schemeClr>
+    </dgm:fillClrLst>
+    <dgm:linClrLst meth="repeat">
+      <a:schemeClr val="accent1"/>
+    </dgm:linClrLst>
+    <dgm:effectClrLst/>
+    <dgm:txLinClrLst/>
+    <dgm:txFillClrLst meth="repeat">
+      <a:schemeClr val="dk1"/>
+    </dgm:txFillClrLst>
+    <dgm:txEffectClrLst/>
+  </dgm:styleLbl>
+  <dgm:styleLbl name="dkBgShp">
+    <dgm:fillClrLst meth="repeat">
+      <a:schemeClr val="accent1">
+        <a:shade val="80000"/>
+      </a:schemeClr>
+    </dgm:fillClrLst>
+    <dgm:linClrLst meth="repeat">
+      <a:schemeClr val="accent1"/>
+    </dgm:linClrLst>
+    <dgm:effectClrLst/>
+    <dgm:txLinClrLst/>
+    <dgm:txFillClrLst meth="repeat">
+      <a:schemeClr val="lt1"/>
+    </dgm:txFillClrLst>
+    <dgm:txEffectClrLst/>
+  </dgm:styleLbl>
+  <dgm:styleLbl name="trBgShp">
+    <dgm:fillClrLst meth="repeat">
+      <a:schemeClr val="accent1">
+        <a:tint val="50000"/>
+        <a:alpha val="40000"/>
+      </a:schemeClr>
+    </dgm:fillClrLst>
+    <dgm:linClrLst meth="repeat">
+      <a:schemeClr val="accent1"/>
+    </dgm:linClrLst>
+    <dgm:effectClrLst/>
+    <dgm:txLinClrLst/>
+    <dgm:txFillClrLst meth="repeat">
+      <a:schemeClr val="lt1"/>
+    </dgm:txFillClrLst>
+    <dgm:txEffectClrLst/>
+  </dgm:styleLbl>
+  <dgm:styleLbl name="fgShp">
+    <dgm:fillClrLst meth="repeat">
+      <a:schemeClr val="accent1">
+        <a:tint val="60000"/>
+      </a:schemeClr>
+    </dgm:fillClrLst>
+    <dgm:linClrLst meth="repeat">
+      <a:schemeClr val="lt1"/>
+    </dgm:linClrLst>
+    <dgm:effectClrLst/>
+    <dgm:txLinClrLst/>
+    <dgm:txFillClrLst meth="repeat">
+      <a:schemeClr val="dk1"/>
+    </dgm:txFillClrLst>
+    <dgm:txEffectClrLst/>
+  </dgm:styleLbl>
+  <dgm:styleLbl name="revTx">
+    <dgm:fillClrLst meth="repeat">
+      <a:schemeClr val="lt1">
+        <a:alpha val="0"/>
+      </a:schemeClr>
+    </dgm:fillClrLst>
+    <dgm:linClrLst meth="repeat">
+      <a:schemeClr val="dk1">
+        <a:alpha val="0"/>
+      </a:schemeClr>
+    </dgm:linClrLst>
+    <dgm:effectClrLst/>
+    <dgm:txLinClrLst/>
+    <dgm:txFillClrLst meth="repeat">
+      <a:schemeClr val="tx1"/>
+    </dgm:txFillClrLst>
+    <dgm:txEffectClrLst/>
+  </dgm:styleLbl>
+</dgm:colorsDef>
+</file>
+
+<file path=ppt/diagrams/colors6.xml><?xml version="1.0" encoding="utf-8"?>
 <dgm:colorsDef xmlns:dgm="http://schemas.openxmlformats.org/drawingml/2006/diagram" xmlns:a="http://schemas.openxmlformats.org/drawingml/2006/main" uniqueId="urn:microsoft.com/office/officeart/2005/8/colors/colorful5">
   <dgm:title val=""/>
   <dgm:desc val=""/>
@@ -4849,6 +5599,346 @@
 <file path=ppt/diagrams/data4.xml><?xml version="1.0" encoding="utf-8"?>
 <dgm:dataModel xmlns:dgm="http://schemas.openxmlformats.org/drawingml/2006/diagram" xmlns:a="http://schemas.openxmlformats.org/drawingml/2006/main">
   <dgm:ptLst>
+    <dgm:pt modelId="{DE124993-E43D-4561-87B8-5AF105FB365B}" type="doc">
+      <dgm:prSet loTypeId="urn:microsoft.com/office/officeart/2018/2/layout/IconVerticalSolidList" loCatId="icon" qsTypeId="urn:microsoft.com/office/officeart/2005/8/quickstyle/simple1" qsCatId="simple" csTypeId="urn:microsoft.com/office/officeart/2005/8/colors/accent1_2" csCatId="accent1" phldr="1"/>
+      <dgm:spPr/>
+      <dgm:t>
+        <a:bodyPr/>
+        <a:lstStyle/>
+        <a:p>
+          <a:endParaRPr lang="en-US"/>
+        </a:p>
+      </dgm:t>
+    </dgm:pt>
+    <dgm:pt modelId="{EAF1E4AF-CFC3-4B54-AC59-F7F160BD830D}">
+      <dgm:prSet/>
+      <dgm:spPr/>
+      <dgm:t>
+        <a:bodyPr/>
+        <a:lstStyle/>
+        <a:p>
+          <a:pPr>
+            <a:lnSpc>
+              <a:spcPct val="100000"/>
+            </a:lnSpc>
+          </a:pPr>
+          <a:r>
+            <a:rPr lang="en-US" baseline="0"/>
+            <a:t>A</a:t>
+          </a:r>
+          <a:r>
+            <a:rPr lang="en-US" b="0" i="0" baseline="0"/>
+            <a:t> video film that have been taken its frames for each second in the film corresponds to 25 frames/ images.</a:t>
+          </a:r>
+          <a:endParaRPr lang="en-US"/>
+        </a:p>
+      </dgm:t>
+    </dgm:pt>
+    <dgm:pt modelId="{842B3DC2-2F55-48F6-BE90-66EFBF5FDBD6}" type="parTrans" cxnId="{AECDD317-1BCF-4A44-83D1-B96C990647E0}">
+      <dgm:prSet/>
+      <dgm:spPr/>
+      <dgm:t>
+        <a:bodyPr/>
+        <a:lstStyle/>
+        <a:p>
+          <a:endParaRPr lang="en-US"/>
+        </a:p>
+      </dgm:t>
+    </dgm:pt>
+    <dgm:pt modelId="{3336A04D-2983-4097-A259-D702A473729F}" type="sibTrans" cxnId="{AECDD317-1BCF-4A44-83D1-B96C990647E0}">
+      <dgm:prSet/>
+      <dgm:spPr/>
+      <dgm:t>
+        <a:bodyPr/>
+        <a:lstStyle/>
+        <a:p>
+          <a:endParaRPr lang="en-US"/>
+        </a:p>
+      </dgm:t>
+    </dgm:pt>
+    <dgm:pt modelId="{0EC5EE63-B5E5-4F0D-A80F-E92A810E9B33}">
+      <dgm:prSet/>
+      <dgm:spPr/>
+      <dgm:t>
+        <a:bodyPr/>
+        <a:lstStyle/>
+        <a:p>
+          <a:pPr>
+            <a:lnSpc>
+              <a:spcPct val="100000"/>
+            </a:lnSpc>
+          </a:pPr>
+          <a:r>
+            <a:rPr lang="en-US" b="0" i="0" baseline="0"/>
+            <a:t>The film results in 160,000 image and then we choose the most accurate images for each action that describes this action specifically.</a:t>
+          </a:r>
+          <a:endParaRPr lang="en-US"/>
+        </a:p>
+      </dgm:t>
+    </dgm:pt>
+    <dgm:pt modelId="{5167117E-D674-4169-AEE5-B85F32D0E497}" type="parTrans" cxnId="{C96BB0A5-0A80-44D0-8AB5-2219AE682DB1}">
+      <dgm:prSet/>
+      <dgm:spPr/>
+      <dgm:t>
+        <a:bodyPr/>
+        <a:lstStyle/>
+        <a:p>
+          <a:endParaRPr lang="en-US"/>
+        </a:p>
+      </dgm:t>
+    </dgm:pt>
+    <dgm:pt modelId="{3396AE3C-EEB5-44EB-B8CE-79BC5E219C7A}" type="sibTrans" cxnId="{C96BB0A5-0A80-44D0-8AB5-2219AE682DB1}">
+      <dgm:prSet/>
+      <dgm:spPr/>
+      <dgm:t>
+        <a:bodyPr/>
+        <a:lstStyle/>
+        <a:p>
+          <a:endParaRPr lang="en-US"/>
+        </a:p>
+      </dgm:t>
+    </dgm:pt>
+    <dgm:pt modelId="{8033CC80-03D5-4CE5-B2D3-0330A403C8B1}">
+      <dgm:prSet/>
+      <dgm:spPr/>
+      <dgm:t>
+        <a:bodyPr/>
+        <a:lstStyle/>
+        <a:p>
+          <a:pPr>
+            <a:lnSpc>
+              <a:spcPct val="100000"/>
+            </a:lnSpc>
+          </a:pPr>
+          <a:r>
+            <a:rPr lang="en-US" baseline="0"/>
+            <a:t>F</a:t>
+          </a:r>
+          <a:r>
+            <a:rPr lang="en-US" b="0" i="0" baseline="0"/>
+            <a:t>inally we take 250 different images for each action </a:t>
+          </a:r>
+          <a:endParaRPr lang="en-US"/>
+        </a:p>
+      </dgm:t>
+    </dgm:pt>
+    <dgm:pt modelId="{88F41810-9B1B-45E0-999C-C3B961DC8131}" type="parTrans" cxnId="{539229F9-C680-4A0E-A383-19A748AEBEAD}">
+      <dgm:prSet/>
+      <dgm:spPr/>
+      <dgm:t>
+        <a:bodyPr/>
+        <a:lstStyle/>
+        <a:p>
+          <a:endParaRPr lang="en-US"/>
+        </a:p>
+      </dgm:t>
+    </dgm:pt>
+    <dgm:pt modelId="{31FB4BA4-6A19-481C-AB55-83E7B069AE58}" type="sibTrans" cxnId="{539229F9-C680-4A0E-A383-19A748AEBEAD}">
+      <dgm:prSet/>
+      <dgm:spPr/>
+      <dgm:t>
+        <a:bodyPr/>
+        <a:lstStyle/>
+        <a:p>
+          <a:endParaRPr lang="en-US"/>
+        </a:p>
+      </dgm:t>
+    </dgm:pt>
+    <dgm:pt modelId="{104D2825-F34A-469F-8FFC-61FFAF2BC0D4}" type="pres">
+      <dgm:prSet presAssocID="{DE124993-E43D-4561-87B8-5AF105FB365B}" presName="root" presStyleCnt="0">
+        <dgm:presLayoutVars>
+          <dgm:dir/>
+          <dgm:resizeHandles val="exact"/>
+        </dgm:presLayoutVars>
+      </dgm:prSet>
+      <dgm:spPr/>
+    </dgm:pt>
+    <dgm:pt modelId="{FA227315-4BCF-4213-A94E-326D8E4E3525}" type="pres">
+      <dgm:prSet presAssocID="{EAF1E4AF-CFC3-4B54-AC59-F7F160BD830D}" presName="compNode" presStyleCnt="0"/>
+      <dgm:spPr/>
+    </dgm:pt>
+    <dgm:pt modelId="{B4B5D78C-808B-4EEE-AEE4-6740282CB9F4}" type="pres">
+      <dgm:prSet presAssocID="{EAF1E4AF-CFC3-4B54-AC59-F7F160BD830D}" presName="bgRect" presStyleLbl="bgShp" presStyleIdx="0" presStyleCnt="3"/>
+      <dgm:spPr/>
+    </dgm:pt>
+    <dgm:pt modelId="{ED75DD25-B07B-4C20-9345-5B7531975409}" type="pres">
+      <dgm:prSet presAssocID="{EAF1E4AF-CFC3-4B54-AC59-F7F160BD830D}" presName="iconRect" presStyleLbl="node1" presStyleIdx="0" presStyleCnt="3"/>
+      <dgm:spPr>
+        <a:blipFill>
+          <a:blip xmlns:r="http://schemas.openxmlformats.org/officeDocument/2006/relationships" r:embed="rId1">
+            <a:extLst>
+              <a:ext uri="{28A0092B-C50C-407E-A947-70E740481C1C}">
+                <a14:useLocalDpi xmlns:a14="http://schemas.microsoft.com/office/drawing/2010/main" val="0"/>
+              </a:ext>
+              <a:ext uri="{96DAC541-7B7A-43D3-8B79-37D633B846F1}">
+                <asvg:svgBlip xmlns:asvg="http://schemas.microsoft.com/office/drawing/2016/SVG/main" r:embed="rId2"/>
+              </a:ext>
+            </a:extLst>
+          </a:blip>
+          <a:stretch>
+            <a:fillRect/>
+          </a:stretch>
+        </a:blipFill>
+      </dgm:spPr>
+      <dgm:extLst>
+        <a:ext uri="{E40237B7-FDA0-4F09-8148-C483321AD2D9}">
+          <dgm14:cNvPr xmlns:dgm14="http://schemas.microsoft.com/office/drawing/2010/diagram" id="0" name="" descr="Film reel"/>
+        </a:ext>
+      </dgm:extLst>
+    </dgm:pt>
+    <dgm:pt modelId="{6D9CC346-0533-4AD4-B46E-6FB5AB03EBB9}" type="pres">
+      <dgm:prSet presAssocID="{EAF1E4AF-CFC3-4B54-AC59-F7F160BD830D}" presName="spaceRect" presStyleCnt="0"/>
+      <dgm:spPr/>
+    </dgm:pt>
+    <dgm:pt modelId="{FDF11056-57EA-4372-8B58-AF66B583FF61}" type="pres">
+      <dgm:prSet presAssocID="{EAF1E4AF-CFC3-4B54-AC59-F7F160BD830D}" presName="parTx" presStyleLbl="revTx" presStyleIdx="0" presStyleCnt="3">
+        <dgm:presLayoutVars>
+          <dgm:chMax val="0"/>
+          <dgm:chPref val="0"/>
+        </dgm:presLayoutVars>
+      </dgm:prSet>
+      <dgm:spPr/>
+    </dgm:pt>
+    <dgm:pt modelId="{E1E658A6-CC08-45E7-8D5C-A14B3FC81B8E}" type="pres">
+      <dgm:prSet presAssocID="{3336A04D-2983-4097-A259-D702A473729F}" presName="sibTrans" presStyleCnt="0"/>
+      <dgm:spPr/>
+    </dgm:pt>
+    <dgm:pt modelId="{3111BAD2-A3B1-48F9-A348-A9BAADA3AD4E}" type="pres">
+      <dgm:prSet presAssocID="{0EC5EE63-B5E5-4F0D-A80F-E92A810E9B33}" presName="compNode" presStyleCnt="0"/>
+      <dgm:spPr/>
+    </dgm:pt>
+    <dgm:pt modelId="{D88A250C-D216-4071-936D-EF0B99EE36B3}" type="pres">
+      <dgm:prSet presAssocID="{0EC5EE63-B5E5-4F0D-A80F-E92A810E9B33}" presName="bgRect" presStyleLbl="bgShp" presStyleIdx="1" presStyleCnt="3"/>
+      <dgm:spPr/>
+    </dgm:pt>
+    <dgm:pt modelId="{4E97767C-C774-4BF1-9938-9257EE0AD118}" type="pres">
+      <dgm:prSet presAssocID="{0EC5EE63-B5E5-4F0D-A80F-E92A810E9B33}" presName="iconRect" presStyleLbl="node1" presStyleIdx="1" presStyleCnt="3"/>
+      <dgm:spPr>
+        <a:blipFill>
+          <a:blip xmlns:r="http://schemas.openxmlformats.org/officeDocument/2006/relationships" r:embed="rId3">
+            <a:extLst>
+              <a:ext uri="{28A0092B-C50C-407E-A947-70E740481C1C}">
+                <a14:useLocalDpi xmlns:a14="http://schemas.microsoft.com/office/drawing/2010/main" val="0"/>
+              </a:ext>
+              <a:ext uri="{96DAC541-7B7A-43D3-8B79-37D633B846F1}">
+                <asvg:svgBlip xmlns:asvg="http://schemas.microsoft.com/office/drawing/2016/SVG/main" r:embed="rId4"/>
+              </a:ext>
+            </a:extLst>
+          </a:blip>
+          <a:stretch>
+            <a:fillRect/>
+          </a:stretch>
+        </a:blipFill>
+      </dgm:spPr>
+      <dgm:extLst>
+        <a:ext uri="{E40237B7-FDA0-4F09-8148-C483321AD2D9}">
+          <dgm14:cNvPr xmlns:dgm14="http://schemas.microsoft.com/office/drawing/2010/diagram" id="0" name="" descr="Camera"/>
+        </a:ext>
+      </dgm:extLst>
+    </dgm:pt>
+    <dgm:pt modelId="{F19A85F8-8081-4FFC-91F6-17D135149239}" type="pres">
+      <dgm:prSet presAssocID="{0EC5EE63-B5E5-4F0D-A80F-E92A810E9B33}" presName="spaceRect" presStyleCnt="0"/>
+      <dgm:spPr/>
+    </dgm:pt>
+    <dgm:pt modelId="{295A01C1-99F2-4098-9CF0-347BB195BD13}" type="pres">
+      <dgm:prSet presAssocID="{0EC5EE63-B5E5-4F0D-A80F-E92A810E9B33}" presName="parTx" presStyleLbl="revTx" presStyleIdx="1" presStyleCnt="3">
+        <dgm:presLayoutVars>
+          <dgm:chMax val="0"/>
+          <dgm:chPref val="0"/>
+        </dgm:presLayoutVars>
+      </dgm:prSet>
+      <dgm:spPr/>
+    </dgm:pt>
+    <dgm:pt modelId="{A6515EAF-B691-46CE-8CF9-A52DA26537B4}" type="pres">
+      <dgm:prSet presAssocID="{3396AE3C-EEB5-44EB-B8CE-79BC5E219C7A}" presName="sibTrans" presStyleCnt="0"/>
+      <dgm:spPr/>
+    </dgm:pt>
+    <dgm:pt modelId="{9F5A0047-CF51-4597-A4B2-A6A66855DC97}" type="pres">
+      <dgm:prSet presAssocID="{8033CC80-03D5-4CE5-B2D3-0330A403C8B1}" presName="compNode" presStyleCnt="0"/>
+      <dgm:spPr/>
+    </dgm:pt>
+    <dgm:pt modelId="{4EBDCB78-22D1-4C98-9FA7-0A504BB44122}" type="pres">
+      <dgm:prSet presAssocID="{8033CC80-03D5-4CE5-B2D3-0330A403C8B1}" presName="bgRect" presStyleLbl="bgShp" presStyleIdx="2" presStyleCnt="3"/>
+      <dgm:spPr/>
+    </dgm:pt>
+    <dgm:pt modelId="{ED7455D3-E1DE-4C66-A143-A2B2E1005FDE}" type="pres">
+      <dgm:prSet presAssocID="{8033CC80-03D5-4CE5-B2D3-0330A403C8B1}" presName="iconRect" presStyleLbl="node1" presStyleIdx="2" presStyleCnt="3"/>
+      <dgm:spPr>
+        <a:blipFill>
+          <a:blip xmlns:r="http://schemas.openxmlformats.org/officeDocument/2006/relationships" r:embed="rId5">
+            <a:extLst>
+              <a:ext uri="{28A0092B-C50C-407E-A947-70E740481C1C}">
+                <a14:useLocalDpi xmlns:a14="http://schemas.microsoft.com/office/drawing/2010/main" val="0"/>
+              </a:ext>
+              <a:ext uri="{96DAC541-7B7A-43D3-8B79-37D633B846F1}">
+                <asvg:svgBlip xmlns:asvg="http://schemas.microsoft.com/office/drawing/2016/SVG/main" r:embed="rId6"/>
+              </a:ext>
+            </a:extLst>
+          </a:blip>
+          <a:stretch>
+            <a:fillRect/>
+          </a:stretch>
+        </a:blipFill>
+      </dgm:spPr>
+      <dgm:extLst>
+        <a:ext uri="{E40237B7-FDA0-4F09-8148-C483321AD2D9}">
+          <dgm14:cNvPr xmlns:dgm14="http://schemas.microsoft.com/office/drawing/2010/diagram" id="0" name="" descr="Checkmark"/>
+        </a:ext>
+      </dgm:extLst>
+    </dgm:pt>
+    <dgm:pt modelId="{4AE0AF36-5DAD-4817-B17D-8E6F95A80D9F}" type="pres">
+      <dgm:prSet presAssocID="{8033CC80-03D5-4CE5-B2D3-0330A403C8B1}" presName="spaceRect" presStyleCnt="0"/>
+      <dgm:spPr/>
+    </dgm:pt>
+    <dgm:pt modelId="{BEC5EDA3-01EC-4FED-B594-3DAD90C0EF51}" type="pres">
+      <dgm:prSet presAssocID="{8033CC80-03D5-4CE5-B2D3-0330A403C8B1}" presName="parTx" presStyleLbl="revTx" presStyleIdx="2" presStyleCnt="3">
+        <dgm:presLayoutVars>
+          <dgm:chMax val="0"/>
+          <dgm:chPref val="0"/>
+        </dgm:presLayoutVars>
+      </dgm:prSet>
+      <dgm:spPr/>
+    </dgm:pt>
+  </dgm:ptLst>
+  <dgm:cxnLst>
+    <dgm:cxn modelId="{15809016-6F7C-4614-A5FF-32978DF647A1}" type="presOf" srcId="{EAF1E4AF-CFC3-4B54-AC59-F7F160BD830D}" destId="{FDF11056-57EA-4372-8B58-AF66B583FF61}" srcOrd="0" destOrd="0" presId="urn:microsoft.com/office/officeart/2018/2/layout/IconVerticalSolidList"/>
+    <dgm:cxn modelId="{AECDD317-1BCF-4A44-83D1-B96C990647E0}" srcId="{DE124993-E43D-4561-87B8-5AF105FB365B}" destId="{EAF1E4AF-CFC3-4B54-AC59-F7F160BD830D}" srcOrd="0" destOrd="0" parTransId="{842B3DC2-2F55-48F6-BE90-66EFBF5FDBD6}" sibTransId="{3336A04D-2983-4097-A259-D702A473729F}"/>
+    <dgm:cxn modelId="{A5BE857A-479F-44E8-BDC0-C51853351A2E}" type="presOf" srcId="{0EC5EE63-B5E5-4F0D-A80F-E92A810E9B33}" destId="{295A01C1-99F2-4098-9CF0-347BB195BD13}" srcOrd="0" destOrd="0" presId="urn:microsoft.com/office/officeart/2018/2/layout/IconVerticalSolidList"/>
+    <dgm:cxn modelId="{A2465392-BC3B-4CAE-9FD8-8DE20FC88B72}" type="presOf" srcId="{8033CC80-03D5-4CE5-B2D3-0330A403C8B1}" destId="{BEC5EDA3-01EC-4FED-B594-3DAD90C0EF51}" srcOrd="0" destOrd="0" presId="urn:microsoft.com/office/officeart/2018/2/layout/IconVerticalSolidList"/>
+    <dgm:cxn modelId="{C96BB0A5-0A80-44D0-8AB5-2219AE682DB1}" srcId="{DE124993-E43D-4561-87B8-5AF105FB365B}" destId="{0EC5EE63-B5E5-4F0D-A80F-E92A810E9B33}" srcOrd="1" destOrd="0" parTransId="{5167117E-D674-4169-AEE5-B85F32D0E497}" sibTransId="{3396AE3C-EEB5-44EB-B8CE-79BC5E219C7A}"/>
+    <dgm:cxn modelId="{78A176D9-0944-48A6-A15D-2282467035CA}" type="presOf" srcId="{DE124993-E43D-4561-87B8-5AF105FB365B}" destId="{104D2825-F34A-469F-8FFC-61FFAF2BC0D4}" srcOrd="0" destOrd="0" presId="urn:microsoft.com/office/officeart/2018/2/layout/IconVerticalSolidList"/>
+    <dgm:cxn modelId="{539229F9-C680-4A0E-A383-19A748AEBEAD}" srcId="{DE124993-E43D-4561-87B8-5AF105FB365B}" destId="{8033CC80-03D5-4CE5-B2D3-0330A403C8B1}" srcOrd="2" destOrd="0" parTransId="{88F41810-9B1B-45E0-999C-C3B961DC8131}" sibTransId="{31FB4BA4-6A19-481C-AB55-83E7B069AE58}"/>
+    <dgm:cxn modelId="{D3D42594-162A-4FC2-A7D0-1FEC980ECD65}" type="presParOf" srcId="{104D2825-F34A-469F-8FFC-61FFAF2BC0D4}" destId="{FA227315-4BCF-4213-A94E-326D8E4E3525}" srcOrd="0" destOrd="0" presId="urn:microsoft.com/office/officeart/2018/2/layout/IconVerticalSolidList"/>
+    <dgm:cxn modelId="{01CE442A-40AB-494B-9B4E-86FA44A42D75}" type="presParOf" srcId="{FA227315-4BCF-4213-A94E-326D8E4E3525}" destId="{B4B5D78C-808B-4EEE-AEE4-6740282CB9F4}" srcOrd="0" destOrd="0" presId="urn:microsoft.com/office/officeart/2018/2/layout/IconVerticalSolidList"/>
+    <dgm:cxn modelId="{ECBCEFDD-1B29-4A66-A3C5-046C75F63F2F}" type="presParOf" srcId="{FA227315-4BCF-4213-A94E-326D8E4E3525}" destId="{ED75DD25-B07B-4C20-9345-5B7531975409}" srcOrd="1" destOrd="0" presId="urn:microsoft.com/office/officeart/2018/2/layout/IconVerticalSolidList"/>
+    <dgm:cxn modelId="{40FAE175-CC16-436E-9F61-800850BACE20}" type="presParOf" srcId="{FA227315-4BCF-4213-A94E-326D8E4E3525}" destId="{6D9CC346-0533-4AD4-B46E-6FB5AB03EBB9}" srcOrd="2" destOrd="0" presId="urn:microsoft.com/office/officeart/2018/2/layout/IconVerticalSolidList"/>
+    <dgm:cxn modelId="{36401B15-FED3-4F8E-B743-DB55518B25AE}" type="presParOf" srcId="{FA227315-4BCF-4213-A94E-326D8E4E3525}" destId="{FDF11056-57EA-4372-8B58-AF66B583FF61}" srcOrd="3" destOrd="0" presId="urn:microsoft.com/office/officeart/2018/2/layout/IconVerticalSolidList"/>
+    <dgm:cxn modelId="{50D7F4DB-EE53-49AE-8619-881CF84623A1}" type="presParOf" srcId="{104D2825-F34A-469F-8FFC-61FFAF2BC0D4}" destId="{E1E658A6-CC08-45E7-8D5C-A14B3FC81B8E}" srcOrd="1" destOrd="0" presId="urn:microsoft.com/office/officeart/2018/2/layout/IconVerticalSolidList"/>
+    <dgm:cxn modelId="{9E39E8FA-B797-4B1D-9305-6DD290536577}" type="presParOf" srcId="{104D2825-F34A-469F-8FFC-61FFAF2BC0D4}" destId="{3111BAD2-A3B1-48F9-A348-A9BAADA3AD4E}" srcOrd="2" destOrd="0" presId="urn:microsoft.com/office/officeart/2018/2/layout/IconVerticalSolidList"/>
+    <dgm:cxn modelId="{904D9783-F324-40F9-97BF-3878EC12E6B8}" type="presParOf" srcId="{3111BAD2-A3B1-48F9-A348-A9BAADA3AD4E}" destId="{D88A250C-D216-4071-936D-EF0B99EE36B3}" srcOrd="0" destOrd="0" presId="urn:microsoft.com/office/officeart/2018/2/layout/IconVerticalSolidList"/>
+    <dgm:cxn modelId="{13A4AFBB-DC59-4D9B-992E-EC00E288E16F}" type="presParOf" srcId="{3111BAD2-A3B1-48F9-A348-A9BAADA3AD4E}" destId="{4E97767C-C774-4BF1-9938-9257EE0AD118}" srcOrd="1" destOrd="0" presId="urn:microsoft.com/office/officeart/2018/2/layout/IconVerticalSolidList"/>
+    <dgm:cxn modelId="{6038E6B9-A273-4B96-B69A-7816E72B3AC1}" type="presParOf" srcId="{3111BAD2-A3B1-48F9-A348-A9BAADA3AD4E}" destId="{F19A85F8-8081-4FFC-91F6-17D135149239}" srcOrd="2" destOrd="0" presId="urn:microsoft.com/office/officeart/2018/2/layout/IconVerticalSolidList"/>
+    <dgm:cxn modelId="{11249059-AA52-450A-89F1-572B9193C928}" type="presParOf" srcId="{3111BAD2-A3B1-48F9-A348-A9BAADA3AD4E}" destId="{295A01C1-99F2-4098-9CF0-347BB195BD13}" srcOrd="3" destOrd="0" presId="urn:microsoft.com/office/officeart/2018/2/layout/IconVerticalSolidList"/>
+    <dgm:cxn modelId="{273619C4-1E97-4973-A074-BFEFE83094B6}" type="presParOf" srcId="{104D2825-F34A-469F-8FFC-61FFAF2BC0D4}" destId="{A6515EAF-B691-46CE-8CF9-A52DA26537B4}" srcOrd="3" destOrd="0" presId="urn:microsoft.com/office/officeart/2018/2/layout/IconVerticalSolidList"/>
+    <dgm:cxn modelId="{052C9CA3-7B40-4D9A-B35C-FA906A469867}" type="presParOf" srcId="{104D2825-F34A-469F-8FFC-61FFAF2BC0D4}" destId="{9F5A0047-CF51-4597-A4B2-A6A66855DC97}" srcOrd="4" destOrd="0" presId="urn:microsoft.com/office/officeart/2018/2/layout/IconVerticalSolidList"/>
+    <dgm:cxn modelId="{80BAC29D-0A18-4191-91AD-EACC32181603}" type="presParOf" srcId="{9F5A0047-CF51-4597-A4B2-A6A66855DC97}" destId="{4EBDCB78-22D1-4C98-9FA7-0A504BB44122}" srcOrd="0" destOrd="0" presId="urn:microsoft.com/office/officeart/2018/2/layout/IconVerticalSolidList"/>
+    <dgm:cxn modelId="{2876066F-08E4-4A8F-9FD3-C87A350DB405}" type="presParOf" srcId="{9F5A0047-CF51-4597-A4B2-A6A66855DC97}" destId="{ED7455D3-E1DE-4C66-A143-A2B2E1005FDE}" srcOrd="1" destOrd="0" presId="urn:microsoft.com/office/officeart/2018/2/layout/IconVerticalSolidList"/>
+    <dgm:cxn modelId="{021FBB1D-F4D4-45EA-A9A0-2C34FFC32286}" type="presParOf" srcId="{9F5A0047-CF51-4597-A4B2-A6A66855DC97}" destId="{4AE0AF36-5DAD-4817-B17D-8E6F95A80D9F}" srcOrd="2" destOrd="0" presId="urn:microsoft.com/office/officeart/2018/2/layout/IconVerticalSolidList"/>
+    <dgm:cxn modelId="{0F1B987F-91B2-44A1-83B6-42C57DC7DD94}" type="presParOf" srcId="{9F5A0047-CF51-4597-A4B2-A6A66855DC97}" destId="{BEC5EDA3-01EC-4FED-B594-3DAD90C0EF51}" srcOrd="3" destOrd="0" presId="urn:microsoft.com/office/officeart/2018/2/layout/IconVerticalSolidList"/>
+  </dgm:cxnLst>
+  <dgm:bg/>
+  <dgm:whole/>
+  <dgm:extLst>
+    <a:ext uri="http://schemas.microsoft.com/office/drawing/2008/diagram">
+      <dsp:dataModelExt xmlns:dsp="http://schemas.microsoft.com/office/drawing/2008/diagram" relId="rId6" minVer="http://schemas.openxmlformats.org/drawingml/2006/diagram"/>
+    </a:ext>
+  </dgm:extLst>
+</dgm:dataModel>
+</file>
+
+<file path=ppt/diagrams/data5.xml><?xml version="1.0" encoding="utf-8"?>
+<dgm:dataModel xmlns:dgm="http://schemas.openxmlformats.org/drawingml/2006/diagram" xmlns:a="http://schemas.openxmlformats.org/drawingml/2006/main">
+  <dgm:ptLst>
     <dgm:pt modelId="{3925B9E7-5838-4AD4-889E-8FF093777AF4}" type="doc">
       <dgm:prSet loTypeId="urn:microsoft.com/office/officeart/2005/8/layout/cycle3" loCatId="cycle" qsTypeId="urn:microsoft.com/office/officeart/2005/8/quickstyle/simple1" qsCatId="simple" csTypeId="urn:microsoft.com/office/officeart/2005/8/colors/accent1_2" csCatId="accent1"/>
       <dgm:spPr/>
@@ -5421,7 +6511,7 @@
 </dgm:dataModel>
 </file>
 
-<file path=ppt/diagrams/data5.xml><?xml version="1.0" encoding="utf-8"?>
+<file path=ppt/diagrams/data6.xml><?xml version="1.0" encoding="utf-8"?>
 <dgm:dataModel xmlns:dgm="http://schemas.openxmlformats.org/drawingml/2006/diagram" xmlns:a="http://schemas.openxmlformats.org/drawingml/2006/main">
   <dgm:ptLst>
     <dgm:pt modelId="{94E07D04-B0F0-4099-9427-E6E335D350FF}" type="doc">
@@ -7048,6 +8138,503 @@
       <dsp:cNvGrpSpPr/>
     </dsp:nvGrpSpPr>
     <dsp:grpSpPr/>
+    <dsp:sp modelId="{B4B5D78C-808B-4EEE-AEE4-6740282CB9F4}">
+      <dsp:nvSpPr>
+        <dsp:cNvPr id="0" name=""/>
+        <dsp:cNvSpPr/>
+      </dsp:nvSpPr>
+      <dsp:spPr>
+        <a:xfrm>
+          <a:off x="0" y="690"/>
+          <a:ext cx="6248398" cy="1615364"/>
+        </a:xfrm>
+        <a:prstGeom prst="roundRect">
+          <a:avLst>
+            <a:gd name="adj" fmla="val 10000"/>
+          </a:avLst>
+        </a:prstGeom>
+        <a:solidFill>
+          <a:schemeClr val="accent1">
+            <a:tint val="40000"/>
+            <a:hueOff val="0"/>
+            <a:satOff val="0"/>
+            <a:lumOff val="0"/>
+            <a:alphaOff val="0"/>
+          </a:schemeClr>
+        </a:solidFill>
+        <a:ln>
+          <a:noFill/>
+        </a:ln>
+        <a:effectLst/>
+      </dsp:spPr>
+      <dsp:style>
+        <a:lnRef idx="0">
+          <a:scrgbClr r="0" g="0" b="0"/>
+        </a:lnRef>
+        <a:fillRef idx="1">
+          <a:scrgbClr r="0" g="0" b="0"/>
+        </a:fillRef>
+        <a:effectRef idx="0">
+          <a:scrgbClr r="0" g="0" b="0"/>
+        </a:effectRef>
+        <a:fontRef idx="minor"/>
+      </dsp:style>
+    </dsp:sp>
+    <dsp:sp modelId="{ED75DD25-B07B-4C20-9345-5B7531975409}">
+      <dsp:nvSpPr>
+        <dsp:cNvPr id="0" name=""/>
+        <dsp:cNvSpPr/>
+      </dsp:nvSpPr>
+      <dsp:spPr>
+        <a:xfrm>
+          <a:off x="488647" y="364147"/>
+          <a:ext cx="888450" cy="888450"/>
+        </a:xfrm>
+        <a:prstGeom prst="rect">
+          <a:avLst/>
+        </a:prstGeom>
+        <a:blipFill>
+          <a:blip xmlns:r="http://schemas.openxmlformats.org/officeDocument/2006/relationships" r:embed="rId1">
+            <a:extLst>
+              <a:ext uri="{28A0092B-C50C-407E-A947-70E740481C1C}">
+                <a14:useLocalDpi xmlns:a14="http://schemas.microsoft.com/office/drawing/2010/main" val="0"/>
+              </a:ext>
+              <a:ext uri="{96DAC541-7B7A-43D3-8B79-37D633B846F1}">
+                <asvg:svgBlip xmlns:asvg="http://schemas.microsoft.com/office/drawing/2016/SVG/main" r:embed="rId2"/>
+              </a:ext>
+            </a:extLst>
+          </a:blip>
+          <a:stretch>
+            <a:fillRect/>
+          </a:stretch>
+        </a:blipFill>
+        <a:ln w="12700" cap="flat" cmpd="sng" algn="in">
+          <a:solidFill>
+            <a:schemeClr val="lt1">
+              <a:hueOff val="0"/>
+              <a:satOff val="0"/>
+              <a:lumOff val="0"/>
+              <a:alphaOff val="0"/>
+            </a:schemeClr>
+          </a:solidFill>
+          <a:prstDash val="solid"/>
+        </a:ln>
+        <a:effectLst/>
+      </dsp:spPr>
+      <dsp:style>
+        <a:lnRef idx="2">
+          <a:scrgbClr r="0" g="0" b="0"/>
+        </a:lnRef>
+        <a:fillRef idx="1">
+          <a:scrgbClr r="0" g="0" b="0"/>
+        </a:fillRef>
+        <a:effectRef idx="0">
+          <a:scrgbClr r="0" g="0" b="0"/>
+        </a:effectRef>
+        <a:fontRef idx="minor">
+          <a:schemeClr val="lt1"/>
+        </a:fontRef>
+      </dsp:style>
+    </dsp:sp>
+    <dsp:sp modelId="{FDF11056-57EA-4372-8B58-AF66B583FF61}">
+      <dsp:nvSpPr>
+        <dsp:cNvPr id="0" name=""/>
+        <dsp:cNvSpPr/>
+      </dsp:nvSpPr>
+      <dsp:spPr>
+        <a:xfrm>
+          <a:off x="1865745" y="690"/>
+          <a:ext cx="4382652" cy="1615364"/>
+        </a:xfrm>
+        <a:prstGeom prst="rect">
+          <a:avLst/>
+        </a:prstGeom>
+        <a:noFill/>
+        <a:ln>
+          <a:noFill/>
+        </a:ln>
+        <a:effectLst/>
+      </dsp:spPr>
+      <dsp:style>
+        <a:lnRef idx="0">
+          <a:scrgbClr r="0" g="0" b="0"/>
+        </a:lnRef>
+        <a:fillRef idx="0">
+          <a:scrgbClr r="0" g="0" b="0"/>
+        </a:fillRef>
+        <a:effectRef idx="0">
+          <a:scrgbClr r="0" g="0" b="0"/>
+        </a:effectRef>
+        <a:fontRef idx="minor"/>
+      </dsp:style>
+      <dsp:txBody>
+        <a:bodyPr spcFirstLastPara="0" vert="horz" wrap="square" lIns="170959" tIns="170959" rIns="170959" bIns="170959" numCol="1" spcCol="1270" anchor="ctr" anchorCtr="0">
+          <a:noAutofit/>
+        </a:bodyPr>
+        <a:lstStyle/>
+        <a:p>
+          <a:pPr marL="0" lvl="0" indent="0" algn="l" defTabSz="889000">
+            <a:lnSpc>
+              <a:spcPct val="100000"/>
+            </a:lnSpc>
+            <a:spcBef>
+              <a:spcPct val="0"/>
+            </a:spcBef>
+            <a:spcAft>
+              <a:spcPct val="35000"/>
+            </a:spcAft>
+            <a:buNone/>
+          </a:pPr>
+          <a:r>
+            <a:rPr lang="en-US" sz="2000" kern="1200" baseline="0"/>
+            <a:t>A</a:t>
+          </a:r>
+          <a:r>
+            <a:rPr lang="en-US" sz="2000" b="0" i="0" kern="1200" baseline="0"/>
+            <a:t> video film that have been taken its frames for each second in the film corresponds to 25 frames/ images.</a:t>
+          </a:r>
+          <a:endParaRPr lang="en-US" sz="2000" kern="1200"/>
+        </a:p>
+      </dsp:txBody>
+      <dsp:txXfrm>
+        <a:off x="1865745" y="690"/>
+        <a:ext cx="4382652" cy="1615364"/>
+      </dsp:txXfrm>
+    </dsp:sp>
+    <dsp:sp modelId="{D88A250C-D216-4071-936D-EF0B99EE36B3}">
+      <dsp:nvSpPr>
+        <dsp:cNvPr id="0" name=""/>
+        <dsp:cNvSpPr/>
+      </dsp:nvSpPr>
+      <dsp:spPr>
+        <a:xfrm>
+          <a:off x="0" y="2019895"/>
+          <a:ext cx="6248398" cy="1615364"/>
+        </a:xfrm>
+        <a:prstGeom prst="roundRect">
+          <a:avLst>
+            <a:gd name="adj" fmla="val 10000"/>
+          </a:avLst>
+        </a:prstGeom>
+        <a:solidFill>
+          <a:schemeClr val="accent1">
+            <a:tint val="40000"/>
+            <a:hueOff val="0"/>
+            <a:satOff val="0"/>
+            <a:lumOff val="0"/>
+            <a:alphaOff val="0"/>
+          </a:schemeClr>
+        </a:solidFill>
+        <a:ln>
+          <a:noFill/>
+        </a:ln>
+        <a:effectLst/>
+      </dsp:spPr>
+      <dsp:style>
+        <a:lnRef idx="0">
+          <a:scrgbClr r="0" g="0" b="0"/>
+        </a:lnRef>
+        <a:fillRef idx="1">
+          <a:scrgbClr r="0" g="0" b="0"/>
+        </a:fillRef>
+        <a:effectRef idx="0">
+          <a:scrgbClr r="0" g="0" b="0"/>
+        </a:effectRef>
+        <a:fontRef idx="minor"/>
+      </dsp:style>
+    </dsp:sp>
+    <dsp:sp modelId="{4E97767C-C774-4BF1-9938-9257EE0AD118}">
+      <dsp:nvSpPr>
+        <dsp:cNvPr id="0" name=""/>
+        <dsp:cNvSpPr/>
+      </dsp:nvSpPr>
+      <dsp:spPr>
+        <a:xfrm>
+          <a:off x="488647" y="2383352"/>
+          <a:ext cx="888450" cy="888450"/>
+        </a:xfrm>
+        <a:prstGeom prst="rect">
+          <a:avLst/>
+        </a:prstGeom>
+        <a:blipFill>
+          <a:blip xmlns:r="http://schemas.openxmlformats.org/officeDocument/2006/relationships" r:embed="rId3">
+            <a:extLst>
+              <a:ext uri="{28A0092B-C50C-407E-A947-70E740481C1C}">
+                <a14:useLocalDpi xmlns:a14="http://schemas.microsoft.com/office/drawing/2010/main" val="0"/>
+              </a:ext>
+              <a:ext uri="{96DAC541-7B7A-43D3-8B79-37D633B846F1}">
+                <asvg:svgBlip xmlns:asvg="http://schemas.microsoft.com/office/drawing/2016/SVG/main" r:embed="rId4"/>
+              </a:ext>
+            </a:extLst>
+          </a:blip>
+          <a:stretch>
+            <a:fillRect/>
+          </a:stretch>
+        </a:blipFill>
+        <a:ln w="12700" cap="flat" cmpd="sng" algn="in">
+          <a:solidFill>
+            <a:schemeClr val="lt1">
+              <a:hueOff val="0"/>
+              <a:satOff val="0"/>
+              <a:lumOff val="0"/>
+              <a:alphaOff val="0"/>
+            </a:schemeClr>
+          </a:solidFill>
+          <a:prstDash val="solid"/>
+        </a:ln>
+        <a:effectLst/>
+      </dsp:spPr>
+      <dsp:style>
+        <a:lnRef idx="2">
+          <a:scrgbClr r="0" g="0" b="0"/>
+        </a:lnRef>
+        <a:fillRef idx="1">
+          <a:scrgbClr r="0" g="0" b="0"/>
+        </a:fillRef>
+        <a:effectRef idx="0">
+          <a:scrgbClr r="0" g="0" b="0"/>
+        </a:effectRef>
+        <a:fontRef idx="minor">
+          <a:schemeClr val="lt1"/>
+        </a:fontRef>
+      </dsp:style>
+    </dsp:sp>
+    <dsp:sp modelId="{295A01C1-99F2-4098-9CF0-347BB195BD13}">
+      <dsp:nvSpPr>
+        <dsp:cNvPr id="0" name=""/>
+        <dsp:cNvSpPr/>
+      </dsp:nvSpPr>
+      <dsp:spPr>
+        <a:xfrm>
+          <a:off x="1865745" y="2019895"/>
+          <a:ext cx="4382652" cy="1615364"/>
+        </a:xfrm>
+        <a:prstGeom prst="rect">
+          <a:avLst/>
+        </a:prstGeom>
+        <a:noFill/>
+        <a:ln>
+          <a:noFill/>
+        </a:ln>
+        <a:effectLst/>
+      </dsp:spPr>
+      <dsp:style>
+        <a:lnRef idx="0">
+          <a:scrgbClr r="0" g="0" b="0"/>
+        </a:lnRef>
+        <a:fillRef idx="0">
+          <a:scrgbClr r="0" g="0" b="0"/>
+        </a:fillRef>
+        <a:effectRef idx="0">
+          <a:scrgbClr r="0" g="0" b="0"/>
+        </a:effectRef>
+        <a:fontRef idx="minor"/>
+      </dsp:style>
+      <dsp:txBody>
+        <a:bodyPr spcFirstLastPara="0" vert="horz" wrap="square" lIns="170959" tIns="170959" rIns="170959" bIns="170959" numCol="1" spcCol="1270" anchor="ctr" anchorCtr="0">
+          <a:noAutofit/>
+        </a:bodyPr>
+        <a:lstStyle/>
+        <a:p>
+          <a:pPr marL="0" lvl="0" indent="0" algn="l" defTabSz="889000">
+            <a:lnSpc>
+              <a:spcPct val="100000"/>
+            </a:lnSpc>
+            <a:spcBef>
+              <a:spcPct val="0"/>
+            </a:spcBef>
+            <a:spcAft>
+              <a:spcPct val="35000"/>
+            </a:spcAft>
+            <a:buNone/>
+          </a:pPr>
+          <a:r>
+            <a:rPr lang="en-US" sz="2000" b="0" i="0" kern="1200" baseline="0"/>
+            <a:t>The film results in 160,000 image and then we choose the most accurate images for each action that describes this action specifically.</a:t>
+          </a:r>
+          <a:endParaRPr lang="en-US" sz="2000" kern="1200"/>
+        </a:p>
+      </dsp:txBody>
+      <dsp:txXfrm>
+        <a:off x="1865745" y="2019895"/>
+        <a:ext cx="4382652" cy="1615364"/>
+      </dsp:txXfrm>
+    </dsp:sp>
+    <dsp:sp modelId="{4EBDCB78-22D1-4C98-9FA7-0A504BB44122}">
+      <dsp:nvSpPr>
+        <dsp:cNvPr id="0" name=""/>
+        <dsp:cNvSpPr/>
+      </dsp:nvSpPr>
+      <dsp:spPr>
+        <a:xfrm>
+          <a:off x="0" y="4039101"/>
+          <a:ext cx="6248398" cy="1615364"/>
+        </a:xfrm>
+        <a:prstGeom prst="roundRect">
+          <a:avLst>
+            <a:gd name="adj" fmla="val 10000"/>
+          </a:avLst>
+        </a:prstGeom>
+        <a:solidFill>
+          <a:schemeClr val="accent1">
+            <a:tint val="40000"/>
+            <a:hueOff val="0"/>
+            <a:satOff val="0"/>
+            <a:lumOff val="0"/>
+            <a:alphaOff val="0"/>
+          </a:schemeClr>
+        </a:solidFill>
+        <a:ln>
+          <a:noFill/>
+        </a:ln>
+        <a:effectLst/>
+      </dsp:spPr>
+      <dsp:style>
+        <a:lnRef idx="0">
+          <a:scrgbClr r="0" g="0" b="0"/>
+        </a:lnRef>
+        <a:fillRef idx="1">
+          <a:scrgbClr r="0" g="0" b="0"/>
+        </a:fillRef>
+        <a:effectRef idx="0">
+          <a:scrgbClr r="0" g="0" b="0"/>
+        </a:effectRef>
+        <a:fontRef idx="minor"/>
+      </dsp:style>
+    </dsp:sp>
+    <dsp:sp modelId="{ED7455D3-E1DE-4C66-A143-A2B2E1005FDE}">
+      <dsp:nvSpPr>
+        <dsp:cNvPr id="0" name=""/>
+        <dsp:cNvSpPr/>
+      </dsp:nvSpPr>
+      <dsp:spPr>
+        <a:xfrm>
+          <a:off x="488647" y="4402558"/>
+          <a:ext cx="888450" cy="888450"/>
+        </a:xfrm>
+        <a:prstGeom prst="rect">
+          <a:avLst/>
+        </a:prstGeom>
+        <a:blipFill>
+          <a:blip xmlns:r="http://schemas.openxmlformats.org/officeDocument/2006/relationships" r:embed="rId5">
+            <a:extLst>
+              <a:ext uri="{28A0092B-C50C-407E-A947-70E740481C1C}">
+                <a14:useLocalDpi xmlns:a14="http://schemas.microsoft.com/office/drawing/2010/main" val="0"/>
+              </a:ext>
+              <a:ext uri="{96DAC541-7B7A-43D3-8B79-37D633B846F1}">
+                <asvg:svgBlip xmlns:asvg="http://schemas.microsoft.com/office/drawing/2016/SVG/main" r:embed="rId6"/>
+              </a:ext>
+            </a:extLst>
+          </a:blip>
+          <a:stretch>
+            <a:fillRect/>
+          </a:stretch>
+        </a:blipFill>
+        <a:ln w="12700" cap="flat" cmpd="sng" algn="in">
+          <a:solidFill>
+            <a:schemeClr val="lt1">
+              <a:hueOff val="0"/>
+              <a:satOff val="0"/>
+              <a:lumOff val="0"/>
+              <a:alphaOff val="0"/>
+            </a:schemeClr>
+          </a:solidFill>
+          <a:prstDash val="solid"/>
+        </a:ln>
+        <a:effectLst/>
+      </dsp:spPr>
+      <dsp:style>
+        <a:lnRef idx="2">
+          <a:scrgbClr r="0" g="0" b="0"/>
+        </a:lnRef>
+        <a:fillRef idx="1">
+          <a:scrgbClr r="0" g="0" b="0"/>
+        </a:fillRef>
+        <a:effectRef idx="0">
+          <a:scrgbClr r="0" g="0" b="0"/>
+        </a:effectRef>
+        <a:fontRef idx="minor">
+          <a:schemeClr val="lt1"/>
+        </a:fontRef>
+      </dsp:style>
+    </dsp:sp>
+    <dsp:sp modelId="{BEC5EDA3-01EC-4FED-B594-3DAD90C0EF51}">
+      <dsp:nvSpPr>
+        <dsp:cNvPr id="0" name=""/>
+        <dsp:cNvSpPr/>
+      </dsp:nvSpPr>
+      <dsp:spPr>
+        <a:xfrm>
+          <a:off x="1865745" y="4039101"/>
+          <a:ext cx="4382652" cy="1615364"/>
+        </a:xfrm>
+        <a:prstGeom prst="rect">
+          <a:avLst/>
+        </a:prstGeom>
+        <a:noFill/>
+        <a:ln>
+          <a:noFill/>
+        </a:ln>
+        <a:effectLst/>
+      </dsp:spPr>
+      <dsp:style>
+        <a:lnRef idx="0">
+          <a:scrgbClr r="0" g="0" b="0"/>
+        </a:lnRef>
+        <a:fillRef idx="0">
+          <a:scrgbClr r="0" g="0" b="0"/>
+        </a:fillRef>
+        <a:effectRef idx="0">
+          <a:scrgbClr r="0" g="0" b="0"/>
+        </a:effectRef>
+        <a:fontRef idx="minor"/>
+      </dsp:style>
+      <dsp:txBody>
+        <a:bodyPr spcFirstLastPara="0" vert="horz" wrap="square" lIns="170959" tIns="170959" rIns="170959" bIns="170959" numCol="1" spcCol="1270" anchor="ctr" anchorCtr="0">
+          <a:noAutofit/>
+        </a:bodyPr>
+        <a:lstStyle/>
+        <a:p>
+          <a:pPr marL="0" lvl="0" indent="0" algn="l" defTabSz="889000">
+            <a:lnSpc>
+              <a:spcPct val="100000"/>
+            </a:lnSpc>
+            <a:spcBef>
+              <a:spcPct val="0"/>
+            </a:spcBef>
+            <a:spcAft>
+              <a:spcPct val="35000"/>
+            </a:spcAft>
+            <a:buNone/>
+          </a:pPr>
+          <a:r>
+            <a:rPr lang="en-US" sz="2000" kern="1200" baseline="0"/>
+            <a:t>F</a:t>
+          </a:r>
+          <a:r>
+            <a:rPr lang="en-US" sz="2000" b="0" i="0" kern="1200" baseline="0"/>
+            <a:t>inally we take 250 different images for each action </a:t>
+          </a:r>
+          <a:endParaRPr lang="en-US" sz="2000" kern="1200"/>
+        </a:p>
+      </dsp:txBody>
+      <dsp:txXfrm>
+        <a:off x="1865745" y="4039101"/>
+        <a:ext cx="4382652" cy="1615364"/>
+      </dsp:txXfrm>
+    </dsp:sp>
+  </dsp:spTree>
+</dsp:drawing>
+</file>
+
+<file path=ppt/diagrams/drawing5.xml><?xml version="1.0" encoding="utf-8"?>
+<dsp:drawing xmlns:dgm="http://schemas.openxmlformats.org/drawingml/2006/diagram" xmlns:dsp="http://schemas.microsoft.com/office/drawing/2008/diagram" xmlns:a="http://schemas.openxmlformats.org/drawingml/2006/main">
+  <dsp:spTree>
+    <dsp:nvGrpSpPr>
+      <dsp:cNvPr id="0" name=""/>
+      <dsp:cNvGrpSpPr/>
+    </dsp:nvGrpSpPr>
+    <dsp:grpSpPr/>
     <dsp:sp modelId="{B0DC09FE-F66F-4327-BCC1-9068372D6F39}">
       <dsp:nvSpPr>
         <dsp:cNvPr id="0" name=""/>
@@ -7955,7 +9542,7 @@
 </dsp:drawing>
 </file>
 
-<file path=ppt/diagrams/drawing5.xml><?xml version="1.0" encoding="utf-8"?>
+<file path=ppt/diagrams/drawing6.xml><?xml version="1.0" encoding="utf-8"?>
 <dsp:drawing xmlns:dgm="http://schemas.openxmlformats.org/drawingml/2006/diagram" xmlns:dsp="http://schemas.microsoft.com/office/drawing/2008/diagram" xmlns:a="http://schemas.openxmlformats.org/drawingml/2006/main">
   <dsp:spTree>
     <dsp:nvGrpSpPr>
@@ -9173,6 +10760,300 @@
 </file>
 
 <file path=ppt/diagrams/layout4.xml><?xml version="1.0" encoding="utf-8"?>
+<dgm:layoutDef xmlns:dgm="http://schemas.openxmlformats.org/drawingml/2006/diagram" xmlns:a="http://schemas.openxmlformats.org/drawingml/2006/main" uniqueId="urn:microsoft.com/office/officeart/2018/2/layout/IconVerticalSolidList">
+  <dgm:title val="Icon Vertical Solid List"/>
+  <dgm:desc val="Use to show a series of visuals from top to bottom with Level 1 or Level 1 and Level 2 text grouped in a shape. Works best with icons or small pictures with lengthier descriptions."/>
+  <dgm:catLst>
+    <dgm:cat type="icon" pri="500"/>
+  </dgm:catLst>
+  <dgm:sampData useDef="1">
+    <dgm:dataModel>
+      <dgm:ptLst/>
+      <dgm:bg/>
+      <dgm:whole/>
+    </dgm:dataModel>
+  </dgm:sampData>
+  <dgm:styleData useDef="1">
+    <dgm:dataModel>
+      <dgm:ptLst/>
+      <dgm:bg/>
+      <dgm:whole/>
+    </dgm:dataModel>
+  </dgm:styleData>
+  <dgm:clrData useDef="1">
+    <dgm:dataModel>
+      <dgm:ptLst/>
+      <dgm:bg/>
+      <dgm:whole/>
+    </dgm:dataModel>
+  </dgm:clrData>
+  <dgm:layoutNode name="root">
+    <dgm:varLst>
+      <dgm:dir/>
+      <dgm:resizeHandles val="exact"/>
+    </dgm:varLst>
+    <dgm:choose name="Name0">
+      <dgm:if name="Name1" axis="self" func="var" arg="dir" op="equ" val="norm">
+        <dgm:alg type="lin">
+          <dgm:param type="linDir" val="fromT"/>
+          <dgm:param type="nodeHorzAlign" val="l"/>
+        </dgm:alg>
+      </dgm:if>
+      <dgm:else name="Name2">
+        <dgm:alg type="lin">
+          <dgm:param type="linDir" val="fromT"/>
+          <dgm:param type="nodeHorzAlign" val="r"/>
+        </dgm:alg>
+      </dgm:else>
+    </dgm:choose>
+    <dgm:shape xmlns:r="http://schemas.openxmlformats.org/officeDocument/2006/relationships" r:blip="">
+      <dgm:adjLst/>
+    </dgm:shape>
+    <dgm:presOf/>
+    <dgm:choose name="Name3">
+      <dgm:if name="Name4" axis="ch" ptType="node" func="cnt" op="lte" val="3">
+        <dgm:constrLst>
+          <dgm:constr type="h" for="ch" forName="compNode" refType="h" fact="0.3"/>
+          <dgm:constr type="w" for="ch" forName="compNode" refType="w"/>
+          <dgm:constr type="h" for="ch" forName="sibTrans" refType="h" refFor="ch" refForName="compNode" fact="0.25"/>
+          <dgm:constr type="primFontSz" for="des" forName="parTx" val="25"/>
+          <dgm:constr type="primFontSz" for="des" forName="desTx" refType="primFontSz" refFor="des" refForName="parTx" op="lte" fact="0.75"/>
+          <dgm:constr type="h" for="des" forName="compNode" op="equ"/>
+          <dgm:constr type="h" for="des" forName="bgRect" op="equ"/>
+          <dgm:constr type="h" for="des" forName="iconRect" op="equ"/>
+          <dgm:constr type="w" for="des" forName="iconRect" op="equ"/>
+          <dgm:constr type="h" for="des" forName="spaceRect" op="equ"/>
+          <dgm:constr type="h" for="des" forName="parTx" op="equ"/>
+          <dgm:constr type="h" for="des" forName="desTx" op="equ"/>
+        </dgm:constrLst>
+      </dgm:if>
+      <dgm:if name="Name5" axis="ch" ptType="node" func="cnt" op="lte" val="4">
+        <dgm:constrLst>
+          <dgm:constr type="h" for="ch" forName="compNode" refType="h" fact="0.3"/>
+          <dgm:constr type="w" for="ch" forName="compNode" refType="w"/>
+          <dgm:constr type="h" for="ch" forName="sibTrans" refType="h" refFor="ch" refForName="compNode" fact="0.25"/>
+          <dgm:constr type="primFontSz" for="des" forName="parTx" val="22"/>
+          <dgm:constr type="primFontSz" for="des" forName="desTx" refType="primFontSz" refFor="des" refForName="parTx" op="lte" fact="0.75"/>
+          <dgm:constr type="h" for="des" forName="compNode" op="equ"/>
+          <dgm:constr type="h" for="des" forName="bgRect" op="equ"/>
+          <dgm:constr type="h" for="des" forName="iconRect" op="equ"/>
+          <dgm:constr type="w" for="des" forName="iconRect" op="equ"/>
+          <dgm:constr type="h" for="des" forName="spaceRect" op="equ"/>
+          <dgm:constr type="h" for="des" forName="parTx" op="equ"/>
+          <dgm:constr type="h" for="des" forName="desTx" op="equ"/>
+        </dgm:constrLst>
+      </dgm:if>
+      <dgm:if name="Name6" axis="ch" ptType="node" func="cnt" op="lte" val="6">
+        <dgm:constrLst>
+          <dgm:constr type="h" for="ch" forName="compNode" refType="h" fact="0.3"/>
+          <dgm:constr type="w" for="ch" forName="compNode" refType="w"/>
+          <dgm:constr type="h" for="ch" forName="sibTrans" refType="h" refFor="ch" refForName="compNode" fact="0.25"/>
+          <dgm:constr type="primFontSz" for="des" forName="parTx" val="19"/>
+          <dgm:constr type="primFontSz" for="des" forName="desTx" refType="primFontSz" refFor="des" refForName="parTx" op="lte" fact="0.75"/>
+          <dgm:constr type="h" for="des" forName="compNode" op="equ"/>
+          <dgm:constr type="h" for="des" forName="bgRect" op="equ"/>
+          <dgm:constr type="h" for="des" forName="iconRect" op="equ"/>
+          <dgm:constr type="w" for="des" forName="iconRect" op="equ"/>
+          <dgm:constr type="h" for="des" forName="spaceRect" op="equ"/>
+          <dgm:constr type="h" for="des" forName="parTx" op="equ"/>
+          <dgm:constr type="h" for="des" forName="desTx" op="equ"/>
+        </dgm:constrLst>
+      </dgm:if>
+      <dgm:else name="Name7">
+        <dgm:constrLst>
+          <dgm:constr type="h" for="ch" forName="compNode" refType="h" fact="0.3"/>
+          <dgm:constr type="w" for="ch" forName="compNode" refType="w"/>
+          <dgm:constr type="h" for="ch" forName="sibTrans" refType="h" refFor="ch" refForName="compNode" fact="0.25"/>
+          <dgm:constr type="primFontSz" for="des" forName="parTx" val="16"/>
+          <dgm:constr type="primFontSz" for="des" forName="desTx" refType="primFontSz" refFor="des" refForName="parTx" op="lte" fact="0.75"/>
+          <dgm:constr type="h" for="des" forName="compNode" op="equ"/>
+          <dgm:constr type="h" for="des" forName="bgRect" op="equ"/>
+          <dgm:constr type="h" for="des" forName="iconRect" op="equ"/>
+          <dgm:constr type="w" for="des" forName="iconRect" op="equ"/>
+          <dgm:constr type="h" for="des" forName="spaceRect" op="equ"/>
+          <dgm:constr type="h" for="des" forName="parTx" op="equ"/>
+          <dgm:constr type="h" for="des" forName="desTx" op="equ"/>
+        </dgm:constrLst>
+      </dgm:else>
+    </dgm:choose>
+    <dgm:ruleLst>
+      <dgm:rule type="h" for="ch" forName="compNode" val="0" fact="NaN" max="NaN"/>
+    </dgm:ruleLst>
+    <dgm:forEach name="Name8" axis="ch" ptType="node">
+      <dgm:layoutNode name="compNode">
+        <dgm:alg type="composite"/>
+        <dgm:shape xmlns:r="http://schemas.openxmlformats.org/officeDocument/2006/relationships" r:blip="">
+          <dgm:adjLst/>
+        </dgm:shape>
+        <dgm:presOf axis="self"/>
+        <dgm:choose name="Name9">
+          <dgm:if name="Name10" axis="ch" ptType="node" func="cnt" op="gte" val="1">
+            <dgm:constrLst>
+              <dgm:constr type="w" for="ch" forName="bgRect" refType="w"/>
+              <dgm:constr type="h" for="ch" forName="bgRect" refType="h"/>
+              <dgm:constr type="l" for="ch" forName="bgRect"/>
+              <dgm:constr type="t" for="ch" forName="bgRect"/>
+              <dgm:constr type="h" for="ch" forName="iconRect" refType="h" fact="0.55"/>
+              <dgm:constr type="w" for="ch" forName="iconRect" refType="h" refFor="ch" refForName="iconRect"/>
+              <dgm:constr type="l" for="ch" forName="iconRect" refType="h" refFor="ch" refForName="iconRect" fact="0.55"/>
+              <dgm:constr type="ctrY" for="ch" forName="iconRect" refType="ctrY" refFor="ch" refForName="bgRect"/>
+              <dgm:constr type="w" for="ch" forName="spaceRect" refType="l" refFor="ch" refForName="iconRect"/>
+              <dgm:constr type="h" for="ch" forName="spaceRect" refType="h"/>
+              <dgm:constr type="l" for="ch" forName="spaceRect" refType="r" refFor="ch" refForName="iconRect"/>
+              <dgm:constr type="t" for="ch" forName="spaceRect"/>
+              <dgm:constr type="w" for="ch" forName="parTx" refType="w" fact="0.45"/>
+              <dgm:constr type="h" for="ch" forName="parTx" refType="h"/>
+              <dgm:constr type="l" for="ch" forName="parTx" refType="r" refFor="ch" refForName="spaceRect"/>
+              <dgm:constr type="t" for="ch" forName="parTx"/>
+              <dgm:constr type="h" for="ch" forName="desTx" refType="h"/>
+              <dgm:constr type="l" for="ch" forName="desTx" refType="r" refFor="ch" refForName="parTx"/>
+              <dgm:constr type="t" for="ch" forName="desTx"/>
+            </dgm:constrLst>
+          </dgm:if>
+          <dgm:else name="Name11">
+            <dgm:constrLst>
+              <dgm:constr type="w" for="ch" forName="bgRect" refType="w"/>
+              <dgm:constr type="h" for="ch" forName="bgRect" refType="h"/>
+              <dgm:constr type="l" for="ch" forName="bgRect"/>
+              <dgm:constr type="t" for="ch" forName="bgRect"/>
+              <dgm:constr type="h" for="ch" forName="iconRect" refType="h" fact="0.55"/>
+              <dgm:constr type="w" for="ch" forName="iconRect" refType="h" refFor="ch" refForName="iconRect"/>
+              <dgm:constr type="l" for="ch" forName="iconRect" refType="h" refFor="ch" refForName="iconRect" fact="0.55"/>
+              <dgm:constr type="ctrY" for="ch" forName="iconRect" refType="ctrY" refFor="ch" refForName="bgRect"/>
+              <dgm:constr type="w" for="ch" forName="spaceRect" refType="l" refFor="ch" refForName="iconRect"/>
+              <dgm:constr type="h" for="ch" forName="spaceRect" refType="h"/>
+              <dgm:constr type="l" for="ch" forName="spaceRect" refType="r" refFor="ch" refForName="iconRect"/>
+              <dgm:constr type="t" for="ch" forName="spaceRect"/>
+              <dgm:constr type="h" for="ch" forName="parTx" refType="h"/>
+              <dgm:constr type="l" for="ch" forName="parTx" refType="r" refFor="ch" refForName="spaceRect"/>
+              <dgm:constr type="t" for="ch" forName="parTx"/>
+            </dgm:constrLst>
+          </dgm:else>
+        </dgm:choose>
+        <dgm:ruleLst>
+          <dgm:rule type="h" val="INF" fact="NaN" max="NaN"/>
+        </dgm:ruleLst>
+        <dgm:layoutNode name="bgRect" styleLbl="bgShp">
+          <dgm:alg type="sp"/>
+          <dgm:shape xmlns:r="http://schemas.openxmlformats.org/officeDocument/2006/relationships" type="roundRect" r:blip="">
+            <dgm:adjLst>
+              <dgm:adj idx="1" val="0.1"/>
+            </dgm:adjLst>
+          </dgm:shape>
+          <dgm:presOf/>
+          <dgm:constrLst/>
+          <dgm:ruleLst/>
+        </dgm:layoutNode>
+        <dgm:layoutNode name="iconRect" styleLbl="node1">
+          <dgm:alg type="sp"/>
+          <dgm:shape xmlns:r="http://schemas.openxmlformats.org/officeDocument/2006/relationships" type="rect" r:blip="" blipPhldr="1">
+            <dgm:adjLst/>
+          </dgm:shape>
+          <dgm:presOf/>
+          <dgm:constrLst/>
+          <dgm:ruleLst/>
+        </dgm:layoutNode>
+        <dgm:layoutNode name="spaceRect">
+          <dgm:alg type="sp"/>
+          <dgm:shape xmlns:r="http://schemas.openxmlformats.org/officeDocument/2006/relationships" r:blip="">
+            <dgm:adjLst/>
+          </dgm:shape>
+          <dgm:presOf/>
+          <dgm:constrLst/>
+          <dgm:ruleLst/>
+        </dgm:layoutNode>
+        <dgm:layoutNode name="parTx" styleLbl="revTx">
+          <dgm:varLst>
+            <dgm:chMax val="0"/>
+            <dgm:chPref val="0"/>
+          </dgm:varLst>
+          <dgm:alg type="tx">
+            <dgm:param type="txAnchorVert" val="mid"/>
+            <dgm:param type="parTxLTRAlign" val="l"/>
+            <dgm:param type="shpTxLTRAlignCh" val="l"/>
+            <dgm:param type="parTxRTLAlign" val="r"/>
+            <dgm:param type="shpTxRTLAlignCh" val="r"/>
+          </dgm:alg>
+          <dgm:shape xmlns:r="http://schemas.openxmlformats.org/officeDocument/2006/relationships" type="rect" r:blip="">
+            <dgm:adjLst/>
+          </dgm:shape>
+          <dgm:presOf axis="self" ptType="node"/>
+          <dgm:constrLst>
+            <dgm:constr type="lMarg" refType="h" fact="0.3"/>
+            <dgm:constr type="rMarg" refType="h" fact="0.3"/>
+            <dgm:constr type="tMarg" refType="h" fact="0.3"/>
+            <dgm:constr type="bMarg" refType="h" fact="0.3"/>
+          </dgm:constrLst>
+          <dgm:ruleLst>
+            <dgm:rule type="primFontSz" val="14" fact="NaN" max="NaN"/>
+            <dgm:rule type="h" val="INF" fact="NaN" max="NaN"/>
+          </dgm:ruleLst>
+        </dgm:layoutNode>
+        <dgm:choose name="Name12">
+          <dgm:if name="Name13" axis="ch" ptType="node" func="cnt" op="gte" val="1">
+            <dgm:layoutNode name="desTx" styleLbl="revTx">
+              <dgm:varLst/>
+              <dgm:alg type="tx">
+                <dgm:param type="txAnchorVertCh" val="mid"/>
+                <dgm:param type="parTxLTRAlign" val="l"/>
+                <dgm:param type="shpTxLTRAlignCh" val="l"/>
+                <dgm:param type="parTxRTLAlign" val="r"/>
+                <dgm:param type="shpTxRTLAlignCh" val="r"/>
+                <dgm:param type="stBulletLvl" val="0"/>
+              </dgm:alg>
+              <dgm:shape xmlns:r="http://schemas.openxmlformats.org/officeDocument/2006/relationships" type="rect" r:blip="">
+                <dgm:adjLst/>
+              </dgm:shape>
+              <dgm:presOf axis="des" ptType="node"/>
+              <dgm:constrLst>
+                <dgm:constr type="primFontSz" val="18"/>
+                <dgm:constr type="secFontSz" refType="primFontSz"/>
+                <dgm:constr type="lMarg" refType="h" fact="0.3"/>
+                <dgm:constr type="rMarg" refType="h" fact="0.3"/>
+                <dgm:constr type="tMarg" refType="h" fact="0.3"/>
+                <dgm:constr type="bMarg" refType="h" fact="0.3"/>
+              </dgm:constrLst>
+              <dgm:ruleLst>
+                <dgm:rule type="primFontSz" val="11" fact="NaN" max="NaN"/>
+              </dgm:ruleLst>
+            </dgm:layoutNode>
+          </dgm:if>
+          <dgm:else name="Name14"/>
+        </dgm:choose>
+      </dgm:layoutNode>
+      <dgm:forEach name="Name15" axis="followSib" ptType="sibTrans" cnt="1">
+        <dgm:layoutNode name="sibTrans">
+          <dgm:alg type="sp"/>
+          <dgm:shape xmlns:r="http://schemas.openxmlformats.org/officeDocument/2006/relationships" r:blip="">
+            <dgm:adjLst/>
+          </dgm:shape>
+          <dgm:presOf axis="self"/>
+          <dgm:constrLst/>
+          <dgm:ruleLst/>
+        </dgm:layoutNode>
+      </dgm:forEach>
+    </dgm:forEach>
+  </dgm:layoutNode>
+  <dgm:extLst>
+    <a:ext uri="{68A01E43-0DF5-4B5B-8FA6-DAF915123BFB}">
+      <dgm1612:lstStyle xmlns:dgm1612="http://schemas.microsoft.com/office/drawing/2016/12/diagram">
+        <a:lvl1pPr>
+          <a:lnSpc>
+            <a:spcPct val="100000"/>
+          </a:lnSpc>
+        </a:lvl1pPr>
+        <a:lvl2pPr>
+          <a:lnSpc>
+            <a:spcPct val="100000"/>
+          </a:lnSpc>
+        </a:lvl2pPr>
+      </dgm1612:lstStyle>
+    </a:ext>
+  </dgm:extLst>
+</dgm:layoutDef>
+</file>
+
+<file path=ppt/diagrams/layout5.xml><?xml version="1.0" encoding="utf-8"?>
 <dgm:layoutDef xmlns:dgm="http://schemas.openxmlformats.org/drawingml/2006/diagram" xmlns:a="http://schemas.openxmlformats.org/drawingml/2006/main" uniqueId="urn:microsoft.com/office/officeart/2005/8/layout/cycle3">
   <dgm:title val=""/>
   <dgm:desc val=""/>
@@ -9575,7 +11456,7 @@
 </dgm:layoutDef>
 </file>
 
-<file path=ppt/diagrams/layout5.xml><?xml version="1.0" encoding="utf-8"?>
+<file path=ppt/diagrams/layout6.xml><?xml version="1.0" encoding="utf-8"?>
 <dgm:layoutDef xmlns:dgm="http://schemas.openxmlformats.org/drawingml/2006/diagram" xmlns:a="http://schemas.openxmlformats.org/drawingml/2006/main" uniqueId="urn:microsoft.com/office/officeart/2005/8/layout/default">
   <dgm:title val=""/>
   <dgm:desc val=""/>
@@ -13859,6 +15740,1040 @@
 </file>
 
 <file path=ppt/diagrams/quickStyle5.xml><?xml version="1.0" encoding="utf-8"?>
+<dgm:styleDef xmlns:dgm="http://schemas.openxmlformats.org/drawingml/2006/diagram" xmlns:a="http://schemas.openxmlformats.org/drawingml/2006/main" uniqueId="urn:microsoft.com/office/officeart/2005/8/quickstyle/simple1">
+  <dgm:title val=""/>
+  <dgm:desc val=""/>
+  <dgm:catLst>
+    <dgm:cat type="simple" pri="10100"/>
+  </dgm:catLst>
+  <dgm:scene3d>
+    <a:camera prst="orthographicFront"/>
+    <a:lightRig rig="threePt" dir="t"/>
+  </dgm:scene3d>
+  <dgm:styleLbl name="node0">
+    <dgm:scene3d>
+      <a:camera prst="orthographicFront"/>
+      <a:lightRig rig="threePt" dir="t"/>
+    </dgm:scene3d>
+    <dgm:sp3d/>
+    <dgm:txPr/>
+    <dgm:style>
+      <a:lnRef idx="2">
+        <a:scrgbClr r="0" g="0" b="0"/>
+      </a:lnRef>
+      <a:fillRef idx="1">
+        <a:scrgbClr r="0" g="0" b="0"/>
+      </a:fillRef>
+      <a:effectRef idx="0">
+        <a:scrgbClr r="0" g="0" b="0"/>
+      </a:effectRef>
+      <a:fontRef idx="minor">
+        <a:schemeClr val="lt1"/>
+      </a:fontRef>
+    </dgm:style>
+  </dgm:styleLbl>
+  <dgm:styleLbl name="lnNode1">
+    <dgm:scene3d>
+      <a:camera prst="orthographicFront"/>
+      <a:lightRig rig="threePt" dir="t"/>
+    </dgm:scene3d>
+    <dgm:sp3d/>
+    <dgm:txPr/>
+    <dgm:style>
+      <a:lnRef idx="2">
+        <a:scrgbClr r="0" g="0" b="0"/>
+      </a:lnRef>
+      <a:fillRef idx="1">
+        <a:scrgbClr r="0" g="0" b="0"/>
+      </a:fillRef>
+      <a:effectRef idx="0">
+        <a:scrgbClr r="0" g="0" b="0"/>
+      </a:effectRef>
+      <a:fontRef idx="minor">
+        <a:schemeClr val="lt1"/>
+      </a:fontRef>
+    </dgm:style>
+  </dgm:styleLbl>
+  <dgm:styleLbl name="vennNode1">
+    <dgm:scene3d>
+      <a:camera prst="orthographicFront"/>
+      <a:lightRig rig="threePt" dir="t"/>
+    </dgm:scene3d>
+    <dgm:sp3d/>
+    <dgm:txPr/>
+    <dgm:style>
+      <a:lnRef idx="2">
+        <a:scrgbClr r="0" g="0" b="0"/>
+      </a:lnRef>
+      <a:fillRef idx="1">
+        <a:scrgbClr r="0" g="0" b="0"/>
+      </a:fillRef>
+      <a:effectRef idx="0">
+        <a:scrgbClr r="0" g="0" b="0"/>
+      </a:effectRef>
+      <a:fontRef idx="minor">
+        <a:schemeClr val="tx1"/>
+      </a:fontRef>
+    </dgm:style>
+  </dgm:styleLbl>
+  <dgm:styleLbl name="alignNode1">
+    <dgm:scene3d>
+      <a:camera prst="orthographicFront"/>
+      <a:lightRig rig="threePt" dir="t"/>
+    </dgm:scene3d>
+    <dgm:sp3d/>
+    <dgm:txPr/>
+    <dgm:style>
+      <a:lnRef idx="2">
+        <a:scrgbClr r="0" g="0" b="0"/>
+      </a:lnRef>
+      <a:fillRef idx="1">
+        <a:scrgbClr r="0" g="0" b="0"/>
+      </a:fillRef>
+      <a:effectRef idx="0">
+        <a:scrgbClr r="0" g="0" b="0"/>
+      </a:effectRef>
+      <a:fontRef idx="minor">
+        <a:schemeClr val="lt1"/>
+      </a:fontRef>
+    </dgm:style>
+  </dgm:styleLbl>
+  <dgm:styleLbl name="node1">
+    <dgm:scene3d>
+      <a:camera prst="orthographicFront"/>
+      <a:lightRig rig="threePt" dir="t"/>
+    </dgm:scene3d>
+    <dgm:sp3d/>
+    <dgm:txPr/>
+    <dgm:style>
+      <a:lnRef idx="2">
+        <a:scrgbClr r="0" g="0" b="0"/>
+      </a:lnRef>
+      <a:fillRef idx="1">
+        <a:scrgbClr r="0" g="0" b="0"/>
+      </a:fillRef>
+      <a:effectRef idx="0">
+        <a:scrgbClr r="0" g="0" b="0"/>
+      </a:effectRef>
+      <a:fontRef idx="minor">
+        <a:schemeClr val="lt1"/>
+      </a:fontRef>
+    </dgm:style>
+  </dgm:styleLbl>
+  <dgm:styleLbl name="node2">
+    <dgm:scene3d>
+      <a:camera prst="orthographicFront"/>
+      <a:lightRig rig="threePt" dir="t"/>
+    </dgm:scene3d>
+    <dgm:sp3d/>
+    <dgm:txPr/>
+    <dgm:style>
+      <a:lnRef idx="2">
+        <a:scrgbClr r="0" g="0" b="0"/>
+      </a:lnRef>
+      <a:fillRef idx="1">
+        <a:scrgbClr r="0" g="0" b="0"/>
+      </a:fillRef>
+      <a:effectRef idx="0">
+        <a:scrgbClr r="0" g="0" b="0"/>
+      </a:effectRef>
+      <a:fontRef idx="minor">
+        <a:schemeClr val="lt1"/>
+      </a:fontRef>
+    </dgm:style>
+  </dgm:styleLbl>
+  <dgm:styleLbl name="node3">
+    <dgm:scene3d>
+      <a:camera prst="orthographicFront"/>
+      <a:lightRig rig="threePt" dir="t"/>
+    </dgm:scene3d>
+    <dgm:sp3d/>
+    <dgm:txPr/>
+    <dgm:style>
+      <a:lnRef idx="2">
+        <a:scrgbClr r="0" g="0" b="0"/>
+      </a:lnRef>
+      <a:fillRef idx="1">
+        <a:scrgbClr r="0" g="0" b="0"/>
+      </a:fillRef>
+      <a:effectRef idx="0">
+        <a:scrgbClr r="0" g="0" b="0"/>
+      </a:effectRef>
+      <a:fontRef idx="minor">
+        <a:schemeClr val="lt1"/>
+      </a:fontRef>
+    </dgm:style>
+  </dgm:styleLbl>
+  <dgm:styleLbl name="node4">
+    <dgm:scene3d>
+      <a:camera prst="orthographicFront"/>
+      <a:lightRig rig="threePt" dir="t"/>
+    </dgm:scene3d>
+    <dgm:sp3d/>
+    <dgm:txPr/>
+    <dgm:style>
+      <a:lnRef idx="2">
+        <a:scrgbClr r="0" g="0" b="0"/>
+      </a:lnRef>
+      <a:fillRef idx="1">
+        <a:scrgbClr r="0" g="0" b="0"/>
+      </a:fillRef>
+      <a:effectRef idx="0">
+        <a:scrgbClr r="0" g="0" b="0"/>
+      </a:effectRef>
+      <a:fontRef idx="minor">
+        <a:schemeClr val="lt1"/>
+      </a:fontRef>
+    </dgm:style>
+  </dgm:styleLbl>
+  <dgm:styleLbl name="fgImgPlace1">
+    <dgm:scene3d>
+      <a:camera prst="orthographicFront"/>
+      <a:lightRig rig="threePt" dir="t"/>
+    </dgm:scene3d>
+    <dgm:sp3d/>
+    <dgm:txPr/>
+    <dgm:style>
+      <a:lnRef idx="2">
+        <a:scrgbClr r="0" g="0" b="0"/>
+      </a:lnRef>
+      <a:fillRef idx="1">
+        <a:scrgbClr r="0" g="0" b="0"/>
+      </a:fillRef>
+      <a:effectRef idx="0">
+        <a:scrgbClr r="0" g="0" b="0"/>
+      </a:effectRef>
+      <a:fontRef idx="minor"/>
+    </dgm:style>
+  </dgm:styleLbl>
+  <dgm:styleLbl name="alignImgPlace1">
+    <dgm:scene3d>
+      <a:camera prst="orthographicFront"/>
+      <a:lightRig rig="threePt" dir="t"/>
+    </dgm:scene3d>
+    <dgm:sp3d/>
+    <dgm:txPr/>
+    <dgm:style>
+      <a:lnRef idx="2">
+        <a:scrgbClr r="0" g="0" b="0"/>
+      </a:lnRef>
+      <a:fillRef idx="1">
+        <a:scrgbClr r="0" g="0" b="0"/>
+      </a:fillRef>
+      <a:effectRef idx="0">
+        <a:scrgbClr r="0" g="0" b="0"/>
+      </a:effectRef>
+      <a:fontRef idx="minor"/>
+    </dgm:style>
+  </dgm:styleLbl>
+  <dgm:styleLbl name="bgImgPlace1">
+    <dgm:scene3d>
+      <a:camera prst="orthographicFront"/>
+      <a:lightRig rig="threePt" dir="t"/>
+    </dgm:scene3d>
+    <dgm:sp3d/>
+    <dgm:txPr/>
+    <dgm:style>
+      <a:lnRef idx="2">
+        <a:scrgbClr r="0" g="0" b="0"/>
+      </a:lnRef>
+      <a:fillRef idx="1">
+        <a:scrgbClr r="0" g="0" b="0"/>
+      </a:fillRef>
+      <a:effectRef idx="0">
+        <a:scrgbClr r="0" g="0" b="0"/>
+      </a:effectRef>
+      <a:fontRef idx="minor"/>
+    </dgm:style>
+  </dgm:styleLbl>
+  <dgm:styleLbl name="sibTrans2D1">
+    <dgm:scene3d>
+      <a:camera prst="orthographicFront"/>
+      <a:lightRig rig="threePt" dir="t"/>
+    </dgm:scene3d>
+    <dgm:sp3d/>
+    <dgm:txPr/>
+    <dgm:style>
+      <a:lnRef idx="0">
+        <a:scrgbClr r="0" g="0" b="0"/>
+      </a:lnRef>
+      <a:fillRef idx="1">
+        <a:scrgbClr r="0" g="0" b="0"/>
+      </a:fillRef>
+      <a:effectRef idx="0">
+        <a:scrgbClr r="0" g="0" b="0"/>
+      </a:effectRef>
+      <a:fontRef idx="minor">
+        <a:schemeClr val="lt1"/>
+      </a:fontRef>
+    </dgm:style>
+  </dgm:styleLbl>
+  <dgm:styleLbl name="fgSibTrans2D1">
+    <dgm:scene3d>
+      <a:camera prst="orthographicFront"/>
+      <a:lightRig rig="threePt" dir="t"/>
+    </dgm:scene3d>
+    <dgm:sp3d/>
+    <dgm:txPr/>
+    <dgm:style>
+      <a:lnRef idx="0">
+        <a:scrgbClr r="0" g="0" b="0"/>
+      </a:lnRef>
+      <a:fillRef idx="1">
+        <a:scrgbClr r="0" g="0" b="0"/>
+      </a:fillRef>
+      <a:effectRef idx="0">
+        <a:scrgbClr r="0" g="0" b="0"/>
+      </a:effectRef>
+      <a:fontRef idx="minor">
+        <a:schemeClr val="lt1"/>
+      </a:fontRef>
+    </dgm:style>
+  </dgm:styleLbl>
+  <dgm:styleLbl name="bgSibTrans2D1">
+    <dgm:scene3d>
+      <a:camera prst="orthographicFront"/>
+      <a:lightRig rig="threePt" dir="t"/>
+    </dgm:scene3d>
+    <dgm:sp3d/>
+    <dgm:txPr/>
+    <dgm:style>
+      <a:lnRef idx="0">
+        <a:scrgbClr r="0" g="0" b="0"/>
+      </a:lnRef>
+      <a:fillRef idx="1">
+        <a:scrgbClr r="0" g="0" b="0"/>
+      </a:fillRef>
+      <a:effectRef idx="0">
+        <a:scrgbClr r="0" g="0" b="0"/>
+      </a:effectRef>
+      <a:fontRef idx="minor">
+        <a:schemeClr val="lt1"/>
+      </a:fontRef>
+    </dgm:style>
+  </dgm:styleLbl>
+  <dgm:styleLbl name="sibTrans1D1">
+    <dgm:scene3d>
+      <a:camera prst="orthographicFront"/>
+      <a:lightRig rig="threePt" dir="t"/>
+    </dgm:scene3d>
+    <dgm:sp3d/>
+    <dgm:txPr/>
+    <dgm:style>
+      <a:lnRef idx="1">
+        <a:scrgbClr r="0" g="0" b="0"/>
+      </a:lnRef>
+      <a:fillRef idx="0">
+        <a:scrgbClr r="0" g="0" b="0"/>
+      </a:fillRef>
+      <a:effectRef idx="0">
+        <a:scrgbClr r="0" g="0" b="0"/>
+      </a:effectRef>
+      <a:fontRef idx="minor"/>
+    </dgm:style>
+  </dgm:styleLbl>
+  <dgm:styleLbl name="callout">
+    <dgm:scene3d>
+      <a:camera prst="orthographicFront"/>
+      <a:lightRig rig="threePt" dir="t"/>
+    </dgm:scene3d>
+    <dgm:sp3d/>
+    <dgm:txPr/>
+    <dgm:style>
+      <a:lnRef idx="2">
+        <a:scrgbClr r="0" g="0" b="0"/>
+      </a:lnRef>
+      <a:fillRef idx="1">
+        <a:scrgbClr r="0" g="0" b="0"/>
+      </a:fillRef>
+      <a:effectRef idx="0">
+        <a:scrgbClr r="0" g="0" b="0"/>
+      </a:effectRef>
+      <a:fontRef idx="minor"/>
+    </dgm:style>
+  </dgm:styleLbl>
+  <dgm:styleLbl name="asst0">
+    <dgm:scene3d>
+      <a:camera prst="orthographicFront"/>
+      <a:lightRig rig="threePt" dir="t"/>
+    </dgm:scene3d>
+    <dgm:sp3d/>
+    <dgm:txPr/>
+    <dgm:style>
+      <a:lnRef idx="2">
+        <a:scrgbClr r="0" g="0" b="0"/>
+      </a:lnRef>
+      <a:fillRef idx="1">
+        <a:scrgbClr r="0" g="0" b="0"/>
+      </a:fillRef>
+      <a:effectRef idx="0">
+        <a:scrgbClr r="0" g="0" b="0"/>
+      </a:effectRef>
+      <a:fontRef idx="minor">
+        <a:schemeClr val="lt1"/>
+      </a:fontRef>
+    </dgm:style>
+  </dgm:styleLbl>
+  <dgm:styleLbl name="asst1">
+    <dgm:scene3d>
+      <a:camera prst="orthographicFront"/>
+      <a:lightRig rig="threePt" dir="t"/>
+    </dgm:scene3d>
+    <dgm:sp3d/>
+    <dgm:txPr/>
+    <dgm:style>
+      <a:lnRef idx="2">
+        <a:scrgbClr r="0" g="0" b="0"/>
+      </a:lnRef>
+      <a:fillRef idx="1">
+        <a:scrgbClr r="0" g="0" b="0"/>
+      </a:fillRef>
+      <a:effectRef idx="0">
+        <a:scrgbClr r="0" g="0" b="0"/>
+      </a:effectRef>
+      <a:fontRef idx="minor">
+        <a:schemeClr val="lt1"/>
+      </a:fontRef>
+    </dgm:style>
+  </dgm:styleLbl>
+  <dgm:styleLbl name="asst2">
+    <dgm:scene3d>
+      <a:camera prst="orthographicFront"/>
+      <a:lightRig rig="threePt" dir="t"/>
+    </dgm:scene3d>
+    <dgm:sp3d/>
+    <dgm:txPr/>
+    <dgm:style>
+      <a:lnRef idx="2">
+        <a:scrgbClr r="0" g="0" b="0"/>
+      </a:lnRef>
+      <a:fillRef idx="1">
+        <a:scrgbClr r="0" g="0" b="0"/>
+      </a:fillRef>
+      <a:effectRef idx="0">
+        <a:scrgbClr r="0" g="0" b="0"/>
+      </a:effectRef>
+      <a:fontRef idx="minor">
+        <a:schemeClr val="lt1"/>
+      </a:fontRef>
+    </dgm:style>
+  </dgm:styleLbl>
+  <dgm:styleLbl name="asst3">
+    <dgm:scene3d>
+      <a:camera prst="orthographicFront"/>
+      <a:lightRig rig="threePt" dir="t"/>
+    </dgm:scene3d>
+    <dgm:sp3d/>
+    <dgm:txPr/>
+    <dgm:style>
+      <a:lnRef idx="2">
+        <a:scrgbClr r="0" g="0" b="0"/>
+      </a:lnRef>
+      <a:fillRef idx="1">
+        <a:scrgbClr r="0" g="0" b="0"/>
+      </a:fillRef>
+      <a:effectRef idx="0">
+        <a:scrgbClr r="0" g="0" b="0"/>
+      </a:effectRef>
+      <a:fontRef idx="minor">
+        <a:schemeClr val="lt1"/>
+      </a:fontRef>
+    </dgm:style>
+  </dgm:styleLbl>
+  <dgm:styleLbl name="asst4">
+    <dgm:scene3d>
+      <a:camera prst="orthographicFront"/>
+      <a:lightRig rig="threePt" dir="t"/>
+    </dgm:scene3d>
+    <dgm:sp3d/>
+    <dgm:txPr/>
+    <dgm:style>
+      <a:lnRef idx="2">
+        <a:scrgbClr r="0" g="0" b="0"/>
+      </a:lnRef>
+      <a:fillRef idx="1">
+        <a:scrgbClr r="0" g="0" b="0"/>
+      </a:fillRef>
+      <a:effectRef idx="0">
+        <a:scrgbClr r="0" g="0" b="0"/>
+      </a:effectRef>
+      <a:fontRef idx="minor">
+        <a:schemeClr val="lt1"/>
+      </a:fontRef>
+    </dgm:style>
+  </dgm:styleLbl>
+  <dgm:styleLbl name="parChTrans2D1">
+    <dgm:scene3d>
+      <a:camera prst="orthographicFront"/>
+      <a:lightRig rig="threePt" dir="t"/>
+    </dgm:scene3d>
+    <dgm:sp3d/>
+    <dgm:txPr/>
+    <dgm:style>
+      <a:lnRef idx="2">
+        <a:scrgbClr r="0" g="0" b="0"/>
+      </a:lnRef>
+      <a:fillRef idx="1">
+        <a:scrgbClr r="0" g="0" b="0"/>
+      </a:fillRef>
+      <a:effectRef idx="0">
+        <a:scrgbClr r="0" g="0" b="0"/>
+      </a:effectRef>
+      <a:fontRef idx="minor">
+        <a:schemeClr val="lt1"/>
+      </a:fontRef>
+    </dgm:style>
+  </dgm:styleLbl>
+  <dgm:styleLbl name="parChTrans2D2">
+    <dgm:scene3d>
+      <a:camera prst="orthographicFront"/>
+      <a:lightRig rig="threePt" dir="t"/>
+    </dgm:scene3d>
+    <dgm:sp3d/>
+    <dgm:txPr/>
+    <dgm:style>
+      <a:lnRef idx="2">
+        <a:scrgbClr r="0" g="0" b="0"/>
+      </a:lnRef>
+      <a:fillRef idx="1">
+        <a:scrgbClr r="0" g="0" b="0"/>
+      </a:fillRef>
+      <a:effectRef idx="0">
+        <a:scrgbClr r="0" g="0" b="0"/>
+      </a:effectRef>
+      <a:fontRef idx="minor">
+        <a:schemeClr val="lt1"/>
+      </a:fontRef>
+    </dgm:style>
+  </dgm:styleLbl>
+  <dgm:styleLbl name="parChTrans2D3">
+    <dgm:scene3d>
+      <a:camera prst="orthographicFront"/>
+      <a:lightRig rig="threePt" dir="t"/>
+    </dgm:scene3d>
+    <dgm:sp3d/>
+    <dgm:txPr/>
+    <dgm:style>
+      <a:lnRef idx="2">
+        <a:scrgbClr r="0" g="0" b="0"/>
+      </a:lnRef>
+      <a:fillRef idx="1">
+        <a:scrgbClr r="0" g="0" b="0"/>
+      </a:fillRef>
+      <a:effectRef idx="0">
+        <a:scrgbClr r="0" g="0" b="0"/>
+      </a:effectRef>
+      <a:fontRef idx="minor">
+        <a:schemeClr val="lt1"/>
+      </a:fontRef>
+    </dgm:style>
+  </dgm:styleLbl>
+  <dgm:styleLbl name="parChTrans2D4">
+    <dgm:scene3d>
+      <a:camera prst="orthographicFront"/>
+      <a:lightRig rig="threePt" dir="t"/>
+    </dgm:scene3d>
+    <dgm:sp3d/>
+    <dgm:txPr/>
+    <dgm:style>
+      <a:lnRef idx="2">
+        <a:scrgbClr r="0" g="0" b="0"/>
+      </a:lnRef>
+      <a:fillRef idx="1">
+        <a:scrgbClr r="0" g="0" b="0"/>
+      </a:fillRef>
+      <a:effectRef idx="0">
+        <a:scrgbClr r="0" g="0" b="0"/>
+      </a:effectRef>
+      <a:fontRef idx="minor">
+        <a:schemeClr val="lt1"/>
+      </a:fontRef>
+    </dgm:style>
+  </dgm:styleLbl>
+  <dgm:styleLbl name="parChTrans1D1">
+    <dgm:scene3d>
+      <a:camera prst="orthographicFront"/>
+      <a:lightRig rig="threePt" dir="t"/>
+    </dgm:scene3d>
+    <dgm:sp3d/>
+    <dgm:txPr/>
+    <dgm:style>
+      <a:lnRef idx="2">
+        <a:scrgbClr r="0" g="0" b="0"/>
+      </a:lnRef>
+      <a:fillRef idx="0">
+        <a:scrgbClr r="0" g="0" b="0"/>
+      </a:fillRef>
+      <a:effectRef idx="0">
+        <a:scrgbClr r="0" g="0" b="0"/>
+      </a:effectRef>
+      <a:fontRef idx="minor"/>
+    </dgm:style>
+  </dgm:styleLbl>
+  <dgm:styleLbl name="parChTrans1D2">
+    <dgm:scene3d>
+      <a:camera prst="orthographicFront"/>
+      <a:lightRig rig="threePt" dir="t"/>
+    </dgm:scene3d>
+    <dgm:sp3d/>
+    <dgm:txPr/>
+    <dgm:style>
+      <a:lnRef idx="2">
+        <a:scrgbClr r="0" g="0" b="0"/>
+      </a:lnRef>
+      <a:fillRef idx="0">
+        <a:scrgbClr r="0" g="0" b="0"/>
+      </a:fillRef>
+      <a:effectRef idx="0">
+        <a:scrgbClr r="0" g="0" b="0"/>
+      </a:effectRef>
+      <a:fontRef idx="minor"/>
+    </dgm:style>
+  </dgm:styleLbl>
+  <dgm:styleLbl name="parChTrans1D3">
+    <dgm:scene3d>
+      <a:camera prst="orthographicFront"/>
+      <a:lightRig rig="threePt" dir="t"/>
+    </dgm:scene3d>
+    <dgm:sp3d/>
+    <dgm:txPr/>
+    <dgm:style>
+      <a:lnRef idx="2">
+        <a:scrgbClr r="0" g="0" b="0"/>
+      </a:lnRef>
+      <a:fillRef idx="0">
+        <a:scrgbClr r="0" g="0" b="0"/>
+      </a:fillRef>
+      <a:effectRef idx="0">
+        <a:scrgbClr r="0" g="0" b="0"/>
+      </a:effectRef>
+      <a:fontRef idx="minor"/>
+    </dgm:style>
+  </dgm:styleLbl>
+  <dgm:styleLbl name="parChTrans1D4">
+    <dgm:scene3d>
+      <a:camera prst="orthographicFront"/>
+      <a:lightRig rig="threePt" dir="t"/>
+    </dgm:scene3d>
+    <dgm:sp3d/>
+    <dgm:txPr/>
+    <dgm:style>
+      <a:lnRef idx="2">
+        <a:scrgbClr r="0" g="0" b="0"/>
+      </a:lnRef>
+      <a:fillRef idx="0">
+        <a:scrgbClr r="0" g="0" b="0"/>
+      </a:fillRef>
+      <a:effectRef idx="0">
+        <a:scrgbClr r="0" g="0" b="0"/>
+      </a:effectRef>
+      <a:fontRef idx="minor"/>
+    </dgm:style>
+  </dgm:styleLbl>
+  <dgm:styleLbl name="fgAcc1">
+    <dgm:scene3d>
+      <a:camera prst="orthographicFront"/>
+      <a:lightRig rig="threePt" dir="t"/>
+    </dgm:scene3d>
+    <dgm:sp3d/>
+    <dgm:txPr/>
+    <dgm:style>
+      <a:lnRef idx="2">
+        <a:scrgbClr r="0" g="0" b="0"/>
+      </a:lnRef>
+      <a:fillRef idx="1">
+        <a:scrgbClr r="0" g="0" b="0"/>
+      </a:fillRef>
+      <a:effectRef idx="0">
+        <a:scrgbClr r="0" g="0" b="0"/>
+      </a:effectRef>
+      <a:fontRef idx="minor"/>
+    </dgm:style>
+  </dgm:styleLbl>
+  <dgm:styleLbl name="conFgAcc1">
+    <dgm:scene3d>
+      <a:camera prst="orthographicFront"/>
+      <a:lightRig rig="threePt" dir="t"/>
+    </dgm:scene3d>
+    <dgm:sp3d/>
+    <dgm:txPr/>
+    <dgm:style>
+      <a:lnRef idx="2">
+        <a:scrgbClr r="0" g="0" b="0"/>
+      </a:lnRef>
+      <a:fillRef idx="1">
+        <a:scrgbClr r="0" g="0" b="0"/>
+      </a:fillRef>
+      <a:effectRef idx="0">
+        <a:scrgbClr r="0" g="0" b="0"/>
+      </a:effectRef>
+      <a:fontRef idx="minor"/>
+    </dgm:style>
+  </dgm:styleLbl>
+  <dgm:styleLbl name="alignAcc1">
+    <dgm:scene3d>
+      <a:camera prst="orthographicFront"/>
+      <a:lightRig rig="threePt" dir="t"/>
+    </dgm:scene3d>
+    <dgm:sp3d/>
+    <dgm:txPr/>
+    <dgm:style>
+      <a:lnRef idx="2">
+        <a:scrgbClr r="0" g="0" b="0"/>
+      </a:lnRef>
+      <a:fillRef idx="1">
+        <a:scrgbClr r="0" g="0" b="0"/>
+      </a:fillRef>
+      <a:effectRef idx="0">
+        <a:scrgbClr r="0" g="0" b="0"/>
+      </a:effectRef>
+      <a:fontRef idx="minor"/>
+    </dgm:style>
+  </dgm:styleLbl>
+  <dgm:styleLbl name="trAlignAcc1">
+    <dgm:scene3d>
+      <a:camera prst="orthographicFront"/>
+      <a:lightRig rig="threePt" dir="t"/>
+    </dgm:scene3d>
+    <dgm:sp3d/>
+    <dgm:txPr/>
+    <dgm:style>
+      <a:lnRef idx="1">
+        <a:scrgbClr r="0" g="0" b="0"/>
+      </a:lnRef>
+      <a:fillRef idx="1">
+        <a:scrgbClr r="0" g="0" b="0"/>
+      </a:fillRef>
+      <a:effectRef idx="0">
+        <a:scrgbClr r="0" g="0" b="0"/>
+      </a:effectRef>
+      <a:fontRef idx="minor"/>
+    </dgm:style>
+  </dgm:styleLbl>
+  <dgm:styleLbl name="bgAcc1">
+    <dgm:scene3d>
+      <a:camera prst="orthographicFront"/>
+      <a:lightRig rig="threePt" dir="t"/>
+    </dgm:scene3d>
+    <dgm:sp3d/>
+    <dgm:txPr/>
+    <dgm:style>
+      <a:lnRef idx="2">
+        <a:scrgbClr r="0" g="0" b="0"/>
+      </a:lnRef>
+      <a:fillRef idx="1">
+        <a:scrgbClr r="0" g="0" b="0"/>
+      </a:fillRef>
+      <a:effectRef idx="0">
+        <a:scrgbClr r="0" g="0" b="0"/>
+      </a:effectRef>
+      <a:fontRef idx="minor"/>
+    </dgm:style>
+  </dgm:styleLbl>
+  <dgm:styleLbl name="solidFgAcc1">
+    <dgm:scene3d>
+      <a:camera prst="orthographicFront"/>
+      <a:lightRig rig="threePt" dir="t"/>
+    </dgm:scene3d>
+    <dgm:sp3d/>
+    <dgm:txPr/>
+    <dgm:style>
+      <a:lnRef idx="2">
+        <a:scrgbClr r="0" g="0" b="0"/>
+      </a:lnRef>
+      <a:fillRef idx="1">
+        <a:scrgbClr r="0" g="0" b="0"/>
+      </a:fillRef>
+      <a:effectRef idx="0">
+        <a:scrgbClr r="0" g="0" b="0"/>
+      </a:effectRef>
+      <a:fontRef idx="minor"/>
+    </dgm:style>
+  </dgm:styleLbl>
+  <dgm:styleLbl name="solidAlignAcc1">
+    <dgm:scene3d>
+      <a:camera prst="orthographicFront"/>
+      <a:lightRig rig="threePt" dir="t"/>
+    </dgm:scene3d>
+    <dgm:sp3d/>
+    <dgm:txPr/>
+    <dgm:style>
+      <a:lnRef idx="2">
+        <a:scrgbClr r="0" g="0" b="0"/>
+      </a:lnRef>
+      <a:fillRef idx="1">
+        <a:scrgbClr r="0" g="0" b="0"/>
+      </a:fillRef>
+      <a:effectRef idx="0">
+        <a:scrgbClr r="0" g="0" b="0"/>
+      </a:effectRef>
+      <a:fontRef idx="minor"/>
+    </dgm:style>
+  </dgm:styleLbl>
+  <dgm:styleLbl name="solidBgAcc1">
+    <dgm:scene3d>
+      <a:camera prst="orthographicFront"/>
+      <a:lightRig rig="threePt" dir="t"/>
+    </dgm:scene3d>
+    <dgm:sp3d/>
+    <dgm:txPr/>
+    <dgm:style>
+      <a:lnRef idx="2">
+        <a:scrgbClr r="0" g="0" b="0"/>
+      </a:lnRef>
+      <a:fillRef idx="1">
+        <a:scrgbClr r="0" g="0" b="0"/>
+      </a:fillRef>
+      <a:effectRef idx="0">
+        <a:scrgbClr r="0" g="0" b="0"/>
+      </a:effectRef>
+      <a:fontRef idx="minor"/>
+    </dgm:style>
+  </dgm:styleLbl>
+  <dgm:styleLbl name="fgAccFollowNode1">
+    <dgm:scene3d>
+      <a:camera prst="orthographicFront"/>
+      <a:lightRig rig="threePt" dir="t"/>
+    </dgm:scene3d>
+    <dgm:sp3d/>
+    <dgm:txPr/>
+    <dgm:style>
+      <a:lnRef idx="2">
+        <a:scrgbClr r="0" g="0" b="0"/>
+      </a:lnRef>
+      <a:fillRef idx="1">
+        <a:scrgbClr r="0" g="0" b="0"/>
+      </a:fillRef>
+      <a:effectRef idx="0">
+        <a:scrgbClr r="0" g="0" b="0"/>
+      </a:effectRef>
+      <a:fontRef idx="minor"/>
+    </dgm:style>
+  </dgm:styleLbl>
+  <dgm:styleLbl name="alignAccFollowNode1">
+    <dgm:scene3d>
+      <a:camera prst="orthographicFront"/>
+      <a:lightRig rig="threePt" dir="t"/>
+    </dgm:scene3d>
+    <dgm:sp3d/>
+    <dgm:txPr/>
+    <dgm:style>
+      <a:lnRef idx="2">
+        <a:scrgbClr r="0" g="0" b="0"/>
+      </a:lnRef>
+      <a:fillRef idx="1">
+        <a:scrgbClr r="0" g="0" b="0"/>
+      </a:fillRef>
+      <a:effectRef idx="0">
+        <a:scrgbClr r="0" g="0" b="0"/>
+      </a:effectRef>
+      <a:fontRef idx="minor"/>
+    </dgm:style>
+  </dgm:styleLbl>
+  <dgm:styleLbl name="bgAccFollowNode1">
+    <dgm:scene3d>
+      <a:camera prst="orthographicFront"/>
+      <a:lightRig rig="threePt" dir="t"/>
+    </dgm:scene3d>
+    <dgm:sp3d/>
+    <dgm:txPr/>
+    <dgm:style>
+      <a:lnRef idx="2">
+        <a:scrgbClr r="0" g="0" b="0"/>
+      </a:lnRef>
+      <a:fillRef idx="1">
+        <a:scrgbClr r="0" g="0" b="0"/>
+      </a:fillRef>
+      <a:effectRef idx="0">
+        <a:scrgbClr r="0" g="0" b="0"/>
+      </a:effectRef>
+      <a:fontRef idx="minor"/>
+    </dgm:style>
+  </dgm:styleLbl>
+  <dgm:styleLbl name="fgAcc0">
+    <dgm:scene3d>
+      <a:camera prst="orthographicFront"/>
+      <a:lightRig rig="threePt" dir="t"/>
+    </dgm:scene3d>
+    <dgm:sp3d/>
+    <dgm:txPr/>
+    <dgm:style>
+      <a:lnRef idx="2">
+        <a:scrgbClr r="0" g="0" b="0"/>
+      </a:lnRef>
+      <a:fillRef idx="1">
+        <a:scrgbClr r="0" g="0" b="0"/>
+      </a:fillRef>
+      <a:effectRef idx="0">
+        <a:scrgbClr r="0" g="0" b="0"/>
+      </a:effectRef>
+      <a:fontRef idx="minor"/>
+    </dgm:style>
+  </dgm:styleLbl>
+  <dgm:styleLbl name="fgAcc2">
+    <dgm:scene3d>
+      <a:camera prst="orthographicFront"/>
+      <a:lightRig rig="threePt" dir="t"/>
+    </dgm:scene3d>
+    <dgm:sp3d/>
+    <dgm:txPr/>
+    <dgm:style>
+      <a:lnRef idx="2">
+        <a:scrgbClr r="0" g="0" b="0"/>
+      </a:lnRef>
+      <a:fillRef idx="1">
+        <a:scrgbClr r="0" g="0" b="0"/>
+      </a:fillRef>
+      <a:effectRef idx="0">
+        <a:scrgbClr r="0" g="0" b="0"/>
+      </a:effectRef>
+      <a:fontRef idx="minor"/>
+    </dgm:style>
+  </dgm:styleLbl>
+  <dgm:styleLbl name="fgAcc3">
+    <dgm:scene3d>
+      <a:camera prst="orthographicFront"/>
+      <a:lightRig rig="threePt" dir="t"/>
+    </dgm:scene3d>
+    <dgm:sp3d/>
+    <dgm:txPr/>
+    <dgm:style>
+      <a:lnRef idx="2">
+        <a:scrgbClr r="0" g="0" b="0"/>
+      </a:lnRef>
+      <a:fillRef idx="1">
+        <a:scrgbClr r="0" g="0" b="0"/>
+      </a:fillRef>
+      <a:effectRef idx="0">
+        <a:scrgbClr r="0" g="0" b="0"/>
+      </a:effectRef>
+      <a:fontRef idx="minor"/>
+    </dgm:style>
+  </dgm:styleLbl>
+  <dgm:styleLbl name="fgAcc4">
+    <dgm:scene3d>
+      <a:camera prst="orthographicFront"/>
+      <a:lightRig rig="threePt" dir="t"/>
+    </dgm:scene3d>
+    <dgm:sp3d/>
+    <dgm:txPr/>
+    <dgm:style>
+      <a:lnRef idx="2">
+        <a:scrgbClr r="0" g="0" b="0"/>
+      </a:lnRef>
+      <a:fillRef idx="1">
+        <a:scrgbClr r="0" g="0" b="0"/>
+      </a:fillRef>
+      <a:effectRef idx="0">
+        <a:scrgbClr r="0" g="0" b="0"/>
+      </a:effectRef>
+      <a:fontRef idx="minor"/>
+    </dgm:style>
+  </dgm:styleLbl>
+  <dgm:styleLbl name="bgShp">
+    <dgm:scene3d>
+      <a:camera prst="orthographicFront"/>
+      <a:lightRig rig="threePt" dir="t"/>
+    </dgm:scene3d>
+    <dgm:sp3d/>
+    <dgm:txPr/>
+    <dgm:style>
+      <a:lnRef idx="0">
+        <a:scrgbClr r="0" g="0" b="0"/>
+      </a:lnRef>
+      <a:fillRef idx="1">
+        <a:scrgbClr r="0" g="0" b="0"/>
+      </a:fillRef>
+      <a:effectRef idx="0">
+        <a:scrgbClr r="0" g="0" b="0"/>
+      </a:effectRef>
+      <a:fontRef idx="minor"/>
+    </dgm:style>
+  </dgm:styleLbl>
+  <dgm:styleLbl name="dkBgShp">
+    <dgm:scene3d>
+      <a:camera prst="orthographicFront"/>
+      <a:lightRig rig="threePt" dir="t"/>
+    </dgm:scene3d>
+    <dgm:sp3d/>
+    <dgm:txPr/>
+    <dgm:style>
+      <a:lnRef idx="0">
+        <a:scrgbClr r="0" g="0" b="0"/>
+      </a:lnRef>
+      <a:fillRef idx="1">
+        <a:scrgbClr r="0" g="0" b="0"/>
+      </a:fillRef>
+      <a:effectRef idx="0">
+        <a:scrgbClr r="0" g="0" b="0"/>
+      </a:effectRef>
+      <a:fontRef idx="minor"/>
+    </dgm:style>
+  </dgm:styleLbl>
+  <dgm:styleLbl name="trBgShp">
+    <dgm:scene3d>
+      <a:camera prst="orthographicFront"/>
+      <a:lightRig rig="threePt" dir="t"/>
+    </dgm:scene3d>
+    <dgm:sp3d/>
+    <dgm:txPr/>
+    <dgm:style>
+      <a:lnRef idx="0">
+        <a:scrgbClr r="0" g="0" b="0"/>
+      </a:lnRef>
+      <a:fillRef idx="1">
+        <a:scrgbClr r="0" g="0" b="0"/>
+      </a:fillRef>
+      <a:effectRef idx="0">
+        <a:scrgbClr r="0" g="0" b="0"/>
+      </a:effectRef>
+      <a:fontRef idx="minor"/>
+    </dgm:style>
+  </dgm:styleLbl>
+  <dgm:styleLbl name="fgShp">
+    <dgm:scene3d>
+      <a:camera prst="orthographicFront"/>
+      <a:lightRig rig="threePt" dir="t"/>
+    </dgm:scene3d>
+    <dgm:sp3d/>
+    <dgm:txPr/>
+    <dgm:style>
+      <a:lnRef idx="2">
+        <a:scrgbClr r="0" g="0" b="0"/>
+      </a:lnRef>
+      <a:fillRef idx="1">
+        <a:scrgbClr r="0" g="0" b="0"/>
+      </a:fillRef>
+      <a:effectRef idx="0">
+        <a:scrgbClr r="0" g="0" b="0"/>
+      </a:effectRef>
+      <a:fontRef idx="minor"/>
+    </dgm:style>
+  </dgm:styleLbl>
+  <dgm:styleLbl name="revTx">
+    <dgm:scene3d>
+      <a:camera prst="orthographicFront"/>
+      <a:lightRig rig="threePt" dir="t"/>
+    </dgm:scene3d>
+    <dgm:sp3d/>
+    <dgm:txPr/>
+    <dgm:style>
+      <a:lnRef idx="0">
+        <a:scrgbClr r="0" g="0" b="0"/>
+      </a:lnRef>
+      <a:fillRef idx="0">
+        <a:scrgbClr r="0" g="0" b="0"/>
+      </a:fillRef>
+      <a:effectRef idx="0">
+        <a:scrgbClr r="0" g="0" b="0"/>
+      </a:effectRef>
+      <a:fontRef idx="minor"/>
+    </dgm:style>
+  </dgm:styleLbl>
+</dgm:styleDef>
+</file>
+
+<file path=ppt/diagrams/quickStyle6.xml><?xml version="1.0" encoding="utf-8"?>
 <dgm:styleDef xmlns:dgm="http://schemas.openxmlformats.org/drawingml/2006/diagram" xmlns:a="http://schemas.openxmlformats.org/drawingml/2006/main" uniqueId="urn:microsoft.com/office/officeart/2005/8/quickstyle/simple2">
   <dgm:title val=""/>
   <dgm:desc val=""/>
@@ -19757,6 +22672,575 @@
           <p:cNvPr id="2" name="Title 1">
             <a:extLst>
               <a:ext uri="{FF2B5EF4-FFF2-40B4-BE49-F238E27FC236}">
+                <a16:creationId xmlns:a16="http://schemas.microsoft.com/office/drawing/2014/main" id="{62504865-2A8B-4CC9-874F-C9C5AADD9B34}"/>
+              </a:ext>
+            </a:extLst>
+          </p:cNvPr>
+          <p:cNvSpPr>
+            <a:spLocks noGrp="1"/>
+          </p:cNvSpPr>
+          <p:nvPr>
+            <p:ph type="title"/>
+          </p:nvPr>
+        </p:nvSpPr>
+        <p:spPr>
+          <a:xfrm>
+            <a:off x="643467" y="643466"/>
+            <a:ext cx="3933390" cy="4937287"/>
+          </a:xfrm>
+        </p:spPr>
+        <p:txBody>
+          <a:bodyPr anchor="ctr">
+            <a:normAutofit/>
+          </a:bodyPr>
+          <a:lstStyle/>
+          <a:p>
+            <a:pPr algn="l"/>
+            <a:r>
+              <a:rPr lang="en-US" sz="4800">
+                <a:solidFill>
+                  <a:schemeClr val="tx1"/>
+                </a:solidFill>
+              </a:rPr>
+              <a:t>Actions Classified</a:t>
+            </a:r>
+          </a:p>
+        </p:txBody>
+      </p:sp>
+      <p:sp>
+        <p:nvSpPr>
+          <p:cNvPr id="10" name="Freeform 6">
+            <a:extLst>
+              <a:ext uri="{FF2B5EF4-FFF2-40B4-BE49-F238E27FC236}">
+                <a16:creationId xmlns:a16="http://schemas.microsoft.com/office/drawing/2014/main" id="{CEF2B853-4083-4B70-AC2A-F79D80809342}"/>
+              </a:ext>
+              <a:ext uri="{C183D7F6-B498-43B3-948B-1728B52AA6E4}">
+                <adec:decorative xmlns:adec="http://schemas.microsoft.com/office/drawing/2017/decorative" val="1"/>
+              </a:ext>
+            </a:extLst>
+          </p:cNvPr>
+          <p:cNvSpPr>
+            <a:spLocks noGrp="1" noRot="1" noChangeAspect="1" noMove="1" noResize="1" noEditPoints="1" noAdjustHandles="1" noChangeArrowheads="1" noChangeShapeType="1" noTextEdit="1"/>
+          </p:cNvSpPr>
+          <p:nvPr>
+            <p:extLst>
+              <p:ext uri="{386F3935-93C4-4BCD-93E2-E3B085C9AB24}">
+                <p16:designElem xmlns:p16="http://schemas.microsoft.com/office/powerpoint/2015/main" val="1"/>
+              </p:ext>
+            </p:extLst>
+          </p:nvPr>
+        </p:nvSpPr>
+        <p:spPr bwMode="auto">
+          <a:xfrm flipH="1">
+            <a:off x="0" y="643466"/>
+            <a:ext cx="407988" cy="819150"/>
+          </a:xfrm>
+          <a:custGeom>
+            <a:avLst/>
+            <a:gdLst/>
+            <a:ahLst/>
+            <a:cxnLst/>
+            <a:rect l="0" t="0" r="r" b="b"/>
+            <a:pathLst>
+              <a:path w="1799" h="3612">
+                <a:moveTo>
+                  <a:pt x="1799" y="0"/>
+                </a:moveTo>
+                <a:lnTo>
+                  <a:pt x="1799" y="3612"/>
+                </a:lnTo>
+                <a:lnTo>
+                  <a:pt x="1686" y="3609"/>
+                </a:lnTo>
+                <a:lnTo>
+                  <a:pt x="1574" y="3598"/>
+                </a:lnTo>
+                <a:lnTo>
+                  <a:pt x="1464" y="3581"/>
+                </a:lnTo>
+                <a:lnTo>
+                  <a:pt x="1357" y="3557"/>
+                </a:lnTo>
+                <a:lnTo>
+                  <a:pt x="1251" y="3527"/>
+                </a:lnTo>
+                <a:lnTo>
+                  <a:pt x="1150" y="3490"/>
+                </a:lnTo>
+                <a:lnTo>
+                  <a:pt x="1050" y="3448"/>
+                </a:lnTo>
+                <a:lnTo>
+                  <a:pt x="953" y="3401"/>
+                </a:lnTo>
+                <a:lnTo>
+                  <a:pt x="860" y="3347"/>
+                </a:lnTo>
+                <a:lnTo>
+                  <a:pt x="771" y="3289"/>
+                </a:lnTo>
+                <a:lnTo>
+                  <a:pt x="686" y="3224"/>
+                </a:lnTo>
+                <a:lnTo>
+                  <a:pt x="604" y="3156"/>
+                </a:lnTo>
+                <a:lnTo>
+                  <a:pt x="527" y="3083"/>
+                </a:lnTo>
+                <a:lnTo>
+                  <a:pt x="454" y="3005"/>
+                </a:lnTo>
+                <a:lnTo>
+                  <a:pt x="386" y="2923"/>
+                </a:lnTo>
+                <a:lnTo>
+                  <a:pt x="323" y="2838"/>
+                </a:lnTo>
+                <a:lnTo>
+                  <a:pt x="265" y="2748"/>
+                </a:lnTo>
+                <a:lnTo>
+                  <a:pt x="211" y="2655"/>
+                </a:lnTo>
+                <a:lnTo>
+                  <a:pt x="163" y="2559"/>
+                </a:lnTo>
+                <a:lnTo>
+                  <a:pt x="121" y="2459"/>
+                </a:lnTo>
+                <a:lnTo>
+                  <a:pt x="85" y="2356"/>
+                </a:lnTo>
+                <a:lnTo>
+                  <a:pt x="55" y="2251"/>
+                </a:lnTo>
+                <a:lnTo>
+                  <a:pt x="32" y="2143"/>
+                </a:lnTo>
+                <a:lnTo>
+                  <a:pt x="14" y="2033"/>
+                </a:lnTo>
+                <a:lnTo>
+                  <a:pt x="4" y="1920"/>
+                </a:lnTo>
+                <a:lnTo>
+                  <a:pt x="0" y="1806"/>
+                </a:lnTo>
+                <a:lnTo>
+                  <a:pt x="4" y="1692"/>
+                </a:lnTo>
+                <a:lnTo>
+                  <a:pt x="14" y="1580"/>
+                </a:lnTo>
+                <a:lnTo>
+                  <a:pt x="32" y="1469"/>
+                </a:lnTo>
+                <a:lnTo>
+                  <a:pt x="55" y="1362"/>
+                </a:lnTo>
+                <a:lnTo>
+                  <a:pt x="85" y="1256"/>
+                </a:lnTo>
+                <a:lnTo>
+                  <a:pt x="121" y="1154"/>
+                </a:lnTo>
+                <a:lnTo>
+                  <a:pt x="163" y="1054"/>
+                </a:lnTo>
+                <a:lnTo>
+                  <a:pt x="211" y="958"/>
+                </a:lnTo>
+                <a:lnTo>
+                  <a:pt x="265" y="864"/>
+                </a:lnTo>
+                <a:lnTo>
+                  <a:pt x="323" y="774"/>
+                </a:lnTo>
+                <a:lnTo>
+                  <a:pt x="386" y="689"/>
+                </a:lnTo>
+                <a:lnTo>
+                  <a:pt x="454" y="607"/>
+                </a:lnTo>
+                <a:lnTo>
+                  <a:pt x="527" y="529"/>
+                </a:lnTo>
+                <a:lnTo>
+                  <a:pt x="604" y="456"/>
+                </a:lnTo>
+                <a:lnTo>
+                  <a:pt x="686" y="388"/>
+                </a:lnTo>
+                <a:lnTo>
+                  <a:pt x="771" y="325"/>
+                </a:lnTo>
+                <a:lnTo>
+                  <a:pt x="860" y="266"/>
+                </a:lnTo>
+                <a:lnTo>
+                  <a:pt x="953" y="212"/>
+                </a:lnTo>
+                <a:lnTo>
+                  <a:pt x="1050" y="164"/>
+                </a:lnTo>
+                <a:lnTo>
+                  <a:pt x="1150" y="122"/>
+                </a:lnTo>
+                <a:lnTo>
+                  <a:pt x="1251" y="85"/>
+                </a:lnTo>
+                <a:lnTo>
+                  <a:pt x="1357" y="55"/>
+                </a:lnTo>
+                <a:lnTo>
+                  <a:pt x="1464" y="32"/>
+                </a:lnTo>
+                <a:lnTo>
+                  <a:pt x="1574" y="14"/>
+                </a:lnTo>
+                <a:lnTo>
+                  <a:pt x="1686" y="5"/>
+                </a:lnTo>
+                <a:lnTo>
+                  <a:pt x="1799" y="0"/>
+                </a:lnTo>
+                <a:close/>
+              </a:path>
+            </a:pathLst>
+          </a:custGeom>
+          <a:solidFill>
+            <a:schemeClr val="tx1">
+              <a:lumMod val="85000"/>
+              <a:lumOff val="15000"/>
+            </a:schemeClr>
+          </a:solidFill>
+          <a:ln w="0">
+            <a:noFill/>
+            <a:prstDash val="solid"/>
+            <a:round/>
+            <a:headEnd/>
+            <a:tailEnd/>
+          </a:ln>
+        </p:spPr>
+      </p:sp>
+      <p:graphicFrame>
+        <p:nvGraphicFramePr>
+          <p:cNvPr id="14" name="Content Placeholder 2">
+            <a:extLst>
+              <a:ext uri="{FF2B5EF4-FFF2-40B4-BE49-F238E27FC236}">
+                <a16:creationId xmlns:a16="http://schemas.microsoft.com/office/drawing/2014/main" id="{D7C3D342-807A-4790-9461-9988797129F4}"/>
+              </a:ext>
+            </a:extLst>
+          </p:cNvPr>
+          <p:cNvGraphicFramePr>
+            <a:graphicFrameLocks noGrp="1"/>
+          </p:cNvGraphicFramePr>
+          <p:nvPr>
+            <p:ph idx="1"/>
+            <p:extLst>
+              <p:ext uri="{D42A27DB-BD31-4B8C-83A1-F6EECF244321}">
+                <p14:modId xmlns:p14="http://schemas.microsoft.com/office/powerpoint/2010/main" val="1482237627"/>
+              </p:ext>
+            </p:extLst>
+          </p:nvPr>
+        </p:nvGraphicFramePr>
+        <p:xfrm>
+          <a:off x="4495800" y="375922"/>
+          <a:ext cx="7310120" cy="6106158"/>
+        </p:xfrm>
+        <a:graphic>
+          <a:graphicData uri="http://schemas.openxmlformats.org/drawingml/2006/diagram">
+            <dgm:relIds xmlns:dgm="http://schemas.openxmlformats.org/drawingml/2006/diagram" xmlns:r="http://schemas.openxmlformats.org/officeDocument/2006/relationships" r:dm="rId2" r:lo="rId3" r:qs="rId4" r:cs="rId5"/>
+          </a:graphicData>
+        </a:graphic>
+      </p:graphicFrame>
+      <p:cxnSp>
+        <p:nvCxnSpPr>
+          <p:cNvPr id="12" name="Straight Connector 11">
+            <a:extLst>
+              <a:ext uri="{FF2B5EF4-FFF2-40B4-BE49-F238E27FC236}">
+                <a16:creationId xmlns:a16="http://schemas.microsoft.com/office/drawing/2014/main" id="{D434EAAF-BF44-4CCC-84D4-105F3370AFFC}"/>
+              </a:ext>
+              <a:ext uri="{C183D7F6-B498-43B3-948B-1728B52AA6E4}">
+                <adec:decorative xmlns:adec="http://schemas.microsoft.com/office/drawing/2017/decorative" val="1"/>
+              </a:ext>
+            </a:extLst>
+          </p:cNvPr>
+          <p:cNvCxnSpPr>
+            <a:cxnSpLocks noGrp="1" noRot="1" noChangeAspect="1" noMove="1" noResize="1" noEditPoints="1" noAdjustHandles="1" noChangeArrowheads="1" noChangeShapeType="1"/>
+          </p:cNvCxnSpPr>
+          <p:nvPr>
+            <p:extLst>
+              <p:ext uri="{386F3935-93C4-4BCD-93E2-E3B085C9AB24}">
+                <p16:designElem xmlns:p16="http://schemas.microsoft.com/office/powerpoint/2015/main" val="1"/>
+              </p:ext>
+            </p:extLst>
+          </p:nvPr>
+        </p:nvCxnSpPr>
+        <p:spPr>
+          <a:xfrm>
+            <a:off x="0" y="6199730"/>
+            <a:ext cx="4495800" cy="0"/>
+          </a:xfrm>
+          <a:prstGeom prst="line">
+            <a:avLst/>
+          </a:prstGeom>
+          <a:ln w="25400">
+            <a:solidFill>
+              <a:schemeClr val="tx1">
+                <a:lumMod val="85000"/>
+                <a:lumOff val="15000"/>
+              </a:schemeClr>
+            </a:solidFill>
+          </a:ln>
+        </p:spPr>
+        <p:style>
+          <a:lnRef idx="1">
+            <a:schemeClr val="accent1"/>
+          </a:lnRef>
+          <a:fillRef idx="0">
+            <a:schemeClr val="accent1"/>
+          </a:fillRef>
+          <a:effectRef idx="0">
+            <a:schemeClr val="accent1"/>
+          </a:effectRef>
+          <a:fontRef idx="minor">
+            <a:schemeClr val="tx1"/>
+          </a:fontRef>
+        </p:style>
+      </p:cxnSp>
+      <p:sp>
+        <p:nvSpPr>
+          <p:cNvPr id="4" name="Slide Number Placeholder 3">
+            <a:extLst>
+              <a:ext uri="{FF2B5EF4-FFF2-40B4-BE49-F238E27FC236}">
+                <a16:creationId xmlns:a16="http://schemas.microsoft.com/office/drawing/2014/main" id="{4F07F39B-2D55-430E-94D2-F8A25CD5F8FE}"/>
+              </a:ext>
+            </a:extLst>
+          </p:cNvPr>
+          <p:cNvSpPr>
+            <a:spLocks noGrp="1"/>
+          </p:cNvSpPr>
+          <p:nvPr>
+            <p:ph type="sldNum" sz="quarter" idx="12"/>
+          </p:nvPr>
+        </p:nvSpPr>
+        <p:spPr/>
+        <p:txBody>
+          <a:bodyPr/>
+          <a:lstStyle/>
+          <a:p>
+            <a:fld id="{A06F4413-EA05-4236-9082-DBB2EFB33C57}" type="slidenum">
+              <a:rPr lang="en-US" smtClean="0"/>
+              <a:t>10</a:t>
+            </a:fld>
+            <a:endParaRPr lang="en-US"/>
+          </a:p>
+        </p:txBody>
+      </p:sp>
+    </p:spTree>
+    <p:extLst>
+      <p:ext uri="{BB962C8B-B14F-4D97-AF65-F5344CB8AC3E}">
+        <p14:creationId xmlns:p14="http://schemas.microsoft.com/office/powerpoint/2010/main" val="1881209549"/>
+      </p:ext>
+    </p:extLst>
+  </p:cSld>
+  <p:clrMapOvr>
+    <a:overrideClrMapping bg1="dk1" tx1="lt1" bg2="dk2" tx2="lt2" accent1="accent1" accent2="accent2" accent3="accent3" accent4="accent4" accent5="accent5" accent6="accent6" hlink="hlink" folHlink="folHlink"/>
+  </p:clrMapOvr>
+</p:sld>
+</file>
+
+<file path=ppt/slides/slide11.xml><?xml version="1.0" encoding="utf-8"?>
+<p:sld xmlns:a="http://schemas.openxmlformats.org/drawingml/2006/main" xmlns:r="http://schemas.openxmlformats.org/officeDocument/2006/relationships" xmlns:p="http://schemas.openxmlformats.org/presentationml/2006/main">
+  <p:cSld>
+    <p:bg>
+      <p:bgPr>
+        <a:solidFill>
+          <a:schemeClr val="bg1"/>
+        </a:solidFill>
+        <a:effectLst/>
+      </p:bgPr>
+    </p:bg>
+    <p:spTree>
+      <p:nvGrpSpPr>
+        <p:cNvPr id="1" name=""/>
+        <p:cNvGrpSpPr/>
+        <p:nvPr/>
+      </p:nvGrpSpPr>
+      <p:grpSpPr>
+        <a:xfrm>
+          <a:off x="0" y="0"/>
+          <a:ext cx="0" cy="0"/>
+          <a:chOff x="0" y="0"/>
+          <a:chExt cx="0" cy="0"/>
+        </a:xfrm>
+      </p:grpSpPr>
+      <p:sp useBgFill="1">
+        <p:nvSpPr>
+          <p:cNvPr id="8" name="Rectangle 7">
+            <a:extLst>
+              <a:ext uri="{FF2B5EF4-FFF2-40B4-BE49-F238E27FC236}">
+                <a16:creationId xmlns:a16="http://schemas.microsoft.com/office/drawing/2014/main" id="{718B0F80-1C8E-49FA-9B66-C9285753E25F}"/>
+              </a:ext>
+              <a:ext uri="{C183D7F6-B498-43B3-948B-1728B52AA6E4}">
+                <adec:decorative xmlns:adec="http://schemas.microsoft.com/office/drawing/2017/decorative" val="1"/>
+              </a:ext>
+            </a:extLst>
+          </p:cNvPr>
+          <p:cNvSpPr>
+            <a:spLocks noGrp="1" noRot="1" noChangeAspect="1" noMove="1" noResize="1" noEditPoints="1" noAdjustHandles="1" noChangeArrowheads="1" noChangeShapeType="1" noTextEdit="1"/>
+          </p:cNvSpPr>
+          <p:nvPr>
+            <p:extLst>
+              <p:ext uri="{386F3935-93C4-4BCD-93E2-E3B085C9AB24}">
+                <p16:designElem xmlns:p16="http://schemas.microsoft.com/office/powerpoint/2015/main" val="1"/>
+              </p:ext>
+            </p:extLst>
+          </p:nvPr>
+        </p:nvSpPr>
+        <p:spPr>
+          <a:xfrm>
+            <a:off x="0" y="0"/>
+            <a:ext cx="12192000" cy="6858000"/>
+          </a:xfrm>
+          <a:prstGeom prst="rect">
+            <a:avLst/>
+          </a:prstGeom>
+          <a:ln>
+            <a:noFill/>
+          </a:ln>
+        </p:spPr>
+        <p:style>
+          <a:lnRef idx="2">
+            <a:schemeClr val="accent1">
+              <a:shade val="50000"/>
+            </a:schemeClr>
+          </a:lnRef>
+          <a:fillRef idx="1">
+            <a:schemeClr val="accent1"/>
+          </a:fillRef>
+          <a:effectRef idx="0">
+            <a:schemeClr val="accent1"/>
+          </a:effectRef>
+          <a:fontRef idx="minor">
+            <a:schemeClr val="lt1"/>
+          </a:fontRef>
+        </p:style>
+        <p:txBody>
+          <a:bodyPr rot="0" spcFirstLastPara="0" vert="horz" wrap="square" lIns="91440" tIns="45720" rIns="91440" bIns="45720" numCol="1" spcCol="0" rtlCol="0" fromWordArt="0" anchor="ctr" anchorCtr="0" forceAA="0" compatLnSpc="1">
+            <a:prstTxWarp prst="textNoShape">
+              <a:avLst/>
+            </a:prstTxWarp>
+            <a:noAutofit/>
+          </a:bodyPr>
+          <a:lstStyle>
+            <a:defPPr>
+              <a:defRPr lang="en-US"/>
+            </a:defPPr>
+            <a:lvl1pPr marL="0" algn="l" defTabSz="914400" rtl="0" eaLnBrk="1" latinLnBrk="0" hangingPunct="1">
+              <a:defRPr sz="1800" kern="1200">
+                <a:solidFill>
+                  <a:schemeClr val="lt1"/>
+                </a:solidFill>
+                <a:latin typeface="+mn-lt"/>
+                <a:ea typeface="+mn-ea"/>
+                <a:cs typeface="+mn-cs"/>
+              </a:defRPr>
+            </a:lvl1pPr>
+            <a:lvl2pPr marL="457200" algn="l" defTabSz="914400" rtl="0" eaLnBrk="1" latinLnBrk="0" hangingPunct="1">
+              <a:defRPr sz="1800" kern="1200">
+                <a:solidFill>
+                  <a:schemeClr val="lt1"/>
+                </a:solidFill>
+                <a:latin typeface="+mn-lt"/>
+                <a:ea typeface="+mn-ea"/>
+                <a:cs typeface="+mn-cs"/>
+              </a:defRPr>
+            </a:lvl2pPr>
+            <a:lvl3pPr marL="914400" algn="l" defTabSz="914400" rtl="0" eaLnBrk="1" latinLnBrk="0" hangingPunct="1">
+              <a:defRPr sz="1800" kern="1200">
+                <a:solidFill>
+                  <a:schemeClr val="lt1"/>
+                </a:solidFill>
+                <a:latin typeface="+mn-lt"/>
+                <a:ea typeface="+mn-ea"/>
+                <a:cs typeface="+mn-cs"/>
+              </a:defRPr>
+            </a:lvl3pPr>
+            <a:lvl4pPr marL="1371600" algn="l" defTabSz="914400" rtl="0" eaLnBrk="1" latinLnBrk="0" hangingPunct="1">
+              <a:defRPr sz="1800" kern="1200">
+                <a:solidFill>
+                  <a:schemeClr val="lt1"/>
+                </a:solidFill>
+                <a:latin typeface="+mn-lt"/>
+                <a:ea typeface="+mn-ea"/>
+                <a:cs typeface="+mn-cs"/>
+              </a:defRPr>
+            </a:lvl4pPr>
+            <a:lvl5pPr marL="1828800" algn="l" defTabSz="914400" rtl="0" eaLnBrk="1" latinLnBrk="0" hangingPunct="1">
+              <a:defRPr sz="1800" kern="1200">
+                <a:solidFill>
+                  <a:schemeClr val="lt1"/>
+                </a:solidFill>
+                <a:latin typeface="+mn-lt"/>
+                <a:ea typeface="+mn-ea"/>
+                <a:cs typeface="+mn-cs"/>
+              </a:defRPr>
+            </a:lvl5pPr>
+            <a:lvl6pPr marL="2286000" algn="l" defTabSz="914400" rtl="0" eaLnBrk="1" latinLnBrk="0" hangingPunct="1">
+              <a:defRPr sz="1800" kern="1200">
+                <a:solidFill>
+                  <a:schemeClr val="lt1"/>
+                </a:solidFill>
+                <a:latin typeface="+mn-lt"/>
+                <a:ea typeface="+mn-ea"/>
+                <a:cs typeface="+mn-cs"/>
+              </a:defRPr>
+            </a:lvl6pPr>
+            <a:lvl7pPr marL="2743200" algn="l" defTabSz="914400" rtl="0" eaLnBrk="1" latinLnBrk="0" hangingPunct="1">
+              <a:defRPr sz="1800" kern="1200">
+                <a:solidFill>
+                  <a:schemeClr val="lt1"/>
+                </a:solidFill>
+                <a:latin typeface="+mn-lt"/>
+                <a:ea typeface="+mn-ea"/>
+                <a:cs typeface="+mn-cs"/>
+              </a:defRPr>
+            </a:lvl7pPr>
+            <a:lvl8pPr marL="3200400" algn="l" defTabSz="914400" rtl="0" eaLnBrk="1" latinLnBrk="0" hangingPunct="1">
+              <a:defRPr sz="1800" kern="1200">
+                <a:solidFill>
+                  <a:schemeClr val="lt1"/>
+                </a:solidFill>
+                <a:latin typeface="+mn-lt"/>
+                <a:ea typeface="+mn-ea"/>
+                <a:cs typeface="+mn-cs"/>
+              </a:defRPr>
+            </a:lvl8pPr>
+            <a:lvl9pPr marL="3657600" algn="l" defTabSz="914400" rtl="0" eaLnBrk="1" latinLnBrk="0" hangingPunct="1">
+              <a:defRPr sz="1800" kern="1200">
+                <a:solidFill>
+                  <a:schemeClr val="lt1"/>
+                </a:solidFill>
+                <a:latin typeface="+mn-lt"/>
+                <a:ea typeface="+mn-ea"/>
+                <a:cs typeface="+mn-cs"/>
+              </a:defRPr>
+            </a:lvl9pPr>
+          </a:lstStyle>
+          <a:p>
+            <a:pPr algn="ctr"/>
+            <a:endParaRPr lang="en-US"/>
+          </a:p>
+        </p:txBody>
+      </p:sp>
+      <p:sp>
+        <p:nvSpPr>
+          <p:cNvPr id="2" name="Title 1">
+            <a:extLst>
+              <a:ext uri="{FF2B5EF4-FFF2-40B4-BE49-F238E27FC236}">
                 <a16:creationId xmlns:a16="http://schemas.microsoft.com/office/drawing/2014/main" id="{439129A9-84F1-49ED-920C-D8FC5C5F838A}"/>
               </a:ext>
             </a:extLst>
@@ -20169,7 +23653,7 @@
           <a:p>
             <a:fld id="{A06F4413-EA05-4236-9082-DBB2EFB33C57}" type="slidenum">
               <a:rPr lang="en-US" smtClean="0"/>
-              <a:t>10</a:t>
+              <a:t>11</a:t>
             </a:fld>
             <a:endParaRPr lang="en-US"/>
           </a:p>
@@ -20188,7 +23672,637 @@
 </p:sld>
 </file>
 
-<file path=ppt/slides/slide11.xml><?xml version="1.0" encoding="utf-8"?>
+<file path=ppt/slides/slide12.xml><?xml version="1.0" encoding="utf-8"?>
+<p:sld xmlns:a="http://schemas.openxmlformats.org/drawingml/2006/main" xmlns:r="http://schemas.openxmlformats.org/officeDocument/2006/relationships" xmlns:p="http://schemas.openxmlformats.org/presentationml/2006/main">
+  <p:cSld>
+    <p:bg>
+      <p:bgPr>
+        <a:solidFill>
+          <a:schemeClr val="bg1"/>
+        </a:solidFill>
+        <a:effectLst/>
+      </p:bgPr>
+    </p:bg>
+    <p:spTree>
+      <p:nvGrpSpPr>
+        <p:cNvPr id="1" name=""/>
+        <p:cNvGrpSpPr/>
+        <p:nvPr/>
+      </p:nvGrpSpPr>
+      <p:grpSpPr>
+        <a:xfrm>
+          <a:off x="0" y="0"/>
+          <a:ext cx="0" cy="0"/>
+          <a:chOff x="0" y="0"/>
+          <a:chExt cx="0" cy="0"/>
+        </a:xfrm>
+      </p:grpSpPr>
+      <p:sp useBgFill="1">
+        <p:nvSpPr>
+          <p:cNvPr id="9" name="Rectangle 8">
+            <a:extLst>
+              <a:ext uri="{FF2B5EF4-FFF2-40B4-BE49-F238E27FC236}">
+                <a16:creationId xmlns:a16="http://schemas.microsoft.com/office/drawing/2014/main" id="{718B0F80-1C8E-49FA-9B66-C9285753E25F}"/>
+              </a:ext>
+              <a:ext uri="{C183D7F6-B498-43B3-948B-1728B52AA6E4}">
+                <adec:decorative xmlns:adec="http://schemas.microsoft.com/office/drawing/2017/decorative" val="1"/>
+              </a:ext>
+            </a:extLst>
+          </p:cNvPr>
+          <p:cNvSpPr>
+            <a:spLocks noGrp="1" noRot="1" noChangeAspect="1" noMove="1" noResize="1" noEditPoints="1" noAdjustHandles="1" noChangeArrowheads="1" noChangeShapeType="1" noTextEdit="1"/>
+          </p:cNvSpPr>
+          <p:nvPr>
+            <p:extLst>
+              <p:ext uri="{386F3935-93C4-4BCD-93E2-E3B085C9AB24}">
+                <p16:designElem xmlns:p16="http://schemas.microsoft.com/office/powerpoint/2015/main" val="1"/>
+              </p:ext>
+            </p:extLst>
+          </p:nvPr>
+        </p:nvSpPr>
+        <p:spPr>
+          <a:xfrm>
+            <a:off x="0" y="0"/>
+            <a:ext cx="12192000" cy="6858000"/>
+          </a:xfrm>
+          <a:prstGeom prst="rect">
+            <a:avLst/>
+          </a:prstGeom>
+          <a:ln>
+            <a:noFill/>
+          </a:ln>
+        </p:spPr>
+        <p:style>
+          <a:lnRef idx="2">
+            <a:schemeClr val="accent1">
+              <a:shade val="50000"/>
+            </a:schemeClr>
+          </a:lnRef>
+          <a:fillRef idx="1">
+            <a:schemeClr val="accent1"/>
+          </a:fillRef>
+          <a:effectRef idx="0">
+            <a:schemeClr val="accent1"/>
+          </a:effectRef>
+          <a:fontRef idx="minor">
+            <a:schemeClr val="lt1"/>
+          </a:fontRef>
+        </p:style>
+        <p:txBody>
+          <a:bodyPr rot="0" spcFirstLastPara="0" vert="horz" wrap="square" lIns="91440" tIns="45720" rIns="91440" bIns="45720" numCol="1" spcCol="0" rtlCol="0" fromWordArt="0" anchor="ctr" anchorCtr="0" forceAA="0" compatLnSpc="1">
+            <a:prstTxWarp prst="textNoShape">
+              <a:avLst/>
+            </a:prstTxWarp>
+            <a:noAutofit/>
+          </a:bodyPr>
+          <a:lstStyle>
+            <a:defPPr>
+              <a:defRPr lang="en-US"/>
+            </a:defPPr>
+            <a:lvl1pPr marL="0" algn="l" defTabSz="914400" rtl="0" eaLnBrk="1" latinLnBrk="0" hangingPunct="1">
+              <a:defRPr sz="1800" kern="1200">
+                <a:solidFill>
+                  <a:schemeClr val="lt1"/>
+                </a:solidFill>
+                <a:latin typeface="+mn-lt"/>
+                <a:ea typeface="+mn-ea"/>
+                <a:cs typeface="+mn-cs"/>
+              </a:defRPr>
+            </a:lvl1pPr>
+            <a:lvl2pPr marL="457200" algn="l" defTabSz="914400" rtl="0" eaLnBrk="1" latinLnBrk="0" hangingPunct="1">
+              <a:defRPr sz="1800" kern="1200">
+                <a:solidFill>
+                  <a:schemeClr val="lt1"/>
+                </a:solidFill>
+                <a:latin typeface="+mn-lt"/>
+                <a:ea typeface="+mn-ea"/>
+                <a:cs typeface="+mn-cs"/>
+              </a:defRPr>
+            </a:lvl2pPr>
+            <a:lvl3pPr marL="914400" algn="l" defTabSz="914400" rtl="0" eaLnBrk="1" latinLnBrk="0" hangingPunct="1">
+              <a:defRPr sz="1800" kern="1200">
+                <a:solidFill>
+                  <a:schemeClr val="lt1"/>
+                </a:solidFill>
+                <a:latin typeface="+mn-lt"/>
+                <a:ea typeface="+mn-ea"/>
+                <a:cs typeface="+mn-cs"/>
+              </a:defRPr>
+            </a:lvl3pPr>
+            <a:lvl4pPr marL="1371600" algn="l" defTabSz="914400" rtl="0" eaLnBrk="1" latinLnBrk="0" hangingPunct="1">
+              <a:defRPr sz="1800" kern="1200">
+                <a:solidFill>
+                  <a:schemeClr val="lt1"/>
+                </a:solidFill>
+                <a:latin typeface="+mn-lt"/>
+                <a:ea typeface="+mn-ea"/>
+                <a:cs typeface="+mn-cs"/>
+              </a:defRPr>
+            </a:lvl4pPr>
+            <a:lvl5pPr marL="1828800" algn="l" defTabSz="914400" rtl="0" eaLnBrk="1" latinLnBrk="0" hangingPunct="1">
+              <a:defRPr sz="1800" kern="1200">
+                <a:solidFill>
+                  <a:schemeClr val="lt1"/>
+                </a:solidFill>
+                <a:latin typeface="+mn-lt"/>
+                <a:ea typeface="+mn-ea"/>
+                <a:cs typeface="+mn-cs"/>
+              </a:defRPr>
+            </a:lvl5pPr>
+            <a:lvl6pPr marL="2286000" algn="l" defTabSz="914400" rtl="0" eaLnBrk="1" latinLnBrk="0" hangingPunct="1">
+              <a:defRPr sz="1800" kern="1200">
+                <a:solidFill>
+                  <a:schemeClr val="lt1"/>
+                </a:solidFill>
+                <a:latin typeface="+mn-lt"/>
+                <a:ea typeface="+mn-ea"/>
+                <a:cs typeface="+mn-cs"/>
+              </a:defRPr>
+            </a:lvl6pPr>
+            <a:lvl7pPr marL="2743200" algn="l" defTabSz="914400" rtl="0" eaLnBrk="1" latinLnBrk="0" hangingPunct="1">
+              <a:defRPr sz="1800" kern="1200">
+                <a:solidFill>
+                  <a:schemeClr val="lt1"/>
+                </a:solidFill>
+                <a:latin typeface="+mn-lt"/>
+                <a:ea typeface="+mn-ea"/>
+                <a:cs typeface="+mn-cs"/>
+              </a:defRPr>
+            </a:lvl7pPr>
+            <a:lvl8pPr marL="3200400" algn="l" defTabSz="914400" rtl="0" eaLnBrk="1" latinLnBrk="0" hangingPunct="1">
+              <a:defRPr sz="1800" kern="1200">
+                <a:solidFill>
+                  <a:schemeClr val="lt1"/>
+                </a:solidFill>
+                <a:latin typeface="+mn-lt"/>
+                <a:ea typeface="+mn-ea"/>
+                <a:cs typeface="+mn-cs"/>
+              </a:defRPr>
+            </a:lvl8pPr>
+            <a:lvl9pPr marL="3657600" algn="l" defTabSz="914400" rtl="0" eaLnBrk="1" latinLnBrk="0" hangingPunct="1">
+              <a:defRPr sz="1800" kern="1200">
+                <a:solidFill>
+                  <a:schemeClr val="lt1"/>
+                </a:solidFill>
+                <a:latin typeface="+mn-lt"/>
+                <a:ea typeface="+mn-ea"/>
+                <a:cs typeface="+mn-cs"/>
+              </a:defRPr>
+            </a:lvl9pPr>
+          </a:lstStyle>
+          <a:p>
+            <a:pPr algn="ctr"/>
+            <a:endParaRPr lang="en-US"/>
+          </a:p>
+        </p:txBody>
+      </p:sp>
+      <p:sp>
+        <p:nvSpPr>
+          <p:cNvPr id="2" name="Title 1">
+            <a:extLst>
+              <a:ext uri="{FF2B5EF4-FFF2-40B4-BE49-F238E27FC236}">
+                <a16:creationId xmlns:a16="http://schemas.microsoft.com/office/drawing/2014/main" id="{A60DBB39-57D5-4CC3-B4F7-26D8A6C02500}"/>
+              </a:ext>
+            </a:extLst>
+          </p:cNvPr>
+          <p:cNvSpPr>
+            <a:spLocks noGrp="1"/>
+          </p:cNvSpPr>
+          <p:nvPr>
+            <p:ph type="title"/>
+          </p:nvPr>
+        </p:nvSpPr>
+        <p:spPr>
+          <a:xfrm>
+            <a:off x="643467" y="643466"/>
+            <a:ext cx="3933390" cy="4937287"/>
+          </a:xfrm>
+        </p:spPr>
+        <p:txBody>
+          <a:bodyPr anchor="ctr">
+            <a:normAutofit/>
+          </a:bodyPr>
+          <a:lstStyle/>
+          <a:p>
+            <a:pPr algn="ctr"/>
+            <a:r>
+              <a:rPr lang="en-US" sz="4800" dirty="0">
+                <a:solidFill>
+                  <a:schemeClr val="tx1"/>
+                </a:solidFill>
+              </a:rPr>
+              <a:t>Reading the Dataset </a:t>
+            </a:r>
+          </a:p>
+        </p:txBody>
+      </p:sp>
+      <p:sp>
+        <p:nvSpPr>
+          <p:cNvPr id="11" name="Freeform 6">
+            <a:extLst>
+              <a:ext uri="{FF2B5EF4-FFF2-40B4-BE49-F238E27FC236}">
+                <a16:creationId xmlns:a16="http://schemas.microsoft.com/office/drawing/2014/main" id="{CEF2B853-4083-4B70-AC2A-F79D80809342}"/>
+              </a:ext>
+              <a:ext uri="{C183D7F6-B498-43B3-948B-1728B52AA6E4}">
+                <adec:decorative xmlns:adec="http://schemas.microsoft.com/office/drawing/2017/decorative" val="1"/>
+              </a:ext>
+            </a:extLst>
+          </p:cNvPr>
+          <p:cNvSpPr>
+            <a:spLocks noGrp="1" noRot="1" noChangeAspect="1" noMove="1" noResize="1" noEditPoints="1" noAdjustHandles="1" noChangeArrowheads="1" noChangeShapeType="1" noTextEdit="1"/>
+          </p:cNvSpPr>
+          <p:nvPr>
+            <p:extLst>
+              <p:ext uri="{386F3935-93C4-4BCD-93E2-E3B085C9AB24}">
+                <p16:designElem xmlns:p16="http://schemas.microsoft.com/office/powerpoint/2015/main" val="1"/>
+              </p:ext>
+            </p:extLst>
+          </p:nvPr>
+        </p:nvSpPr>
+        <p:spPr bwMode="auto">
+          <a:xfrm flipH="1">
+            <a:off x="0" y="643466"/>
+            <a:ext cx="407988" cy="819150"/>
+          </a:xfrm>
+          <a:custGeom>
+            <a:avLst/>
+            <a:gdLst/>
+            <a:ahLst/>
+            <a:cxnLst/>
+            <a:rect l="0" t="0" r="r" b="b"/>
+            <a:pathLst>
+              <a:path w="1799" h="3612">
+                <a:moveTo>
+                  <a:pt x="1799" y="0"/>
+                </a:moveTo>
+                <a:lnTo>
+                  <a:pt x="1799" y="3612"/>
+                </a:lnTo>
+                <a:lnTo>
+                  <a:pt x="1686" y="3609"/>
+                </a:lnTo>
+                <a:lnTo>
+                  <a:pt x="1574" y="3598"/>
+                </a:lnTo>
+                <a:lnTo>
+                  <a:pt x="1464" y="3581"/>
+                </a:lnTo>
+                <a:lnTo>
+                  <a:pt x="1357" y="3557"/>
+                </a:lnTo>
+                <a:lnTo>
+                  <a:pt x="1251" y="3527"/>
+                </a:lnTo>
+                <a:lnTo>
+                  <a:pt x="1150" y="3490"/>
+                </a:lnTo>
+                <a:lnTo>
+                  <a:pt x="1050" y="3448"/>
+                </a:lnTo>
+                <a:lnTo>
+                  <a:pt x="953" y="3401"/>
+                </a:lnTo>
+                <a:lnTo>
+                  <a:pt x="860" y="3347"/>
+                </a:lnTo>
+                <a:lnTo>
+                  <a:pt x="771" y="3289"/>
+                </a:lnTo>
+                <a:lnTo>
+                  <a:pt x="686" y="3224"/>
+                </a:lnTo>
+                <a:lnTo>
+                  <a:pt x="604" y="3156"/>
+                </a:lnTo>
+                <a:lnTo>
+                  <a:pt x="527" y="3083"/>
+                </a:lnTo>
+                <a:lnTo>
+                  <a:pt x="454" y="3005"/>
+                </a:lnTo>
+                <a:lnTo>
+                  <a:pt x="386" y="2923"/>
+                </a:lnTo>
+                <a:lnTo>
+                  <a:pt x="323" y="2838"/>
+                </a:lnTo>
+                <a:lnTo>
+                  <a:pt x="265" y="2748"/>
+                </a:lnTo>
+                <a:lnTo>
+                  <a:pt x="211" y="2655"/>
+                </a:lnTo>
+                <a:lnTo>
+                  <a:pt x="163" y="2559"/>
+                </a:lnTo>
+                <a:lnTo>
+                  <a:pt x="121" y="2459"/>
+                </a:lnTo>
+                <a:lnTo>
+                  <a:pt x="85" y="2356"/>
+                </a:lnTo>
+                <a:lnTo>
+                  <a:pt x="55" y="2251"/>
+                </a:lnTo>
+                <a:lnTo>
+                  <a:pt x="32" y="2143"/>
+                </a:lnTo>
+                <a:lnTo>
+                  <a:pt x="14" y="2033"/>
+                </a:lnTo>
+                <a:lnTo>
+                  <a:pt x="4" y="1920"/>
+                </a:lnTo>
+                <a:lnTo>
+                  <a:pt x="0" y="1806"/>
+                </a:lnTo>
+                <a:lnTo>
+                  <a:pt x="4" y="1692"/>
+                </a:lnTo>
+                <a:lnTo>
+                  <a:pt x="14" y="1580"/>
+                </a:lnTo>
+                <a:lnTo>
+                  <a:pt x="32" y="1469"/>
+                </a:lnTo>
+                <a:lnTo>
+                  <a:pt x="55" y="1362"/>
+                </a:lnTo>
+                <a:lnTo>
+                  <a:pt x="85" y="1256"/>
+                </a:lnTo>
+                <a:lnTo>
+                  <a:pt x="121" y="1154"/>
+                </a:lnTo>
+                <a:lnTo>
+                  <a:pt x="163" y="1054"/>
+                </a:lnTo>
+                <a:lnTo>
+                  <a:pt x="211" y="958"/>
+                </a:lnTo>
+                <a:lnTo>
+                  <a:pt x="265" y="864"/>
+                </a:lnTo>
+                <a:lnTo>
+                  <a:pt x="323" y="774"/>
+                </a:lnTo>
+                <a:lnTo>
+                  <a:pt x="386" y="689"/>
+                </a:lnTo>
+                <a:lnTo>
+                  <a:pt x="454" y="607"/>
+                </a:lnTo>
+                <a:lnTo>
+                  <a:pt x="527" y="529"/>
+                </a:lnTo>
+                <a:lnTo>
+                  <a:pt x="604" y="456"/>
+                </a:lnTo>
+                <a:lnTo>
+                  <a:pt x="686" y="388"/>
+                </a:lnTo>
+                <a:lnTo>
+                  <a:pt x="771" y="325"/>
+                </a:lnTo>
+                <a:lnTo>
+                  <a:pt x="860" y="266"/>
+                </a:lnTo>
+                <a:lnTo>
+                  <a:pt x="953" y="212"/>
+                </a:lnTo>
+                <a:lnTo>
+                  <a:pt x="1050" y="164"/>
+                </a:lnTo>
+                <a:lnTo>
+                  <a:pt x="1150" y="122"/>
+                </a:lnTo>
+                <a:lnTo>
+                  <a:pt x="1251" y="85"/>
+                </a:lnTo>
+                <a:lnTo>
+                  <a:pt x="1357" y="55"/>
+                </a:lnTo>
+                <a:lnTo>
+                  <a:pt x="1464" y="32"/>
+                </a:lnTo>
+                <a:lnTo>
+                  <a:pt x="1574" y="14"/>
+                </a:lnTo>
+                <a:lnTo>
+                  <a:pt x="1686" y="5"/>
+                </a:lnTo>
+                <a:lnTo>
+                  <a:pt x="1799" y="0"/>
+                </a:lnTo>
+                <a:close/>
+              </a:path>
+            </a:pathLst>
+          </a:custGeom>
+          <a:solidFill>
+            <a:schemeClr val="tx1">
+              <a:lumMod val="85000"/>
+              <a:lumOff val="15000"/>
+            </a:schemeClr>
+          </a:solidFill>
+          <a:ln w="0">
+            <a:noFill/>
+            <a:prstDash val="solid"/>
+            <a:round/>
+            <a:headEnd/>
+            <a:tailEnd/>
+          </a:ln>
+        </p:spPr>
+      </p:sp>
+      <p:sp>
+        <p:nvSpPr>
+          <p:cNvPr id="4" name="Slide Number Placeholder 3">
+            <a:extLst>
+              <a:ext uri="{FF2B5EF4-FFF2-40B4-BE49-F238E27FC236}">
+                <a16:creationId xmlns:a16="http://schemas.microsoft.com/office/drawing/2014/main" id="{A7885388-ACF8-49AE-9FBF-11FDBE8113A9}"/>
+              </a:ext>
+            </a:extLst>
+          </p:cNvPr>
+          <p:cNvSpPr>
+            <a:spLocks noGrp="1"/>
+          </p:cNvSpPr>
+          <p:nvPr>
+            <p:ph type="sldNum" sz="quarter" idx="12"/>
+          </p:nvPr>
+        </p:nvSpPr>
+        <p:spPr>
+          <a:xfrm>
+            <a:off x="0" y="870478"/>
+            <a:ext cx="407988" cy="365125"/>
+          </a:xfrm>
+        </p:spPr>
+        <p:txBody>
+          <a:bodyPr>
+            <a:normAutofit/>
+          </a:bodyPr>
+          <a:lstStyle/>
+          <a:p>
+            <a:pPr>
+              <a:spcAft>
+                <a:spcPts val="600"/>
+              </a:spcAft>
+            </a:pPr>
+            <a:fld id="{A06F4413-EA05-4236-9082-DBB2EFB33C57}" type="slidenum">
+              <a:rPr lang="en-US" smtClean="0"/>
+              <a:pPr>
+                <a:spcAft>
+                  <a:spcPts val="600"/>
+                </a:spcAft>
+              </a:pPr>
+              <a:t>12</a:t>
+            </a:fld>
+            <a:endParaRPr lang="en-US"/>
+          </a:p>
+        </p:txBody>
+      </p:sp>
+      <p:sp>
+        <p:nvSpPr>
+          <p:cNvPr id="3" name="Content Placeholder 2">
+            <a:extLst>
+              <a:ext uri="{FF2B5EF4-FFF2-40B4-BE49-F238E27FC236}">
+                <a16:creationId xmlns:a16="http://schemas.microsoft.com/office/drawing/2014/main" id="{5E6BDC08-B9D9-4D87-8CC6-F9A5375757CE}"/>
+              </a:ext>
+            </a:extLst>
+          </p:cNvPr>
+          <p:cNvSpPr>
+            <a:spLocks noGrp="1"/>
+          </p:cNvSpPr>
+          <p:nvPr>
+            <p:ph idx="1"/>
+          </p:nvPr>
+        </p:nvSpPr>
+        <p:spPr>
+          <a:xfrm>
+            <a:off x="4955354" y="643466"/>
+            <a:ext cx="6593180" cy="4937287"/>
+          </a:xfrm>
+        </p:spPr>
+        <p:txBody>
+          <a:bodyPr anchor="ctr">
+            <a:normAutofit/>
+          </a:bodyPr>
+          <a:lstStyle/>
+          <a:p>
+            <a:r>
+              <a:rPr lang="en-US">
+                <a:latin typeface="Calibri" panose="020F0502020204030204" pitchFamily="34" charset="0"/>
+              </a:rPr>
+              <a:t>W</a:t>
+            </a:r>
+            <a:r>
+              <a:rPr lang="en-US" b="0" i="0" u="none" strike="noStrike" baseline="0">
+                <a:latin typeface="Calibri" panose="020F0502020204030204" pitchFamily="34" charset="0"/>
+              </a:rPr>
+              <a:t>e create a csv file with number of rows equals to the number of images so, it includes 2750 row. </a:t>
+            </a:r>
+          </a:p>
+          <a:p>
+            <a:r>
+              <a:rPr lang="en-US">
+                <a:latin typeface="Calibri" panose="020F0502020204030204" pitchFamily="34" charset="0"/>
+              </a:rPr>
+              <a:t>F</a:t>
+            </a:r>
+            <a:r>
+              <a:rPr lang="en-US" b="0" i="0" u="none" strike="noStrike" baseline="0">
+                <a:latin typeface="Calibri" panose="020F0502020204030204" pitchFamily="34" charset="0"/>
+              </a:rPr>
+              <a:t>or each 250 rows we give them a specific label corresponds to the image action type, so we give it a string label describes the action. </a:t>
+            </a:r>
+            <a:endParaRPr lang="en-US">
+              <a:latin typeface="Calibri" panose="020F0502020204030204" pitchFamily="34" charset="0"/>
+            </a:endParaRPr>
+          </a:p>
+          <a:p>
+            <a:r>
+              <a:rPr lang="en-US">
+                <a:latin typeface="Calibri" panose="020F0502020204030204" pitchFamily="34" charset="0"/>
+              </a:rPr>
+              <a:t>A</a:t>
+            </a:r>
+            <a:r>
+              <a:rPr lang="en-US" b="0" i="0" u="none" strike="noStrike" baseline="0">
+                <a:latin typeface="Calibri" panose="020F0502020204030204" pitchFamily="34" charset="0"/>
+              </a:rPr>
+              <a:t> number also indicates a label for this specific action. </a:t>
+            </a:r>
+            <a:endParaRPr lang="en-US" dirty="0"/>
+          </a:p>
+        </p:txBody>
+      </p:sp>
+      <p:cxnSp>
+        <p:nvCxnSpPr>
+          <p:cNvPr id="13" name="Straight Connector 12">
+            <a:extLst>
+              <a:ext uri="{FF2B5EF4-FFF2-40B4-BE49-F238E27FC236}">
+                <a16:creationId xmlns:a16="http://schemas.microsoft.com/office/drawing/2014/main" id="{D434EAAF-BF44-4CCC-84D4-105F3370AFFC}"/>
+              </a:ext>
+              <a:ext uri="{C183D7F6-B498-43B3-948B-1728B52AA6E4}">
+                <adec:decorative xmlns:adec="http://schemas.microsoft.com/office/drawing/2017/decorative" val="1"/>
+              </a:ext>
+            </a:extLst>
+          </p:cNvPr>
+          <p:cNvCxnSpPr>
+            <a:cxnSpLocks noGrp="1" noRot="1" noChangeAspect="1" noMove="1" noResize="1" noEditPoints="1" noAdjustHandles="1" noChangeArrowheads="1" noChangeShapeType="1"/>
+          </p:cNvCxnSpPr>
+          <p:nvPr>
+            <p:extLst>
+              <p:ext uri="{386F3935-93C4-4BCD-93E2-E3B085C9AB24}">
+                <p16:designElem xmlns:p16="http://schemas.microsoft.com/office/powerpoint/2015/main" val="1"/>
+              </p:ext>
+            </p:extLst>
+          </p:nvPr>
+        </p:nvCxnSpPr>
+        <p:spPr>
+          <a:xfrm>
+            <a:off x="0" y="6199730"/>
+            <a:ext cx="4495800" cy="0"/>
+          </a:xfrm>
+          <a:prstGeom prst="line">
+            <a:avLst/>
+          </a:prstGeom>
+          <a:ln w="25400">
+            <a:solidFill>
+              <a:schemeClr val="tx1">
+                <a:lumMod val="85000"/>
+                <a:lumOff val="15000"/>
+              </a:schemeClr>
+            </a:solidFill>
+          </a:ln>
+        </p:spPr>
+        <p:style>
+          <a:lnRef idx="1">
+            <a:schemeClr val="accent1"/>
+          </a:lnRef>
+          <a:fillRef idx="0">
+            <a:schemeClr val="accent1"/>
+          </a:fillRef>
+          <a:effectRef idx="0">
+            <a:schemeClr val="accent1"/>
+          </a:effectRef>
+          <a:fontRef idx="minor">
+            <a:schemeClr val="tx1"/>
+          </a:fontRef>
+        </p:style>
+      </p:cxnSp>
+    </p:spTree>
+    <p:extLst>
+      <p:ext uri="{BB962C8B-B14F-4D97-AF65-F5344CB8AC3E}">
+        <p14:creationId xmlns:p14="http://schemas.microsoft.com/office/powerpoint/2010/main" val="858827858"/>
+      </p:ext>
+    </p:extLst>
+  </p:cSld>
+  <p:clrMapOvr>
+    <a:overrideClrMapping bg1="dk1" tx1="lt1" bg2="dk2" tx2="lt2" accent1="accent1" accent2="accent2" accent3="accent3" accent4="accent4" accent5="accent5" accent6="accent6" hlink="hlink" folHlink="folHlink"/>
+  </p:clrMapOvr>
+</p:sld>
+</file>
+
+<file path=ppt/slides/slide13.xml><?xml version="1.0" encoding="utf-8"?>
 <p:sld xmlns:a="http://schemas.openxmlformats.org/drawingml/2006/main" xmlns:r="http://schemas.openxmlformats.org/officeDocument/2006/relationships" xmlns:p="http://schemas.openxmlformats.org/presentationml/2006/main">
   <p:cSld>
     <p:bg>
@@ -20698,7 +24812,7 @@
           <a:p>
             <a:fld id="{A06F4413-EA05-4236-9082-DBB2EFB33C57}" type="slidenum">
               <a:rPr lang="en-US" smtClean="0"/>
-              <a:t>11</a:t>
+              <a:t>13</a:t>
             </a:fld>
             <a:endParaRPr lang="en-US"/>
           </a:p>
@@ -20717,7 +24831,743 @@
 </p:sld>
 </file>
 
-<file path=ppt/slides/slide12.xml><?xml version="1.0" encoding="utf-8"?>
+<file path=ppt/slides/slide14.xml><?xml version="1.0" encoding="utf-8"?>
+<p:sld xmlns:a="http://schemas.openxmlformats.org/drawingml/2006/main" xmlns:r="http://schemas.openxmlformats.org/officeDocument/2006/relationships" xmlns:p="http://schemas.openxmlformats.org/presentationml/2006/main">
+  <p:cSld>
+    <p:bg>
+      <p:bgPr>
+        <a:solidFill>
+          <a:schemeClr val="bg2"/>
+        </a:solidFill>
+        <a:effectLst/>
+      </p:bgPr>
+    </p:bg>
+    <p:spTree>
+      <p:nvGrpSpPr>
+        <p:cNvPr id="1" name=""/>
+        <p:cNvGrpSpPr/>
+        <p:nvPr/>
+      </p:nvGrpSpPr>
+      <p:grpSpPr>
+        <a:xfrm>
+          <a:off x="0" y="0"/>
+          <a:ext cx="0" cy="0"/>
+          <a:chOff x="0" y="0"/>
+          <a:chExt cx="0" cy="0"/>
+        </a:xfrm>
+      </p:grpSpPr>
+      <p:sp>
+        <p:nvSpPr>
+          <p:cNvPr id="9" name="Rectangle 8">
+            <a:extLst>
+              <a:ext uri="{FF2B5EF4-FFF2-40B4-BE49-F238E27FC236}">
+                <a16:creationId xmlns:a16="http://schemas.microsoft.com/office/drawing/2014/main" id="{A0501A84-E03A-4644-83BE-A65F0ACCCC61}"/>
+              </a:ext>
+              <a:ext uri="{C183D7F6-B498-43B3-948B-1728B52AA6E4}">
+                <adec:decorative xmlns:adec="http://schemas.microsoft.com/office/drawing/2017/decorative" val="1"/>
+              </a:ext>
+            </a:extLst>
+          </p:cNvPr>
+          <p:cNvSpPr>
+            <a:spLocks noGrp="1" noRot="1" noChangeAspect="1" noMove="1" noResize="1" noEditPoints="1" noAdjustHandles="1" noChangeArrowheads="1" noChangeShapeType="1" noTextEdit="1"/>
+          </p:cNvSpPr>
+          <p:nvPr>
+            <p:extLst>
+              <p:ext uri="{386F3935-93C4-4BCD-93E2-E3B085C9AB24}">
+                <p16:designElem xmlns:p16="http://schemas.microsoft.com/office/powerpoint/2015/main" val="1"/>
+              </p:ext>
+            </p:extLst>
+          </p:nvPr>
+        </p:nvSpPr>
+        <p:spPr>
+          <a:xfrm>
+            <a:off x="0" y="0"/>
+            <a:ext cx="12192000" cy="6858000"/>
+          </a:xfrm>
+          <a:prstGeom prst="rect">
+            <a:avLst/>
+          </a:prstGeom>
+          <a:ln>
+            <a:noFill/>
+          </a:ln>
+        </p:spPr>
+        <p:style>
+          <a:lnRef idx="2">
+            <a:schemeClr val="accent1">
+              <a:shade val="50000"/>
+            </a:schemeClr>
+          </a:lnRef>
+          <a:fillRef idx="1003">
+            <a:schemeClr val="lt2"/>
+          </a:fillRef>
+          <a:effectRef idx="0">
+            <a:schemeClr val="accent1"/>
+          </a:effectRef>
+          <a:fontRef idx="minor">
+            <a:schemeClr val="lt1"/>
+          </a:fontRef>
+        </p:style>
+        <p:txBody>
+          <a:bodyPr rtlCol="0" anchor="ctr"/>
+          <a:lstStyle/>
+          <a:p>
+            <a:pPr algn="ctr"/>
+            <a:endParaRPr lang="en-US"/>
+          </a:p>
+        </p:txBody>
+      </p:sp>
+      <p:sp>
+        <p:nvSpPr>
+          <p:cNvPr id="11" name="Rectangle 10">
+            <a:extLst>
+              <a:ext uri="{FF2B5EF4-FFF2-40B4-BE49-F238E27FC236}">
+                <a16:creationId xmlns:a16="http://schemas.microsoft.com/office/drawing/2014/main" id="{33B1EE1F-6738-485F-A620-2602F7683DFB}"/>
+              </a:ext>
+              <a:ext uri="{C183D7F6-B498-43B3-948B-1728B52AA6E4}">
+                <adec:decorative xmlns:adec="http://schemas.microsoft.com/office/drawing/2017/decorative" val="1"/>
+              </a:ext>
+            </a:extLst>
+          </p:cNvPr>
+          <p:cNvSpPr>
+            <a:spLocks noGrp="1" noRot="1" noChangeAspect="1" noMove="1" noResize="1" noEditPoints="1" noAdjustHandles="1" noChangeArrowheads="1" noChangeShapeType="1" noTextEdit="1"/>
+          </p:cNvSpPr>
+          <p:nvPr>
+            <p:extLst>
+              <p:ext uri="{386F3935-93C4-4BCD-93E2-E3B085C9AB24}">
+                <p16:designElem xmlns:p16="http://schemas.microsoft.com/office/powerpoint/2015/main" val="1"/>
+              </p:ext>
+            </p:extLst>
+          </p:nvPr>
+        </p:nvSpPr>
+        <p:spPr>
+          <a:xfrm>
+            <a:off x="7534657" y="0"/>
+            <a:ext cx="4657344" cy="6858000"/>
+          </a:xfrm>
+          <a:prstGeom prst="rect">
+            <a:avLst/>
+          </a:prstGeom>
+          <a:solidFill>
+            <a:schemeClr val="tx1"/>
+          </a:solidFill>
+          <a:ln>
+            <a:noFill/>
+          </a:ln>
+        </p:spPr>
+        <p:style>
+          <a:lnRef idx="2">
+            <a:schemeClr val="accent1">
+              <a:shade val="50000"/>
+            </a:schemeClr>
+          </a:lnRef>
+          <a:fillRef idx="1">
+            <a:schemeClr val="accent1"/>
+          </a:fillRef>
+          <a:effectRef idx="0">
+            <a:schemeClr val="accent1"/>
+          </a:effectRef>
+          <a:fontRef idx="minor">
+            <a:schemeClr val="lt1"/>
+          </a:fontRef>
+        </p:style>
+        <p:txBody>
+          <a:bodyPr rtlCol="0" anchor="ctr"/>
+          <a:lstStyle/>
+          <a:p>
+            <a:pPr algn="ctr"/>
+            <a:endParaRPr lang="en-US"/>
+          </a:p>
+        </p:txBody>
+      </p:sp>
+      <p:sp>
+        <p:nvSpPr>
+          <p:cNvPr id="2" name="Title 1">
+            <a:extLst>
+              <a:ext uri="{FF2B5EF4-FFF2-40B4-BE49-F238E27FC236}">
+                <a16:creationId xmlns:a16="http://schemas.microsoft.com/office/drawing/2014/main" id="{35F826F1-CD85-4BBA-B03E-69A412222EDE}"/>
+              </a:ext>
+            </a:extLst>
+          </p:cNvPr>
+          <p:cNvSpPr>
+            <a:spLocks noGrp="1"/>
+          </p:cNvSpPr>
+          <p:nvPr>
+            <p:ph type="title"/>
+          </p:nvPr>
+        </p:nvSpPr>
+        <p:spPr>
+          <a:xfrm>
+            <a:off x="8046748" y="1257300"/>
+            <a:ext cx="3505240" cy="4254869"/>
+          </a:xfrm>
+        </p:spPr>
+        <p:txBody>
+          <a:bodyPr>
+            <a:normAutofit/>
+          </a:bodyPr>
+          <a:lstStyle/>
+          <a:p>
+            <a:pPr algn="ctr"/>
+            <a:r>
+              <a:rPr lang="en-US" dirty="0">
+                <a:solidFill>
+                  <a:schemeClr val="bg1"/>
+                </a:solidFill>
+              </a:rPr>
+              <a:t>Model</a:t>
+            </a:r>
+          </a:p>
+        </p:txBody>
+      </p:sp>
+      <p:sp>
+        <p:nvSpPr>
+          <p:cNvPr id="3" name="Content Placeholder 2">
+            <a:extLst>
+              <a:ext uri="{FF2B5EF4-FFF2-40B4-BE49-F238E27FC236}">
+                <a16:creationId xmlns:a16="http://schemas.microsoft.com/office/drawing/2014/main" id="{F774CBD2-8030-439B-9B2B-D3C90399C563}"/>
+              </a:ext>
+            </a:extLst>
+          </p:cNvPr>
+          <p:cNvSpPr>
+            <a:spLocks noGrp="1"/>
+          </p:cNvSpPr>
+          <p:nvPr>
+            <p:ph idx="1"/>
+          </p:nvPr>
+        </p:nvSpPr>
+        <p:spPr>
+          <a:xfrm>
+            <a:off x="666755" y="569066"/>
+            <a:ext cx="6248398" cy="5655156"/>
+          </a:xfrm>
+        </p:spPr>
+        <p:txBody>
+          <a:bodyPr>
+            <a:normAutofit/>
+          </a:bodyPr>
+          <a:lstStyle/>
+          <a:p>
+            <a:pPr>
+              <a:lnSpc>
+                <a:spcPct val="102000"/>
+              </a:lnSpc>
+            </a:pPr>
+            <a:r>
+              <a:rPr lang="en-US" sz="1700" b="0" i="0" u="none" strike="noStrike" baseline="0" dirty="0">
+                <a:latin typeface="Calibri" panose="020F0502020204030204" pitchFamily="34" charset="0"/>
+              </a:rPr>
+              <a:t>Starting by importing the needed libraries to implement vgg16 model </a:t>
+            </a:r>
+          </a:p>
+          <a:p>
+            <a:pPr>
+              <a:lnSpc>
+                <a:spcPct val="102000"/>
+              </a:lnSpc>
+            </a:pPr>
+            <a:r>
+              <a:rPr lang="en-US" sz="1700" dirty="0">
+                <a:latin typeface="Calibri" panose="020F0502020204030204" pitchFamily="34" charset="0"/>
+              </a:rPr>
+              <a:t>L</a:t>
+            </a:r>
+            <a:r>
+              <a:rPr lang="en-US" sz="1700" b="0" i="0" u="none" strike="noStrike" baseline="0" dirty="0">
+                <a:latin typeface="Calibri" panose="020F0502020204030204" pitchFamily="34" charset="0"/>
+              </a:rPr>
+              <a:t>ooping over the csv file created to take the labels and save them together with the images in a train folder for training the model.</a:t>
+            </a:r>
+          </a:p>
+          <a:p>
+            <a:pPr>
+              <a:lnSpc>
+                <a:spcPct val="102000"/>
+              </a:lnSpc>
+            </a:pPr>
+            <a:r>
+              <a:rPr lang="en-US" sz="1700" b="0" i="0" u="none" strike="noStrike" baseline="0" dirty="0">
+                <a:latin typeface="Calibri" panose="020F0502020204030204" pitchFamily="34" charset="0"/>
+              </a:rPr>
+              <a:t>Method that creates vgg16 model which starts by initializing the model by make it pretrained over ImageNet and include the 3 fully connected layers on the top of the network. </a:t>
+            </a:r>
+          </a:p>
+          <a:p>
+            <a:pPr>
+              <a:lnSpc>
+                <a:spcPct val="102000"/>
+              </a:lnSpc>
+            </a:pPr>
+            <a:r>
+              <a:rPr lang="en-US" sz="1700" dirty="0">
+                <a:latin typeface="Calibri" panose="020F0502020204030204" pitchFamily="34" charset="0"/>
+              </a:rPr>
+              <a:t>U</a:t>
+            </a:r>
+            <a:r>
+              <a:rPr lang="en-US" sz="1700" b="0" i="0" u="none" strike="noStrike" baseline="0" dirty="0">
+                <a:latin typeface="Calibri" panose="020F0502020204030204" pitchFamily="34" charset="0"/>
+              </a:rPr>
+              <a:t>se the SoftMax activation function over the model output layers. </a:t>
+            </a:r>
+          </a:p>
+          <a:p>
+            <a:pPr>
+              <a:lnSpc>
+                <a:spcPct val="102000"/>
+              </a:lnSpc>
+            </a:pPr>
+            <a:r>
+              <a:rPr lang="en-US" sz="1700" dirty="0">
+                <a:latin typeface="Calibri" panose="020F0502020204030204" pitchFamily="34" charset="0"/>
+              </a:rPr>
+              <a:t>S</a:t>
+            </a:r>
+            <a:r>
+              <a:rPr lang="en-US" sz="1700" b="0" i="0" u="none" strike="noStrike" baseline="0" dirty="0">
+                <a:latin typeface="Calibri" panose="020F0502020204030204" pitchFamily="34" charset="0"/>
+              </a:rPr>
+              <a:t>etting the first 8 layers of the model to non-trainable which means that the weights are not updated. </a:t>
+            </a:r>
+          </a:p>
+          <a:p>
+            <a:pPr>
+              <a:lnSpc>
+                <a:spcPct val="102000"/>
+              </a:lnSpc>
+            </a:pPr>
+            <a:r>
+              <a:rPr lang="en-US" sz="1700" b="0" i="0" u="none" strike="noStrike" baseline="0" dirty="0">
+                <a:latin typeface="Calibri" panose="020F0502020204030204" pitchFamily="34" charset="0"/>
+              </a:rPr>
+              <a:t>Using the SGD “Stochastic gradient descent” optimizer which is an iterative method to optimize objective functions. </a:t>
+            </a:r>
+          </a:p>
+          <a:p>
+            <a:pPr>
+              <a:lnSpc>
+                <a:spcPct val="102000"/>
+              </a:lnSpc>
+            </a:pPr>
+            <a:r>
+              <a:rPr lang="en-US" sz="1700" b="0" i="0" u="none" strike="noStrike" baseline="0" dirty="0">
+                <a:latin typeface="Calibri" panose="020F0502020204030204" pitchFamily="34" charset="0"/>
+              </a:rPr>
+              <a:t>Do the fine tuning, making the predictions and calculate the loss entropy score. </a:t>
+            </a:r>
+          </a:p>
+          <a:p>
+            <a:pPr>
+              <a:lnSpc>
+                <a:spcPct val="102000"/>
+              </a:lnSpc>
+            </a:pPr>
+            <a:r>
+              <a:rPr lang="en-US" sz="1700" dirty="0">
+                <a:latin typeface="Calibri" panose="020F0502020204030204" pitchFamily="34" charset="0"/>
+              </a:rPr>
+              <a:t>S</a:t>
+            </a:r>
+            <a:r>
+              <a:rPr lang="en-US" sz="1700" b="0" i="0" u="none" strike="noStrike" baseline="0" dirty="0">
+                <a:latin typeface="Calibri" panose="020F0502020204030204" pitchFamily="34" charset="0"/>
+              </a:rPr>
+              <a:t>tart training the model over 3 channels, 16 batch size and 10 epochs. </a:t>
+            </a:r>
+          </a:p>
+          <a:p>
+            <a:pPr>
+              <a:lnSpc>
+                <a:spcPct val="102000"/>
+              </a:lnSpc>
+            </a:pPr>
+            <a:endParaRPr lang="en-US" sz="1700" b="0" i="0" u="none" strike="noStrike" baseline="0" dirty="0">
+              <a:latin typeface="Calibri" panose="020F0502020204030204" pitchFamily="34" charset="0"/>
+            </a:endParaRPr>
+          </a:p>
+          <a:p>
+            <a:pPr>
+              <a:lnSpc>
+                <a:spcPct val="102000"/>
+              </a:lnSpc>
+            </a:pPr>
+            <a:endParaRPr lang="en-US" sz="1700" b="0" i="0" u="none" strike="noStrike" baseline="0" dirty="0">
+              <a:latin typeface="Calibri" panose="020F0502020204030204" pitchFamily="34" charset="0"/>
+            </a:endParaRPr>
+          </a:p>
+          <a:p>
+            <a:pPr>
+              <a:lnSpc>
+                <a:spcPct val="102000"/>
+              </a:lnSpc>
+            </a:pPr>
+            <a:endParaRPr lang="en-US" sz="1700" b="0" i="0" u="none" strike="noStrike" baseline="0" dirty="0">
+              <a:latin typeface="Calibri" panose="020F0502020204030204" pitchFamily="34" charset="0"/>
+            </a:endParaRPr>
+          </a:p>
+          <a:p>
+            <a:pPr>
+              <a:lnSpc>
+                <a:spcPct val="102000"/>
+              </a:lnSpc>
+            </a:pPr>
+            <a:endParaRPr lang="en-US" sz="1700" b="0" i="0" u="none" strike="noStrike" baseline="0" dirty="0">
+              <a:latin typeface="Calibri" panose="020F0502020204030204" pitchFamily="34" charset="0"/>
+            </a:endParaRPr>
+          </a:p>
+          <a:p>
+            <a:pPr>
+              <a:lnSpc>
+                <a:spcPct val="102000"/>
+              </a:lnSpc>
+            </a:pPr>
+            <a:endParaRPr lang="en-US" sz="1700" b="0" i="0" u="none" strike="noStrike" baseline="0" dirty="0">
+              <a:latin typeface="Calibri" panose="020F0502020204030204" pitchFamily="34" charset="0"/>
+            </a:endParaRPr>
+          </a:p>
+          <a:p>
+            <a:pPr>
+              <a:lnSpc>
+                <a:spcPct val="102000"/>
+              </a:lnSpc>
+            </a:pPr>
+            <a:endParaRPr lang="en-US" sz="1700" dirty="0"/>
+          </a:p>
+        </p:txBody>
+      </p:sp>
+      <p:cxnSp>
+        <p:nvCxnSpPr>
+          <p:cNvPr id="13" name="Straight Connector 12">
+            <a:extLst>
+              <a:ext uri="{FF2B5EF4-FFF2-40B4-BE49-F238E27FC236}">
+                <a16:creationId xmlns:a16="http://schemas.microsoft.com/office/drawing/2014/main" id="{ADC544FB-7860-4381-935B-43879C94F627}"/>
+              </a:ext>
+              <a:ext uri="{C183D7F6-B498-43B3-948B-1728B52AA6E4}">
+                <adec:decorative xmlns:adec="http://schemas.microsoft.com/office/drawing/2017/decorative" val="1"/>
+              </a:ext>
+            </a:extLst>
+          </p:cNvPr>
+          <p:cNvCxnSpPr>
+            <a:cxnSpLocks noGrp="1" noRot="1" noChangeAspect="1" noMove="1" noResize="1" noEditPoints="1" noAdjustHandles="1" noChangeArrowheads="1" noChangeShapeType="1"/>
+          </p:cNvCxnSpPr>
+          <p:nvPr>
+            <p:extLst>
+              <p:ext uri="{386F3935-93C4-4BCD-93E2-E3B085C9AB24}">
+                <p16:designElem xmlns:p16="http://schemas.microsoft.com/office/powerpoint/2015/main" val="1"/>
+              </p:ext>
+            </p:extLst>
+          </p:nvPr>
+        </p:nvCxnSpPr>
+        <p:spPr>
+          <a:xfrm>
+            <a:off x="7886703" y="1257300"/>
+            <a:ext cx="0" cy="5600700"/>
+          </a:xfrm>
+          <a:prstGeom prst="line">
+            <a:avLst/>
+          </a:prstGeom>
+          <a:ln w="25400">
+            <a:solidFill>
+              <a:schemeClr val="bg1"/>
+            </a:solidFill>
+          </a:ln>
+        </p:spPr>
+        <p:style>
+          <a:lnRef idx="1">
+            <a:schemeClr val="accent1"/>
+          </a:lnRef>
+          <a:fillRef idx="0">
+            <a:schemeClr val="accent1"/>
+          </a:fillRef>
+          <a:effectRef idx="0">
+            <a:schemeClr val="accent1"/>
+          </a:effectRef>
+          <a:fontRef idx="minor">
+            <a:schemeClr val="tx1"/>
+          </a:fontRef>
+        </p:style>
+      </p:cxnSp>
+      <p:sp>
+        <p:nvSpPr>
+          <p:cNvPr id="15" name="Freeform 6">
+            <a:extLst>
+              <a:ext uri="{FF2B5EF4-FFF2-40B4-BE49-F238E27FC236}">
+                <a16:creationId xmlns:a16="http://schemas.microsoft.com/office/drawing/2014/main" id="{D9949DD4-1FB3-4162-9489-E2488DEC36F0}"/>
+              </a:ext>
+              <a:ext uri="{C183D7F6-B498-43B3-948B-1728B52AA6E4}">
+                <adec:decorative xmlns:adec="http://schemas.microsoft.com/office/drawing/2017/decorative" val="1"/>
+              </a:ext>
+            </a:extLst>
+          </p:cNvPr>
+          <p:cNvSpPr>
+            <a:spLocks noGrp="1" noRot="1" noChangeAspect="1" noMove="1" noResize="1" noEditPoints="1" noAdjustHandles="1" noChangeArrowheads="1" noChangeShapeType="1" noTextEdit="1"/>
+          </p:cNvSpPr>
+          <p:nvPr>
+            <p:extLst>
+              <p:ext uri="{386F3935-93C4-4BCD-93E2-E3B085C9AB24}">
+                <p16:designElem xmlns:p16="http://schemas.microsoft.com/office/powerpoint/2015/main" val="1"/>
+              </p:ext>
+            </p:extLst>
+          </p:nvPr>
+        </p:nvSpPr>
+        <p:spPr bwMode="auto">
+          <a:xfrm>
+            <a:off x="11784011" y="1393747"/>
+            <a:ext cx="407988" cy="819150"/>
+          </a:xfrm>
+          <a:custGeom>
+            <a:avLst/>
+            <a:gdLst/>
+            <a:ahLst/>
+            <a:cxnLst/>
+            <a:rect l="0" t="0" r="r" b="b"/>
+            <a:pathLst>
+              <a:path w="1799" h="3612">
+                <a:moveTo>
+                  <a:pt x="1799" y="0"/>
+                </a:moveTo>
+                <a:lnTo>
+                  <a:pt x="1799" y="3612"/>
+                </a:lnTo>
+                <a:lnTo>
+                  <a:pt x="1686" y="3609"/>
+                </a:lnTo>
+                <a:lnTo>
+                  <a:pt x="1574" y="3598"/>
+                </a:lnTo>
+                <a:lnTo>
+                  <a:pt x="1464" y="3581"/>
+                </a:lnTo>
+                <a:lnTo>
+                  <a:pt x="1357" y="3557"/>
+                </a:lnTo>
+                <a:lnTo>
+                  <a:pt x="1251" y="3527"/>
+                </a:lnTo>
+                <a:lnTo>
+                  <a:pt x="1150" y="3490"/>
+                </a:lnTo>
+                <a:lnTo>
+                  <a:pt x="1050" y="3448"/>
+                </a:lnTo>
+                <a:lnTo>
+                  <a:pt x="953" y="3401"/>
+                </a:lnTo>
+                <a:lnTo>
+                  <a:pt x="860" y="3347"/>
+                </a:lnTo>
+                <a:lnTo>
+                  <a:pt x="771" y="3289"/>
+                </a:lnTo>
+                <a:lnTo>
+                  <a:pt x="686" y="3224"/>
+                </a:lnTo>
+                <a:lnTo>
+                  <a:pt x="604" y="3156"/>
+                </a:lnTo>
+                <a:lnTo>
+                  <a:pt x="527" y="3083"/>
+                </a:lnTo>
+                <a:lnTo>
+                  <a:pt x="454" y="3005"/>
+                </a:lnTo>
+                <a:lnTo>
+                  <a:pt x="386" y="2923"/>
+                </a:lnTo>
+                <a:lnTo>
+                  <a:pt x="323" y="2838"/>
+                </a:lnTo>
+                <a:lnTo>
+                  <a:pt x="265" y="2748"/>
+                </a:lnTo>
+                <a:lnTo>
+                  <a:pt x="211" y="2655"/>
+                </a:lnTo>
+                <a:lnTo>
+                  <a:pt x="163" y="2559"/>
+                </a:lnTo>
+                <a:lnTo>
+                  <a:pt x="121" y="2459"/>
+                </a:lnTo>
+                <a:lnTo>
+                  <a:pt x="85" y="2356"/>
+                </a:lnTo>
+                <a:lnTo>
+                  <a:pt x="55" y="2251"/>
+                </a:lnTo>
+                <a:lnTo>
+                  <a:pt x="32" y="2143"/>
+                </a:lnTo>
+                <a:lnTo>
+                  <a:pt x="14" y="2033"/>
+                </a:lnTo>
+                <a:lnTo>
+                  <a:pt x="4" y="1920"/>
+                </a:lnTo>
+                <a:lnTo>
+                  <a:pt x="0" y="1806"/>
+                </a:lnTo>
+                <a:lnTo>
+                  <a:pt x="4" y="1692"/>
+                </a:lnTo>
+                <a:lnTo>
+                  <a:pt x="14" y="1580"/>
+                </a:lnTo>
+                <a:lnTo>
+                  <a:pt x="32" y="1469"/>
+                </a:lnTo>
+                <a:lnTo>
+                  <a:pt x="55" y="1362"/>
+                </a:lnTo>
+                <a:lnTo>
+                  <a:pt x="85" y="1256"/>
+                </a:lnTo>
+                <a:lnTo>
+                  <a:pt x="121" y="1154"/>
+                </a:lnTo>
+                <a:lnTo>
+                  <a:pt x="163" y="1054"/>
+                </a:lnTo>
+                <a:lnTo>
+                  <a:pt x="211" y="958"/>
+                </a:lnTo>
+                <a:lnTo>
+                  <a:pt x="265" y="864"/>
+                </a:lnTo>
+                <a:lnTo>
+                  <a:pt x="323" y="774"/>
+                </a:lnTo>
+                <a:lnTo>
+                  <a:pt x="386" y="689"/>
+                </a:lnTo>
+                <a:lnTo>
+                  <a:pt x="454" y="607"/>
+                </a:lnTo>
+                <a:lnTo>
+                  <a:pt x="527" y="529"/>
+                </a:lnTo>
+                <a:lnTo>
+                  <a:pt x="604" y="456"/>
+                </a:lnTo>
+                <a:lnTo>
+                  <a:pt x="686" y="388"/>
+                </a:lnTo>
+                <a:lnTo>
+                  <a:pt x="771" y="325"/>
+                </a:lnTo>
+                <a:lnTo>
+                  <a:pt x="860" y="266"/>
+                </a:lnTo>
+                <a:lnTo>
+                  <a:pt x="953" y="212"/>
+                </a:lnTo>
+                <a:lnTo>
+                  <a:pt x="1050" y="164"/>
+                </a:lnTo>
+                <a:lnTo>
+                  <a:pt x="1150" y="122"/>
+                </a:lnTo>
+                <a:lnTo>
+                  <a:pt x="1251" y="85"/>
+                </a:lnTo>
+                <a:lnTo>
+                  <a:pt x="1357" y="55"/>
+                </a:lnTo>
+                <a:lnTo>
+                  <a:pt x="1464" y="32"/>
+                </a:lnTo>
+                <a:lnTo>
+                  <a:pt x="1574" y="14"/>
+                </a:lnTo>
+                <a:lnTo>
+                  <a:pt x="1686" y="5"/>
+                </a:lnTo>
+                <a:lnTo>
+                  <a:pt x="1799" y="0"/>
+                </a:lnTo>
+                <a:close/>
+              </a:path>
+            </a:pathLst>
+          </a:custGeom>
+          <a:solidFill>
+            <a:schemeClr val="bg2"/>
+          </a:solidFill>
+          <a:ln w="0">
+            <a:noFill/>
+            <a:prstDash val="solid"/>
+            <a:round/>
+            <a:headEnd/>
+            <a:tailEnd/>
+          </a:ln>
+        </p:spPr>
+      </p:sp>
+      <p:sp>
+        <p:nvSpPr>
+          <p:cNvPr id="4" name="Slide Number Placeholder 3">
+            <a:extLst>
+              <a:ext uri="{FF2B5EF4-FFF2-40B4-BE49-F238E27FC236}">
+                <a16:creationId xmlns:a16="http://schemas.microsoft.com/office/drawing/2014/main" id="{C613A1CC-8D23-46AE-9AD7-EE5DC3FA22CB}"/>
+              </a:ext>
+            </a:extLst>
+          </p:cNvPr>
+          <p:cNvSpPr>
+            <a:spLocks noGrp="1"/>
+          </p:cNvSpPr>
+          <p:nvPr>
+            <p:ph type="sldNum" sz="quarter" idx="12"/>
+          </p:nvPr>
+        </p:nvSpPr>
+        <p:spPr>
+          <a:xfrm>
+            <a:off x="11784011" y="1620760"/>
+            <a:ext cx="407988" cy="365125"/>
+          </a:xfrm>
+        </p:spPr>
+        <p:txBody>
+          <a:bodyPr>
+            <a:normAutofit/>
+          </a:bodyPr>
+          <a:lstStyle/>
+          <a:p>
+            <a:pPr>
+              <a:spcAft>
+                <a:spcPts val="600"/>
+              </a:spcAft>
+            </a:pPr>
+            <a:fld id="{A06F4413-EA05-4236-9082-DBB2EFB33C57}" type="slidenum">
+              <a:rPr lang="en-US">
+                <a:solidFill>
+                  <a:schemeClr val="tx1"/>
+                </a:solidFill>
+              </a:rPr>
+              <a:pPr>
+                <a:spcAft>
+                  <a:spcPts val="600"/>
+                </a:spcAft>
+              </a:pPr>
+              <a:t>14</a:t>
+            </a:fld>
+            <a:endParaRPr lang="en-US">
+              <a:solidFill>
+                <a:schemeClr val="tx1"/>
+              </a:solidFill>
+            </a:endParaRPr>
+          </a:p>
+        </p:txBody>
+      </p:sp>
+    </p:spTree>
+    <p:extLst>
+      <p:ext uri="{BB962C8B-B14F-4D97-AF65-F5344CB8AC3E}">
+        <p14:creationId xmlns:p14="http://schemas.microsoft.com/office/powerpoint/2010/main" val="739885182"/>
+      </p:ext>
+    </p:extLst>
+  </p:cSld>
+  <p:clrMapOvr>
+    <a:masterClrMapping/>
+  </p:clrMapOvr>
+</p:sld>
+</file>
+
+<file path=ppt/slides/slide15.xml><?xml version="1.0" encoding="utf-8"?>
 <p:sld xmlns:a="http://schemas.openxmlformats.org/drawingml/2006/main" xmlns:r="http://schemas.openxmlformats.org/officeDocument/2006/relationships" xmlns:p="http://schemas.openxmlformats.org/presentationml/2006/main">
   <p:cSld>
     <p:spTree>
@@ -20821,7 +25671,7 @@
           <a:p>
             <a:fld id="{A06F4413-EA05-4236-9082-DBB2EFB33C57}" type="slidenum">
               <a:rPr lang="en-US" smtClean="0"/>
-              <a:t>12</a:t>
+              <a:t>15</a:t>
             </a:fld>
             <a:endParaRPr lang="en-US"/>
           </a:p>
@@ -20875,7 +25725,7 @@
 </p:sld>
 </file>
 
-<file path=ppt/slides/slide13.xml><?xml version="1.0" encoding="utf-8"?>
+<file path=ppt/slides/slide16.xml><?xml version="1.0" encoding="utf-8"?>
 <p:sld xmlns:a="http://schemas.openxmlformats.org/drawingml/2006/main" xmlns:r="http://schemas.openxmlformats.org/officeDocument/2006/relationships" xmlns:p="http://schemas.openxmlformats.org/presentationml/2006/main">
   <p:cSld>
     <p:bg>
@@ -21348,7 +26198,7 @@
                   <a:spcPts val="600"/>
                 </a:spcAft>
               </a:pPr>
-              <a:t>13</a:t>
+              <a:t>16</a:t>
             </a:fld>
             <a:endParaRPr lang="en-US"/>
           </a:p>
@@ -21367,7 +26217,7 @@
 </p:sld>
 </file>
 
-<file path=ppt/slides/slide14.xml><?xml version="1.0" encoding="utf-8"?>
+<file path=ppt/slides/slide17.xml><?xml version="1.0" encoding="utf-8"?>
 <p:sld xmlns:a="http://schemas.openxmlformats.org/drawingml/2006/main" xmlns:r="http://schemas.openxmlformats.org/officeDocument/2006/relationships" xmlns:p="http://schemas.openxmlformats.org/presentationml/2006/main">
   <p:cSld>
     <p:bg>
@@ -22312,7 +27162,7 @@
           <a:p>
             <a:fld id="{A06F4413-EA05-4236-9082-DBB2EFB33C57}" type="slidenum">
               <a:rPr lang="en-US" smtClean="0"/>
-              <a:t>14</a:t>
+              <a:t>17</a:t>
             </a:fld>
             <a:endParaRPr lang="en-US"/>
           </a:p>
@@ -22331,7 +27181,7 @@
 </p:sld>
 </file>
 
-<file path=ppt/slides/slide15.xml><?xml version="1.0" encoding="utf-8"?>
+<file path=ppt/slides/slide18.xml><?xml version="1.0" encoding="utf-8"?>
 <p:sld xmlns:a="http://schemas.openxmlformats.org/drawingml/2006/main" xmlns:r="http://schemas.openxmlformats.org/officeDocument/2006/relationships" xmlns:p="http://schemas.openxmlformats.org/presentationml/2006/main">
   <p:cSld>
     <p:spTree>
@@ -22514,7 +27364,7 @@
           <a:p>
             <a:fld id="{9B84B49F-F9E0-4A5E-B31A-9D5A1D8169F9}" type="slidenum">
               <a:rPr lang="en-US" sz="2000" smtClean="0"/>
-              <a:t>15</a:t>
+              <a:t>18</a:t>
             </a:fld>
             <a:endParaRPr lang="en-US" sz="2000" dirty="0"/>
           </a:p>
@@ -25234,6 +30084,120 @@
 </file>
 
 <file path=ppt/slides/slide7.xml><?xml version="1.0" encoding="utf-8"?>
+<p:sld xmlns:a="http://schemas.openxmlformats.org/drawingml/2006/main" xmlns:r="http://schemas.openxmlformats.org/officeDocument/2006/relationships" xmlns:p="http://schemas.openxmlformats.org/presentationml/2006/main">
+  <p:cSld>
+    <p:spTree>
+      <p:nvGrpSpPr>
+        <p:cNvPr id="1" name=""/>
+        <p:cNvGrpSpPr/>
+        <p:nvPr/>
+      </p:nvGrpSpPr>
+      <p:grpSpPr>
+        <a:xfrm>
+          <a:off x="0" y="0"/>
+          <a:ext cx="0" cy="0"/>
+          <a:chOff x="0" y="0"/>
+          <a:chExt cx="0" cy="0"/>
+        </a:xfrm>
+      </p:grpSpPr>
+      <p:sp>
+        <p:nvSpPr>
+          <p:cNvPr id="2" name="Title 1">
+            <a:extLst>
+              <a:ext uri="{FF2B5EF4-FFF2-40B4-BE49-F238E27FC236}">
+                <a16:creationId xmlns:a16="http://schemas.microsoft.com/office/drawing/2014/main" id="{A886EFBC-A231-4695-BAF1-B986078569DD}"/>
+              </a:ext>
+            </a:extLst>
+          </p:cNvPr>
+          <p:cNvSpPr>
+            <a:spLocks noGrp="1"/>
+          </p:cNvSpPr>
+          <p:nvPr>
+            <p:ph type="title"/>
+          </p:nvPr>
+        </p:nvSpPr>
+        <p:spPr/>
+        <p:txBody>
+          <a:bodyPr/>
+          <a:lstStyle/>
+          <a:p>
+            <a:pPr algn="ctr"/>
+            <a:r>
+              <a:rPr lang="en-US" dirty="0"/>
+              <a:t>Dataset</a:t>
+            </a:r>
+          </a:p>
+        </p:txBody>
+      </p:sp>
+      <p:graphicFrame>
+        <p:nvGraphicFramePr>
+          <p:cNvPr id="6" name="Content Placeholder 2">
+            <a:extLst>
+              <a:ext uri="{FF2B5EF4-FFF2-40B4-BE49-F238E27FC236}">
+                <a16:creationId xmlns:a16="http://schemas.microsoft.com/office/drawing/2014/main" id="{5B78BB2D-01D7-4985-B6D6-3C6C62D724A6}"/>
+              </a:ext>
+            </a:extLst>
+          </p:cNvPr>
+          <p:cNvGraphicFramePr>
+            <a:graphicFrameLocks noGrp="1"/>
+          </p:cNvGraphicFramePr>
+          <p:nvPr>
+            <p:ph idx="1"/>
+          </p:nvPr>
+        </p:nvGraphicFramePr>
+        <p:xfrm>
+          <a:off x="5181600" y="569066"/>
+          <a:ext cx="6248398" cy="5655156"/>
+        </p:xfrm>
+        <a:graphic>
+          <a:graphicData uri="http://schemas.openxmlformats.org/drawingml/2006/diagram">
+            <dgm:relIds xmlns:dgm="http://schemas.openxmlformats.org/drawingml/2006/diagram" xmlns:r="http://schemas.openxmlformats.org/officeDocument/2006/relationships" r:dm="rId2" r:lo="rId3" r:qs="rId4" r:cs="rId5"/>
+          </a:graphicData>
+        </a:graphic>
+      </p:graphicFrame>
+      <p:sp>
+        <p:nvSpPr>
+          <p:cNvPr id="4" name="Slide Number Placeholder 3">
+            <a:extLst>
+              <a:ext uri="{FF2B5EF4-FFF2-40B4-BE49-F238E27FC236}">
+                <a16:creationId xmlns:a16="http://schemas.microsoft.com/office/drawing/2014/main" id="{739CE8A6-7829-4E80-A3A4-FA8F4D9CD227}"/>
+              </a:ext>
+            </a:extLst>
+          </p:cNvPr>
+          <p:cNvSpPr>
+            <a:spLocks noGrp="1"/>
+          </p:cNvSpPr>
+          <p:nvPr>
+            <p:ph type="sldNum" sz="quarter" idx="12"/>
+          </p:nvPr>
+        </p:nvSpPr>
+        <p:spPr/>
+        <p:txBody>
+          <a:bodyPr/>
+          <a:lstStyle/>
+          <a:p>
+            <a:fld id="{A06F4413-EA05-4236-9082-DBB2EFB33C57}" type="slidenum">
+              <a:rPr lang="en-US" smtClean="0"/>
+              <a:t>7</a:t>
+            </a:fld>
+            <a:endParaRPr lang="en-US"/>
+          </a:p>
+        </p:txBody>
+      </p:sp>
+    </p:spTree>
+    <p:extLst>
+      <p:ext uri="{BB962C8B-B14F-4D97-AF65-F5344CB8AC3E}">
+        <p14:creationId xmlns:p14="http://schemas.microsoft.com/office/powerpoint/2010/main" val="662797529"/>
+      </p:ext>
+    </p:extLst>
+  </p:cSld>
+  <p:clrMapOvr>
+    <a:masterClrMapping/>
+  </p:clrMapOvr>
+</p:sld>
+</file>
+
+<file path=ppt/slides/slide8.xml><?xml version="1.0" encoding="utf-8"?>
 <p:sld xmlns:a="http://schemas.openxmlformats.org/drawingml/2006/main" xmlns:r="http://schemas.openxmlformats.org/officeDocument/2006/relationships" xmlns:p="http://schemas.openxmlformats.org/presentationml/2006/main">
   <p:cSld>
     <p:spTree>
@@ -25861,7 +30825,7 @@
           <a:p>
             <a:fld id="{A06F4413-EA05-4236-9082-DBB2EFB33C57}" type="slidenum">
               <a:rPr lang="en-US" smtClean="0"/>
-              <a:t>7</a:t>
+              <a:t>8</a:t>
             </a:fld>
             <a:endParaRPr lang="en-US"/>
           </a:p>
@@ -25880,7 +30844,7 @@
 </p:sld>
 </file>
 
-<file path=ppt/slides/slide8.xml><?xml version="1.0" encoding="utf-8"?>
+<file path=ppt/slides/slide9.xml><?xml version="1.0" encoding="utf-8"?>
 <p:sld xmlns:a="http://schemas.openxmlformats.org/drawingml/2006/main" xmlns:r="http://schemas.openxmlformats.org/officeDocument/2006/relationships" xmlns:p="http://schemas.openxmlformats.org/presentationml/2006/main">
   <p:cSld>
     <p:spTree>
@@ -26159,7 +31123,7 @@
           <a:p>
             <a:fld id="{A06F4413-EA05-4236-9082-DBB2EFB33C57}" type="slidenum">
               <a:rPr lang="en-US" smtClean="0"/>
-              <a:t>8</a:t>
+              <a:t>9</a:t>
             </a:fld>
             <a:endParaRPr lang="en-US"/>
           </a:p>
@@ -26174,575 +31138,6 @@
   </p:cSld>
   <p:clrMapOvr>
     <a:masterClrMapping/>
-  </p:clrMapOvr>
-</p:sld>
-</file>
-
-<file path=ppt/slides/slide9.xml><?xml version="1.0" encoding="utf-8"?>
-<p:sld xmlns:a="http://schemas.openxmlformats.org/drawingml/2006/main" xmlns:r="http://schemas.openxmlformats.org/officeDocument/2006/relationships" xmlns:p="http://schemas.openxmlformats.org/presentationml/2006/main">
-  <p:cSld>
-    <p:bg>
-      <p:bgPr>
-        <a:solidFill>
-          <a:schemeClr val="bg1"/>
-        </a:solidFill>
-        <a:effectLst/>
-      </p:bgPr>
-    </p:bg>
-    <p:spTree>
-      <p:nvGrpSpPr>
-        <p:cNvPr id="1" name=""/>
-        <p:cNvGrpSpPr/>
-        <p:nvPr/>
-      </p:nvGrpSpPr>
-      <p:grpSpPr>
-        <a:xfrm>
-          <a:off x="0" y="0"/>
-          <a:ext cx="0" cy="0"/>
-          <a:chOff x="0" y="0"/>
-          <a:chExt cx="0" cy="0"/>
-        </a:xfrm>
-      </p:grpSpPr>
-      <p:sp useBgFill="1">
-        <p:nvSpPr>
-          <p:cNvPr id="8" name="Rectangle 7">
-            <a:extLst>
-              <a:ext uri="{FF2B5EF4-FFF2-40B4-BE49-F238E27FC236}">
-                <a16:creationId xmlns:a16="http://schemas.microsoft.com/office/drawing/2014/main" id="{718B0F80-1C8E-49FA-9B66-C9285753E25F}"/>
-              </a:ext>
-              <a:ext uri="{C183D7F6-B498-43B3-948B-1728B52AA6E4}">
-                <adec:decorative xmlns:adec="http://schemas.microsoft.com/office/drawing/2017/decorative" val="1"/>
-              </a:ext>
-            </a:extLst>
-          </p:cNvPr>
-          <p:cNvSpPr>
-            <a:spLocks noGrp="1" noRot="1" noChangeAspect="1" noMove="1" noResize="1" noEditPoints="1" noAdjustHandles="1" noChangeArrowheads="1" noChangeShapeType="1" noTextEdit="1"/>
-          </p:cNvSpPr>
-          <p:nvPr>
-            <p:extLst>
-              <p:ext uri="{386F3935-93C4-4BCD-93E2-E3B085C9AB24}">
-                <p16:designElem xmlns:p16="http://schemas.microsoft.com/office/powerpoint/2015/main" val="1"/>
-              </p:ext>
-            </p:extLst>
-          </p:nvPr>
-        </p:nvSpPr>
-        <p:spPr>
-          <a:xfrm>
-            <a:off x="0" y="0"/>
-            <a:ext cx="12192000" cy="6858000"/>
-          </a:xfrm>
-          <a:prstGeom prst="rect">
-            <a:avLst/>
-          </a:prstGeom>
-          <a:ln>
-            <a:noFill/>
-          </a:ln>
-        </p:spPr>
-        <p:style>
-          <a:lnRef idx="2">
-            <a:schemeClr val="accent1">
-              <a:shade val="50000"/>
-            </a:schemeClr>
-          </a:lnRef>
-          <a:fillRef idx="1">
-            <a:schemeClr val="accent1"/>
-          </a:fillRef>
-          <a:effectRef idx="0">
-            <a:schemeClr val="accent1"/>
-          </a:effectRef>
-          <a:fontRef idx="minor">
-            <a:schemeClr val="lt1"/>
-          </a:fontRef>
-        </p:style>
-        <p:txBody>
-          <a:bodyPr rot="0" spcFirstLastPara="0" vert="horz" wrap="square" lIns="91440" tIns="45720" rIns="91440" bIns="45720" numCol="1" spcCol="0" rtlCol="0" fromWordArt="0" anchor="ctr" anchorCtr="0" forceAA="0" compatLnSpc="1">
-            <a:prstTxWarp prst="textNoShape">
-              <a:avLst/>
-            </a:prstTxWarp>
-            <a:noAutofit/>
-          </a:bodyPr>
-          <a:lstStyle>
-            <a:defPPr>
-              <a:defRPr lang="en-US"/>
-            </a:defPPr>
-            <a:lvl1pPr marL="0" algn="l" defTabSz="914400" rtl="0" eaLnBrk="1" latinLnBrk="0" hangingPunct="1">
-              <a:defRPr sz="1800" kern="1200">
-                <a:solidFill>
-                  <a:schemeClr val="lt1"/>
-                </a:solidFill>
-                <a:latin typeface="+mn-lt"/>
-                <a:ea typeface="+mn-ea"/>
-                <a:cs typeface="+mn-cs"/>
-              </a:defRPr>
-            </a:lvl1pPr>
-            <a:lvl2pPr marL="457200" algn="l" defTabSz="914400" rtl="0" eaLnBrk="1" latinLnBrk="0" hangingPunct="1">
-              <a:defRPr sz="1800" kern="1200">
-                <a:solidFill>
-                  <a:schemeClr val="lt1"/>
-                </a:solidFill>
-                <a:latin typeface="+mn-lt"/>
-                <a:ea typeface="+mn-ea"/>
-                <a:cs typeface="+mn-cs"/>
-              </a:defRPr>
-            </a:lvl2pPr>
-            <a:lvl3pPr marL="914400" algn="l" defTabSz="914400" rtl="0" eaLnBrk="1" latinLnBrk="0" hangingPunct="1">
-              <a:defRPr sz="1800" kern="1200">
-                <a:solidFill>
-                  <a:schemeClr val="lt1"/>
-                </a:solidFill>
-                <a:latin typeface="+mn-lt"/>
-                <a:ea typeface="+mn-ea"/>
-                <a:cs typeface="+mn-cs"/>
-              </a:defRPr>
-            </a:lvl3pPr>
-            <a:lvl4pPr marL="1371600" algn="l" defTabSz="914400" rtl="0" eaLnBrk="1" latinLnBrk="0" hangingPunct="1">
-              <a:defRPr sz="1800" kern="1200">
-                <a:solidFill>
-                  <a:schemeClr val="lt1"/>
-                </a:solidFill>
-                <a:latin typeface="+mn-lt"/>
-                <a:ea typeface="+mn-ea"/>
-                <a:cs typeface="+mn-cs"/>
-              </a:defRPr>
-            </a:lvl4pPr>
-            <a:lvl5pPr marL="1828800" algn="l" defTabSz="914400" rtl="0" eaLnBrk="1" latinLnBrk="0" hangingPunct="1">
-              <a:defRPr sz="1800" kern="1200">
-                <a:solidFill>
-                  <a:schemeClr val="lt1"/>
-                </a:solidFill>
-                <a:latin typeface="+mn-lt"/>
-                <a:ea typeface="+mn-ea"/>
-                <a:cs typeface="+mn-cs"/>
-              </a:defRPr>
-            </a:lvl5pPr>
-            <a:lvl6pPr marL="2286000" algn="l" defTabSz="914400" rtl="0" eaLnBrk="1" latinLnBrk="0" hangingPunct="1">
-              <a:defRPr sz="1800" kern="1200">
-                <a:solidFill>
-                  <a:schemeClr val="lt1"/>
-                </a:solidFill>
-                <a:latin typeface="+mn-lt"/>
-                <a:ea typeface="+mn-ea"/>
-                <a:cs typeface="+mn-cs"/>
-              </a:defRPr>
-            </a:lvl6pPr>
-            <a:lvl7pPr marL="2743200" algn="l" defTabSz="914400" rtl="0" eaLnBrk="1" latinLnBrk="0" hangingPunct="1">
-              <a:defRPr sz="1800" kern="1200">
-                <a:solidFill>
-                  <a:schemeClr val="lt1"/>
-                </a:solidFill>
-                <a:latin typeface="+mn-lt"/>
-                <a:ea typeface="+mn-ea"/>
-                <a:cs typeface="+mn-cs"/>
-              </a:defRPr>
-            </a:lvl7pPr>
-            <a:lvl8pPr marL="3200400" algn="l" defTabSz="914400" rtl="0" eaLnBrk="1" latinLnBrk="0" hangingPunct="1">
-              <a:defRPr sz="1800" kern="1200">
-                <a:solidFill>
-                  <a:schemeClr val="lt1"/>
-                </a:solidFill>
-                <a:latin typeface="+mn-lt"/>
-                <a:ea typeface="+mn-ea"/>
-                <a:cs typeface="+mn-cs"/>
-              </a:defRPr>
-            </a:lvl8pPr>
-            <a:lvl9pPr marL="3657600" algn="l" defTabSz="914400" rtl="0" eaLnBrk="1" latinLnBrk="0" hangingPunct="1">
-              <a:defRPr sz="1800" kern="1200">
-                <a:solidFill>
-                  <a:schemeClr val="lt1"/>
-                </a:solidFill>
-                <a:latin typeface="+mn-lt"/>
-                <a:ea typeface="+mn-ea"/>
-                <a:cs typeface="+mn-cs"/>
-              </a:defRPr>
-            </a:lvl9pPr>
-          </a:lstStyle>
-          <a:p>
-            <a:pPr algn="ctr"/>
-            <a:endParaRPr lang="en-US"/>
-          </a:p>
-        </p:txBody>
-      </p:sp>
-      <p:sp>
-        <p:nvSpPr>
-          <p:cNvPr id="2" name="Title 1">
-            <a:extLst>
-              <a:ext uri="{FF2B5EF4-FFF2-40B4-BE49-F238E27FC236}">
-                <a16:creationId xmlns:a16="http://schemas.microsoft.com/office/drawing/2014/main" id="{62504865-2A8B-4CC9-874F-C9C5AADD9B34}"/>
-              </a:ext>
-            </a:extLst>
-          </p:cNvPr>
-          <p:cNvSpPr>
-            <a:spLocks noGrp="1"/>
-          </p:cNvSpPr>
-          <p:nvPr>
-            <p:ph type="title"/>
-          </p:nvPr>
-        </p:nvSpPr>
-        <p:spPr>
-          <a:xfrm>
-            <a:off x="643467" y="643466"/>
-            <a:ext cx="3933390" cy="4937287"/>
-          </a:xfrm>
-        </p:spPr>
-        <p:txBody>
-          <a:bodyPr anchor="ctr">
-            <a:normAutofit/>
-          </a:bodyPr>
-          <a:lstStyle/>
-          <a:p>
-            <a:pPr algn="l"/>
-            <a:r>
-              <a:rPr lang="en-US" sz="4800">
-                <a:solidFill>
-                  <a:schemeClr val="tx1"/>
-                </a:solidFill>
-              </a:rPr>
-              <a:t>Actions Classified</a:t>
-            </a:r>
-          </a:p>
-        </p:txBody>
-      </p:sp>
-      <p:sp>
-        <p:nvSpPr>
-          <p:cNvPr id="10" name="Freeform 6">
-            <a:extLst>
-              <a:ext uri="{FF2B5EF4-FFF2-40B4-BE49-F238E27FC236}">
-                <a16:creationId xmlns:a16="http://schemas.microsoft.com/office/drawing/2014/main" id="{CEF2B853-4083-4B70-AC2A-F79D80809342}"/>
-              </a:ext>
-              <a:ext uri="{C183D7F6-B498-43B3-948B-1728B52AA6E4}">
-                <adec:decorative xmlns:adec="http://schemas.microsoft.com/office/drawing/2017/decorative" val="1"/>
-              </a:ext>
-            </a:extLst>
-          </p:cNvPr>
-          <p:cNvSpPr>
-            <a:spLocks noGrp="1" noRot="1" noChangeAspect="1" noMove="1" noResize="1" noEditPoints="1" noAdjustHandles="1" noChangeArrowheads="1" noChangeShapeType="1" noTextEdit="1"/>
-          </p:cNvSpPr>
-          <p:nvPr>
-            <p:extLst>
-              <p:ext uri="{386F3935-93C4-4BCD-93E2-E3B085C9AB24}">
-                <p16:designElem xmlns:p16="http://schemas.microsoft.com/office/powerpoint/2015/main" val="1"/>
-              </p:ext>
-            </p:extLst>
-          </p:nvPr>
-        </p:nvSpPr>
-        <p:spPr bwMode="auto">
-          <a:xfrm flipH="1">
-            <a:off x="0" y="643466"/>
-            <a:ext cx="407988" cy="819150"/>
-          </a:xfrm>
-          <a:custGeom>
-            <a:avLst/>
-            <a:gdLst/>
-            <a:ahLst/>
-            <a:cxnLst/>
-            <a:rect l="0" t="0" r="r" b="b"/>
-            <a:pathLst>
-              <a:path w="1799" h="3612">
-                <a:moveTo>
-                  <a:pt x="1799" y="0"/>
-                </a:moveTo>
-                <a:lnTo>
-                  <a:pt x="1799" y="3612"/>
-                </a:lnTo>
-                <a:lnTo>
-                  <a:pt x="1686" y="3609"/>
-                </a:lnTo>
-                <a:lnTo>
-                  <a:pt x="1574" y="3598"/>
-                </a:lnTo>
-                <a:lnTo>
-                  <a:pt x="1464" y="3581"/>
-                </a:lnTo>
-                <a:lnTo>
-                  <a:pt x="1357" y="3557"/>
-                </a:lnTo>
-                <a:lnTo>
-                  <a:pt x="1251" y="3527"/>
-                </a:lnTo>
-                <a:lnTo>
-                  <a:pt x="1150" y="3490"/>
-                </a:lnTo>
-                <a:lnTo>
-                  <a:pt x="1050" y="3448"/>
-                </a:lnTo>
-                <a:lnTo>
-                  <a:pt x="953" y="3401"/>
-                </a:lnTo>
-                <a:lnTo>
-                  <a:pt x="860" y="3347"/>
-                </a:lnTo>
-                <a:lnTo>
-                  <a:pt x="771" y="3289"/>
-                </a:lnTo>
-                <a:lnTo>
-                  <a:pt x="686" y="3224"/>
-                </a:lnTo>
-                <a:lnTo>
-                  <a:pt x="604" y="3156"/>
-                </a:lnTo>
-                <a:lnTo>
-                  <a:pt x="527" y="3083"/>
-                </a:lnTo>
-                <a:lnTo>
-                  <a:pt x="454" y="3005"/>
-                </a:lnTo>
-                <a:lnTo>
-                  <a:pt x="386" y="2923"/>
-                </a:lnTo>
-                <a:lnTo>
-                  <a:pt x="323" y="2838"/>
-                </a:lnTo>
-                <a:lnTo>
-                  <a:pt x="265" y="2748"/>
-                </a:lnTo>
-                <a:lnTo>
-                  <a:pt x="211" y="2655"/>
-                </a:lnTo>
-                <a:lnTo>
-                  <a:pt x="163" y="2559"/>
-                </a:lnTo>
-                <a:lnTo>
-                  <a:pt x="121" y="2459"/>
-                </a:lnTo>
-                <a:lnTo>
-                  <a:pt x="85" y="2356"/>
-                </a:lnTo>
-                <a:lnTo>
-                  <a:pt x="55" y="2251"/>
-                </a:lnTo>
-                <a:lnTo>
-                  <a:pt x="32" y="2143"/>
-                </a:lnTo>
-                <a:lnTo>
-                  <a:pt x="14" y="2033"/>
-                </a:lnTo>
-                <a:lnTo>
-                  <a:pt x="4" y="1920"/>
-                </a:lnTo>
-                <a:lnTo>
-                  <a:pt x="0" y="1806"/>
-                </a:lnTo>
-                <a:lnTo>
-                  <a:pt x="4" y="1692"/>
-                </a:lnTo>
-                <a:lnTo>
-                  <a:pt x="14" y="1580"/>
-                </a:lnTo>
-                <a:lnTo>
-                  <a:pt x="32" y="1469"/>
-                </a:lnTo>
-                <a:lnTo>
-                  <a:pt x="55" y="1362"/>
-                </a:lnTo>
-                <a:lnTo>
-                  <a:pt x="85" y="1256"/>
-                </a:lnTo>
-                <a:lnTo>
-                  <a:pt x="121" y="1154"/>
-                </a:lnTo>
-                <a:lnTo>
-                  <a:pt x="163" y="1054"/>
-                </a:lnTo>
-                <a:lnTo>
-                  <a:pt x="211" y="958"/>
-                </a:lnTo>
-                <a:lnTo>
-                  <a:pt x="265" y="864"/>
-                </a:lnTo>
-                <a:lnTo>
-                  <a:pt x="323" y="774"/>
-                </a:lnTo>
-                <a:lnTo>
-                  <a:pt x="386" y="689"/>
-                </a:lnTo>
-                <a:lnTo>
-                  <a:pt x="454" y="607"/>
-                </a:lnTo>
-                <a:lnTo>
-                  <a:pt x="527" y="529"/>
-                </a:lnTo>
-                <a:lnTo>
-                  <a:pt x="604" y="456"/>
-                </a:lnTo>
-                <a:lnTo>
-                  <a:pt x="686" y="388"/>
-                </a:lnTo>
-                <a:lnTo>
-                  <a:pt x="771" y="325"/>
-                </a:lnTo>
-                <a:lnTo>
-                  <a:pt x="860" y="266"/>
-                </a:lnTo>
-                <a:lnTo>
-                  <a:pt x="953" y="212"/>
-                </a:lnTo>
-                <a:lnTo>
-                  <a:pt x="1050" y="164"/>
-                </a:lnTo>
-                <a:lnTo>
-                  <a:pt x="1150" y="122"/>
-                </a:lnTo>
-                <a:lnTo>
-                  <a:pt x="1251" y="85"/>
-                </a:lnTo>
-                <a:lnTo>
-                  <a:pt x="1357" y="55"/>
-                </a:lnTo>
-                <a:lnTo>
-                  <a:pt x="1464" y="32"/>
-                </a:lnTo>
-                <a:lnTo>
-                  <a:pt x="1574" y="14"/>
-                </a:lnTo>
-                <a:lnTo>
-                  <a:pt x="1686" y="5"/>
-                </a:lnTo>
-                <a:lnTo>
-                  <a:pt x="1799" y="0"/>
-                </a:lnTo>
-                <a:close/>
-              </a:path>
-            </a:pathLst>
-          </a:custGeom>
-          <a:solidFill>
-            <a:schemeClr val="tx1">
-              <a:lumMod val="85000"/>
-              <a:lumOff val="15000"/>
-            </a:schemeClr>
-          </a:solidFill>
-          <a:ln w="0">
-            <a:noFill/>
-            <a:prstDash val="solid"/>
-            <a:round/>
-            <a:headEnd/>
-            <a:tailEnd/>
-          </a:ln>
-        </p:spPr>
-      </p:sp>
-      <p:graphicFrame>
-        <p:nvGraphicFramePr>
-          <p:cNvPr id="14" name="Content Placeholder 2">
-            <a:extLst>
-              <a:ext uri="{FF2B5EF4-FFF2-40B4-BE49-F238E27FC236}">
-                <a16:creationId xmlns:a16="http://schemas.microsoft.com/office/drawing/2014/main" id="{D7C3D342-807A-4790-9461-9988797129F4}"/>
-              </a:ext>
-            </a:extLst>
-          </p:cNvPr>
-          <p:cNvGraphicFramePr>
-            <a:graphicFrameLocks noGrp="1"/>
-          </p:cNvGraphicFramePr>
-          <p:nvPr>
-            <p:ph idx="1"/>
-            <p:extLst>
-              <p:ext uri="{D42A27DB-BD31-4B8C-83A1-F6EECF244321}">
-                <p14:modId xmlns:p14="http://schemas.microsoft.com/office/powerpoint/2010/main" val="1482237627"/>
-              </p:ext>
-            </p:extLst>
-          </p:nvPr>
-        </p:nvGraphicFramePr>
-        <p:xfrm>
-          <a:off x="4495800" y="375922"/>
-          <a:ext cx="7310120" cy="6106158"/>
-        </p:xfrm>
-        <a:graphic>
-          <a:graphicData uri="http://schemas.openxmlformats.org/drawingml/2006/diagram">
-            <dgm:relIds xmlns:dgm="http://schemas.openxmlformats.org/drawingml/2006/diagram" xmlns:r="http://schemas.openxmlformats.org/officeDocument/2006/relationships" r:dm="rId2" r:lo="rId3" r:qs="rId4" r:cs="rId5"/>
-          </a:graphicData>
-        </a:graphic>
-      </p:graphicFrame>
-      <p:cxnSp>
-        <p:nvCxnSpPr>
-          <p:cNvPr id="12" name="Straight Connector 11">
-            <a:extLst>
-              <a:ext uri="{FF2B5EF4-FFF2-40B4-BE49-F238E27FC236}">
-                <a16:creationId xmlns:a16="http://schemas.microsoft.com/office/drawing/2014/main" id="{D434EAAF-BF44-4CCC-84D4-105F3370AFFC}"/>
-              </a:ext>
-              <a:ext uri="{C183D7F6-B498-43B3-948B-1728B52AA6E4}">
-                <adec:decorative xmlns:adec="http://schemas.microsoft.com/office/drawing/2017/decorative" val="1"/>
-              </a:ext>
-            </a:extLst>
-          </p:cNvPr>
-          <p:cNvCxnSpPr>
-            <a:cxnSpLocks noGrp="1" noRot="1" noChangeAspect="1" noMove="1" noResize="1" noEditPoints="1" noAdjustHandles="1" noChangeArrowheads="1" noChangeShapeType="1"/>
-          </p:cNvCxnSpPr>
-          <p:nvPr>
-            <p:extLst>
-              <p:ext uri="{386F3935-93C4-4BCD-93E2-E3B085C9AB24}">
-                <p16:designElem xmlns:p16="http://schemas.microsoft.com/office/powerpoint/2015/main" val="1"/>
-              </p:ext>
-            </p:extLst>
-          </p:nvPr>
-        </p:nvCxnSpPr>
-        <p:spPr>
-          <a:xfrm>
-            <a:off x="0" y="6199730"/>
-            <a:ext cx="4495800" cy="0"/>
-          </a:xfrm>
-          <a:prstGeom prst="line">
-            <a:avLst/>
-          </a:prstGeom>
-          <a:ln w="25400">
-            <a:solidFill>
-              <a:schemeClr val="tx1">
-                <a:lumMod val="85000"/>
-                <a:lumOff val="15000"/>
-              </a:schemeClr>
-            </a:solidFill>
-          </a:ln>
-        </p:spPr>
-        <p:style>
-          <a:lnRef idx="1">
-            <a:schemeClr val="accent1"/>
-          </a:lnRef>
-          <a:fillRef idx="0">
-            <a:schemeClr val="accent1"/>
-          </a:fillRef>
-          <a:effectRef idx="0">
-            <a:schemeClr val="accent1"/>
-          </a:effectRef>
-          <a:fontRef idx="minor">
-            <a:schemeClr val="tx1"/>
-          </a:fontRef>
-        </p:style>
-      </p:cxnSp>
-      <p:sp>
-        <p:nvSpPr>
-          <p:cNvPr id="4" name="Slide Number Placeholder 3">
-            <a:extLst>
-              <a:ext uri="{FF2B5EF4-FFF2-40B4-BE49-F238E27FC236}">
-                <a16:creationId xmlns:a16="http://schemas.microsoft.com/office/drawing/2014/main" id="{4F07F39B-2D55-430E-94D2-F8A25CD5F8FE}"/>
-              </a:ext>
-            </a:extLst>
-          </p:cNvPr>
-          <p:cNvSpPr>
-            <a:spLocks noGrp="1"/>
-          </p:cNvSpPr>
-          <p:nvPr>
-            <p:ph type="sldNum" sz="quarter" idx="12"/>
-          </p:nvPr>
-        </p:nvSpPr>
-        <p:spPr/>
-        <p:txBody>
-          <a:bodyPr/>
-          <a:lstStyle/>
-          <a:p>
-            <a:fld id="{A06F4413-EA05-4236-9082-DBB2EFB33C57}" type="slidenum">
-              <a:rPr lang="en-US" smtClean="0"/>
-              <a:t>9</a:t>
-            </a:fld>
-            <a:endParaRPr lang="en-US"/>
-          </a:p>
-        </p:txBody>
-      </p:sp>
-    </p:spTree>
-    <p:extLst>
-      <p:ext uri="{BB962C8B-B14F-4D97-AF65-F5344CB8AC3E}">
-        <p14:creationId xmlns:p14="http://schemas.microsoft.com/office/powerpoint/2010/main" val="1881209549"/>
-      </p:ext>
-    </p:extLst>
-  </p:cSld>
-  <p:clrMapOvr>
-    <a:overrideClrMapping bg1="dk1" tx1="lt1" bg2="dk2" tx2="lt2" accent1="accent1" accent2="accent2" accent3="accent3" accent4="accent4" accent5="accent5" accent6="accent6" hlink="hlink" folHlink="folHlink"/>
   </p:clrMapOvr>
 </p:sld>
 </file>
